--- a/clases/Cap04_Clasificacion/presentations/PAT04_LDA.pptx
+++ b/clases/Cap04_Clasificacion/presentations/PAT04_LDA.pptx
@@ -4219,28 +4219,6 @@
           </a:p>
           <a:p>
             <a:pPr algn="ctr"/>
-            <a:r>
-              <a:rPr lang="es-CL" sz="1200" smtClean="0">
-                <a:solidFill>
-                  <a:schemeClr val="bg1">
-                    <a:lumMod val="75000"/>
-                  </a:schemeClr>
-                </a:solidFill>
-                <a:latin typeface="Trebuchet MS" pitchFamily="34" charset="0"/>
-              </a:rPr>
-              <a:t>Semestre </a:t>
-            </a:r>
-            <a:r>
-              <a:rPr lang="es-CL" sz="1200" smtClean="0">
-                <a:solidFill>
-                  <a:schemeClr val="bg1">
-                    <a:lumMod val="75000"/>
-                  </a:schemeClr>
-                </a:solidFill>
-                <a:latin typeface="Trebuchet MS" pitchFamily="34" charset="0"/>
-              </a:rPr>
-              <a:t>2018-1</a:t>
-            </a:r>
             <a:endParaRPr lang="en-US" sz="1200" dirty="0">
               <a:solidFill>
                 <a:schemeClr val="bg1">

--- a/clases/Cap04_Clasificacion/presentations/PAT04_LDA.pptx
+++ b/clases/Cap04_Clasificacion/presentations/PAT04_LDA.pptx
@@ -5,7 +5,7 @@
     <p:sldMasterId id="2147483648" r:id="rId1"/>
   </p:sldMasterIdLst>
   <p:notesMasterIdLst>
-    <p:notesMasterId r:id="rId13"/>
+    <p:notesMasterId r:id="rId14"/>
   </p:notesMasterIdLst>
   <p:sldIdLst>
     <p:sldId id="293" r:id="rId2"/>
@@ -15,10 +15,11 @@
     <p:sldId id="289" r:id="rId6"/>
     <p:sldId id="285" r:id="rId7"/>
     <p:sldId id="287" r:id="rId8"/>
-    <p:sldId id="288" r:id="rId9"/>
-    <p:sldId id="290" r:id="rId10"/>
-    <p:sldId id="291" r:id="rId11"/>
-    <p:sldId id="292" r:id="rId12"/>
+    <p:sldId id="294" r:id="rId9"/>
+    <p:sldId id="288" r:id="rId10"/>
+    <p:sldId id="290" r:id="rId11"/>
+    <p:sldId id="291" r:id="rId12"/>
+    <p:sldId id="292" r:id="rId13"/>
   </p:sldIdLst>
   <p:sldSz cx="9144000" cy="6858000" type="screen4x3"/>
   <p:notesSz cx="6858000" cy="9144000"/>
@@ -5094,6 +5095,539 @@
       </p:grpSpPr>
       <p:grpSp>
         <p:nvGrpSpPr>
+          <p:cNvPr id="7" name="Group 6"/>
+          <p:cNvGrpSpPr/>
+          <p:nvPr/>
+        </p:nvGrpSpPr>
+        <p:grpSpPr>
+          <a:xfrm>
+            <a:off x="0" y="1603460"/>
+            <a:ext cx="7440288" cy="2296156"/>
+            <a:chOff x="0" y="1603460"/>
+            <a:chExt cx="7440288" cy="2296156"/>
+          </a:xfrm>
+        </p:grpSpPr>
+        <p:sp>
+          <p:nvSpPr>
+            <p:cNvPr id="6" name="Oval 5"/>
+            <p:cNvSpPr/>
+            <p:nvPr/>
+          </p:nvSpPr>
+          <p:spPr>
+            <a:xfrm>
+              <a:off x="0" y="3566096"/>
+              <a:ext cx="2411886" cy="333520"/>
+            </a:xfrm>
+            <a:prstGeom prst="ellipse">
+              <a:avLst/>
+            </a:prstGeom>
+          </p:spPr>
+          <p:style>
+            <a:lnRef idx="1">
+              <a:schemeClr val="accent1"/>
+            </a:lnRef>
+            <a:fillRef idx="3">
+              <a:schemeClr val="accent1"/>
+            </a:fillRef>
+            <a:effectRef idx="2">
+              <a:schemeClr val="accent1"/>
+            </a:effectRef>
+            <a:fontRef idx="minor">
+              <a:schemeClr val="lt1"/>
+            </a:fontRef>
+          </p:style>
+          <p:txBody>
+            <a:bodyPr rtlCol="0" anchor="ctr"/>
+            <a:lstStyle/>
+            <a:p>
+              <a:pPr algn="ctr"/>
+              <a:endParaRPr lang="en-US"/>
+            </a:p>
+          </p:txBody>
+        </p:sp>
+        <p:cxnSp>
+          <p:nvCxnSpPr>
+            <p:cNvPr id="3" name="Straight Arrow Connector 2"/>
+            <p:cNvCxnSpPr/>
+            <p:nvPr/>
+          </p:nvCxnSpPr>
+          <p:spPr>
+            <a:xfrm flipV="1">
+              <a:off x="1821744" y="1834359"/>
+              <a:ext cx="2745445" cy="1885669"/>
+            </a:xfrm>
+            <a:prstGeom prst="straightConnector1">
+              <a:avLst/>
+            </a:prstGeom>
+            <a:ln>
+              <a:tailEnd type="arrow"/>
+            </a:ln>
+          </p:spPr>
+          <p:style>
+            <a:lnRef idx="2">
+              <a:schemeClr val="accent1"/>
+            </a:lnRef>
+            <a:fillRef idx="0">
+              <a:schemeClr val="accent1"/>
+            </a:fillRef>
+            <a:effectRef idx="1">
+              <a:schemeClr val="accent1"/>
+            </a:effectRef>
+            <a:fontRef idx="minor">
+              <a:schemeClr val="tx1"/>
+            </a:fontRef>
+          </p:style>
+        </p:cxnSp>
+        <p:sp>
+          <p:nvSpPr>
+            <p:cNvPr id="5" name="TextBox 4"/>
+            <p:cNvSpPr txBox="1"/>
+            <p:nvPr/>
+          </p:nvSpPr>
+          <p:spPr>
+            <a:xfrm>
+              <a:off x="4900748" y="1603460"/>
+              <a:ext cx="2539540" cy="1200329"/>
+            </a:xfrm>
+            <a:prstGeom prst="rect">
+              <a:avLst/>
+            </a:prstGeom>
+            <a:noFill/>
+          </p:spPr>
+          <p:txBody>
+            <a:bodyPr wrap="none" rtlCol="0">
+              <a:spAutoFit/>
+            </a:bodyPr>
+            <a:lstStyle/>
+            <a:p>
+              <a:r>
+                <a:rPr lang="en-US" dirty="0" smtClean="0">
+                  <a:latin typeface="Courier"/>
+                  <a:cs typeface="Courier"/>
+                </a:rPr>
+                <a:t>X:  training data</a:t>
+              </a:r>
+            </a:p>
+            <a:p>
+              <a:r>
+                <a:rPr lang="en-US" dirty="0" smtClean="0">
+                  <a:latin typeface="Courier"/>
+                  <a:cs typeface="Courier"/>
+                </a:rPr>
+                <a:t>d:  labels of X</a:t>
+              </a:r>
+            </a:p>
+            <a:p>
+              <a:r>
+                <a:rPr lang="en-US" dirty="0" err="1" smtClean="0">
+                  <a:latin typeface="Courier"/>
+                  <a:cs typeface="Courier"/>
+                </a:rPr>
+                <a:t>Xt</a:t>
+              </a:r>
+              <a:r>
+                <a:rPr lang="en-US" dirty="0" smtClean="0">
+                  <a:latin typeface="Courier"/>
+                  <a:cs typeface="Courier"/>
+                </a:rPr>
+                <a:t>: testing data</a:t>
+              </a:r>
+            </a:p>
+            <a:p>
+              <a:r>
+                <a:rPr lang="en-US" dirty="0" err="1" smtClean="0">
+                  <a:latin typeface="Courier"/>
+                  <a:cs typeface="Courier"/>
+                </a:rPr>
+                <a:t>dt</a:t>
+              </a:r>
+              <a:r>
+                <a:rPr lang="en-US" dirty="0" smtClean="0">
+                  <a:latin typeface="Courier"/>
+                  <a:cs typeface="Courier"/>
+                </a:rPr>
+                <a:t>: labels of </a:t>
+              </a:r>
+              <a:r>
+                <a:rPr lang="en-US" dirty="0" err="1" smtClean="0">
+                  <a:latin typeface="Courier"/>
+                  <a:cs typeface="Courier"/>
+                </a:rPr>
+                <a:t>Xt</a:t>
+              </a:r>
+              <a:endParaRPr lang="en-US" dirty="0">
+                <a:latin typeface="Courier"/>
+                <a:cs typeface="Courier"/>
+              </a:endParaRPr>
+            </a:p>
+          </p:txBody>
+        </p:sp>
+      </p:grpSp>
+      <p:sp>
+        <p:nvSpPr>
+          <p:cNvPr id="4" name="TextBox 3"/>
+          <p:cNvSpPr txBox="1"/>
+          <p:nvPr/>
+        </p:nvSpPr>
+        <p:spPr>
+          <a:xfrm>
+            <a:off x="275293" y="2754003"/>
+            <a:ext cx="8434420" cy="2154436"/>
+          </a:xfrm>
+          <a:prstGeom prst="rect">
+            <a:avLst/>
+          </a:prstGeom>
+          <a:noFill/>
+        </p:spPr>
+        <p:txBody>
+          <a:bodyPr wrap="none" rtlCol="0">
+            <a:spAutoFit/>
+          </a:bodyPr>
+          <a:lstStyle/>
+          <a:p>
+            <a:r>
+              <a:rPr lang="en-US" dirty="0" smtClean="0">
+                <a:latin typeface="Trebuchet MS"/>
+                <a:cs typeface="Trebuchet MS"/>
+              </a:rPr>
+              <a:t>Example using </a:t>
+            </a:r>
+            <a:r>
+              <a:rPr lang="en-US" dirty="0" err="1" smtClean="0">
+                <a:latin typeface="Trebuchet MS"/>
+                <a:cs typeface="Trebuchet MS"/>
+              </a:rPr>
+              <a:t>Balu</a:t>
+            </a:r>
+            <a:r>
+              <a:rPr lang="en-US" dirty="0" smtClean="0">
+                <a:latin typeface="Trebuchet MS"/>
+                <a:cs typeface="Trebuchet MS"/>
+              </a:rPr>
+              <a:t>:</a:t>
+            </a:r>
+          </a:p>
+          <a:p>
+            <a:endParaRPr lang="en-US" dirty="0">
+              <a:latin typeface="Trebuchet MS"/>
+              <a:cs typeface="Trebuchet MS"/>
+            </a:endParaRPr>
+          </a:p>
+          <a:p>
+            <a:endParaRPr lang="en-US" dirty="0" smtClean="0">
+              <a:latin typeface="Trebuchet MS"/>
+              <a:cs typeface="Trebuchet MS"/>
+            </a:endParaRPr>
+          </a:p>
+          <a:p>
+            <a:r>
+              <a:rPr lang="en-US" sz="1600" dirty="0">
+                <a:latin typeface="Courier"/>
+                <a:cs typeface="Courier"/>
+              </a:rPr>
+              <a:t>load </a:t>
+            </a:r>
+            <a:r>
+              <a:rPr lang="en-US" sz="1600" dirty="0" err="1">
+                <a:latin typeface="Courier"/>
+                <a:cs typeface="Courier"/>
+              </a:rPr>
+              <a:t>datagauss</a:t>
+            </a:r>
+            <a:r>
+              <a:rPr lang="en-US" sz="1600" dirty="0">
+                <a:latin typeface="Courier"/>
+                <a:cs typeface="Courier"/>
+              </a:rPr>
+              <a:t>             % simulated data (2 classes, 2 features)</a:t>
+            </a:r>
+          </a:p>
+          <a:p>
+            <a:r>
+              <a:rPr lang="en-US" sz="1600" dirty="0" err="1" smtClean="0">
+                <a:latin typeface="Courier"/>
+                <a:cs typeface="Courier"/>
+              </a:rPr>
+              <a:t>Bio_plotfeatures</a:t>
+            </a:r>
+            <a:r>
+              <a:rPr lang="en-US" sz="1600" dirty="0">
+                <a:latin typeface="Courier"/>
+                <a:cs typeface="Courier"/>
+              </a:rPr>
+              <a:t>(</a:t>
+            </a:r>
+            <a:r>
+              <a:rPr lang="en-US" sz="1600" dirty="0" err="1">
+                <a:latin typeface="Courier"/>
+                <a:cs typeface="Courier"/>
+              </a:rPr>
+              <a:t>X,d</a:t>
+            </a:r>
+            <a:r>
+              <a:rPr lang="en-US" sz="1600" dirty="0">
+                <a:latin typeface="Courier"/>
+                <a:cs typeface="Courier"/>
+              </a:rPr>
+              <a:t>)      % plot feature space</a:t>
+            </a:r>
+          </a:p>
+          <a:p>
+            <a:r>
+              <a:rPr lang="en-US" sz="1600" dirty="0" err="1" smtClean="0">
+                <a:latin typeface="Courier"/>
+                <a:cs typeface="Courier"/>
+              </a:rPr>
+              <a:t>op.p</a:t>
+            </a:r>
+            <a:r>
+              <a:rPr lang="en-US" sz="1600" dirty="0" smtClean="0">
+                <a:latin typeface="Courier"/>
+                <a:cs typeface="Courier"/>
+              </a:rPr>
+              <a:t> </a:t>
+            </a:r>
+            <a:r>
+              <a:rPr lang="en-US" sz="1600" dirty="0">
+                <a:latin typeface="Courier"/>
+                <a:cs typeface="Courier"/>
+              </a:rPr>
+              <a:t>= [0.75 0.25];        % prior probability for each class</a:t>
+            </a:r>
+          </a:p>
+          <a:p>
+            <a:r>
+              <a:rPr lang="en-US" sz="1600" dirty="0">
+                <a:latin typeface="Courier"/>
+                <a:cs typeface="Courier"/>
+              </a:rPr>
+              <a:t>ds = </a:t>
+            </a:r>
+            <a:r>
+              <a:rPr lang="en-US" sz="1600" dirty="0" err="1">
+                <a:latin typeface="Courier"/>
+                <a:cs typeface="Courier"/>
+              </a:rPr>
+              <a:t>Bcl_lda</a:t>
+            </a:r>
+            <a:r>
+              <a:rPr lang="en-US" sz="1600" dirty="0">
+                <a:latin typeface="Courier"/>
+                <a:cs typeface="Courier"/>
+              </a:rPr>
+              <a:t>(</a:t>
+            </a:r>
+            <a:r>
+              <a:rPr lang="en-US" sz="1600" dirty="0" err="1">
+                <a:latin typeface="Courier"/>
+                <a:cs typeface="Courier"/>
+              </a:rPr>
+              <a:t>X,d,Xt,op</a:t>
+            </a:r>
+            <a:r>
+              <a:rPr lang="en-US" sz="1600" dirty="0">
+                <a:latin typeface="Courier"/>
+                <a:cs typeface="Courier"/>
+              </a:rPr>
+              <a:t>);   % LDA classifier</a:t>
+            </a:r>
+          </a:p>
+          <a:p>
+            <a:r>
+              <a:rPr lang="en-US" sz="1600" dirty="0" smtClean="0">
+                <a:latin typeface="Courier"/>
+                <a:cs typeface="Courier"/>
+              </a:rPr>
+              <a:t>p </a:t>
+            </a:r>
+            <a:r>
+              <a:rPr lang="en-US" sz="1600" dirty="0">
+                <a:latin typeface="Courier"/>
+                <a:cs typeface="Courier"/>
+              </a:rPr>
+              <a:t>= </a:t>
+            </a:r>
+            <a:r>
+              <a:rPr lang="en-US" sz="1600" dirty="0" err="1">
+                <a:latin typeface="Courier"/>
+                <a:cs typeface="Courier"/>
+              </a:rPr>
+              <a:t>Bev_performance</a:t>
+            </a:r>
+            <a:r>
+              <a:rPr lang="en-US" sz="1600" dirty="0">
+                <a:latin typeface="Courier"/>
+                <a:cs typeface="Courier"/>
+              </a:rPr>
+              <a:t>(</a:t>
+            </a:r>
+            <a:r>
+              <a:rPr lang="en-US" sz="1600" dirty="0" err="1">
+                <a:latin typeface="Courier"/>
+                <a:cs typeface="Courier"/>
+              </a:rPr>
+              <a:t>ds,dt</a:t>
+            </a:r>
+            <a:r>
+              <a:rPr lang="en-US" sz="1600" dirty="0">
+                <a:latin typeface="Courier"/>
+                <a:cs typeface="Courier"/>
+              </a:rPr>
+              <a:t>) % performance on test data</a:t>
+            </a:r>
+            <a:endParaRPr lang="pt-BR" sz="1600" dirty="0" smtClean="0">
+              <a:latin typeface="Courier"/>
+              <a:cs typeface="Courier"/>
+            </a:endParaRPr>
+          </a:p>
+        </p:txBody>
+      </p:sp>
+      <p:sp>
+        <p:nvSpPr>
+          <p:cNvPr id="8" name="TextBox 7"/>
+          <p:cNvSpPr txBox="1"/>
+          <p:nvPr/>
+        </p:nvSpPr>
+        <p:spPr>
+          <a:xfrm>
+            <a:off x="149982" y="204430"/>
+            <a:ext cx="982961" cy="584775"/>
+          </a:xfrm>
+          <a:prstGeom prst="rect">
+            <a:avLst/>
+          </a:prstGeom>
+          <a:solidFill>
+            <a:schemeClr val="bg1">
+              <a:lumMod val="75000"/>
+            </a:schemeClr>
+          </a:solidFill>
+          <a:ln>
+            <a:solidFill>
+              <a:schemeClr val="tx1"/>
+            </a:solidFill>
+          </a:ln>
+        </p:spPr>
+        <p:txBody>
+          <a:bodyPr wrap="none" rtlCol="0">
+            <a:spAutoFit/>
+          </a:bodyPr>
+          <a:lstStyle/>
+          <a:p>
+            <a:r>
+              <a:rPr lang="en-US" sz="3200" dirty="0" smtClean="0"/>
+              <a:t>LDA</a:t>
+            </a:r>
+            <a:endParaRPr lang="en-US" sz="3200" dirty="0"/>
+          </a:p>
+        </p:txBody>
+      </p:sp>
+    </p:spTree>
+    <p:extLst>
+      <p:ext uri="{BB962C8B-B14F-4D97-AF65-F5344CB8AC3E}">
+        <p14:creationId xmlns:p14="http://schemas.microsoft.com/office/powerpoint/2010/main" val="468088403"/>
+      </p:ext>
+    </p:extLst>
+  </p:cSld>
+  <p:clrMapOvr>
+    <a:masterClrMapping/>
+  </p:clrMapOvr>
+  <p:timing>
+    <p:tnLst>
+      <p:par>
+        <p:cTn id="1" dur="indefinite" restart="never" nodeType="tmRoot">
+          <p:childTnLst>
+            <p:seq concurrent="1" nextAc="seek">
+              <p:cTn id="2" dur="indefinite" nodeType="mainSeq">
+                <p:childTnLst>
+                  <p:par>
+                    <p:cTn id="3" fill="hold">
+                      <p:stCondLst>
+                        <p:cond delay="indefinite"/>
+                      </p:stCondLst>
+                      <p:childTnLst>
+                        <p:par>
+                          <p:cTn id="4" fill="hold">
+                            <p:stCondLst>
+                              <p:cond delay="0"/>
+                            </p:stCondLst>
+                            <p:childTnLst>
+                              <p:par>
+                                <p:cTn id="5" presetID="1" presetClass="entr" presetSubtype="0" fill="hold" nodeType="clickEffect">
+                                  <p:stCondLst>
+                                    <p:cond delay="0"/>
+                                  </p:stCondLst>
+                                  <p:childTnLst>
+                                    <p:set>
+                                      <p:cBhvr>
+                                        <p:cTn id="6" dur="1" fill="hold">
+                                          <p:stCondLst>
+                                            <p:cond delay="0"/>
+                                          </p:stCondLst>
+                                        </p:cTn>
+                                        <p:tgtEl>
+                                          <p:spTgt spid="7"/>
+                                        </p:tgtEl>
+                                        <p:attrNameLst>
+                                          <p:attrName>style.visibility</p:attrName>
+                                        </p:attrNameLst>
+                                      </p:cBhvr>
+                                      <p:to>
+                                        <p:strVal val="visible"/>
+                                      </p:to>
+                                    </p:set>
+                                  </p:childTnLst>
+                                </p:cTn>
+                              </p:par>
+                            </p:childTnLst>
+                          </p:cTn>
+                        </p:par>
+                      </p:childTnLst>
+                    </p:cTn>
+                  </p:par>
+                </p:childTnLst>
+              </p:cTn>
+              <p:prevCondLst>
+                <p:cond evt="onPrev" delay="0">
+                  <p:tgtEl>
+                    <p:sldTgt/>
+                  </p:tgtEl>
+                </p:cond>
+              </p:prevCondLst>
+              <p:nextCondLst>
+                <p:cond evt="onNext" delay="0">
+                  <p:tgtEl>
+                    <p:sldTgt/>
+                  </p:tgtEl>
+                </p:cond>
+              </p:nextCondLst>
+            </p:seq>
+          </p:childTnLst>
+        </p:cTn>
+      </p:par>
+    </p:tnLst>
+  </p:timing>
+</p:sld>
+</file>
+
+<file path=ppt/slides/slide11.xml><?xml version="1.0" encoding="utf-8"?>
+<p:sld xmlns:a="http://schemas.openxmlformats.org/drawingml/2006/main" xmlns:r="http://schemas.openxmlformats.org/officeDocument/2006/relationships" xmlns:p="http://schemas.openxmlformats.org/presentationml/2006/main">
+  <p:cSld>
+    <p:spTree>
+      <p:nvGrpSpPr>
+        <p:cNvPr id="1" name=""/>
+        <p:cNvGrpSpPr/>
+        <p:nvPr/>
+      </p:nvGrpSpPr>
+      <p:grpSpPr>
+        <a:xfrm>
+          <a:off x="0" y="0"/>
+          <a:ext cx="0" cy="0"/>
+          <a:chOff x="0" y="0"/>
+          <a:chExt cx="0" cy="0"/>
+        </a:xfrm>
+      </p:grpSpPr>
+      <p:grpSp>
+        <p:nvGrpSpPr>
           <p:cNvPr id="11" name="Group 10"/>
           <p:cNvGrpSpPr/>
           <p:nvPr/>
@@ -5722,6 +6256,45 @@
           </p:txBody>
         </p:sp>
       </p:grpSp>
+      <p:sp>
+        <p:nvSpPr>
+          <p:cNvPr id="28" name="TextBox 27"/>
+          <p:cNvSpPr txBox="1"/>
+          <p:nvPr/>
+        </p:nvSpPr>
+        <p:spPr>
+          <a:xfrm>
+            <a:off x="149982" y="204430"/>
+            <a:ext cx="3150221" cy="584775"/>
+          </a:xfrm>
+          <a:prstGeom prst="rect">
+            <a:avLst/>
+          </a:prstGeom>
+          <a:solidFill>
+            <a:schemeClr val="bg1">
+              <a:lumMod val="75000"/>
+            </a:schemeClr>
+          </a:solidFill>
+          <a:ln>
+            <a:solidFill>
+              <a:schemeClr val="tx1"/>
+            </a:solidFill>
+          </a:ln>
+        </p:spPr>
+        <p:txBody>
+          <a:bodyPr wrap="none" rtlCol="0">
+            <a:spAutoFit/>
+          </a:bodyPr>
+          <a:lstStyle/>
+          <a:p>
+            <a:r>
+              <a:rPr lang="en-US" sz="3200" smtClean="0"/>
+              <a:t>MAHALANOBIS</a:t>
+            </a:r>
+            <a:endParaRPr lang="en-US" sz="3200" dirty="0"/>
+          </a:p>
+        </p:txBody>
+      </p:sp>
     </p:spTree>
     <p:extLst>
       <p:ext uri="{BB962C8B-B14F-4D97-AF65-F5344CB8AC3E}">
@@ -5735,130 +6308,14 @@
   <p:timing>
     <p:tnLst>
       <p:par>
-        <p:cTn id="1" dur="indefinite" restart="never" nodeType="tmRoot">
-          <p:childTnLst>
-            <p:seq concurrent="1" nextAc="seek">
-              <p:cTn id="2" dur="indefinite" nodeType="mainSeq">
-                <p:childTnLst>
-                  <p:par>
-                    <p:cTn id="3" fill="hold">
-                      <p:stCondLst>
-                        <p:cond delay="indefinite"/>
-                      </p:stCondLst>
-                      <p:childTnLst>
-                        <p:par>
-                          <p:cTn id="4" fill="hold">
-                            <p:stCondLst>
-                              <p:cond delay="0"/>
-                            </p:stCondLst>
-                            <p:childTnLst>
-                              <p:par>
-                                <p:cTn id="5" presetID="1" presetClass="entr" presetSubtype="0" fill="hold" grpId="0" nodeType="clickEffect">
-                                  <p:stCondLst>
-                                    <p:cond delay="0"/>
-                                  </p:stCondLst>
-                                  <p:childTnLst>
-                                    <p:set>
-                                      <p:cBhvr>
-                                        <p:cTn id="6" dur="1" fill="hold">
-                                          <p:stCondLst>
-                                            <p:cond delay="0"/>
-                                          </p:stCondLst>
-                                        </p:cTn>
-                                        <p:tgtEl>
-                                          <p:spTgt spid="3"/>
-                                        </p:tgtEl>
-                                        <p:attrNameLst>
-                                          <p:attrName>style.visibility</p:attrName>
-                                        </p:attrNameLst>
-                                      </p:cBhvr>
-                                      <p:to>
-                                        <p:strVal val="visible"/>
-                                      </p:to>
-                                    </p:set>
-                                  </p:childTnLst>
-                                </p:cTn>
-                              </p:par>
-                            </p:childTnLst>
-                          </p:cTn>
-                        </p:par>
-                      </p:childTnLst>
-                    </p:cTn>
-                  </p:par>
-                  <p:par>
-                    <p:cTn id="7" fill="hold">
-                      <p:stCondLst>
-                        <p:cond delay="indefinite"/>
-                      </p:stCondLst>
-                      <p:childTnLst>
-                        <p:par>
-                          <p:cTn id="8" fill="hold">
-                            <p:stCondLst>
-                              <p:cond delay="0"/>
-                            </p:stCondLst>
-                            <p:childTnLst>
-                              <p:par>
-                                <p:cTn id="9" presetID="1" presetClass="entr" presetSubtype="0" fill="hold" nodeType="clickEffect">
-                                  <p:stCondLst>
-                                    <p:cond delay="0"/>
-                                  </p:stCondLst>
-                                  <p:childTnLst>
-                                    <p:set>
-                                      <p:cBhvr>
-                                        <p:cTn id="10" dur="1" fill="hold">
-                                          <p:stCondLst>
-                                            <p:cond delay="0"/>
-                                          </p:stCondLst>
-                                        </p:cTn>
-                                        <p:tgtEl>
-                                          <p:spTgt spid="18"/>
-                                        </p:tgtEl>
-                                        <p:attrNameLst>
-                                          <p:attrName>style.visibility</p:attrName>
-                                        </p:attrNameLst>
-                                      </p:cBhvr>
-                                      <p:to>
-                                        <p:strVal val="visible"/>
-                                      </p:to>
-                                    </p:set>
-                                  </p:childTnLst>
-                                </p:cTn>
-                              </p:par>
-                            </p:childTnLst>
-                          </p:cTn>
-                        </p:par>
-                      </p:childTnLst>
-                    </p:cTn>
-                  </p:par>
-                </p:childTnLst>
-              </p:cTn>
-              <p:prevCondLst>
-                <p:cond evt="onPrev" delay="0">
-                  <p:tgtEl>
-                    <p:sldTgt/>
-                  </p:tgtEl>
-                </p:cond>
-              </p:prevCondLst>
-              <p:nextCondLst>
-                <p:cond evt="onNext" delay="0">
-                  <p:tgtEl>
-                    <p:sldTgt/>
-                  </p:tgtEl>
-                </p:cond>
-              </p:nextCondLst>
-            </p:seq>
-          </p:childTnLst>
-        </p:cTn>
+        <p:cTn id="1" dur="indefinite" restart="never" nodeType="tmRoot"/>
       </p:par>
     </p:tnLst>
-    <p:bldLst>
-      <p:bldP spid="3" grpId="0"/>
-    </p:bldLst>
   </p:timing>
 </p:sld>
 </file>
 
-<file path=ppt/slides/slide11.xml><?xml version="1.0" encoding="utf-8"?>
+<file path=ppt/slides/slide12.xml><?xml version="1.0" encoding="utf-8"?>
 <p:sld xmlns:a="http://schemas.openxmlformats.org/drawingml/2006/main" xmlns:r="http://schemas.openxmlformats.org/officeDocument/2006/relationships" xmlns:p="http://schemas.openxmlformats.org/presentationml/2006/main">
   <p:cSld>
     <p:spTree>
@@ -6416,6 +6873,45 @@
           </a:p>
         </p:txBody>
       </p:sp>
+      <p:sp>
+        <p:nvSpPr>
+          <p:cNvPr id="16" name="TextBox 15"/>
+          <p:cNvSpPr txBox="1"/>
+          <p:nvPr/>
+        </p:nvSpPr>
+        <p:spPr>
+          <a:xfrm>
+            <a:off x="149982" y="204430"/>
+            <a:ext cx="1074333" cy="584775"/>
+          </a:xfrm>
+          <a:prstGeom prst="rect">
+            <a:avLst/>
+          </a:prstGeom>
+          <a:solidFill>
+            <a:schemeClr val="bg1">
+              <a:lumMod val="75000"/>
+            </a:schemeClr>
+          </a:solidFill>
+          <a:ln>
+            <a:solidFill>
+              <a:schemeClr val="tx1"/>
+            </a:solidFill>
+          </a:ln>
+        </p:spPr>
+        <p:txBody>
+          <a:bodyPr wrap="none" rtlCol="0">
+            <a:spAutoFit/>
+          </a:bodyPr>
+          <a:lstStyle/>
+          <a:p>
+            <a:r>
+              <a:rPr lang="en-US" sz="3200" dirty="0" smtClean="0"/>
+              <a:t>QDA</a:t>
+            </a:r>
+            <a:endParaRPr lang="en-US" sz="3200" dirty="0"/>
+          </a:p>
+        </p:txBody>
+      </p:sp>
     </p:spTree>
     <p:extLst>
       <p:ext uri="{BB962C8B-B14F-4D97-AF65-F5344CB8AC3E}">
@@ -6429,125 +6925,9 @@
   <p:timing>
     <p:tnLst>
       <p:par>
-        <p:cTn id="1" dur="indefinite" restart="never" nodeType="tmRoot">
-          <p:childTnLst>
-            <p:seq concurrent="1" nextAc="seek">
-              <p:cTn id="2" dur="indefinite" nodeType="mainSeq">
-                <p:childTnLst>
-                  <p:par>
-                    <p:cTn id="3" fill="hold">
-                      <p:stCondLst>
-                        <p:cond delay="indefinite"/>
-                      </p:stCondLst>
-                      <p:childTnLst>
-                        <p:par>
-                          <p:cTn id="4" fill="hold">
-                            <p:stCondLst>
-                              <p:cond delay="0"/>
-                            </p:stCondLst>
-                            <p:childTnLst>
-                              <p:par>
-                                <p:cTn id="5" presetID="1" presetClass="entr" presetSubtype="0" fill="hold" nodeType="clickEffect">
-                                  <p:stCondLst>
-                                    <p:cond delay="0"/>
-                                  </p:stCondLst>
-                                  <p:childTnLst>
-                                    <p:set>
-                                      <p:cBhvr>
-                                        <p:cTn id="6" dur="1" fill="hold">
-                                          <p:stCondLst>
-                                            <p:cond delay="0"/>
-                                          </p:stCondLst>
-                                        </p:cTn>
-                                        <p:tgtEl>
-                                          <p:spTgt spid="8"/>
-                                        </p:tgtEl>
-                                        <p:attrNameLst>
-                                          <p:attrName>style.visibility</p:attrName>
-                                        </p:attrNameLst>
-                                      </p:cBhvr>
-                                      <p:to>
-                                        <p:strVal val="visible"/>
-                                      </p:to>
-                                    </p:set>
-                                  </p:childTnLst>
-                                </p:cTn>
-                              </p:par>
-                            </p:childTnLst>
-                          </p:cTn>
-                        </p:par>
-                      </p:childTnLst>
-                    </p:cTn>
-                  </p:par>
-                  <p:par>
-                    <p:cTn id="7" fill="hold">
-                      <p:stCondLst>
-                        <p:cond delay="indefinite"/>
-                      </p:stCondLst>
-                      <p:childTnLst>
-                        <p:par>
-                          <p:cTn id="8" fill="hold">
-                            <p:stCondLst>
-                              <p:cond delay="0"/>
-                            </p:stCondLst>
-                            <p:childTnLst>
-                              <p:par>
-                                <p:cTn id="9" presetID="1" presetClass="entr" presetSubtype="0" fill="hold" grpId="0" nodeType="clickEffect">
-                                  <p:stCondLst>
-                                    <p:cond delay="0"/>
-                                  </p:stCondLst>
-                                  <p:childTnLst>
-                                    <p:set>
-                                      <p:cBhvr>
-                                        <p:cTn id="10" dur="1" fill="hold">
-                                          <p:stCondLst>
-                                            <p:cond delay="0"/>
-                                          </p:stCondLst>
-                                        </p:cTn>
-                                        <p:tgtEl>
-                                          <p:spTgt spid="18"/>
-                                        </p:tgtEl>
-                                        <p:attrNameLst>
-                                          <p:attrName>style.visibility</p:attrName>
-                                        </p:attrNameLst>
-                                      </p:cBhvr>
-                                      <p:to>
-                                        <p:strVal val="visible"/>
-                                      </p:to>
-                                    </p:set>
-                                  </p:childTnLst>
-                                </p:cTn>
-                              </p:par>
-                            </p:childTnLst>
-                          </p:cTn>
-                        </p:par>
-                      </p:childTnLst>
-                    </p:cTn>
-                  </p:par>
-                </p:childTnLst>
-              </p:cTn>
-              <p:prevCondLst>
-                <p:cond evt="onPrev" delay="0">
-                  <p:tgtEl>
-                    <p:sldTgt/>
-                  </p:tgtEl>
-                </p:cond>
-              </p:prevCondLst>
-              <p:nextCondLst>
-                <p:cond evt="onNext" delay="0">
-                  <p:tgtEl>
-                    <p:sldTgt/>
-                  </p:tgtEl>
-                </p:cond>
-              </p:nextCondLst>
-            </p:seq>
-          </p:childTnLst>
-        </p:cTn>
+        <p:cTn id="1" dur="indefinite" restart="never" nodeType="tmRoot"/>
       </p:par>
     </p:tnLst>
-    <p:bldLst>
-      <p:bldP spid="18" grpId="0"/>
-    </p:bldLst>
   </p:timing>
 </p:sld>
 </file>
@@ -9008,8 +9388,8 @@
         </p:nvSpPr>
         <p:spPr>
           <a:xfrm>
-            <a:off x="641463" y="4092031"/>
-            <a:ext cx="8145942" cy="369332"/>
+            <a:off x="1182376" y="4133475"/>
+            <a:ext cx="6526851" cy="369332"/>
           </a:xfrm>
           <a:prstGeom prst="rect">
             <a:avLst/>
@@ -9027,42 +9407,28 @@
                 <a:latin typeface="Trebuchet MS"/>
                 <a:cs typeface="Trebuchet MS"/>
               </a:rPr>
-              <a:t>In LDA (Linear Discriminant Analysis) it is assumed that </a:t>
-            </a:r>
-            <a:r>
-              <a:rPr lang="en-US" dirty="0" err="1" smtClean="0">
-                <a:latin typeface="Trebuchet MS"/>
-                <a:cs typeface="Trebuchet MS"/>
-              </a:rPr>
-              <a:t>Σ</a:t>
-            </a:r>
-            <a:r>
-              <a:rPr lang="en-US" baseline="-25000" dirty="0" err="1" smtClean="0">
-                <a:latin typeface="Trebuchet MS"/>
-                <a:cs typeface="Trebuchet MS"/>
-              </a:rPr>
-              <a:t>i</a:t>
+              <a:t>This term </a:t>
             </a:r>
             <a:r>
               <a:rPr lang="en-US" dirty="0" smtClean="0">
                 <a:latin typeface="Trebuchet MS"/>
                 <a:cs typeface="Trebuchet MS"/>
               </a:rPr>
-              <a:t> = </a:t>
-            </a:r>
-            <a:r>
-              <a:rPr lang="en-US" dirty="0" err="1" smtClean="0">
-                <a:latin typeface="Trebuchet MS"/>
-                <a:cs typeface="Trebuchet MS"/>
-              </a:rPr>
-              <a:t>Σ</a:t>
+              <a:t>is </a:t>
             </a:r>
             <a:r>
               <a:rPr lang="en-US" dirty="0" smtClean="0">
                 <a:latin typeface="Trebuchet MS"/>
                 <a:cs typeface="Trebuchet MS"/>
               </a:rPr>
-              <a:t> (it is constant).</a:t>
+              <a:t>constant, it can be removed from </a:t>
+            </a:r>
+            <a:r>
+              <a:rPr lang="en-US" smtClean="0">
+                <a:latin typeface="Trebuchet MS"/>
+                <a:cs typeface="Trebuchet MS"/>
+              </a:rPr>
+              <a:t>the inequality.</a:t>
             </a:r>
             <a:endParaRPr lang="en-US" dirty="0">
               <a:latin typeface="Trebuchet MS"/>
@@ -9106,133 +9472,6 @@
           </a:fontRef>
         </p:style>
       </p:cxnSp>
-      <p:cxnSp>
-        <p:nvCxnSpPr>
-          <p:cNvPr id="23" name="Straight Connector 22"/>
-          <p:cNvCxnSpPr/>
-          <p:nvPr/>
-        </p:nvCxnSpPr>
-        <p:spPr>
-          <a:xfrm flipV="1">
-            <a:off x="6618308" y="2153538"/>
-            <a:ext cx="1436868" cy="859455"/>
-          </a:xfrm>
-          <a:prstGeom prst="line">
-            <a:avLst/>
-          </a:prstGeom>
-          <a:ln w="38100" cmpd="sng">
-            <a:solidFill>
-              <a:srgbClr val="FF0000"/>
-            </a:solidFill>
-          </a:ln>
-        </p:spPr>
-        <p:style>
-          <a:lnRef idx="2">
-            <a:schemeClr val="accent1"/>
-          </a:lnRef>
-          <a:fillRef idx="0">
-            <a:schemeClr val="accent1"/>
-          </a:fillRef>
-          <a:effectRef idx="1">
-            <a:schemeClr val="accent1"/>
-          </a:effectRef>
-          <a:fontRef idx="minor">
-            <a:schemeClr val="tx1"/>
-          </a:fontRef>
-        </p:style>
-      </p:cxnSp>
-      <p:sp>
-        <p:nvSpPr>
-          <p:cNvPr id="24" name="TextBox 23"/>
-          <p:cNvSpPr txBox="1"/>
-          <p:nvPr/>
-        </p:nvSpPr>
-        <p:spPr>
-          <a:xfrm>
-            <a:off x="678401" y="4898643"/>
-            <a:ext cx="8173736" cy="646331"/>
-          </a:xfrm>
-          <a:prstGeom prst="rect">
-            <a:avLst/>
-          </a:prstGeom>
-          <a:noFill/>
-        </p:spPr>
-        <p:txBody>
-          <a:bodyPr wrap="square" rtlCol="0">
-            <a:spAutoFit/>
-          </a:bodyPr>
-          <a:lstStyle/>
-          <a:p>
-            <a:r>
-              <a:rPr lang="en-US" dirty="0" err="1" smtClean="0">
-                <a:latin typeface="Trebuchet MS"/>
-                <a:cs typeface="Trebuchet MS"/>
-              </a:rPr>
-              <a:t>Σ</a:t>
-            </a:r>
-            <a:r>
-              <a:rPr lang="en-US" baseline="-25000" dirty="0" smtClean="0">
-                <a:latin typeface="Trebuchet MS"/>
-                <a:cs typeface="Trebuchet MS"/>
-              </a:rPr>
-              <a:t> </a:t>
-            </a:r>
-            <a:r>
-              <a:rPr lang="en-US" dirty="0" smtClean="0">
-                <a:latin typeface="Trebuchet MS"/>
-                <a:cs typeface="Trebuchet MS"/>
-              </a:rPr>
-              <a:t>is computed from training data. A good estimation is the average of the individual covariance matrices: </a:t>
-            </a:r>
-            <a:r>
-              <a:rPr lang="en-US" dirty="0" err="1" smtClean="0">
-                <a:latin typeface="Trebuchet MS"/>
-                <a:cs typeface="Trebuchet MS"/>
-              </a:rPr>
-              <a:t>Σ</a:t>
-            </a:r>
-            <a:r>
-              <a:rPr lang="en-US" dirty="0" smtClean="0">
-                <a:latin typeface="Trebuchet MS"/>
-                <a:cs typeface="Trebuchet MS"/>
-              </a:rPr>
-              <a:t> = (Σ</a:t>
-            </a:r>
-            <a:r>
-              <a:rPr lang="en-US" baseline="-25000" dirty="0" smtClean="0">
-                <a:latin typeface="Trebuchet MS"/>
-                <a:cs typeface="Trebuchet MS"/>
-              </a:rPr>
-              <a:t>1</a:t>
-            </a:r>
-            <a:r>
-              <a:rPr lang="en-US" dirty="0" smtClean="0">
-                <a:latin typeface="Trebuchet MS"/>
-                <a:cs typeface="Trebuchet MS"/>
-              </a:rPr>
-              <a:t>+Σ</a:t>
-            </a:r>
-            <a:r>
-              <a:rPr lang="en-US" baseline="-25000" dirty="0" smtClean="0">
-                <a:latin typeface="Trebuchet MS"/>
-                <a:cs typeface="Trebuchet MS"/>
-              </a:rPr>
-              <a:t>2</a:t>
-            </a:r>
-            <a:r>
-              <a:rPr lang="en-US" dirty="0" smtClean="0">
-                <a:latin typeface="Trebuchet MS"/>
-                <a:cs typeface="Trebuchet MS"/>
-              </a:rPr>
-              <a:t>)/2</a:t>
-            </a:r>
-            <a:endParaRPr lang="en-US" dirty="0">
-              <a:latin typeface="Trebuchet MS"/>
-              <a:cs typeface="Trebuchet MS"/>
-            </a:endParaRPr>
-          </a:p>
-        </p:txBody>
-      </p:sp>
       <p:grpSp>
         <p:nvGrpSpPr>
           <p:cNvPr id="18" name="Group 17"/>
@@ -9395,7 +9634,7 @@
     </p:spTree>
     <p:extLst>
       <p:ext uri="{BB962C8B-B14F-4D97-AF65-F5344CB8AC3E}">
-        <p14:creationId xmlns:p14="http://schemas.microsoft.com/office/powerpoint/2010/main" val="2681021047"/>
+        <p14:creationId xmlns:p14="http://schemas.microsoft.com/office/powerpoint/2010/main" val="1146717765"/>
       </p:ext>
     </p:extLst>
   </p:cSld>
@@ -9500,96 +9739,6 @@
                       </p:childTnLst>
                     </p:cTn>
                   </p:par>
-                  <p:par>
-                    <p:cTn id="11" fill="hold">
-                      <p:stCondLst>
-                        <p:cond delay="indefinite"/>
-                      </p:stCondLst>
-                      <p:childTnLst>
-                        <p:par>
-                          <p:cTn id="12" fill="hold">
-                            <p:stCondLst>
-                              <p:cond delay="0"/>
-                            </p:stCondLst>
-                            <p:childTnLst>
-                              <p:par>
-                                <p:cTn id="13" presetID="1" presetClass="entr" presetSubtype="0" fill="hold" nodeType="clickEffect">
-                                  <p:stCondLst>
-                                    <p:cond delay="0"/>
-                                  </p:stCondLst>
-                                  <p:childTnLst>
-                                    <p:set>
-                                      <p:cBhvr>
-                                        <p:cTn id="14" dur="1" fill="hold">
-                                          <p:stCondLst>
-                                            <p:cond delay="0"/>
-                                          </p:stCondLst>
-                                        </p:cTn>
-                                        <p:tgtEl>
-                                          <p:spTgt spid="23"/>
-                                        </p:tgtEl>
-                                        <p:attrNameLst>
-                                          <p:attrName>style.visibility</p:attrName>
-                                        </p:attrNameLst>
-                                      </p:cBhvr>
-                                      <p:to>
-                                        <p:strVal val="visible"/>
-                                      </p:to>
-                                    </p:set>
-                                  </p:childTnLst>
-                                </p:cTn>
-                              </p:par>
-                            </p:childTnLst>
-                          </p:cTn>
-                        </p:par>
-                      </p:childTnLst>
-                    </p:cTn>
-                  </p:par>
-                  <p:par>
-                    <p:cTn id="15" fill="hold">
-                      <p:stCondLst>
-                        <p:cond delay="indefinite"/>
-                      </p:stCondLst>
-                      <p:childTnLst>
-                        <p:par>
-                          <p:cTn id="16" fill="hold">
-                            <p:stCondLst>
-                              <p:cond delay="0"/>
-                            </p:stCondLst>
-                            <p:childTnLst>
-                              <p:par>
-                                <p:cTn id="17" presetID="1" presetClass="entr" presetSubtype="0" fill="hold" grpId="0" nodeType="clickEffect">
-                                  <p:stCondLst>
-                                    <p:cond delay="0"/>
-                                  </p:stCondLst>
-                                  <p:childTnLst>
-                                    <p:set>
-                                      <p:cBhvr>
-                                        <p:cTn id="18" dur="1" fill="hold">
-                                          <p:stCondLst>
-                                            <p:cond delay="0"/>
-                                          </p:stCondLst>
-                                        </p:cTn>
-                                        <p:tgtEl>
-                                          <p:spTgt spid="24"/>
-                                        </p:tgtEl>
-                                        <p:attrNameLst>
-                                          <p:attrName>style.visibility</p:attrName>
-                                        </p:attrNameLst>
-                                      </p:cBhvr>
-                                      <p:to>
-                                        <p:strVal val="visible"/>
-                                      </p:to>
-                                    </p:set>
-                                  </p:childTnLst>
-                                </p:cTn>
-                              </p:par>
-                            </p:childTnLst>
-                          </p:cTn>
-                        </p:par>
-                      </p:childTnLst>
-                    </p:cTn>
-                  </p:par>
                 </p:childTnLst>
               </p:cTn>
               <p:prevCondLst>
@@ -9613,7 +9762,6 @@
     </p:tnLst>
     <p:bldLst>
       <p:bldP spid="3" grpId="0"/>
-      <p:bldP spid="24" grpId="0"/>
     </p:bldLst>
   </p:timing>
 </p:sld>
@@ -9638,32 +9786,71 @@
       </p:grpSpPr>
       <p:grpSp>
         <p:nvGrpSpPr>
-          <p:cNvPr id="7" name="Group 6"/>
+          <p:cNvPr id="11" name="Group 10"/>
           <p:cNvGrpSpPr/>
           <p:nvPr/>
         </p:nvGrpSpPr>
         <p:grpSpPr>
           <a:xfrm>
-            <a:off x="0" y="1603460"/>
-            <a:ext cx="7440288" cy="2296156"/>
-            <a:chOff x="0" y="1603460"/>
-            <a:chExt cx="7440288" cy="2296156"/>
+            <a:off x="910868" y="1633646"/>
+            <a:ext cx="7594876" cy="1993842"/>
+            <a:chOff x="936527" y="4494202"/>
+            <a:chExt cx="7594876" cy="1993842"/>
           </a:xfrm>
         </p:grpSpPr>
+        <p:pic>
+          <p:nvPicPr>
+            <p:cNvPr id="6" name="Picture 5" descr="Screen Shot 2014-10-29 at 9.02.33 AM.png"/>
+            <p:cNvPicPr>
+              <a:picLocks noChangeAspect="1"/>
+            </p:cNvPicPr>
+            <p:nvPr/>
+          </p:nvPicPr>
+          <p:blipFill>
+            <a:blip r:embed="rId2">
+              <a:extLst>
+                <a:ext uri="{28A0092B-C50C-407E-A947-70E740481C1C}">
+                  <a14:useLocalDpi xmlns:a14="http://schemas.microsoft.com/office/drawing/2010/main" val="0"/>
+                </a:ext>
+              </a:extLst>
+            </a:blip>
+            <a:stretch>
+              <a:fillRect/>
+            </a:stretch>
+          </p:blipFill>
+          <p:spPr>
+            <a:xfrm>
+              <a:off x="1411210" y="4494202"/>
+              <a:ext cx="6940588" cy="1993842"/>
+            </a:xfrm>
+            <a:prstGeom prst="rect">
+              <a:avLst/>
+            </a:prstGeom>
+          </p:spPr>
+        </p:pic>
         <p:sp>
           <p:nvSpPr>
-            <p:cNvPr id="6" name="Oval 5"/>
+            <p:cNvPr id="21" name="Rectangle 20"/>
             <p:cNvSpPr/>
             <p:nvPr/>
           </p:nvSpPr>
           <p:spPr>
             <a:xfrm>
-              <a:off x="0" y="3566096"/>
-              <a:ext cx="2411886" cy="333520"/>
+              <a:off x="6503018" y="4617802"/>
+              <a:ext cx="2028385" cy="487631"/>
             </a:xfrm>
-            <a:prstGeom prst="ellipse">
+            <a:prstGeom prst="rect">
               <a:avLst/>
             </a:prstGeom>
+            <a:solidFill>
+              <a:schemeClr val="bg1"/>
+            </a:solidFill>
+            <a:ln>
+              <a:solidFill>
+                <a:schemeClr val="bg1"/>
+              </a:solidFill>
+            </a:ln>
+            <a:effectLst/>
           </p:spPr>
           <p:style>
             <a:lnRef idx="1">
@@ -9688,49 +9875,478 @@
             </a:p>
           </p:txBody>
         </p:sp>
-        <p:cxnSp>
-          <p:nvCxnSpPr>
-            <p:cNvPr id="3" name="Straight Arrow Connector 2"/>
-            <p:cNvCxnSpPr/>
+        <p:sp>
+          <p:nvSpPr>
+            <p:cNvPr id="25" name="Rectangle 24"/>
+            <p:cNvSpPr/>
             <p:nvPr/>
-          </p:nvCxnSpPr>
+          </p:nvSpPr>
           <p:spPr>
-            <a:xfrm flipV="1">
-              <a:off x="1821744" y="1834359"/>
-              <a:ext cx="2745445" cy="1885669"/>
+            <a:xfrm>
+              <a:off x="6488639" y="5822070"/>
+              <a:ext cx="2028385" cy="487631"/>
             </a:xfrm>
-            <a:prstGeom prst="straightConnector1">
+            <a:prstGeom prst="rect">
               <a:avLst/>
             </a:prstGeom>
+            <a:solidFill>
+              <a:schemeClr val="bg1"/>
+            </a:solidFill>
             <a:ln>
-              <a:tailEnd type="arrow"/>
+              <a:solidFill>
+                <a:schemeClr val="bg1"/>
+              </a:solidFill>
             </a:ln>
+            <a:effectLst/>
           </p:spPr>
           <p:style>
-            <a:lnRef idx="2">
+            <a:lnRef idx="1">
               <a:schemeClr val="accent1"/>
             </a:lnRef>
-            <a:fillRef idx="0">
+            <a:fillRef idx="3">
               <a:schemeClr val="accent1"/>
             </a:fillRef>
-            <a:effectRef idx="1">
+            <a:effectRef idx="2">
               <a:schemeClr val="accent1"/>
             </a:effectRef>
             <a:fontRef idx="minor">
-              <a:schemeClr val="tx1"/>
+              <a:schemeClr val="lt1"/>
             </a:fontRef>
           </p:style>
-        </p:cxnSp>
+          <p:txBody>
+            <a:bodyPr rtlCol="0" anchor="ctr"/>
+            <a:lstStyle/>
+            <a:p>
+              <a:pPr algn="ctr"/>
+              <a:endParaRPr lang="en-US"/>
+            </a:p>
+          </p:txBody>
+        </p:sp>
         <p:sp>
           <p:nvSpPr>
-            <p:cNvPr id="5" name="TextBox 4"/>
+            <p:cNvPr id="26" name="Rectangle 25"/>
+            <p:cNvSpPr/>
+            <p:nvPr/>
+          </p:nvSpPr>
+          <p:spPr>
+            <a:xfrm>
+              <a:off x="1023409" y="4616270"/>
+              <a:ext cx="2028385" cy="487631"/>
+            </a:xfrm>
+            <a:prstGeom prst="rect">
+              <a:avLst/>
+            </a:prstGeom>
+            <a:solidFill>
+              <a:schemeClr val="bg1"/>
+            </a:solidFill>
+            <a:ln>
+              <a:solidFill>
+                <a:schemeClr val="bg1"/>
+              </a:solidFill>
+            </a:ln>
+            <a:effectLst/>
+          </p:spPr>
+          <p:style>
+            <a:lnRef idx="1">
+              <a:schemeClr val="accent1"/>
+            </a:lnRef>
+            <a:fillRef idx="3">
+              <a:schemeClr val="accent1"/>
+            </a:fillRef>
+            <a:effectRef idx="2">
+              <a:schemeClr val="accent1"/>
+            </a:effectRef>
+            <a:fontRef idx="minor">
+              <a:schemeClr val="lt1"/>
+            </a:fontRef>
+          </p:style>
+          <p:txBody>
+            <a:bodyPr rtlCol="0" anchor="ctr"/>
+            <a:lstStyle/>
+            <a:p>
+              <a:pPr algn="ctr"/>
+              <a:endParaRPr lang="en-US"/>
+            </a:p>
+          </p:txBody>
+        </p:sp>
+        <p:pic>
+          <p:nvPicPr>
+            <p:cNvPr id="7" name="Picture 6" descr="Screen Shot 2014-10-29 at 9.35.32 AM.png"/>
+            <p:cNvPicPr>
+              <a:picLocks noChangeAspect="1"/>
+            </p:cNvPicPr>
+            <p:nvPr/>
+          </p:nvPicPr>
+          <p:blipFill>
+            <a:blip r:embed="rId3">
+              <a:extLst>
+                <a:ext uri="{28A0092B-C50C-407E-A947-70E740481C1C}">
+                  <a14:useLocalDpi xmlns:a14="http://schemas.microsoft.com/office/drawing/2010/main" val="0"/>
+                </a:ext>
+              </a:extLst>
+            </a:blip>
+            <a:stretch>
+              <a:fillRect/>
+            </a:stretch>
+          </p:blipFill>
+          <p:spPr>
+            <a:xfrm>
+              <a:off x="936527" y="4573338"/>
+              <a:ext cx="1397000" cy="533400"/>
+            </a:xfrm>
+            <a:prstGeom prst="rect">
+              <a:avLst/>
+            </a:prstGeom>
+          </p:spPr>
+        </p:pic>
+        <p:pic>
+          <p:nvPicPr>
+            <p:cNvPr id="9" name="Picture 8" descr="Screen Shot 2014-10-29 at 9.35.57 AM.png"/>
+            <p:cNvPicPr>
+              <a:picLocks noChangeAspect="1"/>
+            </p:cNvPicPr>
+            <p:nvPr/>
+          </p:nvPicPr>
+          <p:blipFill>
+            <a:blip r:embed="rId4">
+              <a:extLst>
+                <a:ext uri="{28A0092B-C50C-407E-A947-70E740481C1C}">
+                  <a14:useLocalDpi xmlns:a14="http://schemas.microsoft.com/office/drawing/2010/main" val="0"/>
+                </a:ext>
+              </a:extLst>
+            </a:blip>
+            <a:stretch>
+              <a:fillRect/>
+            </a:stretch>
+          </p:blipFill>
+          <p:spPr>
+            <a:xfrm>
+              <a:off x="2370426" y="4611565"/>
+              <a:ext cx="800100" cy="482600"/>
+            </a:xfrm>
+            <a:prstGeom prst="rect">
+              <a:avLst/>
+            </a:prstGeom>
+          </p:spPr>
+        </p:pic>
+      </p:grpSp>
+      <p:sp>
+        <p:nvSpPr>
+          <p:cNvPr id="3" name="TextBox 2"/>
+          <p:cNvSpPr txBox="1"/>
+          <p:nvPr/>
+        </p:nvSpPr>
+        <p:spPr>
+          <a:xfrm>
+            <a:off x="641463" y="4092031"/>
+            <a:ext cx="8145942" cy="369332"/>
+          </a:xfrm>
+          <a:prstGeom prst="rect">
+            <a:avLst/>
+          </a:prstGeom>
+          <a:noFill/>
+        </p:spPr>
+        <p:txBody>
+          <a:bodyPr wrap="none" rtlCol="0">
+            <a:spAutoFit/>
+          </a:bodyPr>
+          <a:lstStyle/>
+          <a:p>
+            <a:r>
+              <a:rPr lang="en-US" dirty="0" smtClean="0">
+                <a:latin typeface="Trebuchet MS"/>
+                <a:cs typeface="Trebuchet MS"/>
+              </a:rPr>
+              <a:t>In LDA (Linear Discriminant Analysis) it is assumed that </a:t>
+            </a:r>
+            <a:r>
+              <a:rPr lang="en-US" dirty="0" err="1" smtClean="0">
+                <a:latin typeface="Trebuchet MS"/>
+                <a:cs typeface="Trebuchet MS"/>
+              </a:rPr>
+              <a:t>Σ</a:t>
+            </a:r>
+            <a:r>
+              <a:rPr lang="en-US" baseline="-25000" dirty="0" err="1" smtClean="0">
+                <a:latin typeface="Trebuchet MS"/>
+                <a:cs typeface="Trebuchet MS"/>
+              </a:rPr>
+              <a:t>i</a:t>
+            </a:r>
+            <a:r>
+              <a:rPr lang="en-US" dirty="0" smtClean="0">
+                <a:latin typeface="Trebuchet MS"/>
+                <a:cs typeface="Trebuchet MS"/>
+              </a:rPr>
+              <a:t> = </a:t>
+            </a:r>
+            <a:r>
+              <a:rPr lang="en-US" dirty="0" err="1" smtClean="0">
+                <a:latin typeface="Trebuchet MS"/>
+                <a:cs typeface="Trebuchet MS"/>
+              </a:rPr>
+              <a:t>Σ</a:t>
+            </a:r>
+            <a:r>
+              <a:rPr lang="en-US" dirty="0" smtClean="0">
+                <a:latin typeface="Trebuchet MS"/>
+                <a:cs typeface="Trebuchet MS"/>
+              </a:rPr>
+              <a:t> (it is constant).</a:t>
+            </a:r>
+            <a:endParaRPr lang="en-US" dirty="0">
+              <a:latin typeface="Trebuchet MS"/>
+              <a:cs typeface="Trebuchet MS"/>
+            </a:endParaRPr>
+          </a:p>
+        </p:txBody>
+      </p:sp>
+      <p:cxnSp>
+        <p:nvCxnSpPr>
+          <p:cNvPr id="8" name="Straight Connector 7"/>
+          <p:cNvCxnSpPr/>
+          <p:nvPr/>
+        </p:nvCxnSpPr>
+        <p:spPr>
+          <a:xfrm flipV="1">
+            <a:off x="3348417" y="2860593"/>
+            <a:ext cx="1436868" cy="859455"/>
+          </a:xfrm>
+          <a:prstGeom prst="line">
+            <a:avLst/>
+          </a:prstGeom>
+          <a:ln w="38100" cmpd="sng">
+            <a:solidFill>
+              <a:srgbClr val="FF0000"/>
+            </a:solidFill>
+          </a:ln>
+        </p:spPr>
+        <p:style>
+          <a:lnRef idx="2">
+            <a:schemeClr val="accent1"/>
+          </a:lnRef>
+          <a:fillRef idx="0">
+            <a:schemeClr val="accent1"/>
+          </a:fillRef>
+          <a:effectRef idx="1">
+            <a:schemeClr val="accent1"/>
+          </a:effectRef>
+          <a:fontRef idx="minor">
+            <a:schemeClr val="tx1"/>
+          </a:fontRef>
+        </p:style>
+      </p:cxnSp>
+      <p:cxnSp>
+        <p:nvCxnSpPr>
+          <p:cNvPr id="23" name="Straight Connector 22"/>
+          <p:cNvCxnSpPr/>
+          <p:nvPr/>
+        </p:nvCxnSpPr>
+        <p:spPr>
+          <a:xfrm flipV="1">
+            <a:off x="6618308" y="2153538"/>
+            <a:ext cx="1436868" cy="859455"/>
+          </a:xfrm>
+          <a:prstGeom prst="line">
+            <a:avLst/>
+          </a:prstGeom>
+          <a:ln w="38100" cmpd="sng">
+            <a:solidFill>
+              <a:srgbClr val="FF0000"/>
+            </a:solidFill>
+          </a:ln>
+        </p:spPr>
+        <p:style>
+          <a:lnRef idx="2">
+            <a:schemeClr val="accent1"/>
+          </a:lnRef>
+          <a:fillRef idx="0">
+            <a:schemeClr val="accent1"/>
+          </a:fillRef>
+          <a:effectRef idx="1">
+            <a:schemeClr val="accent1"/>
+          </a:effectRef>
+          <a:fontRef idx="minor">
+            <a:schemeClr val="tx1"/>
+          </a:fontRef>
+        </p:style>
+      </p:cxnSp>
+      <p:sp>
+        <p:nvSpPr>
+          <p:cNvPr id="24" name="TextBox 23"/>
+          <p:cNvSpPr txBox="1"/>
+          <p:nvPr/>
+        </p:nvSpPr>
+        <p:spPr>
+          <a:xfrm>
+            <a:off x="678401" y="4898643"/>
+            <a:ext cx="8173736" cy="646331"/>
+          </a:xfrm>
+          <a:prstGeom prst="rect">
+            <a:avLst/>
+          </a:prstGeom>
+          <a:noFill/>
+        </p:spPr>
+        <p:txBody>
+          <a:bodyPr wrap="square" rtlCol="0">
+            <a:spAutoFit/>
+          </a:bodyPr>
+          <a:lstStyle/>
+          <a:p>
+            <a:r>
+              <a:rPr lang="en-US" dirty="0" err="1" smtClean="0">
+                <a:latin typeface="Trebuchet MS"/>
+                <a:cs typeface="Trebuchet MS"/>
+              </a:rPr>
+              <a:t>Σ</a:t>
+            </a:r>
+            <a:r>
+              <a:rPr lang="en-US" baseline="-25000" dirty="0" smtClean="0">
+                <a:latin typeface="Trebuchet MS"/>
+                <a:cs typeface="Trebuchet MS"/>
+              </a:rPr>
+              <a:t> </a:t>
+            </a:r>
+            <a:r>
+              <a:rPr lang="en-US" dirty="0" smtClean="0">
+                <a:latin typeface="Trebuchet MS"/>
+                <a:cs typeface="Trebuchet MS"/>
+              </a:rPr>
+              <a:t>is computed from training data. A good estimation is the average of the individual covariance matrices: </a:t>
+            </a:r>
+            <a:r>
+              <a:rPr lang="en-US" dirty="0" err="1" smtClean="0">
+                <a:latin typeface="Trebuchet MS"/>
+                <a:cs typeface="Trebuchet MS"/>
+              </a:rPr>
+              <a:t>Σ</a:t>
+            </a:r>
+            <a:r>
+              <a:rPr lang="en-US" dirty="0" smtClean="0">
+                <a:latin typeface="Trebuchet MS"/>
+                <a:cs typeface="Trebuchet MS"/>
+              </a:rPr>
+              <a:t> = (Σ</a:t>
+            </a:r>
+            <a:r>
+              <a:rPr lang="en-US" baseline="-25000" dirty="0" smtClean="0">
+                <a:latin typeface="Trebuchet MS"/>
+                <a:cs typeface="Trebuchet MS"/>
+              </a:rPr>
+              <a:t>1</a:t>
+            </a:r>
+            <a:r>
+              <a:rPr lang="en-US" dirty="0" smtClean="0">
+                <a:latin typeface="Trebuchet MS"/>
+                <a:cs typeface="Trebuchet MS"/>
+              </a:rPr>
+              <a:t>+Σ</a:t>
+            </a:r>
+            <a:r>
+              <a:rPr lang="en-US" baseline="-25000" dirty="0" smtClean="0">
+                <a:latin typeface="Trebuchet MS"/>
+                <a:cs typeface="Trebuchet MS"/>
+              </a:rPr>
+              <a:t>2</a:t>
+            </a:r>
+            <a:r>
+              <a:rPr lang="en-US" dirty="0" smtClean="0">
+                <a:latin typeface="Trebuchet MS"/>
+                <a:cs typeface="Trebuchet MS"/>
+              </a:rPr>
+              <a:t>)/2</a:t>
+            </a:r>
+            <a:endParaRPr lang="en-US" dirty="0">
+              <a:latin typeface="Trebuchet MS"/>
+              <a:cs typeface="Trebuchet MS"/>
+            </a:endParaRPr>
+          </a:p>
+        </p:txBody>
+      </p:sp>
+      <p:grpSp>
+        <p:nvGrpSpPr>
+          <p:cNvPr id="18" name="Group 17"/>
+          <p:cNvGrpSpPr/>
+          <p:nvPr/>
+        </p:nvGrpSpPr>
+        <p:grpSpPr>
+          <a:xfrm>
+            <a:off x="1411196" y="854445"/>
+            <a:ext cx="5736804" cy="504511"/>
+            <a:chOff x="1667780" y="2419437"/>
+            <a:chExt cx="5736804" cy="504511"/>
+          </a:xfrm>
+        </p:grpSpPr>
+        <p:pic>
+          <p:nvPicPr>
+            <p:cNvPr id="19" name="Picture 18" descr="Screen Shot 2014-10-29 at 9.27.29 AM.png"/>
+            <p:cNvPicPr>
+              <a:picLocks noChangeAspect="1"/>
+            </p:cNvPicPr>
+            <p:nvPr/>
+          </p:nvPicPr>
+          <p:blipFill>
+            <a:blip r:embed="rId5">
+              <a:extLst>
+                <a:ext uri="{28A0092B-C50C-407E-A947-70E740481C1C}">
+                  <a14:useLocalDpi xmlns:a14="http://schemas.microsoft.com/office/drawing/2010/main" val="0"/>
+                </a:ext>
+              </a:extLst>
+            </a:blip>
+            <a:stretch>
+              <a:fillRect/>
+            </a:stretch>
+          </p:blipFill>
+          <p:spPr>
+            <a:xfrm>
+              <a:off x="3893391" y="2419437"/>
+              <a:ext cx="3511193" cy="503999"/>
+            </a:xfrm>
+            <a:prstGeom prst="rect">
+              <a:avLst/>
+            </a:prstGeom>
+          </p:spPr>
+        </p:pic>
+        <p:pic>
+          <p:nvPicPr>
+            <p:cNvPr id="20" name="Picture 19" descr="Screen Shot 2014-10-29 at 9.27.21 AM.png"/>
+            <p:cNvPicPr>
+              <a:picLocks noChangeAspect="1"/>
+            </p:cNvPicPr>
+            <p:nvPr/>
+          </p:nvPicPr>
+          <p:blipFill>
+            <a:blip r:embed="rId6">
+              <a:extLst>
+                <a:ext uri="{28A0092B-C50C-407E-A947-70E740481C1C}">
+                  <a14:useLocalDpi xmlns:a14="http://schemas.microsoft.com/office/drawing/2010/main" val="0"/>
+                </a:ext>
+              </a:extLst>
+            </a:blip>
+            <a:stretch>
+              <a:fillRect/>
+            </a:stretch>
+          </p:blipFill>
+          <p:spPr>
+            <a:xfrm>
+              <a:off x="2006247" y="2419949"/>
+              <a:ext cx="1504472" cy="503999"/>
+            </a:xfrm>
+            <a:prstGeom prst="rect">
+              <a:avLst/>
+            </a:prstGeom>
+          </p:spPr>
+        </p:pic>
+        <p:sp>
+          <p:nvSpPr>
+            <p:cNvPr id="22" name="TextBox 21"/>
             <p:cNvSpPr txBox="1"/>
             <p:nvPr/>
           </p:nvSpPr>
           <p:spPr>
             <a:xfrm>
-              <a:off x="4900748" y="1603460"/>
-              <a:ext cx="2539540" cy="1200329"/>
+              <a:off x="3475152" y="2461375"/>
+              <a:ext cx="1929547" cy="369332"/>
             </a:xfrm>
             <a:prstGeom prst="rect">
               <a:avLst/>
@@ -9745,62 +10361,62 @@
             <a:p>
               <a:r>
                 <a:rPr lang="en-US" dirty="0" smtClean="0">
-                  <a:latin typeface="Courier"/>
-                  <a:cs typeface="Courier"/>
+                  <a:solidFill>
+                    <a:srgbClr val="0000FF"/>
+                  </a:solidFill>
+                  <a:latin typeface="LM Roman 10 Regular"/>
+                  <a:cs typeface="LM Roman 10 Regular"/>
                 </a:rPr>
-                <a:t>X:  training data</a:t>
+                <a:t>log{                    }</a:t>
               </a:r>
+              <a:endParaRPr lang="en-US" dirty="0">
+                <a:solidFill>
+                  <a:srgbClr val="0000FF"/>
+                </a:solidFill>
+                <a:latin typeface="LM Roman 10 Regular"/>
+                <a:cs typeface="LM Roman 10 Regular"/>
+              </a:endParaRPr>
             </a:p>
+          </p:txBody>
+        </p:sp>
+        <p:sp>
+          <p:nvSpPr>
+            <p:cNvPr id="27" name="TextBox 26"/>
+            <p:cNvSpPr txBox="1"/>
+            <p:nvPr/>
+          </p:nvSpPr>
+          <p:spPr>
+            <a:xfrm>
+              <a:off x="1667780" y="2450081"/>
+              <a:ext cx="1801282" cy="369332"/>
+            </a:xfrm>
+            <a:prstGeom prst="rect">
+              <a:avLst/>
+            </a:prstGeom>
+            <a:noFill/>
+          </p:spPr>
+          <p:txBody>
+            <a:bodyPr wrap="none" rtlCol="0">
+              <a:spAutoFit/>
+            </a:bodyPr>
+            <a:lstStyle/>
             <a:p>
               <a:r>
                 <a:rPr lang="en-US" dirty="0" smtClean="0">
-                  <a:latin typeface="Courier"/>
-                  <a:cs typeface="Courier"/>
+                  <a:solidFill>
+                    <a:srgbClr val="0000FF"/>
+                  </a:solidFill>
+                  <a:latin typeface="LM Roman 10 Regular"/>
+                  <a:cs typeface="LM Roman 10 Regular"/>
                 </a:rPr>
-                <a:t>d:  labels of X</a:t>
-              </a:r>
-            </a:p>
-            <a:p>
-              <a:r>
-                <a:rPr lang="en-US" dirty="0" err="1" smtClean="0">
-                  <a:latin typeface="Courier"/>
-                  <a:cs typeface="Courier"/>
-                </a:rPr>
-                <a:t>Xt</a:t>
-              </a:r>
-              <a:r>
-                <a:rPr lang="en-US" dirty="0" smtClean="0">
-                  <a:latin typeface="Courier"/>
-                  <a:cs typeface="Courier"/>
-                </a:rPr>
-                <a:t>: testing data</a:t>
-              </a:r>
-            </a:p>
-            <a:p>
-              <a:r>
-                <a:rPr lang="en-US" dirty="0" err="1" smtClean="0">
-                  <a:latin typeface="Courier"/>
-                  <a:cs typeface="Courier"/>
-                </a:rPr>
-                <a:t>dt</a:t>
-              </a:r>
-              <a:r>
-                <a:rPr lang="en-US" dirty="0" smtClean="0">
-                  <a:latin typeface="Courier"/>
-                  <a:cs typeface="Courier"/>
-                </a:rPr>
-                <a:t>: labels of </a:t>
-              </a:r>
-              <a:r>
-                <a:rPr lang="en-US" dirty="0" err="1" smtClean="0">
-                  <a:latin typeface="Courier"/>
-                  <a:cs typeface="Courier"/>
-                </a:rPr>
-                <a:t>Xt</a:t>
+                <a:t>log{                  }</a:t>
               </a:r>
               <a:endParaRPr lang="en-US" dirty="0">
-                <a:latin typeface="Courier"/>
-                <a:cs typeface="Courier"/>
+                <a:solidFill>
+                  <a:srgbClr val="0000FF"/>
+                </a:solidFill>
+                <a:latin typeface="LM Roman 10 Regular"/>
+                <a:cs typeface="LM Roman 10 Regular"/>
               </a:endParaRPr>
             </a:p>
           </p:txBody>
@@ -9808,19 +10424,28 @@
       </p:grpSp>
       <p:sp>
         <p:nvSpPr>
-          <p:cNvPr id="4" name="TextBox 3"/>
+          <p:cNvPr id="2" name="TextBox 1"/>
           <p:cNvSpPr txBox="1"/>
           <p:nvPr/>
         </p:nvSpPr>
         <p:spPr>
           <a:xfrm>
-            <a:off x="275293" y="2754003"/>
-            <a:ext cx="8434420" cy="2154436"/>
+            <a:off x="149982" y="204430"/>
+            <a:ext cx="982961" cy="584775"/>
           </a:xfrm>
           <a:prstGeom prst="rect">
             <a:avLst/>
           </a:prstGeom>
-          <a:noFill/>
+          <a:solidFill>
+            <a:schemeClr val="bg1">
+              <a:lumMod val="75000"/>
+            </a:schemeClr>
+          </a:solidFill>
+          <a:ln>
+            <a:solidFill>
+              <a:schemeClr val="tx1"/>
+            </a:solidFill>
+          </a:ln>
         </p:spPr>
         <p:txBody>
           <a:bodyPr wrap="none" rtlCol="0">
@@ -9829,206 +10454,17 @@
           <a:lstStyle/>
           <a:p>
             <a:r>
-              <a:rPr lang="en-US" dirty="0" smtClean="0">
-                <a:latin typeface="Trebuchet MS"/>
-                <a:cs typeface="Trebuchet MS"/>
-              </a:rPr>
-              <a:t>Example using </a:t>
-            </a:r>
-            <a:r>
-              <a:rPr lang="en-US" dirty="0" err="1" smtClean="0">
-                <a:latin typeface="Trebuchet MS"/>
-                <a:cs typeface="Trebuchet MS"/>
-              </a:rPr>
-              <a:t>Balu</a:t>
-            </a:r>
-            <a:r>
-              <a:rPr lang="en-US" dirty="0" smtClean="0">
-                <a:latin typeface="Trebuchet MS"/>
-                <a:cs typeface="Trebuchet MS"/>
-              </a:rPr>
-              <a:t>:</a:t>
-            </a:r>
-          </a:p>
-          <a:p>
-            <a:endParaRPr lang="en-US" dirty="0">
-              <a:latin typeface="Trebuchet MS"/>
-              <a:cs typeface="Trebuchet MS"/>
-            </a:endParaRPr>
-          </a:p>
-          <a:p>
-            <a:endParaRPr lang="en-US" dirty="0" smtClean="0">
-              <a:latin typeface="Trebuchet MS"/>
-              <a:cs typeface="Trebuchet MS"/>
-            </a:endParaRPr>
-          </a:p>
-          <a:p>
-            <a:r>
-              <a:rPr lang="en-US" sz="1600" dirty="0">
-                <a:latin typeface="Courier"/>
-                <a:cs typeface="Courier"/>
-              </a:rPr>
-              <a:t>load </a:t>
-            </a:r>
-            <a:r>
-              <a:rPr lang="en-US" sz="1600" dirty="0" err="1">
-                <a:latin typeface="Courier"/>
-                <a:cs typeface="Courier"/>
-              </a:rPr>
-              <a:t>datagauss</a:t>
-            </a:r>
-            <a:r>
-              <a:rPr lang="en-US" sz="1600" dirty="0">
-                <a:latin typeface="Courier"/>
-                <a:cs typeface="Courier"/>
-              </a:rPr>
-              <a:t>             % simulated data (2 classes, 2 features)</a:t>
-            </a:r>
-          </a:p>
-          <a:p>
-            <a:r>
-              <a:rPr lang="en-US" sz="1600" dirty="0" err="1" smtClean="0">
-                <a:latin typeface="Courier"/>
-                <a:cs typeface="Courier"/>
-              </a:rPr>
-              <a:t>Bio_plotfeatures</a:t>
-            </a:r>
-            <a:r>
-              <a:rPr lang="en-US" sz="1600" dirty="0">
-                <a:latin typeface="Courier"/>
-                <a:cs typeface="Courier"/>
-              </a:rPr>
-              <a:t>(</a:t>
-            </a:r>
-            <a:r>
-              <a:rPr lang="en-US" sz="1600" dirty="0" err="1">
-                <a:latin typeface="Courier"/>
-                <a:cs typeface="Courier"/>
-              </a:rPr>
-              <a:t>X,d</a:t>
-            </a:r>
-            <a:r>
-              <a:rPr lang="en-US" sz="1600" dirty="0">
-                <a:latin typeface="Courier"/>
-                <a:cs typeface="Courier"/>
-              </a:rPr>
-              <a:t>)      % plot feature space</a:t>
-            </a:r>
-          </a:p>
-          <a:p>
-            <a:r>
-              <a:rPr lang="en-US" sz="1600" dirty="0" err="1" smtClean="0">
-                <a:latin typeface="Courier"/>
-                <a:cs typeface="Courier"/>
-              </a:rPr>
-              <a:t>op.p</a:t>
-            </a:r>
-            <a:r>
-              <a:rPr lang="en-US" sz="1600" dirty="0" smtClean="0">
-                <a:latin typeface="Courier"/>
-                <a:cs typeface="Courier"/>
-              </a:rPr>
-              <a:t> </a:t>
-            </a:r>
-            <a:r>
-              <a:rPr lang="en-US" sz="1600" dirty="0">
-                <a:latin typeface="Courier"/>
-                <a:cs typeface="Courier"/>
-              </a:rPr>
-              <a:t>= [0.75 0.25];        % prior probability for each class</a:t>
-            </a:r>
-          </a:p>
-          <a:p>
-            <a:r>
-              <a:rPr lang="en-US" sz="1600" dirty="0">
-                <a:latin typeface="Courier"/>
-                <a:cs typeface="Courier"/>
-              </a:rPr>
-              <a:t>ds = </a:t>
-            </a:r>
-            <a:r>
-              <a:rPr lang="en-US" sz="1600" dirty="0" err="1">
-                <a:latin typeface="Courier"/>
-                <a:cs typeface="Courier"/>
-              </a:rPr>
-              <a:t>Bcl_lda</a:t>
-            </a:r>
-            <a:r>
-              <a:rPr lang="en-US" sz="1600" dirty="0">
-                <a:latin typeface="Courier"/>
-                <a:cs typeface="Courier"/>
-              </a:rPr>
-              <a:t>(</a:t>
-            </a:r>
-            <a:r>
-              <a:rPr lang="en-US" sz="1600" dirty="0" err="1">
-                <a:latin typeface="Courier"/>
-                <a:cs typeface="Courier"/>
-              </a:rPr>
-              <a:t>X,d,Xt,op</a:t>
-            </a:r>
-            <a:r>
-              <a:rPr lang="en-US" sz="1600" dirty="0">
-                <a:latin typeface="Courier"/>
-                <a:cs typeface="Courier"/>
-              </a:rPr>
-              <a:t>);   % LDA classifier</a:t>
-            </a:r>
-          </a:p>
-          <a:p>
-            <a:r>
-              <a:rPr lang="en-US" sz="1600" dirty="0" smtClean="0">
-                <a:latin typeface="Courier"/>
-                <a:cs typeface="Courier"/>
-              </a:rPr>
-              <a:t>p </a:t>
-            </a:r>
-            <a:r>
-              <a:rPr lang="en-US" sz="1600" dirty="0">
-                <a:latin typeface="Courier"/>
-                <a:cs typeface="Courier"/>
-              </a:rPr>
-              <a:t>= </a:t>
-            </a:r>
-            <a:r>
-              <a:rPr lang="en-US" sz="1600" dirty="0" err="1">
-                <a:latin typeface="Courier"/>
-                <a:cs typeface="Courier"/>
-              </a:rPr>
-              <a:t>Bev_performance</a:t>
-            </a:r>
-            <a:r>
-              <a:rPr lang="en-US" sz="1600" dirty="0">
-                <a:latin typeface="Courier"/>
-                <a:cs typeface="Courier"/>
-              </a:rPr>
-              <a:t>(</a:t>
-            </a:r>
-            <a:r>
-              <a:rPr lang="en-US" sz="1600" dirty="0" err="1">
-                <a:latin typeface="Courier"/>
-                <a:cs typeface="Courier"/>
-              </a:rPr>
-              <a:t>ds,dt</a:t>
-            </a:r>
-            <a:r>
-              <a:rPr lang="en-US" sz="1600" dirty="0">
-                <a:latin typeface="Courier"/>
-                <a:cs typeface="Courier"/>
-              </a:rPr>
-              <a:t>) % performance on test data</a:t>
-            </a:r>
-            <a:endParaRPr lang="pt-BR" sz="1600" dirty="0" smtClean="0">
-              <a:latin typeface="Courier"/>
-              <a:cs typeface="Courier"/>
-            </a:endParaRPr>
+              <a:rPr lang="en-US" sz="3200" dirty="0" smtClean="0"/>
+              <a:t>LDA</a:t>
+            </a:r>
+            <a:endParaRPr lang="en-US" sz="3200" dirty="0"/>
           </a:p>
         </p:txBody>
       </p:sp>
     </p:spTree>
     <p:extLst>
       <p:ext uri="{BB962C8B-B14F-4D97-AF65-F5344CB8AC3E}">
-        <p14:creationId xmlns:p14="http://schemas.microsoft.com/office/powerpoint/2010/main" val="468088403"/>
+        <p14:creationId xmlns:p14="http://schemas.microsoft.com/office/powerpoint/2010/main" val="2681021047"/>
       </p:ext>
     </p:extLst>
   </p:cSld>
@@ -10038,75 +10474,7 @@
   <p:timing>
     <p:tnLst>
       <p:par>
-        <p:cTn id="1" dur="indefinite" restart="never" nodeType="tmRoot">
-          <p:childTnLst>
-            <p:seq concurrent="1" nextAc="seek">
-              <p:cTn id="2" dur="indefinite" nodeType="mainSeq">
-                <p:childTnLst>
-                  <p:par>
-                    <p:cTn id="3" fill="hold">
-                      <p:stCondLst>
-                        <p:cond delay="indefinite"/>
-                      </p:stCondLst>
-                      <p:childTnLst>
-                        <p:par>
-                          <p:cTn id="4" fill="hold">
-                            <p:stCondLst>
-                              <p:cond delay="0"/>
-                            </p:stCondLst>
-                            <p:childTnLst>
-                              <p:par>
-                                <p:cTn id="5" presetID="1" presetClass="entr" presetSubtype="0" fill="hold" nodeType="clickEffect">
-                                  <p:stCondLst>
-                                    <p:cond delay="0"/>
-                                  </p:stCondLst>
-                                  <p:childTnLst>
-                                    <p:set>
-                                      <p:cBhvr>
-                                        <p:cTn id="6" dur="1" fill="hold">
-                                          <p:stCondLst>
-                                            <p:cond delay="0"/>
-                                          </p:stCondLst>
-                                        </p:cTn>
-                                        <p:tgtEl>
-                                          <p:spTgt spid="7"/>
-                                        </p:tgtEl>
-                                        <p:attrNameLst>
-                                          <p:attrName>style.visibility</p:attrName>
-                                        </p:attrNameLst>
-                                      </p:cBhvr>
-                                      <p:to>
-                                        <p:strVal val="visible"/>
-                                      </p:to>
-                                    </p:set>
-                                  </p:childTnLst>
-                                </p:cTn>
-                              </p:par>
-                            </p:childTnLst>
-                          </p:cTn>
-                        </p:par>
-                      </p:childTnLst>
-                    </p:cTn>
-                  </p:par>
-                </p:childTnLst>
-              </p:cTn>
-              <p:prevCondLst>
-                <p:cond evt="onPrev" delay="0">
-                  <p:tgtEl>
-                    <p:sldTgt/>
-                  </p:tgtEl>
-                </p:cond>
-              </p:prevCondLst>
-              <p:nextCondLst>
-                <p:cond evt="onNext" delay="0">
-                  <p:tgtEl>
-                    <p:sldTgt/>
-                  </p:tgtEl>
-                </p:cond>
-              </p:nextCondLst>
-            </p:seq>
-          </p:childTnLst>
-        </p:cTn>
+        <p:cTn id="1" dur="indefinite" restart="never" nodeType="tmRoot"/>
       </p:par>
     </p:tnLst>
   </p:timing>

--- a/clases/Cap04_Clasificacion/presentations/PAT04_LDA.pptx
+++ b/clases/Cap04_Clasificacion/presentations/PAT04_LDA.pptx
@@ -5,7 +5,7 @@
     <p:sldMasterId id="2147483648" r:id="rId1"/>
   </p:sldMasterIdLst>
   <p:notesMasterIdLst>
-    <p:notesMasterId r:id="rId14"/>
+    <p:notesMasterId r:id="rId15"/>
   </p:notesMasterIdLst>
   <p:sldIdLst>
     <p:sldId id="293" r:id="rId2"/>
@@ -20,6 +20,7 @@
     <p:sldId id="290" r:id="rId11"/>
     <p:sldId id="291" r:id="rId12"/>
     <p:sldId id="292" r:id="rId13"/>
+    <p:sldId id="295" r:id="rId14"/>
   </p:sldIdLst>
   <p:sldSz cx="9144000" cy="6858000" type="screen4x3"/>
   <p:notesSz cx="6858000" cy="9144000"/>
@@ -679,7 +680,7 @@
           <a:lstStyle/>
           <a:p>
             <a:pPr eaLnBrk="1" hangingPunct="1"/>
-            <a:endParaRPr lang="es-ES" smtClean="0"/>
+            <a:endParaRPr lang="es-ES"/>
           </a:p>
         </p:txBody>
       </p:sp>
@@ -729,10 +730,9 @@
           <a:lstStyle/>
           <a:p>
             <a:r>
-              <a:rPr lang="es-ES_tradnl" smtClean="0"/>
+              <a:rPr lang="es-ES_tradnl"/>
               <a:t>Clic para editar título</a:t>
             </a:r>
-            <a:endParaRPr lang="es-ES_tradnl"/>
           </a:p>
         </p:txBody>
       </p:sp>
@@ -794,10 +794,9 @@
           </a:lstStyle>
           <a:p>
             <a:r>
-              <a:rPr lang="es-ES_tradnl" smtClean="0"/>
+              <a:rPr lang="es-ES_tradnl"/>
               <a:t>Haga clic para modificar el estilo de subtítulo del patrón</a:t>
             </a:r>
-            <a:endParaRPr lang="es-ES_tradnl"/>
           </a:p>
         </p:txBody>
       </p:sp>
@@ -916,10 +915,9 @@
           <a:lstStyle/>
           <a:p>
             <a:r>
-              <a:rPr lang="es-ES_tradnl" smtClean="0"/>
+              <a:rPr lang="es-ES_tradnl"/>
               <a:t>Clic para editar título</a:t>
             </a:r>
-            <a:endParaRPr lang="es-ES_tradnl"/>
           </a:p>
         </p:txBody>
       </p:sp>
@@ -940,38 +938,37 @@
           <a:p>
             <a:pPr lvl="0"/>
             <a:r>
-              <a:rPr lang="es-ES_tradnl" smtClean="0"/>
+              <a:rPr lang="es-ES_tradnl"/>
               <a:t>Haga clic para modificar el estilo de texto del patrón</a:t>
             </a:r>
           </a:p>
           <a:p>
             <a:pPr lvl="1"/>
             <a:r>
-              <a:rPr lang="es-ES_tradnl" smtClean="0"/>
+              <a:rPr lang="es-ES_tradnl"/>
               <a:t>Segundo nivel</a:t>
             </a:r>
           </a:p>
           <a:p>
             <a:pPr lvl="2"/>
             <a:r>
-              <a:rPr lang="es-ES_tradnl" smtClean="0"/>
+              <a:rPr lang="es-ES_tradnl"/>
               <a:t>Tercer nivel</a:t>
             </a:r>
           </a:p>
           <a:p>
             <a:pPr lvl="3"/>
             <a:r>
-              <a:rPr lang="es-ES_tradnl" smtClean="0"/>
+              <a:rPr lang="es-ES_tradnl"/>
               <a:t>Cuarto nivel</a:t>
             </a:r>
           </a:p>
           <a:p>
             <a:pPr lvl="4"/>
             <a:r>
-              <a:rPr lang="es-ES_tradnl" smtClean="0"/>
+              <a:rPr lang="es-ES_tradnl"/>
               <a:t>Quinto nivel</a:t>
             </a:r>
-            <a:endParaRPr lang="es-ES_tradnl"/>
           </a:p>
         </p:txBody>
       </p:sp>
@@ -1095,10 +1092,9 @@
           <a:lstStyle/>
           <a:p>
             <a:r>
-              <a:rPr lang="es-ES_tradnl" smtClean="0"/>
+              <a:rPr lang="es-ES_tradnl"/>
               <a:t>Clic para editar título</a:t>
             </a:r>
-            <a:endParaRPr lang="es-ES_tradnl"/>
           </a:p>
         </p:txBody>
       </p:sp>
@@ -1124,38 +1120,37 @@
           <a:p>
             <a:pPr lvl="0"/>
             <a:r>
-              <a:rPr lang="es-ES_tradnl" smtClean="0"/>
+              <a:rPr lang="es-ES_tradnl"/>
               <a:t>Haga clic para modificar el estilo de texto del patrón</a:t>
             </a:r>
           </a:p>
           <a:p>
             <a:pPr lvl="1"/>
             <a:r>
-              <a:rPr lang="es-ES_tradnl" smtClean="0"/>
+              <a:rPr lang="es-ES_tradnl"/>
               <a:t>Segundo nivel</a:t>
             </a:r>
           </a:p>
           <a:p>
             <a:pPr lvl="2"/>
             <a:r>
-              <a:rPr lang="es-ES_tradnl" smtClean="0"/>
+              <a:rPr lang="es-ES_tradnl"/>
               <a:t>Tercer nivel</a:t>
             </a:r>
           </a:p>
           <a:p>
             <a:pPr lvl="3"/>
             <a:r>
-              <a:rPr lang="es-ES_tradnl" smtClean="0"/>
+              <a:rPr lang="es-ES_tradnl"/>
               <a:t>Cuarto nivel</a:t>
             </a:r>
           </a:p>
           <a:p>
             <a:pPr lvl="4"/>
             <a:r>
-              <a:rPr lang="es-ES_tradnl" smtClean="0"/>
+              <a:rPr lang="es-ES_tradnl"/>
               <a:t>Quinto nivel</a:t>
             </a:r>
-            <a:endParaRPr lang="es-ES_tradnl"/>
           </a:p>
         </p:txBody>
       </p:sp>
@@ -1274,10 +1269,9 @@
           <a:lstStyle/>
           <a:p>
             <a:r>
-              <a:rPr lang="es-ES_tradnl" smtClean="0"/>
+              <a:rPr lang="es-ES_tradnl"/>
               <a:t>Clic para editar título</a:t>
             </a:r>
-            <a:endParaRPr lang="es-ES_tradnl"/>
           </a:p>
         </p:txBody>
       </p:sp>
@@ -1298,38 +1292,37 @@
           <a:p>
             <a:pPr lvl="0"/>
             <a:r>
-              <a:rPr lang="es-ES_tradnl" smtClean="0"/>
+              <a:rPr lang="es-ES_tradnl"/>
               <a:t>Haga clic para modificar el estilo de texto del patrón</a:t>
             </a:r>
           </a:p>
           <a:p>
             <a:pPr lvl="1"/>
             <a:r>
-              <a:rPr lang="es-ES_tradnl" smtClean="0"/>
+              <a:rPr lang="es-ES_tradnl"/>
               <a:t>Segundo nivel</a:t>
             </a:r>
           </a:p>
           <a:p>
             <a:pPr lvl="2"/>
             <a:r>
-              <a:rPr lang="es-ES_tradnl" smtClean="0"/>
+              <a:rPr lang="es-ES_tradnl"/>
               <a:t>Tercer nivel</a:t>
             </a:r>
           </a:p>
           <a:p>
             <a:pPr lvl="3"/>
             <a:r>
-              <a:rPr lang="es-ES_tradnl" smtClean="0"/>
+              <a:rPr lang="es-ES_tradnl"/>
               <a:t>Cuarto nivel</a:t>
             </a:r>
           </a:p>
           <a:p>
             <a:pPr lvl="4"/>
             <a:r>
-              <a:rPr lang="es-ES_tradnl" smtClean="0"/>
+              <a:rPr lang="es-ES_tradnl"/>
               <a:t>Quinto nivel</a:t>
             </a:r>
-            <a:endParaRPr lang="es-ES_tradnl"/>
           </a:p>
         </p:txBody>
       </p:sp>
@@ -1457,10 +1450,9 @@
           </a:lstStyle>
           <a:p>
             <a:r>
-              <a:rPr lang="es-ES_tradnl" smtClean="0"/>
+              <a:rPr lang="es-ES_tradnl"/>
               <a:t>Clic para editar título</a:t>
             </a:r>
-            <a:endParaRPr lang="es-ES_tradnl"/>
           </a:p>
         </p:txBody>
       </p:sp>
@@ -1523,7 +1515,7 @@
           <a:p>
             <a:pPr lvl="0"/>
             <a:r>
-              <a:rPr lang="es-ES_tradnl" smtClean="0"/>
+              <a:rPr lang="es-ES_tradnl"/>
               <a:t>Haga clic para modificar el estilo de texto del patrón</a:t>
             </a:r>
           </a:p>
@@ -1644,10 +1636,9 @@
           <a:lstStyle/>
           <a:p>
             <a:r>
-              <a:rPr lang="es-ES_tradnl" smtClean="0"/>
+              <a:rPr lang="es-ES_tradnl"/>
               <a:t>Clic para editar título</a:t>
             </a:r>
-            <a:endParaRPr lang="es-ES_tradnl"/>
           </a:p>
         </p:txBody>
       </p:sp>
@@ -1701,38 +1692,37 @@
           <a:p>
             <a:pPr lvl="0"/>
             <a:r>
-              <a:rPr lang="es-ES_tradnl" smtClean="0"/>
+              <a:rPr lang="es-ES_tradnl"/>
               <a:t>Haga clic para modificar el estilo de texto del patrón</a:t>
             </a:r>
           </a:p>
           <a:p>
             <a:pPr lvl="1"/>
             <a:r>
-              <a:rPr lang="es-ES_tradnl" smtClean="0"/>
+              <a:rPr lang="es-ES_tradnl"/>
               <a:t>Segundo nivel</a:t>
             </a:r>
           </a:p>
           <a:p>
             <a:pPr lvl="2"/>
             <a:r>
-              <a:rPr lang="es-ES_tradnl" smtClean="0"/>
+              <a:rPr lang="es-ES_tradnl"/>
               <a:t>Tercer nivel</a:t>
             </a:r>
           </a:p>
           <a:p>
             <a:pPr lvl="3"/>
             <a:r>
-              <a:rPr lang="es-ES_tradnl" smtClean="0"/>
+              <a:rPr lang="es-ES_tradnl"/>
               <a:t>Cuarto nivel</a:t>
             </a:r>
           </a:p>
           <a:p>
             <a:pPr lvl="4"/>
             <a:r>
-              <a:rPr lang="es-ES_tradnl" smtClean="0"/>
+              <a:rPr lang="es-ES_tradnl"/>
               <a:t>Quinto nivel</a:t>
             </a:r>
-            <a:endParaRPr lang="es-ES_tradnl"/>
           </a:p>
         </p:txBody>
       </p:sp>
@@ -1786,38 +1776,37 @@
           <a:p>
             <a:pPr lvl="0"/>
             <a:r>
-              <a:rPr lang="es-ES_tradnl" smtClean="0"/>
+              <a:rPr lang="es-ES_tradnl"/>
               <a:t>Haga clic para modificar el estilo de texto del patrón</a:t>
             </a:r>
           </a:p>
           <a:p>
             <a:pPr lvl="1"/>
             <a:r>
-              <a:rPr lang="es-ES_tradnl" smtClean="0"/>
+              <a:rPr lang="es-ES_tradnl"/>
               <a:t>Segundo nivel</a:t>
             </a:r>
           </a:p>
           <a:p>
             <a:pPr lvl="2"/>
             <a:r>
-              <a:rPr lang="es-ES_tradnl" smtClean="0"/>
+              <a:rPr lang="es-ES_tradnl"/>
               <a:t>Tercer nivel</a:t>
             </a:r>
           </a:p>
           <a:p>
             <a:pPr lvl="3"/>
             <a:r>
-              <a:rPr lang="es-ES_tradnl" smtClean="0"/>
+              <a:rPr lang="es-ES_tradnl"/>
               <a:t>Cuarto nivel</a:t>
             </a:r>
           </a:p>
           <a:p>
             <a:pPr lvl="4"/>
             <a:r>
-              <a:rPr lang="es-ES_tradnl" smtClean="0"/>
+              <a:rPr lang="es-ES_tradnl"/>
               <a:t>Quinto nivel</a:t>
             </a:r>
-            <a:endParaRPr lang="es-ES_tradnl"/>
           </a:p>
         </p:txBody>
       </p:sp>
@@ -1940,10 +1929,9 @@
           </a:lstStyle>
           <a:p>
             <a:r>
-              <a:rPr lang="es-ES_tradnl" smtClean="0"/>
+              <a:rPr lang="es-ES_tradnl"/>
               <a:t>Clic para editar título</a:t>
             </a:r>
-            <a:endParaRPr lang="es-ES_tradnl"/>
           </a:p>
         </p:txBody>
       </p:sp>
@@ -2006,7 +1994,7 @@
           <a:p>
             <a:pPr lvl="0"/>
             <a:r>
-              <a:rPr lang="es-ES_tradnl" smtClean="0"/>
+              <a:rPr lang="es-ES_tradnl"/>
               <a:t>Haga clic para modificar el estilo de texto del patrón</a:t>
             </a:r>
           </a:p>
@@ -2062,38 +2050,37 @@
           <a:p>
             <a:pPr lvl="0"/>
             <a:r>
-              <a:rPr lang="es-ES_tradnl" smtClean="0"/>
+              <a:rPr lang="es-ES_tradnl"/>
               <a:t>Haga clic para modificar el estilo de texto del patrón</a:t>
             </a:r>
           </a:p>
           <a:p>
             <a:pPr lvl="1"/>
             <a:r>
-              <a:rPr lang="es-ES_tradnl" smtClean="0"/>
+              <a:rPr lang="es-ES_tradnl"/>
               <a:t>Segundo nivel</a:t>
             </a:r>
           </a:p>
           <a:p>
             <a:pPr lvl="2"/>
             <a:r>
-              <a:rPr lang="es-ES_tradnl" smtClean="0"/>
+              <a:rPr lang="es-ES_tradnl"/>
               <a:t>Tercer nivel</a:t>
             </a:r>
           </a:p>
           <a:p>
             <a:pPr lvl="3"/>
             <a:r>
-              <a:rPr lang="es-ES_tradnl" smtClean="0"/>
+              <a:rPr lang="es-ES_tradnl"/>
               <a:t>Cuarto nivel</a:t>
             </a:r>
           </a:p>
           <a:p>
             <a:pPr lvl="4"/>
             <a:r>
-              <a:rPr lang="es-ES_tradnl" smtClean="0"/>
+              <a:rPr lang="es-ES_tradnl"/>
               <a:t>Quinto nivel</a:t>
             </a:r>
-            <a:endParaRPr lang="es-ES_tradnl"/>
           </a:p>
         </p:txBody>
       </p:sp>
@@ -2156,7 +2143,7 @@
           <a:p>
             <a:pPr lvl="0"/>
             <a:r>
-              <a:rPr lang="es-ES_tradnl" smtClean="0"/>
+              <a:rPr lang="es-ES_tradnl"/>
               <a:t>Haga clic para modificar el estilo de texto del patrón</a:t>
             </a:r>
           </a:p>
@@ -2212,38 +2199,37 @@
           <a:p>
             <a:pPr lvl="0"/>
             <a:r>
-              <a:rPr lang="es-ES_tradnl" smtClean="0"/>
+              <a:rPr lang="es-ES_tradnl"/>
               <a:t>Haga clic para modificar el estilo de texto del patrón</a:t>
             </a:r>
           </a:p>
           <a:p>
             <a:pPr lvl="1"/>
             <a:r>
-              <a:rPr lang="es-ES_tradnl" smtClean="0"/>
+              <a:rPr lang="es-ES_tradnl"/>
               <a:t>Segundo nivel</a:t>
             </a:r>
           </a:p>
           <a:p>
             <a:pPr lvl="2"/>
             <a:r>
-              <a:rPr lang="es-ES_tradnl" smtClean="0"/>
+              <a:rPr lang="es-ES_tradnl"/>
               <a:t>Tercer nivel</a:t>
             </a:r>
           </a:p>
           <a:p>
             <a:pPr lvl="3"/>
             <a:r>
-              <a:rPr lang="es-ES_tradnl" smtClean="0"/>
+              <a:rPr lang="es-ES_tradnl"/>
               <a:t>Cuarto nivel</a:t>
             </a:r>
           </a:p>
           <a:p>
             <a:pPr lvl="4"/>
             <a:r>
-              <a:rPr lang="es-ES_tradnl" smtClean="0"/>
+              <a:rPr lang="es-ES_tradnl"/>
               <a:t>Quinto nivel</a:t>
             </a:r>
-            <a:endParaRPr lang="es-ES_tradnl"/>
           </a:p>
         </p:txBody>
       </p:sp>
@@ -2362,10 +2348,9 @@
           <a:lstStyle/>
           <a:p>
             <a:r>
-              <a:rPr lang="es-ES_tradnl" smtClean="0"/>
+              <a:rPr lang="es-ES_tradnl"/>
               <a:t>Clic para editar título</a:t>
             </a:r>
-            <a:endParaRPr lang="es-ES_tradnl"/>
           </a:p>
         </p:txBody>
       </p:sp>
@@ -2592,10 +2577,9 @@
           </a:lstStyle>
           <a:p>
             <a:r>
-              <a:rPr lang="es-ES_tradnl" smtClean="0"/>
+              <a:rPr lang="es-ES_tradnl"/>
               <a:t>Clic para editar título</a:t>
             </a:r>
-            <a:endParaRPr lang="es-ES_tradnl"/>
           </a:p>
         </p:txBody>
       </p:sp>
@@ -2649,38 +2633,37 @@
           <a:p>
             <a:pPr lvl="0"/>
             <a:r>
-              <a:rPr lang="es-ES_tradnl" smtClean="0"/>
+              <a:rPr lang="es-ES_tradnl"/>
               <a:t>Haga clic para modificar el estilo de texto del patrón</a:t>
             </a:r>
           </a:p>
           <a:p>
             <a:pPr lvl="1"/>
             <a:r>
-              <a:rPr lang="es-ES_tradnl" smtClean="0"/>
+              <a:rPr lang="es-ES_tradnl"/>
               <a:t>Segundo nivel</a:t>
             </a:r>
           </a:p>
           <a:p>
             <a:pPr lvl="2"/>
             <a:r>
-              <a:rPr lang="es-ES_tradnl" smtClean="0"/>
+              <a:rPr lang="es-ES_tradnl"/>
               <a:t>Tercer nivel</a:t>
             </a:r>
           </a:p>
           <a:p>
             <a:pPr lvl="3"/>
             <a:r>
-              <a:rPr lang="es-ES_tradnl" smtClean="0"/>
+              <a:rPr lang="es-ES_tradnl"/>
               <a:t>Cuarto nivel</a:t>
             </a:r>
           </a:p>
           <a:p>
             <a:pPr lvl="4"/>
             <a:r>
-              <a:rPr lang="es-ES_tradnl" smtClean="0"/>
+              <a:rPr lang="es-ES_tradnl"/>
               <a:t>Quinto nivel</a:t>
             </a:r>
-            <a:endParaRPr lang="es-ES_tradnl"/>
           </a:p>
         </p:txBody>
       </p:sp>
@@ -2743,7 +2726,7 @@
           <a:p>
             <a:pPr lvl="0"/>
             <a:r>
-              <a:rPr lang="es-ES_tradnl" smtClean="0"/>
+              <a:rPr lang="es-ES_tradnl"/>
               <a:t>Haga clic para modificar el estilo de texto del patrón</a:t>
             </a:r>
           </a:p>
@@ -2873,10 +2856,9 @@
           </a:lstStyle>
           <a:p>
             <a:r>
-              <a:rPr lang="es-ES_tradnl" smtClean="0"/>
+              <a:rPr lang="es-ES_tradnl"/>
               <a:t>Clic para editar título</a:t>
             </a:r>
-            <a:endParaRPr lang="es-ES_tradnl"/>
           </a:p>
         </p:txBody>
       </p:sp>
@@ -3000,7 +2982,7 @@
           <a:p>
             <a:pPr lvl="0"/>
             <a:r>
-              <a:rPr lang="es-ES_tradnl" smtClean="0"/>
+              <a:rPr lang="es-ES_tradnl"/>
               <a:t>Haga clic para modificar el estilo de texto del patrón</a:t>
             </a:r>
           </a:p>
@@ -3835,7 +3817,7 @@
           <a:p>
             <a:pPr algn="ctr"/>
             <a:r>
-              <a:rPr lang="es-CL" sz="2400" dirty="0" smtClean="0">
+              <a:rPr lang="es-CL" sz="2400" dirty="0">
                 <a:solidFill>
                   <a:srgbClr val="FF0000"/>
                 </a:solidFill>
@@ -3844,7 +3826,7 @@
               <a:t>R</a:t>
             </a:r>
             <a:r>
-              <a:rPr lang="es-CL" sz="2400" dirty="0" smtClean="0">
+              <a:rPr lang="es-CL" sz="2400" dirty="0">
                 <a:solidFill>
                   <a:srgbClr val="3366FF"/>
                 </a:solidFill>
@@ -3853,7 +3835,7 @@
               <a:t>e</a:t>
             </a:r>
             <a:r>
-              <a:rPr lang="es-CL" sz="2400" dirty="0" smtClean="0">
+              <a:rPr lang="es-CL" sz="2400" dirty="0">
                 <a:solidFill>
                   <a:srgbClr val="FFFF00"/>
                 </a:solidFill>
@@ -3862,7 +3844,7 @@
               <a:t>c</a:t>
             </a:r>
             <a:r>
-              <a:rPr lang="es-CL" sz="2400" dirty="0" smtClean="0">
+              <a:rPr lang="es-CL" sz="2400" dirty="0">
                 <a:solidFill>
                   <a:srgbClr val="00FF00"/>
                 </a:solidFill>
@@ -3871,7 +3853,7 @@
               <a:t>o</a:t>
             </a:r>
             <a:r>
-              <a:rPr lang="es-CL" sz="2400" dirty="0" smtClean="0">
+              <a:rPr lang="es-CL" sz="2400" dirty="0">
                 <a:solidFill>
                   <a:schemeClr val="bg1"/>
                 </a:solidFill>
@@ -3880,7 +3862,7 @@
               <a:t>n</a:t>
             </a:r>
             <a:r>
-              <a:rPr lang="es-CL" sz="2400" dirty="0" smtClean="0">
+              <a:rPr lang="es-CL" sz="2400" dirty="0">
                 <a:solidFill>
                   <a:srgbClr val="FF6600"/>
                 </a:solidFill>
@@ -3889,7 +3871,7 @@
               <a:t>o</a:t>
             </a:r>
             <a:r>
-              <a:rPr lang="es-CL" sz="2400" dirty="0" smtClean="0">
+              <a:rPr lang="es-CL" sz="2400" dirty="0">
                 <a:solidFill>
                   <a:srgbClr val="FF0000"/>
                 </a:solidFill>
@@ -3898,7 +3880,7 @@
               <a:t>c</a:t>
             </a:r>
             <a:r>
-              <a:rPr lang="es-CL" sz="2400" dirty="0" smtClean="0">
+              <a:rPr lang="es-CL" sz="2400" dirty="0">
                 <a:solidFill>
                   <a:srgbClr val="3366FF"/>
                 </a:solidFill>
@@ -3907,7 +3889,7 @@
               <a:t>i</a:t>
             </a:r>
             <a:r>
-              <a:rPr lang="es-CL" sz="2400" dirty="0" smtClean="0">
+              <a:rPr lang="es-CL" sz="2400" dirty="0">
                 <a:solidFill>
                   <a:schemeClr val="bg1"/>
                 </a:solidFill>
@@ -3916,7 +3898,7 @@
               <a:t>m</a:t>
             </a:r>
             <a:r>
-              <a:rPr lang="es-CL" sz="2400" dirty="0" smtClean="0">
+              <a:rPr lang="es-CL" sz="2400" dirty="0">
                 <a:solidFill>
                   <a:srgbClr val="FFFF00"/>
                 </a:solidFill>
@@ -3925,7 +3907,7 @@
               <a:t>i</a:t>
             </a:r>
             <a:r>
-              <a:rPr lang="es-CL" sz="2400" dirty="0" smtClean="0">
+              <a:rPr lang="es-CL" sz="2400" dirty="0">
                 <a:solidFill>
                   <a:srgbClr val="00FF00"/>
                 </a:solidFill>
@@ -3934,7 +3916,7 @@
               <a:t>e</a:t>
             </a:r>
             <a:r>
-              <a:rPr lang="es-CL" sz="2400" dirty="0" smtClean="0">
+              <a:rPr lang="es-CL" sz="2400" dirty="0">
                 <a:solidFill>
                   <a:schemeClr val="bg1"/>
                 </a:solidFill>
@@ -3943,7 +3925,7 @@
               <a:t>n</a:t>
             </a:r>
             <a:r>
-              <a:rPr lang="es-CL" sz="2400" dirty="0" smtClean="0">
+              <a:rPr lang="es-CL" sz="2400" dirty="0">
                 <a:solidFill>
                   <a:srgbClr val="FF6600"/>
                 </a:solidFill>
@@ -3952,7 +3934,7 @@
               <a:t>t</a:t>
             </a:r>
             <a:r>
-              <a:rPr lang="es-CL" sz="2400" dirty="0" smtClean="0">
+              <a:rPr lang="es-CL" sz="2400" dirty="0">
                 <a:solidFill>
                   <a:srgbClr val="FF0000"/>
                 </a:solidFill>
@@ -3961,7 +3943,7 @@
               <a:t>o</a:t>
             </a:r>
             <a:r>
-              <a:rPr lang="es-CL" sz="2400" dirty="0" smtClean="0">
+              <a:rPr lang="es-CL" sz="2400" dirty="0">
                 <a:solidFill>
                   <a:srgbClr val="3333CC"/>
                 </a:solidFill>
@@ -3970,7 +3952,7 @@
               <a:t> </a:t>
             </a:r>
             <a:r>
-              <a:rPr lang="es-CL" sz="2400" dirty="0" smtClean="0">
+              <a:rPr lang="es-CL" sz="2400" dirty="0">
                 <a:solidFill>
                   <a:srgbClr val="3366FF"/>
                 </a:solidFill>
@@ -3979,7 +3961,7 @@
               <a:t>d</a:t>
             </a:r>
             <a:r>
-              <a:rPr lang="es-CL" sz="2400" dirty="0" smtClean="0">
+              <a:rPr lang="es-CL" sz="2400" dirty="0">
                 <a:solidFill>
                   <a:srgbClr val="FFFF00"/>
                 </a:solidFill>
@@ -3988,7 +3970,7 @@
               <a:t>e </a:t>
             </a:r>
             <a:r>
-              <a:rPr lang="es-CL" sz="2400" dirty="0" smtClean="0">
+              <a:rPr lang="es-CL" sz="2400" dirty="0">
                 <a:solidFill>
                   <a:srgbClr val="00FF00"/>
                 </a:solidFill>
@@ -3997,7 +3979,7 @@
               <a:t>P</a:t>
             </a:r>
             <a:r>
-              <a:rPr lang="es-CL" sz="2400" dirty="0" smtClean="0">
+              <a:rPr lang="es-CL" sz="2400" dirty="0">
                 <a:solidFill>
                   <a:schemeClr val="bg1"/>
                 </a:solidFill>
@@ -4006,7 +3988,7 @@
               <a:t>a</a:t>
             </a:r>
             <a:r>
-              <a:rPr lang="es-CL" sz="2400" dirty="0" smtClean="0">
+              <a:rPr lang="es-CL" sz="2400" dirty="0">
                 <a:solidFill>
                   <a:srgbClr val="FF6600"/>
                 </a:solidFill>
@@ -4015,7 +3997,7 @@
               <a:t>t</a:t>
             </a:r>
             <a:r>
-              <a:rPr lang="es-CL" sz="2400" dirty="0" smtClean="0">
+              <a:rPr lang="es-CL" sz="2400" dirty="0">
                 <a:solidFill>
                   <a:srgbClr val="FF0000"/>
                 </a:solidFill>
@@ -4024,7 +4006,7 @@
               <a:t>r</a:t>
             </a:r>
             <a:r>
-              <a:rPr lang="es-CL" sz="2400" dirty="0" smtClean="0">
+              <a:rPr lang="es-CL" sz="2400" dirty="0">
                 <a:solidFill>
                   <a:srgbClr val="3366FF"/>
                 </a:solidFill>
@@ -4033,7 +4015,7 @@
               <a:t>o</a:t>
             </a:r>
             <a:r>
-              <a:rPr lang="es-CL" sz="2400" dirty="0" smtClean="0">
+              <a:rPr lang="es-CL" sz="2400" dirty="0">
                 <a:solidFill>
                   <a:srgbClr val="FFFF00"/>
                 </a:solidFill>
@@ -4042,7 +4024,7 @@
               <a:t>n</a:t>
             </a:r>
             <a:r>
-              <a:rPr lang="es-CL" sz="2400" dirty="0" smtClean="0">
+              <a:rPr lang="es-CL" sz="2400" dirty="0">
                 <a:solidFill>
                   <a:srgbClr val="00FF00"/>
                 </a:solidFill>
@@ -4051,7 +4033,7 @@
               <a:t>e</a:t>
             </a:r>
             <a:r>
-              <a:rPr lang="es-CL" sz="2400" dirty="0" smtClean="0">
+              <a:rPr lang="es-CL" sz="2400" dirty="0">
                 <a:solidFill>
                   <a:schemeClr val="bg1"/>
                 </a:solidFill>
@@ -4059,7 +4041,7 @@
               </a:rPr>
               <a:t>s</a:t>
             </a:r>
-            <a:endParaRPr lang="es-CL" sz="2400" dirty="0" smtClean="0">
+            <a:endParaRPr lang="es-CL" sz="2400" dirty="0">
               <a:solidFill>
                 <a:srgbClr val="FF0000"/>
               </a:solidFill>
@@ -4069,7 +4051,7 @@
           <a:p>
             <a:pPr algn="ctr"/>
             <a:r>
-              <a:rPr lang="es-CL" sz="2400" dirty="0" smtClean="0">
+              <a:rPr lang="es-CL" sz="2400" dirty="0">
                 <a:solidFill>
                   <a:schemeClr val="bg2">
                     <a:lumMod val="60000"/>
@@ -4080,19 +4062,10 @@
               </a:rPr>
               <a:t> </a:t>
             </a:r>
+          </a:p>
+          <a:p>
+            <a:pPr algn="ctr"/>
             <a:endParaRPr lang="es-CL" sz="2400" dirty="0">
-              <a:solidFill>
-                <a:schemeClr val="bg2">
-                  <a:lumMod val="60000"/>
-                  <a:lumOff val="40000"/>
-                </a:schemeClr>
-              </a:solidFill>
-              <a:latin typeface="Trebuchet MS" pitchFamily="34" charset="0"/>
-            </a:endParaRPr>
-          </a:p>
-          <a:p>
-            <a:pPr algn="ctr"/>
-            <a:endParaRPr lang="es-CL" sz="2400" dirty="0" smtClean="0">
               <a:solidFill>
                 <a:srgbClr val="3333CC"/>
               </a:solidFill>
@@ -4163,7 +4136,7 @@
           <a:p>
             <a:pPr algn="ctr"/>
             <a:r>
-              <a:rPr lang="es-CL" sz="1200" dirty="0" smtClean="0">
+              <a:rPr lang="es-CL" sz="1200" dirty="0">
                 <a:solidFill>
                   <a:schemeClr val="bg1">
                     <a:lumMod val="75000"/>
@@ -4173,19 +4146,11 @@
               </a:rPr>
               <a:t>Departmento de Ciencia de la Computación</a:t>
             </a:r>
-            <a:endParaRPr lang="es-CL" sz="1200" dirty="0">
-              <a:solidFill>
-                <a:schemeClr val="bg1">
-                  <a:lumMod val="75000"/>
-                </a:schemeClr>
-              </a:solidFill>
-              <a:latin typeface="Trebuchet MS" pitchFamily="34" charset="0"/>
-            </a:endParaRPr>
           </a:p>
           <a:p>
             <a:pPr algn="ctr"/>
             <a:r>
-              <a:rPr lang="es-CL" sz="1200" dirty="0" smtClean="0">
+              <a:rPr lang="es-CL" sz="1200" dirty="0">
                 <a:solidFill>
                   <a:schemeClr val="bg1">
                     <a:lumMod val="75000"/>
@@ -4199,7 +4164,7 @@
           <a:p>
             <a:pPr algn="ctr"/>
             <a:r>
-              <a:rPr lang="es-CL" sz="1200" dirty="0" smtClean="0">
+              <a:rPr lang="es-CL" sz="1200" dirty="0">
                 <a:solidFill>
                   <a:schemeClr val="bg1">
                     <a:lumMod val="75000"/>
@@ -4209,14 +4174,6 @@
               </a:rPr>
               <a:t>Universidad Católica de Chile</a:t>
             </a:r>
-            <a:endParaRPr lang="es-CL" sz="1200" dirty="0">
-              <a:solidFill>
-                <a:schemeClr val="bg1">
-                  <a:lumMod val="75000"/>
-                </a:schemeClr>
-              </a:solidFill>
-              <a:latin typeface="Trebuchet MS" pitchFamily="34" charset="0"/>
-            </a:endParaRPr>
           </a:p>
           <a:p>
             <a:pPr algn="ctr"/>
@@ -4520,7 +4477,7 @@
           <a:p>
             <a:pPr algn="ctr"/>
             <a:r>
-              <a:rPr lang="en-US" sz="2400" b="1" smtClean="0">
+              <a:rPr lang="en-US" sz="2400" b="1">
                 <a:solidFill>
                   <a:srgbClr val="FFFFFF"/>
                 </a:solidFill>
@@ -4529,7 +4486,7 @@
               </a:rPr>
               <a:t>LDA</a:t>
             </a:r>
-            <a:endParaRPr lang="en-US" sz="2400" b="1" dirty="0" smtClean="0">
+            <a:endParaRPr lang="en-US" sz="2400" b="1" dirty="0">
               <a:solidFill>
                 <a:srgbClr val="FFFFFF"/>
               </a:solidFill>
@@ -4539,7 +4496,7 @@
           </a:p>
           <a:p>
             <a:pPr algn="ctr"/>
-            <a:endParaRPr lang="es-CL" sz="1000" dirty="0" smtClean="0">
+            <a:endParaRPr lang="es-CL" sz="1000" dirty="0">
               <a:solidFill>
                 <a:srgbClr val="FFFFFF"/>
               </a:solidFill>
@@ -4550,7 +4507,7 @@
           <a:p>
             <a:pPr algn="ctr"/>
             <a:r>
-              <a:rPr lang="es-CL" sz="1000" dirty="0" smtClean="0">
+              <a:rPr lang="es-CL" sz="1000" dirty="0">
                 <a:solidFill>
                   <a:srgbClr val="FFFFFF"/>
                 </a:solidFill>
@@ -5093,186 +5050,16 @@
           <a:chExt cx="0" cy="0"/>
         </a:xfrm>
       </p:grpSpPr>
-      <p:grpSp>
-        <p:nvGrpSpPr>
-          <p:cNvPr id="7" name="Group 6"/>
-          <p:cNvGrpSpPr/>
-          <p:nvPr/>
-        </p:nvGrpSpPr>
-        <p:grpSpPr>
-          <a:xfrm>
-            <a:off x="0" y="1603460"/>
-            <a:ext cx="7440288" cy="2296156"/>
-            <a:chOff x="0" y="1603460"/>
-            <a:chExt cx="7440288" cy="2296156"/>
-          </a:xfrm>
-        </p:grpSpPr>
-        <p:sp>
-          <p:nvSpPr>
-            <p:cNvPr id="6" name="Oval 5"/>
-            <p:cNvSpPr/>
-            <p:nvPr/>
-          </p:nvSpPr>
-          <p:spPr>
-            <a:xfrm>
-              <a:off x="0" y="3566096"/>
-              <a:ext cx="2411886" cy="333520"/>
-            </a:xfrm>
-            <a:prstGeom prst="ellipse">
-              <a:avLst/>
-            </a:prstGeom>
-          </p:spPr>
-          <p:style>
-            <a:lnRef idx="1">
-              <a:schemeClr val="accent1"/>
-            </a:lnRef>
-            <a:fillRef idx="3">
-              <a:schemeClr val="accent1"/>
-            </a:fillRef>
-            <a:effectRef idx="2">
-              <a:schemeClr val="accent1"/>
-            </a:effectRef>
-            <a:fontRef idx="minor">
-              <a:schemeClr val="lt1"/>
-            </a:fontRef>
-          </p:style>
-          <p:txBody>
-            <a:bodyPr rtlCol="0" anchor="ctr"/>
-            <a:lstStyle/>
-            <a:p>
-              <a:pPr algn="ctr"/>
-              <a:endParaRPr lang="en-US"/>
-            </a:p>
-          </p:txBody>
-        </p:sp>
-        <p:cxnSp>
-          <p:nvCxnSpPr>
-            <p:cNvPr id="3" name="Straight Arrow Connector 2"/>
-            <p:cNvCxnSpPr/>
-            <p:nvPr/>
-          </p:nvCxnSpPr>
-          <p:spPr>
-            <a:xfrm flipV="1">
-              <a:off x="1821744" y="1834359"/>
-              <a:ext cx="2745445" cy="1885669"/>
-            </a:xfrm>
-            <a:prstGeom prst="straightConnector1">
-              <a:avLst/>
-            </a:prstGeom>
-            <a:ln>
-              <a:tailEnd type="arrow"/>
-            </a:ln>
-          </p:spPr>
-          <p:style>
-            <a:lnRef idx="2">
-              <a:schemeClr val="accent1"/>
-            </a:lnRef>
-            <a:fillRef idx="0">
-              <a:schemeClr val="accent1"/>
-            </a:fillRef>
-            <a:effectRef idx="1">
-              <a:schemeClr val="accent1"/>
-            </a:effectRef>
-            <a:fontRef idx="minor">
-              <a:schemeClr val="tx1"/>
-            </a:fontRef>
-          </p:style>
-        </p:cxnSp>
-        <p:sp>
-          <p:nvSpPr>
-            <p:cNvPr id="5" name="TextBox 4"/>
-            <p:cNvSpPr txBox="1"/>
-            <p:nvPr/>
-          </p:nvSpPr>
-          <p:spPr>
-            <a:xfrm>
-              <a:off x="4900748" y="1603460"/>
-              <a:ext cx="2539540" cy="1200329"/>
-            </a:xfrm>
-            <a:prstGeom prst="rect">
-              <a:avLst/>
-            </a:prstGeom>
-            <a:noFill/>
-          </p:spPr>
-          <p:txBody>
-            <a:bodyPr wrap="none" rtlCol="0">
-              <a:spAutoFit/>
-            </a:bodyPr>
-            <a:lstStyle/>
-            <a:p>
-              <a:r>
-                <a:rPr lang="en-US" dirty="0" smtClean="0">
-                  <a:latin typeface="Courier"/>
-                  <a:cs typeface="Courier"/>
-                </a:rPr>
-                <a:t>X:  training data</a:t>
-              </a:r>
-            </a:p>
-            <a:p>
-              <a:r>
-                <a:rPr lang="en-US" dirty="0" smtClean="0">
-                  <a:latin typeface="Courier"/>
-                  <a:cs typeface="Courier"/>
-                </a:rPr>
-                <a:t>d:  labels of X</a:t>
-              </a:r>
-            </a:p>
-            <a:p>
-              <a:r>
-                <a:rPr lang="en-US" dirty="0" err="1" smtClean="0">
-                  <a:latin typeface="Courier"/>
-                  <a:cs typeface="Courier"/>
-                </a:rPr>
-                <a:t>Xt</a:t>
-              </a:r>
-              <a:r>
-                <a:rPr lang="en-US" dirty="0" smtClean="0">
-                  <a:latin typeface="Courier"/>
-                  <a:cs typeface="Courier"/>
-                </a:rPr>
-                <a:t>: testing data</a:t>
-              </a:r>
-            </a:p>
-            <a:p>
-              <a:r>
-                <a:rPr lang="en-US" dirty="0" err="1" smtClean="0">
-                  <a:latin typeface="Courier"/>
-                  <a:cs typeface="Courier"/>
-                </a:rPr>
-                <a:t>dt</a:t>
-              </a:r>
-              <a:r>
-                <a:rPr lang="en-US" dirty="0" smtClean="0">
-                  <a:latin typeface="Courier"/>
-                  <a:cs typeface="Courier"/>
-                </a:rPr>
-                <a:t>: labels of </a:t>
-              </a:r>
-              <a:r>
-                <a:rPr lang="en-US" dirty="0" err="1" smtClean="0">
-                  <a:latin typeface="Courier"/>
-                  <a:cs typeface="Courier"/>
-                </a:rPr>
-                <a:t>Xt</a:t>
-              </a:r>
-              <a:endParaRPr lang="en-US" dirty="0">
-                <a:latin typeface="Courier"/>
-                <a:cs typeface="Courier"/>
-              </a:endParaRPr>
-            </a:p>
-          </p:txBody>
-        </p:sp>
-      </p:grpSp>
       <p:sp>
         <p:nvSpPr>
-          <p:cNvPr id="4" name="TextBox 3"/>
+          <p:cNvPr id="5" name="TextBox 4"/>
           <p:cNvSpPr txBox="1"/>
           <p:nvPr/>
         </p:nvSpPr>
         <p:spPr>
           <a:xfrm>
-            <a:off x="275293" y="2754003"/>
-            <a:ext cx="8434420" cy="2154436"/>
+            <a:off x="5794753" y="496817"/>
+            <a:ext cx="2539540" cy="1200329"/>
           </a:xfrm>
           <a:prstGeom prst="rect">
             <a:avLst/>
@@ -5286,113 +5073,202 @@
           <a:lstStyle/>
           <a:p>
             <a:r>
-              <a:rPr lang="en-US" dirty="0" smtClean="0">
-                <a:latin typeface="Trebuchet MS"/>
-                <a:cs typeface="Trebuchet MS"/>
-              </a:rPr>
-              <a:t>Example using </a:t>
-            </a:r>
-            <a:r>
-              <a:rPr lang="en-US" dirty="0" err="1" smtClean="0">
-                <a:latin typeface="Trebuchet MS"/>
-                <a:cs typeface="Trebuchet MS"/>
-              </a:rPr>
-              <a:t>Balu</a:t>
-            </a:r>
-            <a:r>
-              <a:rPr lang="en-US" dirty="0" smtClean="0">
-                <a:latin typeface="Trebuchet MS"/>
-                <a:cs typeface="Trebuchet MS"/>
+              <a:rPr lang="en-US" dirty="0">
+                <a:latin typeface="Courier"/>
+                <a:cs typeface="Courier"/>
+              </a:rPr>
+              <a:t>X:  training data</a:t>
+            </a:r>
+          </a:p>
+          <a:p>
+            <a:r>
+              <a:rPr lang="en-US" dirty="0">
+                <a:latin typeface="Courier"/>
+                <a:cs typeface="Courier"/>
+              </a:rPr>
+              <a:t>d:  labels of X</a:t>
+            </a:r>
+          </a:p>
+          <a:p>
+            <a:r>
+              <a:rPr lang="en-US" dirty="0" err="1">
+                <a:latin typeface="Courier"/>
+                <a:cs typeface="Courier"/>
+              </a:rPr>
+              <a:t>Xt</a:t>
+            </a:r>
+            <a:r>
+              <a:rPr lang="en-US" dirty="0">
+                <a:latin typeface="Courier"/>
+                <a:cs typeface="Courier"/>
+              </a:rPr>
+              <a:t>: testing data</a:t>
+            </a:r>
+          </a:p>
+          <a:p>
+            <a:r>
+              <a:rPr lang="en-US" dirty="0" err="1">
+                <a:latin typeface="Courier"/>
+                <a:cs typeface="Courier"/>
+              </a:rPr>
+              <a:t>dt</a:t>
+            </a:r>
+            <a:r>
+              <a:rPr lang="en-US" dirty="0">
+                <a:latin typeface="Courier"/>
+                <a:cs typeface="Courier"/>
+              </a:rPr>
+              <a:t>: labels of </a:t>
+            </a:r>
+            <a:r>
+              <a:rPr lang="en-US" dirty="0" err="1">
+                <a:latin typeface="Courier"/>
+                <a:cs typeface="Courier"/>
+              </a:rPr>
+              <a:t>Xt</a:t>
+            </a:r>
+            <a:endParaRPr lang="en-US" dirty="0">
+              <a:latin typeface="Courier"/>
+              <a:cs typeface="Courier"/>
+            </a:endParaRPr>
+          </a:p>
+        </p:txBody>
+      </p:sp>
+      <p:sp>
+        <p:nvSpPr>
+          <p:cNvPr id="4" name="TextBox 3"/>
+          <p:cNvSpPr txBox="1"/>
+          <p:nvPr/>
+        </p:nvSpPr>
+        <p:spPr>
+          <a:xfrm>
+            <a:off x="275293" y="2175936"/>
+            <a:ext cx="8084264" cy="1631216"/>
+          </a:xfrm>
+          <a:prstGeom prst="rect">
+            <a:avLst/>
+          </a:prstGeom>
+          <a:noFill/>
+        </p:spPr>
+        <p:txBody>
+          <a:bodyPr wrap="none" rtlCol="0">
+            <a:spAutoFit/>
+          </a:bodyPr>
+          <a:lstStyle/>
+          <a:p>
+            <a:r>
+              <a:rPr lang="en-US" sz="1600" b="1" dirty="0">
+                <a:latin typeface="Courier" pitchFamily="2" charset="0"/>
+              </a:rPr>
+              <a:t>Example for LDA in </a:t>
+            </a:r>
+            <a:r>
+              <a:rPr lang="en-US" sz="1600" b="1" dirty="0" err="1">
+                <a:latin typeface="Courier" pitchFamily="2" charset="0"/>
+              </a:rPr>
+              <a:t>Matlab</a:t>
+            </a:r>
+            <a:r>
+              <a:rPr lang="en-US" sz="1600" b="1" dirty="0">
+                <a:latin typeface="Courier" pitchFamily="2" charset="0"/>
               </a:rPr>
               <a:t>:</a:t>
             </a:r>
           </a:p>
           <a:p>
-            <a:endParaRPr lang="en-US" dirty="0">
+            <a:endParaRPr lang="en-US" sz="1600" dirty="0">
               <a:latin typeface="Trebuchet MS"/>
-              <a:cs typeface="Trebuchet MS"/>
+              <a:cs typeface="Courier"/>
             </a:endParaRPr>
           </a:p>
           <a:p>
-            <a:endParaRPr lang="en-US" dirty="0" smtClean="0">
-              <a:latin typeface="Trebuchet MS"/>
-              <a:cs typeface="Trebuchet MS"/>
-            </a:endParaRPr>
-          </a:p>
-          <a:p>
+            <a:r>
+              <a:rPr lang="en-US" sz="1600" dirty="0" err="1">
+                <a:latin typeface="Courier"/>
+                <a:cs typeface="Courier"/>
+              </a:rPr>
+              <a:t>op.p</a:t>
+            </a:r>
             <a:r>
               <a:rPr lang="en-US" sz="1600" dirty="0">
                 <a:latin typeface="Courier"/>
                 <a:cs typeface="Courier"/>
               </a:rPr>
-              <a:t>load </a:t>
+              <a:t> = [0.5 0.5];             % prior probability for each class</a:t>
+            </a:r>
+          </a:p>
+          <a:p>
+            <a:r>
+              <a:rPr lang="en-US" sz="1600" dirty="0">
+                <a:latin typeface="Courier"/>
+                <a:cs typeface="Courier"/>
+              </a:rPr>
+              <a:t>cl   = </a:t>
             </a:r>
             <a:r>
               <a:rPr lang="en-US" sz="1600" dirty="0" err="1">
                 <a:latin typeface="Courier"/>
                 <a:cs typeface="Courier"/>
               </a:rPr>
-              <a:t>datagauss</a:t>
+              <a:t>Bcl_lda</a:t>
             </a:r>
             <a:r>
               <a:rPr lang="en-US" sz="1600" dirty="0">
                 <a:latin typeface="Courier"/>
                 <a:cs typeface="Courier"/>
               </a:rPr>
-              <a:t>             % simulated data (2 classes, 2 features)</a:t>
-            </a:r>
-          </a:p>
-          <a:p>
-            <a:r>
-              <a:rPr lang="en-US" sz="1600" dirty="0" err="1" smtClean="0">
+              <a:t>(</a:t>
+            </a:r>
+            <a:r>
+              <a:rPr lang="en-US" sz="1600" dirty="0" err="1">
                 <a:latin typeface="Courier"/>
                 <a:cs typeface="Courier"/>
               </a:rPr>
-              <a:t>Bio_plotfeatures</a:t>
+              <a:t>X,d,op</a:t>
             </a:r>
             <a:r>
               <a:rPr lang="en-US" sz="1600" dirty="0">
                 <a:latin typeface="Courier"/>
                 <a:cs typeface="Courier"/>
               </a:rPr>
-              <a:t>(</a:t>
+              <a:t>);       % training</a:t>
+            </a:r>
+          </a:p>
+          <a:p>
+            <a:r>
+              <a:rPr lang="en-US" sz="1600" dirty="0">
+                <a:latin typeface="Courier"/>
+                <a:cs typeface="Courier"/>
+              </a:rPr>
+              <a:t>ds   = </a:t>
             </a:r>
             <a:r>
               <a:rPr lang="en-US" sz="1600" dirty="0" err="1">
                 <a:latin typeface="Courier"/>
                 <a:cs typeface="Courier"/>
               </a:rPr>
-              <a:t>X,d</a:t>
+              <a:t>Bcl_lda</a:t>
             </a:r>
             <a:r>
               <a:rPr lang="en-US" sz="1600" dirty="0">
                 <a:latin typeface="Courier"/>
                 <a:cs typeface="Courier"/>
               </a:rPr>
-              <a:t>)      % plot feature space</a:t>
-            </a:r>
-          </a:p>
-          <a:p>
-            <a:r>
-              <a:rPr lang="en-US" sz="1600" dirty="0" err="1" smtClean="0">
+              <a:t>(</a:t>
+            </a:r>
+            <a:r>
+              <a:rPr lang="en-US" sz="1600" dirty="0" err="1">
                 <a:latin typeface="Courier"/>
                 <a:cs typeface="Courier"/>
               </a:rPr>
-              <a:t>op.p</a:t>
-            </a:r>
-            <a:r>
-              <a:rPr lang="en-US" sz="1600" dirty="0" smtClean="0">
-                <a:latin typeface="Courier"/>
-                <a:cs typeface="Courier"/>
-              </a:rPr>
-              <a:t> </a:t>
+              <a:t>Xt,cl</a:t>
             </a:r>
             <a:r>
               <a:rPr lang="en-US" sz="1600" dirty="0">
                 <a:latin typeface="Courier"/>
                 <a:cs typeface="Courier"/>
               </a:rPr>
-              <a:t>= [0.75 0.25];        % prior probability for each class</a:t>
+              <a:t>);        % testing</a:t>
             </a:r>
           </a:p>
           <a:p>
@@ -5401,14 +5277,14 @@
                 <a:latin typeface="Courier"/>
                 <a:cs typeface="Courier"/>
               </a:rPr>
-              <a:t>ds = </a:t>
+              <a:t>p    = </a:t>
             </a:r>
             <a:r>
               <a:rPr lang="en-US" sz="1600" dirty="0" err="1">
                 <a:latin typeface="Courier"/>
                 <a:cs typeface="Courier"/>
               </a:rPr>
-              <a:t>Bcl_lda</a:t>
+              <a:t>Bev_performance</a:t>
             </a:r>
             <a:r>
               <a:rPr lang="en-US" sz="1600" dirty="0">
@@ -5422,60 +5298,16 @@
                 <a:latin typeface="Courier"/>
                 <a:cs typeface="Courier"/>
               </a:rPr>
-              <a:t>X,d,Xt,op</a:t>
+              <a:t>ds,dt</a:t>
             </a:r>
             <a:r>
               <a:rPr lang="en-US" sz="1600" dirty="0">
                 <a:latin typeface="Courier"/>
                 <a:cs typeface="Courier"/>
               </a:rPr>
-              <a:t>);   % LDA classifier</a:t>
-            </a:r>
-          </a:p>
-          <a:p>
-            <a:r>
-              <a:rPr lang="en-US" sz="1600" dirty="0" smtClean="0">
-                <a:latin typeface="Courier"/>
-                <a:cs typeface="Courier"/>
-              </a:rPr>
-              <a:t>p </a:t>
-            </a:r>
-            <a:r>
-              <a:rPr lang="en-US" sz="1600" dirty="0">
-                <a:latin typeface="Courier"/>
-                <a:cs typeface="Courier"/>
-              </a:rPr>
-              <a:t>= </a:t>
-            </a:r>
-            <a:r>
-              <a:rPr lang="en-US" sz="1600" dirty="0" err="1">
-                <a:latin typeface="Courier"/>
-                <a:cs typeface="Courier"/>
-              </a:rPr>
-              <a:t>Bev_performance</a:t>
-            </a:r>
-            <a:r>
-              <a:rPr lang="en-US" sz="1600" dirty="0">
-                <a:latin typeface="Courier"/>
-                <a:cs typeface="Courier"/>
-              </a:rPr>
-              <a:t>(</a:t>
-            </a:r>
-            <a:r>
-              <a:rPr lang="en-US" sz="1600" dirty="0" err="1">
-                <a:latin typeface="Courier"/>
-                <a:cs typeface="Courier"/>
-              </a:rPr>
-              <a:t>ds,dt</a:t>
-            </a:r>
-            <a:r>
-              <a:rPr lang="en-US" sz="1600" dirty="0">
-                <a:latin typeface="Courier"/>
-                <a:cs typeface="Courier"/>
-              </a:rPr>
               <a:t>) % performance on test data</a:t>
             </a:r>
-            <a:endParaRPr lang="pt-BR" sz="1600" dirty="0" smtClean="0">
+            <a:endParaRPr lang="pt-BR" sz="1600" dirty="0">
               <a:latin typeface="Courier"/>
               <a:cs typeface="Courier"/>
             </a:endParaRPr>
@@ -5514,10 +5346,155 @@
           <a:lstStyle/>
           <a:p>
             <a:r>
-              <a:rPr lang="en-US" sz="3200" dirty="0" smtClean="0"/>
+              <a:rPr lang="en-US" sz="3200" dirty="0"/>
               <a:t>LDA</a:t>
             </a:r>
-            <a:endParaRPr lang="en-US" sz="3200" dirty="0"/>
+          </a:p>
+        </p:txBody>
+      </p:sp>
+      <p:sp>
+        <p:nvSpPr>
+          <p:cNvPr id="9" name="TextBox 8">
+            <a:extLst>
+              <a:ext uri="{FF2B5EF4-FFF2-40B4-BE49-F238E27FC236}">
+                <a16:creationId xmlns:a16="http://schemas.microsoft.com/office/drawing/2014/main" id="{718BC10D-359B-5440-AA65-645C4692D8A6}"/>
+              </a:ext>
+            </a:extLst>
+          </p:cNvPr>
+          <p:cNvSpPr txBox="1"/>
+          <p:nvPr/>
+        </p:nvSpPr>
+        <p:spPr>
+          <a:xfrm>
+            <a:off x="275293" y="4511352"/>
+            <a:ext cx="8933856" cy="1569660"/>
+          </a:xfrm>
+          <a:prstGeom prst="rect">
+            <a:avLst/>
+          </a:prstGeom>
+          <a:noFill/>
+        </p:spPr>
+        <p:txBody>
+          <a:bodyPr wrap="none" rtlCol="0">
+            <a:spAutoFit/>
+          </a:bodyPr>
+          <a:lstStyle/>
+          <a:p>
+            <a:r>
+              <a:rPr lang="en-US" sz="1600" b="1" dirty="0">
+                <a:latin typeface="Courier" pitchFamily="2" charset="0"/>
+              </a:rPr>
+              <a:t>Example for LDA in Python:</a:t>
+            </a:r>
+          </a:p>
+          <a:p>
+            <a:endParaRPr lang="en-US" sz="1600" dirty="0">
+              <a:latin typeface="Courier" pitchFamily="2" charset="0"/>
+            </a:endParaRPr>
+          </a:p>
+          <a:p>
+            <a:r>
+              <a:rPr lang="en-US" sz="1600" dirty="0" err="1">
+                <a:latin typeface="Courier" pitchFamily="2" charset="0"/>
+              </a:rPr>
+              <a:t>clf</a:t>
+            </a:r>
+            <a:r>
+              <a:rPr lang="en-US" sz="1600" dirty="0">
+                <a:latin typeface="Courier" pitchFamily="2" charset="0"/>
+              </a:rPr>
+              <a:t>	 = </a:t>
+            </a:r>
+            <a:r>
+              <a:rPr lang="en-US" sz="1600" dirty="0" err="1">
+                <a:latin typeface="Courier" pitchFamily="2" charset="0"/>
+              </a:rPr>
+              <a:t>LinearDiscriminantAnalysis</a:t>
+            </a:r>
+            <a:r>
+              <a:rPr lang="en-US" sz="1600" dirty="0">
+                <a:latin typeface="Courier" pitchFamily="2" charset="0"/>
+              </a:rPr>
+              <a:t>()	# definition of classifier</a:t>
+            </a:r>
+          </a:p>
+          <a:p>
+            <a:r>
+              <a:rPr lang="en-US" sz="1600" dirty="0" err="1">
+                <a:latin typeface="Courier" pitchFamily="2" charset="0"/>
+              </a:rPr>
+              <a:t>clf.fit</a:t>
+            </a:r>
+            <a:r>
+              <a:rPr lang="en-US" sz="1600" dirty="0">
+                <a:latin typeface="Courier" pitchFamily="2" charset="0"/>
+              </a:rPr>
+              <a:t>(X, d)                         	# training</a:t>
+            </a:r>
+          </a:p>
+          <a:p>
+            <a:r>
+              <a:rPr lang="en-US" sz="1600" dirty="0">
+                <a:latin typeface="Courier" pitchFamily="2" charset="0"/>
+              </a:rPr>
+              <a:t>ds	 = </a:t>
+            </a:r>
+            <a:r>
+              <a:rPr lang="en-US" sz="1600" dirty="0" err="1">
+                <a:latin typeface="Courier" pitchFamily="2" charset="0"/>
+              </a:rPr>
+              <a:t>clf.predict</a:t>
+            </a:r>
+            <a:r>
+              <a:rPr lang="en-US" sz="1600" dirty="0">
+                <a:latin typeface="Courier" pitchFamily="2" charset="0"/>
+              </a:rPr>
+              <a:t>(</a:t>
+            </a:r>
+            <a:r>
+              <a:rPr lang="en-US" sz="1600" dirty="0" err="1">
+                <a:latin typeface="Courier" pitchFamily="2" charset="0"/>
+              </a:rPr>
+              <a:t>Xt</a:t>
+            </a:r>
+            <a:r>
+              <a:rPr lang="en-US" sz="1600" dirty="0">
+                <a:latin typeface="Courier" pitchFamily="2" charset="0"/>
+              </a:rPr>
+              <a:t>)             	# testing</a:t>
+            </a:r>
+          </a:p>
+          <a:p>
+            <a:r>
+              <a:rPr lang="en-US" sz="1600" dirty="0">
+                <a:latin typeface="Courier" pitchFamily="2" charset="0"/>
+              </a:rPr>
+              <a:t>Acc	 = </a:t>
+            </a:r>
+            <a:r>
+              <a:rPr lang="en-US" sz="1600" dirty="0" err="1">
+                <a:latin typeface="Courier" pitchFamily="2" charset="0"/>
+              </a:rPr>
+              <a:t>accuracy_score</a:t>
+            </a:r>
+            <a:r>
+              <a:rPr lang="en-US" sz="1600" dirty="0">
+                <a:latin typeface="Courier" pitchFamily="2" charset="0"/>
+              </a:rPr>
+              <a:t>(</a:t>
+            </a:r>
+            <a:r>
+              <a:rPr lang="en-US" sz="1600" dirty="0" err="1">
+                <a:latin typeface="Courier" pitchFamily="2" charset="0"/>
+              </a:rPr>
+              <a:t>ds,dt</a:t>
+            </a:r>
+            <a:r>
+              <a:rPr lang="en-US" sz="1600" dirty="0">
+                <a:latin typeface="Courier" pitchFamily="2" charset="0"/>
+              </a:rPr>
+              <a:t>) 		# accuracy</a:t>
+            </a:r>
           </a:p>
         </p:txBody>
       </p:sp>
@@ -5531,81 +5508,6 @@
   <p:clrMapOvr>
     <a:masterClrMapping/>
   </p:clrMapOvr>
-  <p:timing>
-    <p:tnLst>
-      <p:par>
-        <p:cTn id="1" dur="indefinite" restart="never" nodeType="tmRoot">
-          <p:childTnLst>
-            <p:seq concurrent="1" nextAc="seek">
-              <p:cTn id="2" dur="indefinite" nodeType="mainSeq">
-                <p:childTnLst>
-                  <p:par>
-                    <p:cTn id="3" fill="hold">
-                      <p:stCondLst>
-                        <p:cond delay="indefinite"/>
-                      </p:stCondLst>
-                      <p:childTnLst>
-                        <p:par>
-                          <p:cTn id="4" fill="hold">
-                            <p:stCondLst>
-                              <p:cond delay="0"/>
-                            </p:stCondLst>
-                            <p:childTnLst>
-                              <p:par>
-                                <p:cTn id="5" presetID="1" presetClass="entr" presetSubtype="0" fill="hold" nodeType="clickEffect">
-                                  <p:stCondLst>
-                                    <p:cond delay="0"/>
-                                  </p:stCondLst>
-                                  <p:childTnLst>
-                                    <p:set>
-                                      <p:cBhvr>
-                                        <p:cTn id="6" dur="1" fill="hold">
-                                          <p:stCondLst>
-                                            <p:cond delay="0"/>
-                                          </p:stCondLst>
-                                        </p:cTn>
-                                        <p:tgtEl>
-                                          <p:spTgt spid="7"/>
-                                        </p:tgtEl>
-                                        <p:attrNameLst>
-                                          <p:attrName>style.visibility</p:attrName>
-                                        </p:attrNameLst>
-                                      </p:cBhvr>
-                                      <p:to>
-                                        <p:strVal val="visible"/>
-                                      </p:to>
-                                    </p:set>
-                                  </p:childTnLst>
-                                </p:cTn>
-                              </p:par>
-                            </p:childTnLst>
-                          </p:cTn>
-                        </p:par>
-                      </p:childTnLst>
-                    </p:cTn>
-                  </p:par>
-                </p:childTnLst>
-              </p:cTn>
-              <p:prevCondLst>
-                <p:cond evt="onPrev" delay="0">
-                  <p:tgtEl>
-                    <p:sldTgt/>
-                  </p:tgtEl>
-                </p:cond>
-              </p:prevCondLst>
-              <p:nextCondLst>
-                <p:cond evt="onNext" delay="0">
-                  <p:tgtEl>
-                    <p:sldTgt/>
-                  </p:tgtEl>
-                </p:cond>
-              </p:nextCondLst>
-            </p:seq>
-          </p:childTnLst>
-        </p:cTn>
-      </p:par>
-    </p:tnLst>
-  </p:timing>
 </p:sld>
 </file>
 
@@ -5895,100 +5797,96 @@
           <a:lstStyle/>
           <a:p>
             <a:r>
-              <a:rPr lang="en-US" dirty="0" smtClean="0">
+              <a:rPr lang="en-US" dirty="0">
                 <a:latin typeface="Trebuchet MS"/>
                 <a:cs typeface="Trebuchet MS"/>
               </a:rPr>
               <a:t>In </a:t>
             </a:r>
             <a:r>
-              <a:rPr lang="en-US" dirty="0" err="1" smtClean="0">
+              <a:rPr lang="en-US" dirty="0" err="1">
                 <a:latin typeface="Trebuchet MS"/>
                 <a:cs typeface="Trebuchet MS"/>
               </a:rPr>
               <a:t>Mahalanobis</a:t>
             </a:r>
             <a:r>
-              <a:rPr lang="en-US" dirty="0" smtClean="0">
+              <a:rPr lang="en-US" dirty="0">
                 <a:latin typeface="Trebuchet MS"/>
                 <a:cs typeface="Trebuchet MS"/>
               </a:rPr>
               <a:t> Classifier it is assumed that </a:t>
             </a:r>
             <a:r>
-              <a:rPr lang="en-US" dirty="0" err="1" smtClean="0">
+              <a:rPr lang="en-US" dirty="0" err="1">
                 <a:latin typeface="Trebuchet MS"/>
                 <a:cs typeface="Trebuchet MS"/>
               </a:rPr>
               <a:t>Σ</a:t>
             </a:r>
             <a:r>
-              <a:rPr lang="en-US" baseline="-25000" dirty="0" err="1" smtClean="0">
+              <a:rPr lang="en-US" baseline="-25000" dirty="0" err="1">
                 <a:latin typeface="Trebuchet MS"/>
                 <a:cs typeface="Trebuchet MS"/>
               </a:rPr>
               <a:t>i</a:t>
             </a:r>
             <a:r>
-              <a:rPr lang="en-US" dirty="0" smtClean="0">
+              <a:rPr lang="en-US" dirty="0">
                 <a:latin typeface="Trebuchet MS"/>
                 <a:cs typeface="Trebuchet MS"/>
               </a:rPr>
               <a:t> = </a:t>
             </a:r>
             <a:r>
-              <a:rPr lang="en-US" dirty="0" err="1" smtClean="0">
+              <a:rPr lang="en-US" dirty="0" err="1">
                 <a:latin typeface="Trebuchet MS"/>
                 <a:cs typeface="Trebuchet MS"/>
               </a:rPr>
               <a:t>Σ</a:t>
             </a:r>
             <a:r>
-              <a:rPr lang="en-US" dirty="0" smtClean="0">
+              <a:rPr lang="en-US" dirty="0">
                 <a:latin typeface="Trebuchet MS"/>
                 <a:cs typeface="Trebuchet MS"/>
               </a:rPr>
               <a:t>  and </a:t>
             </a:r>
             <a:r>
-              <a:rPr lang="en-US" i="1" dirty="0" smtClean="0">
+              <a:rPr lang="en-US" i="1" dirty="0">
                 <a:latin typeface="LM Roman 10 Regular"/>
                 <a:cs typeface="LM Roman 10 Regular"/>
               </a:rPr>
               <a:t>p(</a:t>
             </a:r>
             <a:r>
-              <a:rPr lang="en-US" i="1" dirty="0" err="1" smtClean="0">
+              <a:rPr lang="en-US" i="1" dirty="0" err="1">
                 <a:latin typeface="LM Roman 10 Regular"/>
                 <a:cs typeface="LM Roman 10 Regular"/>
               </a:rPr>
               <a:t>w</a:t>
             </a:r>
             <a:r>
-              <a:rPr lang="en-US" i="1" baseline="-25000" dirty="0" err="1" smtClean="0">
+              <a:rPr lang="en-US" i="1" baseline="-25000" dirty="0" err="1">
                 <a:latin typeface="LM Roman 10 Regular"/>
                 <a:cs typeface="LM Roman 10 Regular"/>
               </a:rPr>
               <a:t>i</a:t>
             </a:r>
             <a:r>
-              <a:rPr lang="en-US" i="1" dirty="0" smtClean="0">
+              <a:rPr lang="en-US" i="1" dirty="0">
                 <a:latin typeface="LM Roman 10 Regular"/>
                 <a:cs typeface="LM Roman 10 Regular"/>
               </a:rPr>
               <a:t>) = p</a:t>
             </a:r>
             <a:r>
-              <a:rPr lang="en-US" dirty="0" smtClean="0">
+              <a:rPr lang="en-US" dirty="0">
                 <a:latin typeface="Trebuchet MS"/>
                 <a:cs typeface="Trebuchet MS"/>
               </a:rPr>
               <a:t>.</a:t>
             </a:r>
-            <a:endParaRPr lang="en-US" dirty="0">
-              <a:latin typeface="Trebuchet MS"/>
-              <a:cs typeface="Trebuchet MS"/>
-            </a:endParaRPr>
           </a:p>
         </p:txBody>
       </p:sp>
@@ -6179,8 +6077,8 @@
           </p:nvSpPr>
           <p:spPr>
             <a:xfrm>
-              <a:off x="3475152" y="2461375"/>
-              <a:ext cx="1929547" cy="369332"/>
+              <a:off x="3475152" y="2471885"/>
+              <a:ext cx="1935145" cy="369332"/>
             </a:xfrm>
             <a:prstGeom prst="rect">
               <a:avLst/>
@@ -6194,22 +6092,15 @@
             <a:lstStyle/>
             <a:p>
               <a:r>
-                <a:rPr lang="en-US" dirty="0" smtClean="0">
+                <a:rPr lang="en-US" dirty="0">
                   <a:solidFill>
                     <a:srgbClr val="0000FF"/>
                   </a:solidFill>
                   <a:latin typeface="LM Roman 10 Regular"/>
                   <a:cs typeface="LM Roman 10 Regular"/>
                 </a:rPr>
-                <a:t>log{                    }</a:t>
+                <a:t>log{                         }</a:t>
               </a:r>
-              <a:endParaRPr lang="en-US" dirty="0">
-                <a:solidFill>
-                  <a:srgbClr val="0000FF"/>
-                </a:solidFill>
-                <a:latin typeface="LM Roman 10 Regular"/>
-                <a:cs typeface="LM Roman 10 Regular"/>
-              </a:endParaRPr>
             </a:p>
           </p:txBody>
         </p:sp>
@@ -6221,8 +6112,8 @@
           </p:nvSpPr>
           <p:spPr>
             <a:xfrm>
-              <a:off x="1667780" y="2450081"/>
-              <a:ext cx="1801282" cy="369332"/>
+              <a:off x="1667780" y="2460591"/>
+              <a:ext cx="1776448" cy="369332"/>
             </a:xfrm>
             <a:prstGeom prst="rect">
               <a:avLst/>
@@ -6236,22 +6127,15 @@
             <a:lstStyle/>
             <a:p>
               <a:r>
-                <a:rPr lang="en-US" dirty="0" smtClean="0">
+                <a:rPr lang="en-US" dirty="0">
                   <a:solidFill>
                     <a:srgbClr val="0000FF"/>
                   </a:solidFill>
                   <a:latin typeface="LM Roman 10 Regular"/>
                   <a:cs typeface="LM Roman 10 Regular"/>
                 </a:rPr>
-                <a:t>log{                  }</a:t>
+                <a:t>log{                      }</a:t>
               </a:r>
-              <a:endParaRPr lang="en-US" dirty="0">
-                <a:solidFill>
-                  <a:srgbClr val="0000FF"/>
-                </a:solidFill>
-                <a:latin typeface="LM Roman 10 Regular"/>
-                <a:cs typeface="LM Roman 10 Regular"/>
-              </a:endParaRPr>
             </a:p>
           </p:txBody>
         </p:sp>
@@ -6288,7 +6172,7 @@
           <a:lstStyle/>
           <a:p>
             <a:r>
-              <a:rPr lang="en-US" sz="3200" smtClean="0"/>
+              <a:rPr lang="en-US" sz="3200"/>
               <a:t>MAHALANOBIS</a:t>
             </a:r>
             <a:endParaRPr lang="en-US" sz="3200" dirty="0"/>
@@ -6305,13 +6189,6 @@
   <p:clrMapOvr>
     <a:masterClrMapping/>
   </p:clrMapOvr>
-  <p:timing>
-    <p:tnLst>
-      <p:par>
-        <p:cTn id="1" dur="indefinite" restart="never" nodeType="tmRoot"/>
-      </p:par>
-    </p:tnLst>
-  </p:timing>
 </p:sld>
 </file>
 
@@ -6695,8 +6572,8 @@
           </p:nvSpPr>
           <p:spPr>
             <a:xfrm>
-              <a:off x="3475152" y="2461375"/>
-              <a:ext cx="1929547" cy="369332"/>
+              <a:off x="3475152" y="2471885"/>
+              <a:ext cx="1882247" cy="369332"/>
             </a:xfrm>
             <a:prstGeom prst="rect">
               <a:avLst/>
@@ -6710,22 +6587,15 @@
             <a:lstStyle/>
             <a:p>
               <a:r>
-                <a:rPr lang="en-US" dirty="0" smtClean="0">
+                <a:rPr lang="en-US" dirty="0">
                   <a:solidFill>
                     <a:srgbClr val="0000FF"/>
                   </a:solidFill>
                   <a:latin typeface="LM Roman 10 Regular"/>
                   <a:cs typeface="LM Roman 10 Regular"/>
                 </a:rPr>
-                <a:t>log{                    }</a:t>
+                <a:t>log{                        }</a:t>
               </a:r>
-              <a:endParaRPr lang="en-US" dirty="0">
-                <a:solidFill>
-                  <a:srgbClr val="0000FF"/>
-                </a:solidFill>
-                <a:latin typeface="LM Roman 10 Regular"/>
-                <a:cs typeface="LM Roman 10 Regular"/>
-              </a:endParaRPr>
             </a:p>
           </p:txBody>
         </p:sp>
@@ -6737,8 +6607,8 @@
           </p:nvSpPr>
           <p:spPr>
             <a:xfrm>
-              <a:off x="1667780" y="2450081"/>
-              <a:ext cx="1801282" cy="369332"/>
+              <a:off x="1667780" y="2460591"/>
+              <a:ext cx="1776448" cy="369332"/>
             </a:xfrm>
             <a:prstGeom prst="rect">
               <a:avLst/>
@@ -6752,22 +6622,15 @@
             <a:lstStyle/>
             <a:p>
               <a:r>
-                <a:rPr lang="en-US" dirty="0" smtClean="0">
+                <a:rPr lang="en-US" dirty="0">
                   <a:solidFill>
                     <a:srgbClr val="0000FF"/>
                   </a:solidFill>
                   <a:latin typeface="LM Roman 10 Regular"/>
                   <a:cs typeface="LM Roman 10 Regular"/>
                 </a:rPr>
-                <a:t>log{                  }</a:t>
+                <a:t>log{                      }</a:t>
               </a:r>
-              <a:endParaRPr lang="en-US" dirty="0">
-                <a:solidFill>
-                  <a:srgbClr val="0000FF"/>
-                </a:solidFill>
-                <a:latin typeface="LM Roman 10 Regular"/>
-                <a:cs typeface="LM Roman 10 Regular"/>
-              </a:endParaRPr>
             </a:p>
           </p:txBody>
         </p:sp>
@@ -6795,56 +6658,56 @@
           <a:lstStyle/>
           <a:p>
             <a:r>
-              <a:rPr lang="en-US" dirty="0" smtClean="0">
+              <a:rPr lang="en-US" dirty="0">
                 <a:latin typeface="Trebuchet MS"/>
                 <a:cs typeface="Trebuchet MS"/>
               </a:rPr>
               <a:t>In QDA (Quadratic Discriminant Analysis) it is assumed that </a:t>
             </a:r>
             <a:r>
-              <a:rPr lang="en-US" dirty="0" err="1" smtClean="0">
+              <a:rPr lang="en-US" dirty="0" err="1">
                 <a:latin typeface="Trebuchet MS"/>
                 <a:cs typeface="Trebuchet MS"/>
               </a:rPr>
               <a:t>Σ</a:t>
             </a:r>
             <a:r>
-              <a:rPr lang="en-US" baseline="-25000" dirty="0" err="1" smtClean="0">
+              <a:rPr lang="en-US" baseline="-25000" dirty="0" err="1">
                 <a:latin typeface="Trebuchet MS"/>
                 <a:cs typeface="Trebuchet MS"/>
               </a:rPr>
               <a:t>i</a:t>
             </a:r>
             <a:r>
-              <a:rPr lang="en-US" dirty="0" smtClean="0">
+              <a:rPr lang="en-US" dirty="0">
                 <a:latin typeface="Trebuchet MS"/>
                 <a:cs typeface="Trebuchet MS"/>
               </a:rPr>
               <a:t> and </a:t>
             </a:r>
             <a:r>
-              <a:rPr lang="en-US" i="1" dirty="0" smtClean="0">
+              <a:rPr lang="en-US" i="1" dirty="0">
                 <a:latin typeface="LM Roman 10 Regular"/>
                 <a:cs typeface="LM Roman 10 Regular"/>
               </a:rPr>
               <a:t>p(</a:t>
             </a:r>
             <a:r>
-              <a:rPr lang="en-US" i="1" dirty="0" err="1" smtClean="0">
+              <a:rPr lang="en-US" i="1" dirty="0" err="1">
                 <a:latin typeface="LM Roman 10 Regular"/>
                 <a:cs typeface="LM Roman 10 Regular"/>
               </a:rPr>
               <a:t>w</a:t>
             </a:r>
             <a:r>
-              <a:rPr lang="en-US" i="1" baseline="-25000" dirty="0" err="1" smtClean="0">
+              <a:rPr lang="en-US" i="1" baseline="-25000" dirty="0" err="1">
                 <a:latin typeface="LM Roman 10 Regular"/>
                 <a:cs typeface="LM Roman 10 Regular"/>
               </a:rPr>
               <a:t>i</a:t>
             </a:r>
             <a:r>
-              <a:rPr lang="en-US" i="1" dirty="0" smtClean="0">
+              <a:rPr lang="en-US" i="1" dirty="0">
                 <a:latin typeface="LM Roman 10 Regular"/>
                 <a:cs typeface="LM Roman 10 Regular"/>
               </a:rPr>
@@ -6853,23 +6716,19 @@
           </a:p>
           <a:p>
             <a:r>
-              <a:rPr lang="en-US" smtClean="0">
+              <a:rPr lang="en-US">
                 <a:latin typeface="Trebuchet MS"/>
                 <a:cs typeface="Trebuchet MS"/>
               </a:rPr>
               <a:t>are </a:t>
             </a:r>
             <a:r>
-              <a:rPr lang="en-US" dirty="0" smtClean="0">
+              <a:rPr lang="en-US" dirty="0">
                 <a:latin typeface="Trebuchet MS"/>
                 <a:cs typeface="Trebuchet MS"/>
               </a:rPr>
               <a:t>different.</a:t>
             </a:r>
-            <a:endParaRPr lang="en-US" dirty="0">
-              <a:latin typeface="Trebuchet MS"/>
-              <a:cs typeface="Trebuchet MS"/>
-            </a:endParaRPr>
           </a:p>
         </p:txBody>
       </p:sp>
@@ -6905,10 +6764,9 @@
           <a:lstStyle/>
           <a:p>
             <a:r>
-              <a:rPr lang="en-US" sz="3200" dirty="0" smtClean="0"/>
+              <a:rPr lang="en-US" sz="3200" dirty="0"/>
               <a:t>QDA</a:t>
             </a:r>
-            <a:endParaRPr lang="en-US" sz="3200" dirty="0"/>
           </a:p>
         </p:txBody>
       </p:sp>
@@ -6922,13 +6780,990 @@
   <p:clrMapOvr>
     <a:masterClrMapping/>
   </p:clrMapOvr>
-  <p:timing>
-    <p:tnLst>
-      <p:par>
-        <p:cTn id="1" dur="indefinite" restart="never" nodeType="tmRoot"/>
-      </p:par>
-    </p:tnLst>
-  </p:timing>
+</p:sld>
+</file>
+
+<file path=ppt/slides/slide13.xml><?xml version="1.0" encoding="utf-8"?>
+<p:sld xmlns:a="http://schemas.openxmlformats.org/drawingml/2006/main" xmlns:r="http://schemas.openxmlformats.org/officeDocument/2006/relationships" xmlns:p="http://schemas.openxmlformats.org/presentationml/2006/main">
+  <p:cSld>
+    <p:spTree>
+      <p:nvGrpSpPr>
+        <p:cNvPr id="1" name=""/>
+        <p:cNvGrpSpPr/>
+        <p:nvPr/>
+      </p:nvGrpSpPr>
+      <p:grpSpPr>
+        <a:xfrm>
+          <a:off x="0" y="0"/>
+          <a:ext cx="0" cy="0"/>
+          <a:chOff x="0" y="0"/>
+          <a:chExt cx="0" cy="0"/>
+        </a:xfrm>
+      </p:grpSpPr>
+      <p:pic>
+        <p:nvPicPr>
+          <p:cNvPr id="5" name="Picture 4">
+            <a:extLst>
+              <a:ext uri="{FF2B5EF4-FFF2-40B4-BE49-F238E27FC236}">
+                <a16:creationId xmlns:a16="http://schemas.microsoft.com/office/drawing/2014/main" id="{6BF01A47-6661-4843-8FDB-7E017FBF1627}"/>
+              </a:ext>
+            </a:extLst>
+          </p:cNvPr>
+          <p:cNvPicPr>
+            <a:picLocks noChangeAspect="1"/>
+          </p:cNvPicPr>
+          <p:nvPr/>
+        </p:nvPicPr>
+        <p:blipFill>
+          <a:blip r:embed="rId2"/>
+          <a:stretch>
+            <a:fillRect/>
+          </a:stretch>
+        </p:blipFill>
+        <p:spPr>
+          <a:xfrm>
+            <a:off x="6038850" y="766484"/>
+            <a:ext cx="2873045" cy="561066"/>
+          </a:xfrm>
+          <a:prstGeom prst="rect">
+            <a:avLst/>
+          </a:prstGeom>
+        </p:spPr>
+      </p:pic>
+      <p:pic>
+        <p:nvPicPr>
+          <p:cNvPr id="7" name="Picture 6">
+            <a:extLst>
+              <a:ext uri="{FF2B5EF4-FFF2-40B4-BE49-F238E27FC236}">
+                <a16:creationId xmlns:a16="http://schemas.microsoft.com/office/drawing/2014/main" id="{E92088A3-BAA4-7C4B-B479-708A82BDFFFA}"/>
+              </a:ext>
+            </a:extLst>
+          </p:cNvPr>
+          <p:cNvPicPr>
+            <a:picLocks noChangeAspect="1"/>
+          </p:cNvPicPr>
+          <p:nvPr/>
+        </p:nvPicPr>
+        <p:blipFill>
+          <a:blip r:embed="rId3"/>
+          <a:stretch>
+            <a:fillRect/>
+          </a:stretch>
+        </p:blipFill>
+        <p:spPr>
+          <a:xfrm>
+            <a:off x="1519398" y="676919"/>
+            <a:ext cx="4572000" cy="650631"/>
+          </a:xfrm>
+          <a:prstGeom prst="rect">
+            <a:avLst/>
+          </a:prstGeom>
+        </p:spPr>
+      </p:pic>
+      <p:pic>
+        <p:nvPicPr>
+          <p:cNvPr id="9" name="Picture 8" descr="Screen Shot 2014-10-29 at 9.35.32 AM.png">
+            <a:extLst>
+              <a:ext uri="{FF2B5EF4-FFF2-40B4-BE49-F238E27FC236}">
+                <a16:creationId xmlns:a16="http://schemas.microsoft.com/office/drawing/2014/main" id="{F6E78745-84A5-804A-8C2A-76C08B4E1C1B}"/>
+              </a:ext>
+            </a:extLst>
+          </p:cNvPr>
+          <p:cNvPicPr>
+            <a:picLocks noChangeAspect="1"/>
+          </p:cNvPicPr>
+          <p:nvPr/>
+        </p:nvPicPr>
+        <p:blipFill>
+          <a:blip r:embed="rId4">
+            <a:extLst>
+              <a:ext uri="{28A0092B-C50C-407E-A947-70E740481C1C}">
+                <a14:useLocalDpi xmlns:a14="http://schemas.microsoft.com/office/drawing/2010/main" val="0"/>
+              </a:ext>
+            </a:extLst>
+          </a:blip>
+          <a:stretch>
+            <a:fillRect/>
+          </a:stretch>
+        </p:blipFill>
+        <p:spPr>
+          <a:xfrm>
+            <a:off x="95699" y="766484"/>
+            <a:ext cx="1397000" cy="533400"/>
+          </a:xfrm>
+          <a:prstGeom prst="rect">
+            <a:avLst/>
+          </a:prstGeom>
+        </p:spPr>
+      </p:pic>
+      <p:pic>
+        <p:nvPicPr>
+          <p:cNvPr id="10" name="Picture 9">
+            <a:extLst>
+              <a:ext uri="{FF2B5EF4-FFF2-40B4-BE49-F238E27FC236}">
+                <a16:creationId xmlns:a16="http://schemas.microsoft.com/office/drawing/2014/main" id="{E17754B4-4A87-BA48-8EDE-1A144A67110B}"/>
+              </a:ext>
+            </a:extLst>
+          </p:cNvPr>
+          <p:cNvPicPr>
+            <a:picLocks noChangeAspect="1"/>
+          </p:cNvPicPr>
+          <p:nvPr/>
+        </p:nvPicPr>
+        <p:blipFill>
+          <a:blip r:embed="rId2"/>
+          <a:stretch>
+            <a:fillRect/>
+          </a:stretch>
+        </p:blipFill>
+        <p:spPr>
+          <a:xfrm>
+            <a:off x="6038850" y="2348291"/>
+            <a:ext cx="2873045" cy="561066"/>
+          </a:xfrm>
+          <a:prstGeom prst="rect">
+            <a:avLst/>
+          </a:prstGeom>
+        </p:spPr>
+      </p:pic>
+      <p:pic>
+        <p:nvPicPr>
+          <p:cNvPr id="11" name="Picture 10">
+            <a:extLst>
+              <a:ext uri="{FF2B5EF4-FFF2-40B4-BE49-F238E27FC236}">
+                <a16:creationId xmlns:a16="http://schemas.microsoft.com/office/drawing/2014/main" id="{DCA0489A-702B-984C-9D14-A03116E0B88A}"/>
+              </a:ext>
+            </a:extLst>
+          </p:cNvPr>
+          <p:cNvPicPr>
+            <a:picLocks noChangeAspect="1"/>
+          </p:cNvPicPr>
+          <p:nvPr/>
+        </p:nvPicPr>
+        <p:blipFill>
+          <a:blip r:embed="rId3"/>
+          <a:stretch>
+            <a:fillRect/>
+          </a:stretch>
+        </p:blipFill>
+        <p:spPr>
+          <a:xfrm>
+            <a:off x="1519398" y="2258726"/>
+            <a:ext cx="4572000" cy="650631"/>
+          </a:xfrm>
+          <a:prstGeom prst="rect">
+            <a:avLst/>
+          </a:prstGeom>
+        </p:spPr>
+      </p:pic>
+      <p:pic>
+        <p:nvPicPr>
+          <p:cNvPr id="12" name="Picture 11">
+            <a:extLst>
+              <a:ext uri="{FF2B5EF4-FFF2-40B4-BE49-F238E27FC236}">
+                <a16:creationId xmlns:a16="http://schemas.microsoft.com/office/drawing/2014/main" id="{CFD45873-AB61-EC4A-A548-D6779FD111C7}"/>
+              </a:ext>
+            </a:extLst>
+          </p:cNvPr>
+          <p:cNvPicPr>
+            <a:picLocks noChangeAspect="1"/>
+          </p:cNvPicPr>
+          <p:nvPr/>
+        </p:nvPicPr>
+        <p:blipFill>
+          <a:blip r:embed="rId2"/>
+          <a:stretch>
+            <a:fillRect/>
+          </a:stretch>
+        </p:blipFill>
+        <p:spPr>
+          <a:xfrm>
+            <a:off x="6091398" y="3840533"/>
+            <a:ext cx="2873045" cy="561066"/>
+          </a:xfrm>
+          <a:prstGeom prst="rect">
+            <a:avLst/>
+          </a:prstGeom>
+        </p:spPr>
+      </p:pic>
+      <p:pic>
+        <p:nvPicPr>
+          <p:cNvPr id="13" name="Picture 12">
+            <a:extLst>
+              <a:ext uri="{FF2B5EF4-FFF2-40B4-BE49-F238E27FC236}">
+                <a16:creationId xmlns:a16="http://schemas.microsoft.com/office/drawing/2014/main" id="{95C81A4A-16F6-CF45-9559-180495C2ABAB}"/>
+              </a:ext>
+            </a:extLst>
+          </p:cNvPr>
+          <p:cNvPicPr>
+            <a:picLocks noChangeAspect="1"/>
+          </p:cNvPicPr>
+          <p:nvPr/>
+        </p:nvPicPr>
+        <p:blipFill>
+          <a:blip r:embed="rId3"/>
+          <a:stretch>
+            <a:fillRect/>
+          </a:stretch>
+        </p:blipFill>
+        <p:spPr>
+          <a:xfrm>
+            <a:off x="1571946" y="3750968"/>
+            <a:ext cx="4572000" cy="650631"/>
+          </a:xfrm>
+          <a:prstGeom prst="rect">
+            <a:avLst/>
+          </a:prstGeom>
+        </p:spPr>
+      </p:pic>
+      <p:pic>
+        <p:nvPicPr>
+          <p:cNvPr id="14" name="Picture 13">
+            <a:extLst>
+              <a:ext uri="{FF2B5EF4-FFF2-40B4-BE49-F238E27FC236}">
+                <a16:creationId xmlns:a16="http://schemas.microsoft.com/office/drawing/2014/main" id="{AC90DF46-F4D4-0E41-8D81-388D0D377320}"/>
+              </a:ext>
+            </a:extLst>
+          </p:cNvPr>
+          <p:cNvPicPr>
+            <a:picLocks noChangeAspect="1"/>
+          </p:cNvPicPr>
+          <p:nvPr/>
+        </p:nvPicPr>
+        <p:blipFill>
+          <a:blip r:embed="rId2"/>
+          <a:stretch>
+            <a:fillRect/>
+          </a:stretch>
+        </p:blipFill>
+        <p:spPr>
+          <a:xfrm>
+            <a:off x="6091398" y="5422340"/>
+            <a:ext cx="2873045" cy="561066"/>
+          </a:xfrm>
+          <a:prstGeom prst="rect">
+            <a:avLst/>
+          </a:prstGeom>
+        </p:spPr>
+      </p:pic>
+      <p:pic>
+        <p:nvPicPr>
+          <p:cNvPr id="15" name="Picture 14">
+            <a:extLst>
+              <a:ext uri="{FF2B5EF4-FFF2-40B4-BE49-F238E27FC236}">
+                <a16:creationId xmlns:a16="http://schemas.microsoft.com/office/drawing/2014/main" id="{D090E91C-0F5F-DC41-BD61-D3BA6A6ECA0C}"/>
+              </a:ext>
+            </a:extLst>
+          </p:cNvPr>
+          <p:cNvPicPr>
+            <a:picLocks noChangeAspect="1"/>
+          </p:cNvPicPr>
+          <p:nvPr/>
+        </p:nvPicPr>
+        <p:blipFill>
+          <a:blip r:embed="rId3"/>
+          <a:stretch>
+            <a:fillRect/>
+          </a:stretch>
+        </p:blipFill>
+        <p:spPr>
+          <a:xfrm>
+            <a:off x="1571946" y="5332775"/>
+            <a:ext cx="4572000" cy="650631"/>
+          </a:xfrm>
+          <a:prstGeom prst="rect">
+            <a:avLst/>
+          </a:prstGeom>
+        </p:spPr>
+      </p:pic>
+      <p:cxnSp>
+        <p:nvCxnSpPr>
+          <p:cNvPr id="17" name="Straight Connector 16">
+            <a:extLst>
+              <a:ext uri="{FF2B5EF4-FFF2-40B4-BE49-F238E27FC236}">
+                <a16:creationId xmlns:a16="http://schemas.microsoft.com/office/drawing/2014/main" id="{052627A9-0CC7-FA47-814D-CBA38040B390}"/>
+              </a:ext>
+            </a:extLst>
+          </p:cNvPr>
+          <p:cNvCxnSpPr/>
+          <p:nvPr/>
+        </p:nvCxnSpPr>
+        <p:spPr>
+          <a:xfrm flipV="1">
+            <a:off x="6143946" y="2154313"/>
+            <a:ext cx="1436868" cy="859455"/>
+          </a:xfrm>
+          <a:prstGeom prst="line">
+            <a:avLst/>
+          </a:prstGeom>
+          <a:ln w="38100" cmpd="sng">
+            <a:solidFill>
+              <a:srgbClr val="FF0000"/>
+            </a:solidFill>
+          </a:ln>
+        </p:spPr>
+        <p:style>
+          <a:lnRef idx="2">
+            <a:schemeClr val="accent1"/>
+          </a:lnRef>
+          <a:fillRef idx="0">
+            <a:schemeClr val="accent1"/>
+          </a:fillRef>
+          <a:effectRef idx="1">
+            <a:schemeClr val="accent1"/>
+          </a:effectRef>
+          <a:fontRef idx="minor">
+            <a:schemeClr val="tx1"/>
+          </a:fontRef>
+        </p:style>
+      </p:cxnSp>
+      <p:cxnSp>
+        <p:nvCxnSpPr>
+          <p:cNvPr id="18" name="Straight Connector 17">
+            <a:extLst>
+              <a:ext uri="{FF2B5EF4-FFF2-40B4-BE49-F238E27FC236}">
+                <a16:creationId xmlns:a16="http://schemas.microsoft.com/office/drawing/2014/main" id="{E98D049C-9689-9E41-B20B-E2A33E617322}"/>
+              </a:ext>
+            </a:extLst>
+          </p:cNvPr>
+          <p:cNvCxnSpPr/>
+          <p:nvPr/>
+        </p:nvCxnSpPr>
+        <p:spPr>
+          <a:xfrm flipV="1">
+            <a:off x="6143946" y="3736120"/>
+            <a:ext cx="1436868" cy="859455"/>
+          </a:xfrm>
+          <a:prstGeom prst="line">
+            <a:avLst/>
+          </a:prstGeom>
+          <a:ln w="38100" cmpd="sng">
+            <a:solidFill>
+              <a:srgbClr val="FF0000"/>
+            </a:solidFill>
+          </a:ln>
+        </p:spPr>
+        <p:style>
+          <a:lnRef idx="2">
+            <a:schemeClr val="accent1"/>
+          </a:lnRef>
+          <a:fillRef idx="0">
+            <a:schemeClr val="accent1"/>
+          </a:fillRef>
+          <a:effectRef idx="1">
+            <a:schemeClr val="accent1"/>
+          </a:effectRef>
+          <a:fontRef idx="minor">
+            <a:schemeClr val="tx1"/>
+          </a:fontRef>
+        </p:style>
+      </p:cxnSp>
+      <p:cxnSp>
+        <p:nvCxnSpPr>
+          <p:cNvPr id="19" name="Straight Connector 18">
+            <a:extLst>
+              <a:ext uri="{FF2B5EF4-FFF2-40B4-BE49-F238E27FC236}">
+                <a16:creationId xmlns:a16="http://schemas.microsoft.com/office/drawing/2014/main" id="{0BC648EB-6ACF-274F-94F4-45757435C9C6}"/>
+              </a:ext>
+            </a:extLst>
+          </p:cNvPr>
+          <p:cNvCxnSpPr/>
+          <p:nvPr/>
+        </p:nvCxnSpPr>
+        <p:spPr>
+          <a:xfrm flipV="1">
+            <a:off x="6143946" y="5157717"/>
+            <a:ext cx="1436868" cy="859455"/>
+          </a:xfrm>
+          <a:prstGeom prst="line">
+            <a:avLst/>
+          </a:prstGeom>
+          <a:ln w="38100" cmpd="sng">
+            <a:solidFill>
+              <a:srgbClr val="FF0000"/>
+            </a:solidFill>
+          </a:ln>
+        </p:spPr>
+        <p:style>
+          <a:lnRef idx="2">
+            <a:schemeClr val="accent1"/>
+          </a:lnRef>
+          <a:fillRef idx="0">
+            <a:schemeClr val="accent1"/>
+          </a:fillRef>
+          <a:effectRef idx="1">
+            <a:schemeClr val="accent1"/>
+          </a:effectRef>
+          <a:fontRef idx="minor">
+            <a:schemeClr val="tx1"/>
+          </a:fontRef>
+        </p:style>
+      </p:cxnSp>
+      <p:cxnSp>
+        <p:nvCxnSpPr>
+          <p:cNvPr id="20" name="Straight Connector 19">
+            <a:extLst>
+              <a:ext uri="{FF2B5EF4-FFF2-40B4-BE49-F238E27FC236}">
+                <a16:creationId xmlns:a16="http://schemas.microsoft.com/office/drawing/2014/main" id="{8DBCF3C0-104A-F242-8380-499F827441F7}"/>
+              </a:ext>
+            </a:extLst>
+          </p:cNvPr>
+          <p:cNvCxnSpPr/>
+          <p:nvPr/>
+        </p:nvCxnSpPr>
+        <p:spPr>
+          <a:xfrm flipV="1">
+            <a:off x="4680804" y="2130545"/>
+            <a:ext cx="1436868" cy="859455"/>
+          </a:xfrm>
+          <a:prstGeom prst="line">
+            <a:avLst/>
+          </a:prstGeom>
+          <a:ln w="38100" cmpd="sng">
+            <a:solidFill>
+              <a:srgbClr val="FF0000"/>
+            </a:solidFill>
+          </a:ln>
+        </p:spPr>
+        <p:style>
+          <a:lnRef idx="2">
+            <a:schemeClr val="accent1"/>
+          </a:lnRef>
+          <a:fillRef idx="0">
+            <a:schemeClr val="accent1"/>
+          </a:fillRef>
+          <a:effectRef idx="1">
+            <a:schemeClr val="accent1"/>
+          </a:effectRef>
+          <a:fontRef idx="minor">
+            <a:schemeClr val="tx1"/>
+          </a:fontRef>
+        </p:style>
+      </p:cxnSp>
+      <p:cxnSp>
+        <p:nvCxnSpPr>
+          <p:cNvPr id="21" name="Straight Connector 20">
+            <a:extLst>
+              <a:ext uri="{FF2B5EF4-FFF2-40B4-BE49-F238E27FC236}">
+                <a16:creationId xmlns:a16="http://schemas.microsoft.com/office/drawing/2014/main" id="{EAA83A4C-9E26-A04A-B2F5-5F64CE76BF12}"/>
+              </a:ext>
+            </a:extLst>
+          </p:cNvPr>
+          <p:cNvCxnSpPr/>
+          <p:nvPr/>
+        </p:nvCxnSpPr>
+        <p:spPr>
+          <a:xfrm flipV="1">
+            <a:off x="7554195" y="3736119"/>
+            <a:ext cx="1436868" cy="859455"/>
+          </a:xfrm>
+          <a:prstGeom prst="line">
+            <a:avLst/>
+          </a:prstGeom>
+          <a:ln w="38100" cmpd="sng">
+            <a:solidFill>
+              <a:srgbClr val="FF0000"/>
+            </a:solidFill>
+          </a:ln>
+        </p:spPr>
+        <p:style>
+          <a:lnRef idx="2">
+            <a:schemeClr val="accent1"/>
+          </a:lnRef>
+          <a:fillRef idx="0">
+            <a:schemeClr val="accent1"/>
+          </a:fillRef>
+          <a:effectRef idx="1">
+            <a:schemeClr val="accent1"/>
+          </a:effectRef>
+          <a:fontRef idx="minor">
+            <a:schemeClr val="tx1"/>
+          </a:fontRef>
+        </p:style>
+      </p:cxnSp>
+      <p:cxnSp>
+        <p:nvCxnSpPr>
+          <p:cNvPr id="22" name="Straight Connector 21">
+            <a:extLst>
+              <a:ext uri="{FF2B5EF4-FFF2-40B4-BE49-F238E27FC236}">
+                <a16:creationId xmlns:a16="http://schemas.microsoft.com/office/drawing/2014/main" id="{07677F46-C270-D444-B069-FE7FC644E95C}"/>
+              </a:ext>
+            </a:extLst>
+          </p:cNvPr>
+          <p:cNvCxnSpPr/>
+          <p:nvPr/>
+        </p:nvCxnSpPr>
+        <p:spPr>
+          <a:xfrm flipV="1">
+            <a:off x="4707078" y="3691338"/>
+            <a:ext cx="1436868" cy="859455"/>
+          </a:xfrm>
+          <a:prstGeom prst="line">
+            <a:avLst/>
+          </a:prstGeom>
+          <a:ln w="38100" cmpd="sng">
+            <a:solidFill>
+              <a:srgbClr val="FF0000"/>
+            </a:solidFill>
+          </a:ln>
+        </p:spPr>
+        <p:style>
+          <a:lnRef idx="2">
+            <a:schemeClr val="accent1"/>
+          </a:lnRef>
+          <a:fillRef idx="0">
+            <a:schemeClr val="accent1"/>
+          </a:fillRef>
+          <a:effectRef idx="1">
+            <a:schemeClr val="accent1"/>
+          </a:effectRef>
+          <a:fontRef idx="minor">
+            <a:schemeClr val="tx1"/>
+          </a:fontRef>
+        </p:style>
+      </p:cxnSp>
+      <p:sp>
+        <p:nvSpPr>
+          <p:cNvPr id="24" name="Rectangle 23">
+            <a:extLst>
+              <a:ext uri="{FF2B5EF4-FFF2-40B4-BE49-F238E27FC236}">
+                <a16:creationId xmlns:a16="http://schemas.microsoft.com/office/drawing/2014/main" id="{CF36AF1D-7665-9C4D-97D0-C3A3F6E2E87E}"/>
+              </a:ext>
+            </a:extLst>
+          </p:cNvPr>
+          <p:cNvSpPr/>
+          <p:nvPr/>
+        </p:nvSpPr>
+        <p:spPr>
+          <a:xfrm>
+            <a:off x="5748821" y="1761213"/>
+            <a:ext cx="1329210" cy="369332"/>
+          </a:xfrm>
+          <a:prstGeom prst="rect">
+            <a:avLst/>
+          </a:prstGeom>
+        </p:spPr>
+        <p:txBody>
+          <a:bodyPr wrap="none">
+            <a:spAutoFit/>
+          </a:bodyPr>
+          <a:lstStyle/>
+          <a:p>
+            <a:r>
+              <a:rPr lang="en-US" dirty="0" err="1">
+                <a:latin typeface="Trebuchet MS"/>
+                <a:cs typeface="Trebuchet MS"/>
+              </a:rPr>
+              <a:t>Σ</a:t>
+            </a:r>
+            <a:r>
+              <a:rPr lang="en-US" baseline="-25000" dirty="0" err="1">
+                <a:latin typeface="Trebuchet MS"/>
+                <a:cs typeface="Trebuchet MS"/>
+              </a:rPr>
+              <a:t>i</a:t>
+            </a:r>
+            <a:r>
+              <a:rPr lang="en-US" dirty="0">
+                <a:latin typeface="Trebuchet MS"/>
+                <a:cs typeface="Trebuchet MS"/>
+              </a:rPr>
+              <a:t> = </a:t>
+            </a:r>
+            <a:r>
+              <a:rPr lang="en-US" dirty="0" err="1">
+                <a:latin typeface="Trebuchet MS"/>
+                <a:cs typeface="Trebuchet MS"/>
+              </a:rPr>
+              <a:t>Σ</a:t>
+            </a:r>
+            <a:r>
+              <a:rPr lang="en-US" dirty="0">
+                <a:latin typeface="Trebuchet MS"/>
+                <a:cs typeface="Trebuchet MS"/>
+              </a:rPr>
+              <a:t> = </a:t>
+            </a:r>
+            <a:r>
+              <a:rPr lang="en-US" dirty="0" err="1">
+                <a:latin typeface="Trebuchet MS"/>
+                <a:cs typeface="Trebuchet MS"/>
+              </a:rPr>
+              <a:t>cte</a:t>
+            </a:r>
+            <a:endParaRPr lang="en-US" dirty="0"/>
+          </a:p>
+        </p:txBody>
+      </p:sp>
+      <p:sp>
+        <p:nvSpPr>
+          <p:cNvPr id="25" name="Rectangle 24">
+            <a:extLst>
+              <a:ext uri="{FF2B5EF4-FFF2-40B4-BE49-F238E27FC236}">
+                <a16:creationId xmlns:a16="http://schemas.microsoft.com/office/drawing/2014/main" id="{527981F8-F1D6-CE47-8E2F-71157F215349}"/>
+              </a:ext>
+            </a:extLst>
+          </p:cNvPr>
+          <p:cNvSpPr/>
+          <p:nvPr/>
+        </p:nvSpPr>
+        <p:spPr>
+          <a:xfrm>
+            <a:off x="5722547" y="3261379"/>
+            <a:ext cx="1329210" cy="369332"/>
+          </a:xfrm>
+          <a:prstGeom prst="rect">
+            <a:avLst/>
+          </a:prstGeom>
+        </p:spPr>
+        <p:txBody>
+          <a:bodyPr wrap="none">
+            <a:spAutoFit/>
+          </a:bodyPr>
+          <a:lstStyle/>
+          <a:p>
+            <a:r>
+              <a:rPr lang="en-US" dirty="0" err="1">
+                <a:latin typeface="Trebuchet MS"/>
+                <a:cs typeface="Trebuchet MS"/>
+              </a:rPr>
+              <a:t>Σ</a:t>
+            </a:r>
+            <a:r>
+              <a:rPr lang="en-US" baseline="-25000" dirty="0" err="1">
+                <a:latin typeface="Trebuchet MS"/>
+                <a:cs typeface="Trebuchet MS"/>
+              </a:rPr>
+              <a:t>i</a:t>
+            </a:r>
+            <a:r>
+              <a:rPr lang="en-US" dirty="0">
+                <a:latin typeface="Trebuchet MS"/>
+                <a:cs typeface="Trebuchet MS"/>
+              </a:rPr>
+              <a:t> = </a:t>
+            </a:r>
+            <a:r>
+              <a:rPr lang="en-US" dirty="0" err="1">
+                <a:latin typeface="Trebuchet MS"/>
+                <a:cs typeface="Trebuchet MS"/>
+              </a:rPr>
+              <a:t>Σ</a:t>
+            </a:r>
+            <a:r>
+              <a:rPr lang="en-US" dirty="0">
+                <a:latin typeface="Trebuchet MS"/>
+                <a:cs typeface="Trebuchet MS"/>
+              </a:rPr>
+              <a:t> = </a:t>
+            </a:r>
+            <a:r>
+              <a:rPr lang="en-US" dirty="0" err="1">
+                <a:latin typeface="Trebuchet MS"/>
+                <a:cs typeface="Trebuchet MS"/>
+              </a:rPr>
+              <a:t>cte</a:t>
+            </a:r>
+            <a:endParaRPr lang="en-US" dirty="0"/>
+          </a:p>
+        </p:txBody>
+      </p:sp>
+      <p:sp>
+        <p:nvSpPr>
+          <p:cNvPr id="26" name="Rectangle 25">
+            <a:extLst>
+              <a:ext uri="{FF2B5EF4-FFF2-40B4-BE49-F238E27FC236}">
+                <a16:creationId xmlns:a16="http://schemas.microsoft.com/office/drawing/2014/main" id="{FE3D7042-E6D8-AE4B-B8ED-1F8E88727161}"/>
+              </a:ext>
+            </a:extLst>
+          </p:cNvPr>
+          <p:cNvSpPr/>
+          <p:nvPr/>
+        </p:nvSpPr>
+        <p:spPr>
+          <a:xfrm>
+            <a:off x="7327236" y="1761519"/>
+            <a:ext cx="516488" cy="369332"/>
+          </a:xfrm>
+          <a:prstGeom prst="rect">
+            <a:avLst/>
+          </a:prstGeom>
+        </p:spPr>
+        <p:txBody>
+          <a:bodyPr wrap="none">
+            <a:spAutoFit/>
+          </a:bodyPr>
+          <a:lstStyle/>
+          <a:p>
+            <a:r>
+              <a:rPr lang="en-US" dirty="0" err="1">
+                <a:latin typeface="Trebuchet MS"/>
+                <a:cs typeface="Trebuchet MS"/>
+              </a:rPr>
+              <a:t>cte</a:t>
+            </a:r>
+            <a:endParaRPr lang="en-US" dirty="0"/>
+          </a:p>
+        </p:txBody>
+      </p:sp>
+      <p:sp>
+        <p:nvSpPr>
+          <p:cNvPr id="27" name="Rectangle 26">
+            <a:extLst>
+              <a:ext uri="{FF2B5EF4-FFF2-40B4-BE49-F238E27FC236}">
+                <a16:creationId xmlns:a16="http://schemas.microsoft.com/office/drawing/2014/main" id="{773557A1-4263-2842-8872-40E5DF41AF52}"/>
+              </a:ext>
+            </a:extLst>
+          </p:cNvPr>
+          <p:cNvSpPr/>
+          <p:nvPr/>
+        </p:nvSpPr>
+        <p:spPr>
+          <a:xfrm>
+            <a:off x="7295951" y="3261379"/>
+            <a:ext cx="516488" cy="369332"/>
+          </a:xfrm>
+          <a:prstGeom prst="rect">
+            <a:avLst/>
+          </a:prstGeom>
+        </p:spPr>
+        <p:txBody>
+          <a:bodyPr wrap="none">
+            <a:spAutoFit/>
+          </a:bodyPr>
+          <a:lstStyle/>
+          <a:p>
+            <a:r>
+              <a:rPr lang="en-US" dirty="0" err="1">
+                <a:latin typeface="Trebuchet MS"/>
+                <a:cs typeface="Trebuchet MS"/>
+              </a:rPr>
+              <a:t>cte</a:t>
+            </a:r>
+            <a:endParaRPr lang="en-US" dirty="0"/>
+          </a:p>
+        </p:txBody>
+      </p:sp>
+      <p:sp>
+        <p:nvSpPr>
+          <p:cNvPr id="28" name="Rectangle 27">
+            <a:extLst>
+              <a:ext uri="{FF2B5EF4-FFF2-40B4-BE49-F238E27FC236}">
+                <a16:creationId xmlns:a16="http://schemas.microsoft.com/office/drawing/2014/main" id="{F0766D41-33F1-164D-BF89-B0D43BB87048}"/>
+              </a:ext>
+            </a:extLst>
+          </p:cNvPr>
+          <p:cNvSpPr/>
+          <p:nvPr/>
+        </p:nvSpPr>
+        <p:spPr>
+          <a:xfrm>
+            <a:off x="7322570" y="4788384"/>
+            <a:ext cx="516488" cy="369332"/>
+          </a:xfrm>
+          <a:prstGeom prst="rect">
+            <a:avLst/>
+          </a:prstGeom>
+        </p:spPr>
+        <p:txBody>
+          <a:bodyPr wrap="none">
+            <a:spAutoFit/>
+          </a:bodyPr>
+          <a:lstStyle/>
+          <a:p>
+            <a:r>
+              <a:rPr lang="en-US" dirty="0" err="1">
+                <a:latin typeface="Trebuchet MS"/>
+                <a:cs typeface="Trebuchet MS"/>
+              </a:rPr>
+              <a:t>cte</a:t>
+            </a:r>
+            <a:endParaRPr lang="en-US" dirty="0"/>
+          </a:p>
+        </p:txBody>
+      </p:sp>
+      <p:sp>
+        <p:nvSpPr>
+          <p:cNvPr id="29" name="Rectangle 28">
+            <a:extLst>
+              <a:ext uri="{FF2B5EF4-FFF2-40B4-BE49-F238E27FC236}">
+                <a16:creationId xmlns:a16="http://schemas.microsoft.com/office/drawing/2014/main" id="{E89AF186-0427-E846-BB84-19DA44EFB95D}"/>
+              </a:ext>
+            </a:extLst>
+          </p:cNvPr>
+          <p:cNvSpPr/>
+          <p:nvPr/>
+        </p:nvSpPr>
+        <p:spPr>
+          <a:xfrm>
+            <a:off x="8022805" y="3244334"/>
+            <a:ext cx="1147174" cy="369332"/>
+          </a:xfrm>
+          <a:prstGeom prst="rect">
+            <a:avLst/>
+          </a:prstGeom>
+        </p:spPr>
+        <p:txBody>
+          <a:bodyPr wrap="none">
+            <a:spAutoFit/>
+          </a:bodyPr>
+          <a:lstStyle/>
+          <a:p>
+            <a:r>
+              <a:rPr lang="en-US" i="1" dirty="0">
+                <a:latin typeface="LM Roman 10 Regular"/>
+                <a:cs typeface="LM Roman 10 Regular"/>
+              </a:rPr>
+              <a:t>p(</a:t>
+            </a:r>
+            <a:r>
+              <a:rPr lang="en-US" i="1" dirty="0" err="1">
+                <a:latin typeface="LM Roman 10 Regular"/>
+                <a:cs typeface="LM Roman 10 Regular"/>
+              </a:rPr>
+              <a:t>w</a:t>
+            </a:r>
+            <a:r>
+              <a:rPr lang="en-US" i="1" baseline="-25000" dirty="0" err="1">
+                <a:latin typeface="LM Roman 10 Regular"/>
+                <a:cs typeface="LM Roman 10 Regular"/>
+              </a:rPr>
+              <a:t>i</a:t>
+            </a:r>
+            <a:r>
+              <a:rPr lang="en-US" i="1" dirty="0">
+                <a:latin typeface="LM Roman 10 Regular"/>
+                <a:cs typeface="LM Roman 10 Regular"/>
+              </a:rPr>
+              <a:t>) = </a:t>
+            </a:r>
+            <a:r>
+              <a:rPr lang="en-US" i="1" dirty="0" err="1">
+                <a:latin typeface="LM Roman 10 Regular"/>
+                <a:cs typeface="LM Roman 10 Regular"/>
+              </a:rPr>
+              <a:t>cte</a:t>
+            </a:r>
+            <a:endParaRPr lang="en-US" dirty="0"/>
+          </a:p>
+        </p:txBody>
+      </p:sp>
+      <p:sp>
+        <p:nvSpPr>
+          <p:cNvPr id="30" name="TextBox 29">
+            <a:extLst>
+              <a:ext uri="{FF2B5EF4-FFF2-40B4-BE49-F238E27FC236}">
+                <a16:creationId xmlns:a16="http://schemas.microsoft.com/office/drawing/2014/main" id="{FFB18777-5E2B-304B-9820-D912D8978F3F}"/>
+              </a:ext>
+            </a:extLst>
+          </p:cNvPr>
+          <p:cNvSpPr txBox="1"/>
+          <p:nvPr/>
+        </p:nvSpPr>
+        <p:spPr>
+          <a:xfrm>
+            <a:off x="477445" y="2444158"/>
+            <a:ext cx="633507" cy="369332"/>
+          </a:xfrm>
+          <a:prstGeom prst="rect">
+            <a:avLst/>
+          </a:prstGeom>
+          <a:noFill/>
+        </p:spPr>
+        <p:txBody>
+          <a:bodyPr wrap="none" rtlCol="0">
+            <a:spAutoFit/>
+          </a:bodyPr>
+          <a:lstStyle/>
+          <a:p>
+            <a:r>
+              <a:rPr lang="en-US" dirty="0"/>
+              <a:t>LDA</a:t>
+            </a:r>
+          </a:p>
+        </p:txBody>
+      </p:sp>
+      <p:sp>
+        <p:nvSpPr>
+          <p:cNvPr id="31" name="TextBox 30">
+            <a:extLst>
+              <a:ext uri="{FF2B5EF4-FFF2-40B4-BE49-F238E27FC236}">
+                <a16:creationId xmlns:a16="http://schemas.microsoft.com/office/drawing/2014/main" id="{9C27F450-FC19-7B45-B5F6-BC68C99E8B07}"/>
+              </a:ext>
+            </a:extLst>
+          </p:cNvPr>
+          <p:cNvSpPr txBox="1"/>
+          <p:nvPr/>
+        </p:nvSpPr>
+        <p:spPr>
+          <a:xfrm>
+            <a:off x="477444" y="5473424"/>
+            <a:ext cx="684803" cy="369332"/>
+          </a:xfrm>
+          <a:prstGeom prst="rect">
+            <a:avLst/>
+          </a:prstGeom>
+          <a:noFill/>
+        </p:spPr>
+        <p:txBody>
+          <a:bodyPr wrap="none" rtlCol="0">
+            <a:spAutoFit/>
+          </a:bodyPr>
+          <a:lstStyle/>
+          <a:p>
+            <a:r>
+              <a:rPr lang="en-US" dirty="0"/>
+              <a:t>QDA</a:t>
+            </a:r>
+          </a:p>
+        </p:txBody>
+      </p:sp>
+      <p:sp>
+        <p:nvSpPr>
+          <p:cNvPr id="32" name="TextBox 31">
+            <a:extLst>
+              <a:ext uri="{FF2B5EF4-FFF2-40B4-BE49-F238E27FC236}">
+                <a16:creationId xmlns:a16="http://schemas.microsoft.com/office/drawing/2014/main" id="{9538F7AB-5154-504C-B1F1-F400EFDFF79A}"/>
+              </a:ext>
+            </a:extLst>
+          </p:cNvPr>
+          <p:cNvSpPr txBox="1"/>
+          <p:nvPr/>
+        </p:nvSpPr>
+        <p:spPr>
+          <a:xfrm>
+            <a:off x="180892" y="3894359"/>
+            <a:ext cx="1492716" cy="369332"/>
+          </a:xfrm>
+          <a:prstGeom prst="rect">
+            <a:avLst/>
+          </a:prstGeom>
+          <a:noFill/>
+        </p:spPr>
+        <p:txBody>
+          <a:bodyPr wrap="none" rtlCol="0">
+            <a:spAutoFit/>
+          </a:bodyPr>
+          <a:lstStyle/>
+          <a:p>
+            <a:r>
+              <a:rPr lang="en-US" dirty="0" err="1"/>
+              <a:t>Mahalanobis</a:t>
+            </a:r>
+            <a:endParaRPr lang="en-US" dirty="0"/>
+          </a:p>
+        </p:txBody>
+      </p:sp>
+    </p:spTree>
+    <p:extLst>
+      <p:ext uri="{BB962C8B-B14F-4D97-AF65-F5344CB8AC3E}">
+        <p14:creationId xmlns:p14="http://schemas.microsoft.com/office/powerpoint/2010/main" val="3383706589"/>
+      </p:ext>
+    </p:extLst>
+  </p:cSld>
+  <p:clrMapOvr>
+    <a:masterClrMapping/>
+  </p:clrMapOvr>
 </p:sld>
 </file>
 
@@ -7002,14 +7837,14 @@
           <a:lstStyle/>
           <a:p>
             <a:r>
-              <a:rPr lang="en-US" dirty="0" smtClean="0">
+              <a:rPr lang="en-US" dirty="0">
                 <a:latin typeface="Trebuchet MS"/>
                 <a:cs typeface="Trebuchet MS"/>
               </a:rPr>
               <a:t>Bayes’ Classifier: </a:t>
             </a:r>
             <a:r>
-              <a:rPr lang="en-US" sz="2200" b="1" i="1" dirty="0" smtClean="0">
+              <a:rPr lang="en-US" sz="2200" b="1" i="1" dirty="0">
                 <a:latin typeface="Times" charset="0"/>
                 <a:ea typeface="Times" charset="0"/>
                 <a:cs typeface="Times" charset="0"/>
@@ -7017,14 +7852,14 @@
               <a:t>x</a:t>
             </a:r>
             <a:r>
-              <a:rPr lang="en-US" dirty="0" smtClean="0">
+              <a:rPr lang="en-US" dirty="0">
                 <a:latin typeface="Trebuchet MS"/>
                 <a:cs typeface="Trebuchet MS"/>
               </a:rPr>
               <a:t> is classified as class  </a:t>
             </a:r>
             <a:r>
-              <a:rPr lang="en-US" sz="2200" i="1" dirty="0" smtClean="0">
+              <a:rPr lang="en-US" sz="2200" i="1" dirty="0">
                 <a:latin typeface="Times" charset="0"/>
                 <a:ea typeface="Times" charset="0"/>
                 <a:cs typeface="Times" charset="0"/>
@@ -7032,16 +7867,12 @@
               <a:t>j</a:t>
             </a:r>
             <a:r>
-              <a:rPr lang="en-US" dirty="0" smtClean="0">
+              <a:rPr lang="en-US" dirty="0">
                 <a:latin typeface="Trebuchet MS"/>
                 <a:cs typeface="Trebuchet MS"/>
               </a:rPr>
               <a:t>  if</a:t>
             </a:r>
-            <a:endParaRPr lang="en-US" dirty="0">
-              <a:latin typeface="Trebuchet MS"/>
-              <a:cs typeface="Trebuchet MS"/>
-            </a:endParaRPr>
           </a:p>
         </p:txBody>
       </p:sp>
@@ -7142,16 +7973,12 @@
             <a:lstStyle/>
             <a:p>
               <a:r>
-                <a:rPr lang="en-US" dirty="0" smtClean="0">
+                <a:rPr lang="en-US" dirty="0">
                   <a:latin typeface="Trebuchet MS"/>
                   <a:cs typeface="Trebuchet MS"/>
                 </a:rPr>
                 <a:t>Using Bayes’ Rule</a:t>
               </a:r>
-              <a:endParaRPr lang="en-US" dirty="0">
-                <a:latin typeface="Trebuchet MS"/>
-                <a:cs typeface="Trebuchet MS"/>
-              </a:endParaRPr>
             </a:p>
           </p:txBody>
         </p:sp>
@@ -7346,13 +8173,6 @@
   <p:clrMapOvr>
     <a:masterClrMapping/>
   </p:clrMapOvr>
-  <p:timing>
-    <p:tnLst>
-      <p:par>
-        <p:cTn id="1" dur="indefinite" restart="never" nodeType="tmRoot"/>
-      </p:par>
-    </p:tnLst>
-  </p:timing>
 </p:sld>
 </file>
 
@@ -7413,13 +8233,6 @@
   <p:clrMapOvr>
     <a:masterClrMapping/>
   </p:clrMapOvr>
-  <p:timing>
-    <p:tnLst>
-      <p:par>
-        <p:cTn id="1" dur="indefinite" restart="never" nodeType="tmRoot"/>
-      </p:par>
-    </p:tnLst>
-  </p:timing>
 </p:sld>
 </file>
 
@@ -7464,7 +8277,7 @@
           <a:p>
             <a:pPr algn="ctr"/>
             <a:r>
-              <a:rPr lang="en-US" dirty="0" smtClean="0">
+              <a:rPr lang="en-US" dirty="0">
                 <a:latin typeface="Trebuchet MS"/>
                 <a:cs typeface="Trebuchet MS"/>
               </a:rPr>
@@ -7480,7 +8293,7 @@
           </a:p>
           <a:p>
             <a:pPr algn="ctr"/>
-            <a:endParaRPr lang="en-US" dirty="0" smtClean="0">
+            <a:endParaRPr lang="en-US" dirty="0">
               <a:latin typeface="Trebuchet MS"/>
               <a:cs typeface="Trebuchet MS"/>
             </a:endParaRPr>
@@ -7488,7 +8301,7 @@
           <a:p>
             <a:pPr algn="ctr"/>
             <a:r>
-              <a:rPr lang="pt-BR" dirty="0" smtClean="0">
+              <a:rPr lang="pt-BR" dirty="0">
                 <a:latin typeface="Trebuchet MS"/>
                 <a:cs typeface="Trebuchet MS"/>
               </a:rPr>
@@ -7511,13 +8324,6 @@
   <p:clrMapOvr>
     <a:masterClrMapping/>
   </p:clrMapOvr>
-  <p:timing>
-    <p:tnLst>
-      <p:par>
-        <p:cTn id="1" dur="indefinite" restart="never" nodeType="tmRoot"/>
-      </p:par>
-    </p:tnLst>
-  </p:timing>
 </p:sld>
 </file>
 
@@ -7561,16 +8367,12 @@
           <a:lstStyle/>
           <a:p>
             <a:r>
-              <a:rPr lang="en-US" dirty="0" smtClean="0">
+              <a:rPr lang="en-US" dirty="0">
                 <a:latin typeface="Trebuchet MS"/>
                 <a:cs typeface="Trebuchet MS"/>
               </a:rPr>
               <a:t>For Gaussian Distributions</a:t>
             </a:r>
-            <a:endParaRPr lang="en-US" dirty="0">
-              <a:latin typeface="Trebuchet MS"/>
-              <a:cs typeface="Trebuchet MS"/>
-            </a:endParaRPr>
           </a:p>
         </p:txBody>
       </p:sp>
@@ -7701,16 +8503,12 @@
             <a:lstStyle/>
             <a:p>
               <a:r>
-                <a:rPr lang="en-US" sz="3200" b="1" dirty="0" smtClean="0">
+                <a:rPr lang="en-US" sz="3200" b="1" dirty="0">
                   <a:latin typeface="Trebuchet MS"/>
                   <a:cs typeface="Trebuchet MS"/>
                 </a:rPr>
                 <a:t>.</a:t>
               </a:r>
-              <a:endParaRPr lang="en-US" sz="3200" b="1" dirty="0">
-                <a:latin typeface="Trebuchet MS"/>
-                <a:cs typeface="Trebuchet MS"/>
-              </a:endParaRPr>
             </a:p>
           </p:txBody>
         </p:sp>
@@ -7859,16 +8657,12 @@
             <a:lstStyle/>
             <a:p>
               <a:r>
-                <a:rPr lang="en-US" sz="3200" b="1" dirty="0" smtClean="0">
+                <a:rPr lang="en-US" sz="3200" b="1" dirty="0">
                   <a:latin typeface="Trebuchet MS"/>
                   <a:cs typeface="Trebuchet MS"/>
                 </a:rPr>
                 <a:t>.</a:t>
               </a:r>
-              <a:endParaRPr lang="en-US" sz="3200" b="1" dirty="0">
-                <a:latin typeface="Trebuchet MS"/>
-                <a:cs typeface="Trebuchet MS"/>
-              </a:endParaRPr>
             </a:p>
           </p:txBody>
         </p:sp>
@@ -7881,10 +8675,10 @@
         </p:nvGrpSpPr>
         <p:grpSpPr>
           <a:xfrm>
-            <a:off x="332146" y="3283703"/>
-            <a:ext cx="3049425" cy="3200892"/>
-            <a:chOff x="332146" y="3501779"/>
-            <a:chExt cx="3049425" cy="3200892"/>
+            <a:off x="332146" y="3620031"/>
+            <a:ext cx="3049425" cy="2864564"/>
+            <a:chOff x="332146" y="3838107"/>
+            <a:chExt cx="3049425" cy="2864564"/>
           </a:xfrm>
         </p:grpSpPr>
         <p:pic>
@@ -7955,7 +8749,7 @@
           </p:nvSpPr>
           <p:spPr>
             <a:xfrm>
-              <a:off x="435708" y="3501779"/>
+              <a:off x="435708" y="3838107"/>
               <a:ext cx="2945863" cy="369332"/>
             </a:xfrm>
             <a:prstGeom prst="rect">
@@ -7970,30 +8764,26 @@
             <a:lstStyle/>
             <a:p>
               <a:r>
-                <a:rPr lang="en-US" dirty="0" smtClean="0">
+                <a:rPr lang="en-US" dirty="0">
                   <a:latin typeface="Trebuchet MS"/>
                   <a:cs typeface="Trebuchet MS"/>
                 </a:rPr>
                 <a:t>Examples of </a:t>
               </a:r>
               <a:r>
-                <a:rPr lang="en-US" dirty="0" err="1" smtClean="0">
+                <a:rPr lang="en-US" dirty="0" err="1">
                   <a:latin typeface="Trebuchet MS"/>
                   <a:cs typeface="Trebuchet MS"/>
                 </a:rPr>
                 <a:t>Σ</a:t>
               </a:r>
               <a:r>
-                <a:rPr lang="en-US" dirty="0" smtClean="0">
+                <a:rPr lang="en-US" dirty="0">
                   <a:latin typeface="Trebuchet MS"/>
                   <a:cs typeface="Trebuchet MS"/>
                 </a:rPr>
                 <a:t> and μ in 2D:</a:t>
               </a:r>
-              <a:endParaRPr lang="en-US" dirty="0">
-                <a:latin typeface="Trebuchet MS"/>
-                <a:cs typeface="Trebuchet MS"/>
-              </a:endParaRPr>
             </a:p>
           </p:txBody>
         </p:sp>
@@ -8020,16 +8810,12 @@
             <a:lstStyle/>
             <a:p>
               <a:r>
-                <a:rPr lang="en-US" sz="3200" b="1" dirty="0" smtClean="0">
+                <a:rPr lang="en-US" sz="3200" b="1" dirty="0">
                   <a:latin typeface="Trebuchet MS"/>
                   <a:cs typeface="Trebuchet MS"/>
                 </a:rPr>
                 <a:t>.</a:t>
               </a:r>
-              <a:endParaRPr lang="en-US" sz="3200" b="1" dirty="0">
-                <a:latin typeface="Trebuchet MS"/>
-                <a:cs typeface="Trebuchet MS"/>
-              </a:endParaRPr>
             </a:p>
           </p:txBody>
         </p:sp>
@@ -8101,16 +8887,12 @@
             <a:lstStyle/>
             <a:p>
               <a:r>
-                <a:rPr lang="en-US" dirty="0" smtClean="0">
+                <a:rPr lang="en-US" dirty="0">
                   <a:latin typeface="Trebuchet MS"/>
                   <a:cs typeface="Trebuchet MS"/>
                 </a:rPr>
                 <a:t>Estimator of Covariance Matrix:</a:t>
               </a:r>
-              <a:endParaRPr lang="en-US" dirty="0">
-                <a:latin typeface="Trebuchet MS"/>
-                <a:cs typeface="Trebuchet MS"/>
-              </a:endParaRPr>
             </a:p>
           </p:txBody>
         </p:sp>
@@ -8425,16 +9207,12 @@
           <a:lstStyle/>
           <a:p>
             <a:r>
-              <a:rPr lang="en-US" dirty="0" smtClean="0">
+              <a:rPr lang="en-US" dirty="0">
                 <a:latin typeface="Trebuchet MS"/>
                 <a:cs typeface="Trebuchet MS"/>
               </a:rPr>
               <a:t>Bayes’ Classifier</a:t>
             </a:r>
-            <a:endParaRPr lang="en-US" dirty="0">
-              <a:latin typeface="Trebuchet MS"/>
-              <a:cs typeface="Trebuchet MS"/>
-            </a:endParaRPr>
           </a:p>
         </p:txBody>
       </p:sp>
@@ -8811,16 +9589,12 @@
             <a:lstStyle/>
             <a:p>
               <a:r>
-                <a:rPr lang="en-US" dirty="0" smtClean="0">
+                <a:rPr lang="en-US" dirty="0">
                   <a:latin typeface="Trebuchet MS"/>
                   <a:cs typeface="Trebuchet MS"/>
                 </a:rPr>
                 <a:t>For Gaussian Distributions:</a:t>
               </a:r>
-              <a:endParaRPr lang="en-US" dirty="0">
-                <a:latin typeface="Trebuchet MS"/>
-                <a:cs typeface="Trebuchet MS"/>
-              </a:endParaRPr>
             </a:p>
           </p:txBody>
         </p:sp>
@@ -8908,7 +9682,7 @@
           <p:spPr>
             <a:xfrm>
               <a:off x="3475152" y="2461375"/>
-              <a:ext cx="1929547" cy="369332"/>
+              <a:ext cx="1935145" cy="369332"/>
             </a:xfrm>
             <a:prstGeom prst="rect">
               <a:avLst/>
@@ -8922,22 +9696,15 @@
             <a:lstStyle/>
             <a:p>
               <a:r>
-                <a:rPr lang="en-US" dirty="0" smtClean="0">
+                <a:rPr lang="en-US" dirty="0">
                   <a:solidFill>
                     <a:srgbClr val="0000FF"/>
                   </a:solidFill>
                   <a:latin typeface="LM Roman 10 Regular"/>
                   <a:cs typeface="LM Roman 10 Regular"/>
                 </a:rPr>
-                <a:t>log{                    }</a:t>
+                <a:t>log{                         }</a:t>
               </a:r>
-              <a:endParaRPr lang="en-US" dirty="0">
-                <a:solidFill>
-                  <a:srgbClr val="0000FF"/>
-                </a:solidFill>
-                <a:latin typeface="LM Roman 10 Regular"/>
-                <a:cs typeface="LM Roman 10 Regular"/>
-              </a:endParaRPr>
             </a:p>
           </p:txBody>
         </p:sp>
@@ -8949,8 +9716,8 @@
           </p:nvSpPr>
           <p:spPr>
             <a:xfrm>
-              <a:off x="1667780" y="2450081"/>
-              <a:ext cx="1801282" cy="369332"/>
+              <a:off x="1667780" y="2460591"/>
+              <a:ext cx="1776448" cy="369332"/>
             </a:xfrm>
             <a:prstGeom prst="rect">
               <a:avLst/>
@@ -8964,22 +9731,15 @@
             <a:lstStyle/>
             <a:p>
               <a:r>
-                <a:rPr lang="en-US" dirty="0" smtClean="0">
+                <a:rPr lang="en-US" dirty="0">
                   <a:solidFill>
                     <a:srgbClr val="0000FF"/>
                   </a:solidFill>
                   <a:latin typeface="LM Roman 10 Regular"/>
                   <a:cs typeface="LM Roman 10 Regular"/>
                 </a:rPr>
-                <a:t>log{                  }</a:t>
+                <a:t>log{                      }</a:t>
               </a:r>
-              <a:endParaRPr lang="en-US" dirty="0">
-                <a:solidFill>
-                  <a:srgbClr val="0000FF"/>
-                </a:solidFill>
-                <a:latin typeface="LM Roman 10 Regular"/>
-                <a:cs typeface="LM Roman 10 Regular"/>
-              </a:endParaRPr>
             </a:p>
           </p:txBody>
         </p:sp>
@@ -9403,28 +10163,14 @@
           <a:lstStyle/>
           <a:p>
             <a:r>
-              <a:rPr lang="en-US" dirty="0" smtClean="0">
+              <a:rPr lang="en-US" dirty="0">
                 <a:latin typeface="Trebuchet MS"/>
                 <a:cs typeface="Trebuchet MS"/>
               </a:rPr>
-              <a:t>This term </a:t>
-            </a:r>
-            <a:r>
-              <a:rPr lang="en-US" dirty="0" smtClean="0">
-                <a:latin typeface="Trebuchet MS"/>
-                <a:cs typeface="Trebuchet MS"/>
-              </a:rPr>
-              <a:t>is </a:t>
-            </a:r>
-            <a:r>
-              <a:rPr lang="en-US" dirty="0" smtClean="0">
-                <a:latin typeface="Trebuchet MS"/>
-                <a:cs typeface="Trebuchet MS"/>
-              </a:rPr>
-              <a:t>constant, it can be removed from </a:t>
-            </a:r>
-            <a:r>
-              <a:rPr lang="en-US" smtClean="0">
+              <a:t>This term is constant, it can be removed from </a:t>
+            </a:r>
+            <a:r>
+              <a:rPr lang="en-US">
                 <a:latin typeface="Trebuchet MS"/>
                 <a:cs typeface="Trebuchet MS"/>
               </a:rPr>
@@ -9554,8 +10300,8 @@
           </p:nvSpPr>
           <p:spPr>
             <a:xfrm>
-              <a:off x="3475152" y="2461375"/>
-              <a:ext cx="1929547" cy="369332"/>
+              <a:off x="3475152" y="2482395"/>
+              <a:ext cx="1935145" cy="369332"/>
             </a:xfrm>
             <a:prstGeom prst="rect">
               <a:avLst/>
@@ -9569,22 +10315,15 @@
             <a:lstStyle/>
             <a:p>
               <a:r>
-                <a:rPr lang="en-US" dirty="0" smtClean="0">
+                <a:rPr lang="en-US" dirty="0">
                   <a:solidFill>
                     <a:srgbClr val="0000FF"/>
                   </a:solidFill>
                   <a:latin typeface="LM Roman 10 Regular"/>
                   <a:cs typeface="LM Roman 10 Regular"/>
                 </a:rPr>
-                <a:t>log{                    }</a:t>
+                <a:t>log{                         }</a:t>
               </a:r>
-              <a:endParaRPr lang="en-US" dirty="0">
-                <a:solidFill>
-                  <a:srgbClr val="0000FF"/>
-                </a:solidFill>
-                <a:latin typeface="LM Roman 10 Regular"/>
-                <a:cs typeface="LM Roman 10 Regular"/>
-              </a:endParaRPr>
             </a:p>
           </p:txBody>
         </p:sp>
@@ -9596,8 +10335,8 @@
           </p:nvSpPr>
           <p:spPr>
             <a:xfrm>
-              <a:off x="1667780" y="2450081"/>
-              <a:ext cx="1801282" cy="369332"/>
+              <a:off x="1667780" y="2460591"/>
+              <a:ext cx="1776448" cy="369332"/>
             </a:xfrm>
             <a:prstGeom prst="rect">
               <a:avLst/>
@@ -9611,22 +10350,15 @@
             <a:lstStyle/>
             <a:p>
               <a:r>
-                <a:rPr lang="en-US" dirty="0" smtClean="0">
+                <a:rPr lang="en-US" dirty="0">
                   <a:solidFill>
                     <a:srgbClr val="0000FF"/>
                   </a:solidFill>
                   <a:latin typeface="LM Roman 10 Regular"/>
                   <a:cs typeface="LM Roman 10 Regular"/>
                 </a:rPr>
-                <a:t>log{                  }</a:t>
+                <a:t>log{                      }</a:t>
               </a:r>
-              <a:endParaRPr lang="en-US" dirty="0">
-                <a:solidFill>
-                  <a:srgbClr val="0000FF"/>
-                </a:solidFill>
-                <a:latin typeface="LM Roman 10 Regular"/>
-                <a:cs typeface="LM Roman 10 Regular"/>
-              </a:endParaRPr>
             </a:p>
           </p:txBody>
         </p:sp>
@@ -10053,51 +10785,47 @@
           <a:lstStyle/>
           <a:p>
             <a:r>
-              <a:rPr lang="en-US" dirty="0" smtClean="0">
+              <a:rPr lang="en-US" dirty="0">
                 <a:latin typeface="Trebuchet MS"/>
                 <a:cs typeface="Trebuchet MS"/>
               </a:rPr>
               <a:t>In LDA (Linear Discriminant Analysis) it is assumed that </a:t>
             </a:r>
             <a:r>
-              <a:rPr lang="en-US" dirty="0" err="1" smtClean="0">
+              <a:rPr lang="en-US" dirty="0" err="1">
                 <a:latin typeface="Trebuchet MS"/>
                 <a:cs typeface="Trebuchet MS"/>
               </a:rPr>
               <a:t>Σ</a:t>
             </a:r>
             <a:r>
-              <a:rPr lang="en-US" baseline="-25000" dirty="0" err="1" smtClean="0">
+              <a:rPr lang="en-US" baseline="-25000" dirty="0" err="1">
                 <a:latin typeface="Trebuchet MS"/>
                 <a:cs typeface="Trebuchet MS"/>
               </a:rPr>
               <a:t>i</a:t>
             </a:r>
             <a:r>
-              <a:rPr lang="en-US" dirty="0" smtClean="0">
+              <a:rPr lang="en-US" dirty="0">
                 <a:latin typeface="Trebuchet MS"/>
                 <a:cs typeface="Trebuchet MS"/>
               </a:rPr>
               <a:t> = </a:t>
             </a:r>
             <a:r>
-              <a:rPr lang="en-US" dirty="0" err="1" smtClean="0">
+              <a:rPr lang="en-US" dirty="0" err="1">
                 <a:latin typeface="Trebuchet MS"/>
                 <a:cs typeface="Trebuchet MS"/>
               </a:rPr>
               <a:t>Σ</a:t>
             </a:r>
             <a:r>
-              <a:rPr lang="en-US" dirty="0" smtClean="0">
+              <a:rPr lang="en-US" dirty="0">
                 <a:latin typeface="Trebuchet MS"/>
                 <a:cs typeface="Trebuchet MS"/>
               </a:rPr>
               <a:t> (it is constant).</a:t>
             </a:r>
-            <a:endParaRPr lang="en-US" dirty="0">
-              <a:latin typeface="Trebuchet MS"/>
-              <a:cs typeface="Trebuchet MS"/>
-            </a:endParaRPr>
           </a:p>
         </p:txBody>
       </p:sp>
@@ -10194,72 +10922,68 @@
           <a:lstStyle/>
           <a:p>
             <a:r>
-              <a:rPr lang="en-US" dirty="0" err="1" smtClean="0">
+              <a:rPr lang="en-US" dirty="0" err="1">
                 <a:latin typeface="Trebuchet MS"/>
                 <a:cs typeface="Trebuchet MS"/>
               </a:rPr>
               <a:t>Σ</a:t>
             </a:r>
             <a:r>
-              <a:rPr lang="en-US" baseline="-25000" dirty="0" smtClean="0">
+              <a:rPr lang="en-US" baseline="-25000" dirty="0">
                 <a:latin typeface="Trebuchet MS"/>
                 <a:cs typeface="Trebuchet MS"/>
               </a:rPr>
               <a:t> </a:t>
             </a:r>
             <a:r>
-              <a:rPr lang="en-US" dirty="0" smtClean="0">
+              <a:rPr lang="en-US" dirty="0">
                 <a:latin typeface="Trebuchet MS"/>
                 <a:cs typeface="Trebuchet MS"/>
               </a:rPr>
               <a:t>is computed from training data. A good estimation is the average of the individual covariance matrices: </a:t>
             </a:r>
             <a:r>
-              <a:rPr lang="en-US" dirty="0" err="1" smtClean="0">
+              <a:rPr lang="en-US" dirty="0" err="1">
                 <a:latin typeface="Trebuchet MS"/>
                 <a:cs typeface="Trebuchet MS"/>
               </a:rPr>
               <a:t>Σ</a:t>
             </a:r>
             <a:r>
-              <a:rPr lang="en-US" dirty="0" smtClean="0">
+              <a:rPr lang="en-US" dirty="0">
                 <a:latin typeface="Trebuchet MS"/>
                 <a:cs typeface="Trebuchet MS"/>
               </a:rPr>
               <a:t> = (Σ</a:t>
             </a:r>
             <a:r>
-              <a:rPr lang="en-US" baseline="-25000" dirty="0" smtClean="0">
+              <a:rPr lang="en-US" baseline="-25000" dirty="0">
                 <a:latin typeface="Trebuchet MS"/>
                 <a:cs typeface="Trebuchet MS"/>
               </a:rPr>
               <a:t>1</a:t>
             </a:r>
             <a:r>
-              <a:rPr lang="en-US" dirty="0" smtClean="0">
+              <a:rPr lang="en-US" dirty="0">
                 <a:latin typeface="Trebuchet MS"/>
                 <a:cs typeface="Trebuchet MS"/>
               </a:rPr>
               <a:t>+Σ</a:t>
             </a:r>
             <a:r>
-              <a:rPr lang="en-US" baseline="-25000" dirty="0" smtClean="0">
+              <a:rPr lang="en-US" baseline="-25000" dirty="0">
                 <a:latin typeface="Trebuchet MS"/>
                 <a:cs typeface="Trebuchet MS"/>
               </a:rPr>
               <a:t>2</a:t>
             </a:r>
             <a:r>
-              <a:rPr lang="en-US" dirty="0" smtClean="0">
+              <a:rPr lang="en-US" dirty="0">
                 <a:latin typeface="Trebuchet MS"/>
                 <a:cs typeface="Trebuchet MS"/>
               </a:rPr>
               <a:t>)/2</a:t>
             </a:r>
-            <a:endParaRPr lang="en-US" dirty="0">
-              <a:latin typeface="Trebuchet MS"/>
-              <a:cs typeface="Trebuchet MS"/>
-            </a:endParaRPr>
           </a:p>
         </p:txBody>
       </p:sp>
@@ -10360,7 +11084,7 @@
             <a:lstStyle/>
             <a:p>
               <a:r>
-                <a:rPr lang="en-US" dirty="0" smtClean="0">
+                <a:rPr lang="en-US" dirty="0">
                   <a:solidFill>
                     <a:srgbClr val="0000FF"/>
                   </a:solidFill>
@@ -10369,13 +11093,6 @@
                 </a:rPr>
                 <a:t>log{                    }</a:t>
               </a:r>
-              <a:endParaRPr lang="en-US" dirty="0">
-                <a:solidFill>
-                  <a:srgbClr val="0000FF"/>
-                </a:solidFill>
-                <a:latin typeface="LM Roman 10 Regular"/>
-                <a:cs typeface="LM Roman 10 Regular"/>
-              </a:endParaRPr>
             </a:p>
           </p:txBody>
         </p:sp>
@@ -10402,7 +11119,7 @@
             <a:lstStyle/>
             <a:p>
               <a:r>
-                <a:rPr lang="en-US" dirty="0" smtClean="0">
+                <a:rPr lang="en-US" dirty="0">
                   <a:solidFill>
                     <a:srgbClr val="0000FF"/>
                   </a:solidFill>
@@ -10411,13 +11128,6 @@
                 </a:rPr>
                 <a:t>log{                  }</a:t>
               </a:r>
-              <a:endParaRPr lang="en-US" dirty="0">
-                <a:solidFill>
-                  <a:srgbClr val="0000FF"/>
-                </a:solidFill>
-                <a:latin typeface="LM Roman 10 Regular"/>
-                <a:cs typeface="LM Roman 10 Regular"/>
-              </a:endParaRPr>
             </a:p>
           </p:txBody>
         </p:sp>
@@ -10454,10 +11164,9 @@
           <a:lstStyle/>
           <a:p>
             <a:r>
-              <a:rPr lang="en-US" sz="3200" dirty="0" smtClean="0"/>
+              <a:rPr lang="en-US" sz="3200" dirty="0"/>
               <a:t>LDA</a:t>
             </a:r>
-            <a:endParaRPr lang="en-US" sz="3200" dirty="0"/>
           </a:p>
         </p:txBody>
       </p:sp>
@@ -10471,13 +11180,6 @@
   <p:clrMapOvr>
     <a:masterClrMapping/>
   </p:clrMapOvr>
-  <p:timing>
-    <p:tnLst>
-      <p:par>
-        <p:cTn id="1" dur="indefinite" restart="never" nodeType="tmRoot"/>
-      </p:par>
-    </p:tnLst>
-  </p:timing>
 </p:sld>
 </file>
 

--- a/clases/Cap04_Clasificacion/presentations/PAT04_LDA.pptx
+++ b/clases/Cap04_Clasificacion/presentations/PAT04_LDA.pptx
@@ -5,22 +5,26 @@
     <p:sldMasterId id="2147483648" r:id="rId1"/>
   </p:sldMasterIdLst>
   <p:notesMasterIdLst>
-    <p:notesMasterId r:id="rId15"/>
+    <p:notesMasterId r:id="rId19"/>
   </p:notesMasterIdLst>
   <p:sldIdLst>
     <p:sldId id="293" r:id="rId2"/>
     <p:sldId id="282" r:id="rId3"/>
     <p:sldId id="283" r:id="rId4"/>
     <p:sldId id="284" r:id="rId5"/>
-    <p:sldId id="289" r:id="rId6"/>
-    <p:sldId id="285" r:id="rId7"/>
-    <p:sldId id="287" r:id="rId8"/>
-    <p:sldId id="294" r:id="rId9"/>
+    <p:sldId id="285" r:id="rId6"/>
+    <p:sldId id="287" r:id="rId7"/>
+    <p:sldId id="294" r:id="rId8"/>
+    <p:sldId id="809" r:id="rId9"/>
     <p:sldId id="288" r:id="rId10"/>
-    <p:sldId id="290" r:id="rId11"/>
+    <p:sldId id="812" r:id="rId11"/>
     <p:sldId id="291" r:id="rId12"/>
-    <p:sldId id="292" r:id="rId13"/>
-    <p:sldId id="295" r:id="rId14"/>
+    <p:sldId id="814" r:id="rId13"/>
+    <p:sldId id="816" r:id="rId14"/>
+    <p:sldId id="815" r:id="rId15"/>
+    <p:sldId id="292" r:id="rId16"/>
+    <p:sldId id="813" r:id="rId17"/>
+    <p:sldId id="295" r:id="rId18"/>
   </p:sldIdLst>
   <p:sldSz cx="9144000" cy="6858000" type="screen4x3"/>
   <p:notesSz cx="6858000" cy="9144000"/>
@@ -4477,14 +4481,24 @@
           <a:p>
             <a:pPr algn="ctr"/>
             <a:r>
-              <a:rPr lang="en-US" sz="2400" b="1">
+              <a:rPr lang="en-US" sz="2400" b="1" dirty="0">
                 <a:solidFill>
                   <a:srgbClr val="FFFFFF"/>
                 </a:solidFill>
                 <a:latin typeface="Trebuchet MS"/>
                 <a:cs typeface="Trebuchet MS"/>
               </a:rPr>
-              <a:t>LDA</a:t>
+              <a:t>LDA, QDA, </a:t>
+            </a:r>
+            <a:r>
+              <a:rPr lang="en-US" sz="2400" b="1" dirty="0" err="1">
+                <a:solidFill>
+                  <a:srgbClr val="FFFFFF"/>
+                </a:solidFill>
+                <a:latin typeface="Trebuchet MS"/>
+                <a:cs typeface="Trebuchet MS"/>
+              </a:rPr>
+              <a:t>Mahalanobis</a:t>
             </a:r>
             <a:endParaRPr lang="en-US" sz="2400" b="1" dirty="0">
               <a:solidFill>
@@ -5052,14 +5066,20 @@
       </p:grpSpPr>
       <p:sp>
         <p:nvSpPr>
-          <p:cNvPr id="5" name="TextBox 4"/>
+          <p:cNvPr id="7" name="TextBox 6">
+            <a:extLst>
+              <a:ext uri="{FF2B5EF4-FFF2-40B4-BE49-F238E27FC236}">
+                <a16:creationId xmlns:a16="http://schemas.microsoft.com/office/drawing/2014/main" id="{024E1C10-73BD-FB44-B57E-7BF0017B39AE}"/>
+              </a:ext>
+            </a:extLst>
+          </p:cNvPr>
           <p:cNvSpPr txBox="1"/>
           <p:nvPr/>
         </p:nvSpPr>
         <p:spPr>
           <a:xfrm>
-            <a:off x="5794753" y="496817"/>
-            <a:ext cx="2539540" cy="1200329"/>
+            <a:off x="1587062" y="1575894"/>
+            <a:ext cx="1168910" cy="369332"/>
           </a:xfrm>
           <a:prstGeom prst="rect">
             <a:avLst/>
@@ -5074,76 +5094,29 @@
           <a:p>
             <a:r>
               <a:rPr lang="en-US" dirty="0">
-                <a:latin typeface="Courier"/>
-                <a:cs typeface="Courier"/>
-              </a:rPr>
-              <a:t>X:  training data</a:t>
-            </a:r>
-          </a:p>
-          <a:p>
-            <a:r>
-              <a:rPr lang="en-US" dirty="0">
-                <a:latin typeface="Courier"/>
-                <a:cs typeface="Courier"/>
-              </a:rPr>
-              <a:t>d:  labels of X</a:t>
-            </a:r>
-          </a:p>
-          <a:p>
-            <a:r>
-              <a:rPr lang="en-US" dirty="0" err="1">
-                <a:latin typeface="Courier"/>
-                <a:cs typeface="Courier"/>
-              </a:rPr>
-              <a:t>Xt</a:t>
-            </a:r>
-            <a:r>
-              <a:rPr lang="en-US" dirty="0">
-                <a:latin typeface="Courier"/>
-                <a:cs typeface="Courier"/>
-              </a:rPr>
-              <a:t>: testing data</a:t>
-            </a:r>
-          </a:p>
-          <a:p>
-            <a:r>
-              <a:rPr lang="en-US" dirty="0" err="1">
-                <a:latin typeface="Courier"/>
-                <a:cs typeface="Courier"/>
-              </a:rPr>
-              <a:t>dt</a:t>
-            </a:r>
-            <a:r>
-              <a:rPr lang="en-US" dirty="0">
-                <a:latin typeface="Courier"/>
-                <a:cs typeface="Courier"/>
-              </a:rPr>
-              <a:t>: labels of </a:t>
-            </a:r>
-            <a:r>
-              <a:rPr lang="en-US" dirty="0" err="1">
-                <a:latin typeface="Courier"/>
-                <a:cs typeface="Courier"/>
-              </a:rPr>
-              <a:t>Xt</a:t>
-            </a:r>
-            <a:endParaRPr lang="en-US" dirty="0">
-              <a:latin typeface="Courier"/>
-              <a:cs typeface="Courier"/>
-            </a:endParaRPr>
+                <a:latin typeface="Trebuchet MS" panose="020B0703020202090204" pitchFamily="34" charset="0"/>
+              </a:rPr>
+              <a:t>TRAINING</a:t>
+            </a:r>
           </a:p>
         </p:txBody>
       </p:sp>
       <p:sp>
         <p:nvSpPr>
-          <p:cNvPr id="4" name="TextBox 3"/>
+          <p:cNvPr id="8" name="TextBox 7">
+            <a:extLst>
+              <a:ext uri="{FF2B5EF4-FFF2-40B4-BE49-F238E27FC236}">
+                <a16:creationId xmlns:a16="http://schemas.microsoft.com/office/drawing/2014/main" id="{53D37474-A788-3140-8F24-DFB62D279098}"/>
+              </a:ext>
+            </a:extLst>
+          </p:cNvPr>
           <p:cNvSpPr txBox="1"/>
           <p:nvPr/>
         </p:nvSpPr>
         <p:spPr>
           <a:xfrm>
-            <a:off x="275293" y="2175936"/>
-            <a:ext cx="8084264" cy="1631216"/>
+            <a:off x="6469118" y="1575894"/>
+            <a:ext cx="1055097" cy="369332"/>
           </a:xfrm>
           <a:prstGeom prst="rect">
             <a:avLst/>
@@ -5157,197 +5130,10 @@
           <a:lstStyle/>
           <a:p>
             <a:r>
-              <a:rPr lang="en-US" sz="1600" b="1" dirty="0">
-                <a:latin typeface="Courier" pitchFamily="2" charset="0"/>
-              </a:rPr>
-              <a:t>Example for LDA in </a:t>
-            </a:r>
-            <a:r>
-              <a:rPr lang="en-US" sz="1600" b="1" dirty="0" err="1">
-                <a:latin typeface="Courier" pitchFamily="2" charset="0"/>
-              </a:rPr>
-              <a:t>Matlab</a:t>
-            </a:r>
-            <a:r>
-              <a:rPr lang="en-US" sz="1600" b="1" dirty="0">
-                <a:latin typeface="Courier" pitchFamily="2" charset="0"/>
-              </a:rPr>
-              <a:t>:</a:t>
-            </a:r>
-          </a:p>
-          <a:p>
-            <a:endParaRPr lang="en-US" sz="1600" dirty="0">
-              <a:latin typeface="Trebuchet MS"/>
-              <a:cs typeface="Courier"/>
-            </a:endParaRPr>
-          </a:p>
-          <a:p>
-            <a:r>
-              <a:rPr lang="en-US" sz="1600" dirty="0" err="1">
-                <a:latin typeface="Courier"/>
-                <a:cs typeface="Courier"/>
-              </a:rPr>
-              <a:t>op.p</a:t>
-            </a:r>
-            <a:r>
-              <a:rPr lang="en-US" sz="1600" dirty="0">
-                <a:latin typeface="Courier"/>
-                <a:cs typeface="Courier"/>
-              </a:rPr>
-              <a:t> = [0.5 0.5];             % prior probability for each class</a:t>
-            </a:r>
-          </a:p>
-          <a:p>
-            <a:r>
-              <a:rPr lang="en-US" sz="1600" dirty="0">
-                <a:latin typeface="Courier"/>
-                <a:cs typeface="Courier"/>
-              </a:rPr>
-              <a:t>cl   = </a:t>
-            </a:r>
-            <a:r>
-              <a:rPr lang="en-US" sz="1600" dirty="0" err="1">
-                <a:latin typeface="Courier"/>
-                <a:cs typeface="Courier"/>
-              </a:rPr>
-              <a:t>Bcl_lda</a:t>
-            </a:r>
-            <a:r>
-              <a:rPr lang="en-US" sz="1600" dirty="0">
-                <a:latin typeface="Courier"/>
-                <a:cs typeface="Courier"/>
-              </a:rPr>
-              <a:t>(</a:t>
-            </a:r>
-            <a:r>
-              <a:rPr lang="en-US" sz="1600" dirty="0" err="1">
-                <a:latin typeface="Courier"/>
-                <a:cs typeface="Courier"/>
-              </a:rPr>
-              <a:t>X,d,op</a:t>
-            </a:r>
-            <a:r>
-              <a:rPr lang="en-US" sz="1600" dirty="0">
-                <a:latin typeface="Courier"/>
-                <a:cs typeface="Courier"/>
-              </a:rPr>
-              <a:t>);       % training</a:t>
-            </a:r>
-          </a:p>
-          <a:p>
-            <a:r>
-              <a:rPr lang="en-US" sz="1600" dirty="0">
-                <a:latin typeface="Courier"/>
-                <a:cs typeface="Courier"/>
-              </a:rPr>
-              <a:t>ds   = </a:t>
-            </a:r>
-            <a:r>
-              <a:rPr lang="en-US" sz="1600" dirty="0" err="1">
-                <a:latin typeface="Courier"/>
-                <a:cs typeface="Courier"/>
-              </a:rPr>
-              <a:t>Bcl_lda</a:t>
-            </a:r>
-            <a:r>
-              <a:rPr lang="en-US" sz="1600" dirty="0">
-                <a:latin typeface="Courier"/>
-                <a:cs typeface="Courier"/>
-              </a:rPr>
-              <a:t>(</a:t>
-            </a:r>
-            <a:r>
-              <a:rPr lang="en-US" sz="1600" dirty="0" err="1">
-                <a:latin typeface="Courier"/>
-                <a:cs typeface="Courier"/>
-              </a:rPr>
-              <a:t>Xt,cl</a:t>
-            </a:r>
-            <a:r>
-              <a:rPr lang="en-US" sz="1600" dirty="0">
-                <a:latin typeface="Courier"/>
-                <a:cs typeface="Courier"/>
-              </a:rPr>
-              <a:t>);        % testing</a:t>
-            </a:r>
-          </a:p>
-          <a:p>
-            <a:r>
-              <a:rPr lang="en-US" sz="1600" dirty="0">
-                <a:latin typeface="Courier"/>
-                <a:cs typeface="Courier"/>
-              </a:rPr>
-              <a:t>p    = </a:t>
-            </a:r>
-            <a:r>
-              <a:rPr lang="en-US" sz="1600" dirty="0" err="1">
-                <a:latin typeface="Courier"/>
-                <a:cs typeface="Courier"/>
-              </a:rPr>
-              <a:t>Bev_performance</a:t>
-            </a:r>
-            <a:r>
-              <a:rPr lang="en-US" sz="1600" dirty="0">
-                <a:latin typeface="Courier"/>
-                <a:cs typeface="Courier"/>
-              </a:rPr>
-              <a:t>(</a:t>
-            </a:r>
-            <a:r>
-              <a:rPr lang="en-US" sz="1600" dirty="0" err="1">
-                <a:latin typeface="Courier"/>
-                <a:cs typeface="Courier"/>
-              </a:rPr>
-              <a:t>ds,dt</a:t>
-            </a:r>
-            <a:r>
-              <a:rPr lang="en-US" sz="1600" dirty="0">
-                <a:latin typeface="Courier"/>
-                <a:cs typeface="Courier"/>
-              </a:rPr>
-              <a:t>) % performance on test data</a:t>
-            </a:r>
-            <a:endParaRPr lang="pt-BR" sz="1600" dirty="0">
-              <a:latin typeface="Courier"/>
-              <a:cs typeface="Courier"/>
-            </a:endParaRPr>
-          </a:p>
-        </p:txBody>
-      </p:sp>
-      <p:sp>
-        <p:nvSpPr>
-          <p:cNvPr id="8" name="TextBox 7"/>
-          <p:cNvSpPr txBox="1"/>
-          <p:nvPr/>
-        </p:nvSpPr>
-        <p:spPr>
-          <a:xfrm>
-            <a:off x="149982" y="204430"/>
-            <a:ext cx="982961" cy="584775"/>
-          </a:xfrm>
-          <a:prstGeom prst="rect">
-            <a:avLst/>
-          </a:prstGeom>
-          <a:solidFill>
-            <a:schemeClr val="bg1">
-              <a:lumMod val="75000"/>
-            </a:schemeClr>
-          </a:solidFill>
-          <a:ln>
-            <a:solidFill>
-              <a:schemeClr val="tx1"/>
-            </a:solidFill>
-          </a:ln>
-        </p:spPr>
-        <p:txBody>
-          <a:bodyPr wrap="none" rtlCol="0">
-            <a:spAutoFit/>
-          </a:bodyPr>
-          <a:lstStyle/>
-          <a:p>
-            <a:r>
-              <a:rPr lang="en-US" sz="3200" dirty="0"/>
-              <a:t>LDA</a:t>
+              <a:rPr lang="en-US" dirty="0">
+                <a:latin typeface="Trebuchet MS" panose="020B0703020202090204" pitchFamily="34" charset="0"/>
+              </a:rPr>
+              <a:t>TESTING</a:t>
             </a:r>
           </a:p>
         </p:txBody>
@@ -5357,7 +5143,7 @@
           <p:cNvPr id="9" name="TextBox 8">
             <a:extLst>
               <a:ext uri="{FF2B5EF4-FFF2-40B4-BE49-F238E27FC236}">
-                <a16:creationId xmlns:a16="http://schemas.microsoft.com/office/drawing/2014/main" id="{718BC10D-359B-5440-AA65-645C4692D8A6}"/>
+                <a16:creationId xmlns:a16="http://schemas.microsoft.com/office/drawing/2014/main" id="{A13B80FF-E6F6-AB4A-8355-39A01E2E1450}"/>
               </a:ext>
             </a:extLst>
           </p:cNvPr>
@@ -5366,8 +5152,8 @@
         </p:nvSpPr>
         <p:spPr>
           <a:xfrm>
-            <a:off x="275293" y="4511352"/>
-            <a:ext cx="8933856" cy="1569660"/>
+            <a:off x="457200" y="544811"/>
+            <a:ext cx="1500732" cy="523220"/>
           </a:xfrm>
           <a:prstGeom prst="rect">
             <a:avLst/>
@@ -5381,119 +5167,195 @@
           <a:lstStyle/>
           <a:p>
             <a:r>
-              <a:rPr lang="en-US" sz="1600" b="1" dirty="0">
-                <a:latin typeface="Courier" pitchFamily="2" charset="0"/>
-              </a:rPr>
-              <a:t>Example for LDA in Python:</a:t>
-            </a:r>
-          </a:p>
-          <a:p>
-            <a:endParaRPr lang="en-US" sz="1600" dirty="0">
-              <a:latin typeface="Courier" pitchFamily="2" charset="0"/>
-            </a:endParaRPr>
-          </a:p>
-          <a:p>
-            <a:r>
-              <a:rPr lang="en-US" sz="1600" dirty="0" err="1">
-                <a:latin typeface="Courier" pitchFamily="2" charset="0"/>
-              </a:rPr>
-              <a:t>clf</a:t>
-            </a:r>
-            <a:r>
-              <a:rPr lang="en-US" sz="1600" dirty="0">
-                <a:latin typeface="Courier" pitchFamily="2" charset="0"/>
-              </a:rPr>
-              <a:t>	 = </a:t>
-            </a:r>
-            <a:r>
-              <a:rPr lang="en-US" sz="1600" dirty="0" err="1">
-                <a:latin typeface="Courier" pitchFamily="2" charset="0"/>
-              </a:rPr>
-              <a:t>LinearDiscriminantAnalysis</a:t>
-            </a:r>
-            <a:r>
-              <a:rPr lang="en-US" sz="1600" dirty="0">
-                <a:latin typeface="Courier" pitchFamily="2" charset="0"/>
-              </a:rPr>
-              <a:t>()	# definition of classifier</a:t>
-            </a:r>
-          </a:p>
-          <a:p>
-            <a:r>
-              <a:rPr lang="en-US" sz="1600" dirty="0" err="1">
-                <a:latin typeface="Courier" pitchFamily="2" charset="0"/>
-              </a:rPr>
-              <a:t>clf.fit</a:t>
-            </a:r>
-            <a:r>
-              <a:rPr lang="en-US" sz="1600" dirty="0">
-                <a:latin typeface="Courier" pitchFamily="2" charset="0"/>
-              </a:rPr>
-              <a:t>(X, d)                         	# training</a:t>
-            </a:r>
-          </a:p>
-          <a:p>
-            <a:r>
-              <a:rPr lang="en-US" sz="1600" dirty="0">
-                <a:latin typeface="Courier" pitchFamily="2" charset="0"/>
-              </a:rPr>
-              <a:t>ds	 = </a:t>
-            </a:r>
-            <a:r>
-              <a:rPr lang="en-US" sz="1600" dirty="0" err="1">
-                <a:latin typeface="Courier" pitchFamily="2" charset="0"/>
-              </a:rPr>
-              <a:t>clf.predict</a:t>
-            </a:r>
-            <a:r>
-              <a:rPr lang="en-US" sz="1600" dirty="0">
-                <a:latin typeface="Courier" pitchFamily="2" charset="0"/>
+              <a:rPr lang="es-ES_tradnl" sz="2800">
+                <a:latin typeface="Trebuchet MS" panose="020B0703020202090204" pitchFamily="34" charset="0"/>
+              </a:rPr>
+              <a:t>Ejemplo</a:t>
+            </a:r>
+          </a:p>
+        </p:txBody>
+      </p:sp>
+      <p:sp>
+        <p:nvSpPr>
+          <p:cNvPr id="11" name="Rectangle 10">
+            <a:extLst>
+              <a:ext uri="{FF2B5EF4-FFF2-40B4-BE49-F238E27FC236}">
+                <a16:creationId xmlns:a16="http://schemas.microsoft.com/office/drawing/2014/main" id="{ABA6BABD-B4A5-8642-A54E-DEA9A83127CC}"/>
+              </a:ext>
+            </a:extLst>
+          </p:cNvPr>
+          <p:cNvSpPr/>
+          <p:nvPr/>
+        </p:nvSpPr>
+        <p:spPr>
+          <a:xfrm>
+            <a:off x="1860238" y="1206562"/>
+            <a:ext cx="696024" cy="369332"/>
+          </a:xfrm>
+          <a:prstGeom prst="rect">
+            <a:avLst/>
+          </a:prstGeom>
+        </p:spPr>
+        <p:txBody>
+          <a:bodyPr wrap="none">
+            <a:spAutoFit/>
+          </a:bodyPr>
+          <a:lstStyle/>
+          <a:p>
+            <a:r>
+              <a:rPr lang="es-ES_tradnl" dirty="0">
+                <a:latin typeface="Trebuchet MS" panose="020B0703020202090204" pitchFamily="34" charset="0"/>
               </a:rPr>
               <a:t>(</a:t>
             </a:r>
             <a:r>
-              <a:rPr lang="en-US" sz="1600" dirty="0" err="1">
-                <a:latin typeface="Courier" pitchFamily="2" charset="0"/>
-              </a:rPr>
-              <a:t>Xt</a:t>
-            </a:r>
-            <a:r>
-              <a:rPr lang="en-US" sz="1600" dirty="0">
-                <a:latin typeface="Courier" pitchFamily="2" charset="0"/>
-              </a:rPr>
-              <a:t>)             	# testing</a:t>
-            </a:r>
-          </a:p>
-          <a:p>
-            <a:r>
-              <a:rPr lang="en-US" sz="1600" dirty="0">
-                <a:latin typeface="Courier" pitchFamily="2" charset="0"/>
-              </a:rPr>
-              <a:t>Acc	 = </a:t>
-            </a:r>
-            <a:r>
-              <a:rPr lang="en-US" sz="1600" dirty="0" err="1">
-                <a:latin typeface="Courier" pitchFamily="2" charset="0"/>
-              </a:rPr>
-              <a:t>accuracy_score</a:t>
-            </a:r>
-            <a:r>
-              <a:rPr lang="en-US" sz="1600" dirty="0">
-                <a:latin typeface="Courier" pitchFamily="2" charset="0"/>
+              <a:rPr lang="es-ES_tradnl" dirty="0" err="1">
+                <a:latin typeface="Trebuchet MS" panose="020B0703020202090204" pitchFamily="34" charset="0"/>
+              </a:rPr>
+              <a:t>X,d</a:t>
+            </a:r>
+            <a:r>
+              <a:rPr lang="es-ES_tradnl" dirty="0">
+                <a:latin typeface="Trebuchet MS" panose="020B0703020202090204" pitchFamily="34" charset="0"/>
+              </a:rPr>
+              <a:t>)</a:t>
+            </a:r>
+            <a:endParaRPr lang="en-US" dirty="0"/>
+          </a:p>
+        </p:txBody>
+      </p:sp>
+      <p:sp>
+        <p:nvSpPr>
+          <p:cNvPr id="12" name="Rectangle 11">
+            <a:extLst>
+              <a:ext uri="{FF2B5EF4-FFF2-40B4-BE49-F238E27FC236}">
+                <a16:creationId xmlns:a16="http://schemas.microsoft.com/office/drawing/2014/main" id="{07074503-D2D2-1449-AB47-2471CBE58787}"/>
+              </a:ext>
+            </a:extLst>
+          </p:cNvPr>
+          <p:cNvSpPr/>
+          <p:nvPr/>
+        </p:nvSpPr>
+        <p:spPr>
+          <a:xfrm>
+            <a:off x="6587739" y="1206562"/>
+            <a:ext cx="817853" cy="369332"/>
+          </a:xfrm>
+          <a:prstGeom prst="rect">
+            <a:avLst/>
+          </a:prstGeom>
+        </p:spPr>
+        <p:txBody>
+          <a:bodyPr wrap="none">
+            <a:spAutoFit/>
+          </a:bodyPr>
+          <a:lstStyle/>
+          <a:p>
+            <a:r>
+              <a:rPr lang="es-ES_tradnl" dirty="0">
+                <a:latin typeface="Trebuchet MS" panose="020B0703020202090204" pitchFamily="34" charset="0"/>
               </a:rPr>
               <a:t>(</a:t>
             </a:r>
             <a:r>
-              <a:rPr lang="en-US" sz="1600" dirty="0" err="1">
-                <a:latin typeface="Courier" pitchFamily="2" charset="0"/>
-              </a:rPr>
-              <a:t>ds,dt</a:t>
-            </a:r>
-            <a:r>
-              <a:rPr lang="en-US" sz="1600" dirty="0">
-                <a:latin typeface="Courier" pitchFamily="2" charset="0"/>
-              </a:rPr>
-              <a:t>) 		# accuracy</a:t>
+              <a:rPr lang="es-ES_tradnl" dirty="0" err="1">
+                <a:latin typeface="Trebuchet MS" panose="020B0703020202090204" pitchFamily="34" charset="0"/>
+              </a:rPr>
+              <a:t>X</a:t>
+            </a:r>
+            <a:r>
+              <a:rPr lang="es-ES_tradnl" baseline="-25000" dirty="0" err="1">
+                <a:latin typeface="Trebuchet MS" panose="020B0703020202090204" pitchFamily="34" charset="0"/>
+              </a:rPr>
+              <a:t>t</a:t>
+            </a:r>
+            <a:r>
+              <a:rPr lang="es-ES_tradnl" dirty="0" err="1">
+                <a:latin typeface="Trebuchet MS" panose="020B0703020202090204" pitchFamily="34" charset="0"/>
+              </a:rPr>
+              <a:t>,d</a:t>
+            </a:r>
+            <a:r>
+              <a:rPr lang="es-ES_tradnl" baseline="-25000" dirty="0" err="1">
+                <a:latin typeface="Trebuchet MS" panose="020B0703020202090204" pitchFamily="34" charset="0"/>
+              </a:rPr>
+              <a:t>t</a:t>
+            </a:r>
+            <a:r>
+              <a:rPr lang="es-ES_tradnl" dirty="0">
+                <a:latin typeface="Trebuchet MS" panose="020B0703020202090204" pitchFamily="34" charset="0"/>
+              </a:rPr>
+              <a:t>)</a:t>
+            </a:r>
+            <a:endParaRPr lang="en-US" dirty="0"/>
+          </a:p>
+        </p:txBody>
+      </p:sp>
+      <p:pic>
+        <p:nvPicPr>
+          <p:cNvPr id="10" name="Picture 9">
+            <a:extLst>
+              <a:ext uri="{FF2B5EF4-FFF2-40B4-BE49-F238E27FC236}">
+                <a16:creationId xmlns:a16="http://schemas.microsoft.com/office/drawing/2014/main" id="{5D1DFB88-4EA2-8E40-BAF4-05FB484D61F1}"/>
+              </a:ext>
+            </a:extLst>
+          </p:cNvPr>
+          <p:cNvPicPr>
+            <a:picLocks noChangeAspect="1"/>
+          </p:cNvPicPr>
+          <p:nvPr/>
+        </p:nvPicPr>
+        <p:blipFill>
+          <a:blip r:embed="rId2">
+            <a:alphaModFix/>
+          </a:blip>
+          <a:stretch>
+            <a:fillRect/>
+          </a:stretch>
+        </p:blipFill>
+        <p:spPr>
+          <a:xfrm>
+            <a:off x="-374876" y="2070100"/>
+            <a:ext cx="10257651" cy="3708000"/>
+          </a:xfrm>
+          <a:prstGeom prst="rect">
+            <a:avLst/>
+          </a:prstGeom>
+        </p:spPr>
+      </p:pic>
+      <p:sp>
+        <p:nvSpPr>
+          <p:cNvPr id="13" name="TextBox 12">
+            <a:extLst>
+              <a:ext uri="{FF2B5EF4-FFF2-40B4-BE49-F238E27FC236}">
+                <a16:creationId xmlns:a16="http://schemas.microsoft.com/office/drawing/2014/main" id="{BC01531E-95C8-A247-91F5-EF7E943A4511}"/>
+              </a:ext>
+            </a:extLst>
+          </p:cNvPr>
+          <p:cNvSpPr txBox="1"/>
+          <p:nvPr/>
+        </p:nvSpPr>
+        <p:spPr>
+          <a:xfrm>
+            <a:off x="4195587" y="683342"/>
+            <a:ext cx="797013" cy="523220"/>
+          </a:xfrm>
+          <a:prstGeom prst="rect">
+            <a:avLst/>
+          </a:prstGeom>
+          <a:noFill/>
+        </p:spPr>
+        <p:txBody>
+          <a:bodyPr wrap="none" rtlCol="0">
+            <a:spAutoFit/>
+          </a:bodyPr>
+          <a:lstStyle/>
+          <a:p>
+            <a:r>
+              <a:rPr lang="es-ES_tradnl" sz="2800" dirty="0">
+                <a:latin typeface="Trebuchet MS" panose="020B0703020202090204" pitchFamily="34" charset="0"/>
+              </a:rPr>
+              <a:t>LDA</a:t>
             </a:r>
           </a:p>
         </p:txBody>
@@ -5501,7 +5363,7 @@
     </p:spTree>
     <p:extLst>
       <p:ext uri="{BB962C8B-B14F-4D97-AF65-F5344CB8AC3E}">
-        <p14:creationId xmlns:p14="http://schemas.microsoft.com/office/powerpoint/2010/main" val="468088403"/>
+        <p14:creationId xmlns:p14="http://schemas.microsoft.com/office/powerpoint/2010/main" val="881523376"/>
       </p:ext>
     </p:extLst>
   </p:cSld>
@@ -5782,8 +5644,8 @@
         </p:nvSpPr>
         <p:spPr>
           <a:xfrm>
-            <a:off x="641463" y="4092031"/>
-            <a:ext cx="6919874" cy="369332"/>
+            <a:off x="1072384" y="4092031"/>
+            <a:ext cx="5447325" cy="923330"/>
           </a:xfrm>
           <a:prstGeom prst="rect">
             <a:avLst/>
@@ -5797,95 +5659,103 @@
           <a:lstStyle/>
           <a:p>
             <a:r>
-              <a:rPr lang="en-US" dirty="0">
+              <a:rPr lang="es-ES_tradnl" dirty="0">
                 <a:latin typeface="Trebuchet MS"/>
                 <a:cs typeface="Trebuchet MS"/>
               </a:rPr>
-              <a:t>In </a:t>
-            </a:r>
-            <a:r>
-              <a:rPr lang="en-US" dirty="0" err="1">
+              <a:t>En el Clasificador </a:t>
+            </a:r>
+            <a:r>
+              <a:rPr lang="es-ES_tradnl" dirty="0" err="1">
                 <a:latin typeface="Trebuchet MS"/>
                 <a:cs typeface="Trebuchet MS"/>
               </a:rPr>
               <a:t>Mahalanobis</a:t>
             </a:r>
             <a:r>
-              <a:rPr lang="en-US" dirty="0">
+              <a:rPr lang="es-ES_tradnl" dirty="0">
                 <a:latin typeface="Trebuchet MS"/>
                 <a:cs typeface="Trebuchet MS"/>
               </a:rPr>
-              <a:t> Classifier it is assumed that </a:t>
-            </a:r>
-            <a:r>
-              <a:rPr lang="en-US" dirty="0" err="1">
+              <a:t> se asume </a:t>
+            </a:r>
+            <a:r>
+              <a:rPr lang="es-ES_tradnl" i="1" dirty="0">
+                <a:latin typeface="LM Roman 10 Regular"/>
+                <a:cs typeface="LM Roman 10 Regular"/>
+              </a:rPr>
+              <a:t>p(</a:t>
+            </a:r>
+            <a:r>
+              <a:rPr lang="es-ES_tradnl" i="1" dirty="0" err="1">
+                <a:latin typeface="LM Roman 10 Regular"/>
+                <a:cs typeface="LM Roman 10 Regular"/>
+              </a:rPr>
+              <a:t>w</a:t>
+            </a:r>
+            <a:r>
+              <a:rPr lang="es-ES_tradnl" i="1" baseline="-25000" dirty="0" err="1">
+                <a:latin typeface="LM Roman 10 Regular"/>
+                <a:cs typeface="LM Roman 10 Regular"/>
+              </a:rPr>
+              <a:t>i</a:t>
+            </a:r>
+            <a:r>
+              <a:rPr lang="es-ES_tradnl" i="1" dirty="0">
+                <a:latin typeface="LM Roman 10 Regular"/>
+                <a:cs typeface="LM Roman 10 Regular"/>
+              </a:rPr>
+              <a:t>) = p</a:t>
+            </a:r>
+            <a:r>
+              <a:rPr lang="es-ES_tradnl" i="1" dirty="0">
+                <a:latin typeface="Trebuchet MS"/>
+                <a:cs typeface="LM Roman 10 Regular"/>
+              </a:rPr>
+              <a:t> </a:t>
+            </a:r>
+            <a:r>
+              <a:rPr lang="es-ES_tradnl" dirty="0">
+                <a:latin typeface="Trebuchet MS"/>
+                <a:cs typeface="LM Roman 10 Regular"/>
+              </a:rPr>
+              <a:t>y </a:t>
+            </a:r>
+          </a:p>
+          <a:p>
+            <a:endParaRPr lang="es-ES_tradnl" dirty="0">
+              <a:latin typeface="Trebuchet MS"/>
+              <a:cs typeface="LM Roman 10 Regular"/>
+            </a:endParaRPr>
+          </a:p>
+          <a:p>
+            <a:r>
+              <a:rPr lang="es-ES_tradnl" dirty="0">
+                <a:latin typeface="Trebuchet MS"/>
+                <a:cs typeface="LM Roman 10 Regular"/>
+              </a:rPr>
+              <a:t>las matrices </a:t>
+            </a:r>
+            <a:r>
+              <a:rPr lang="es-ES_tradnl" dirty="0" err="1">
                 <a:latin typeface="Trebuchet MS"/>
                 <a:cs typeface="Trebuchet MS"/>
               </a:rPr>
               <a:t>Σ</a:t>
             </a:r>
             <a:r>
-              <a:rPr lang="en-US" baseline="-25000" dirty="0" err="1">
+              <a:rPr lang="es-ES_tradnl" baseline="-25000" dirty="0" err="1">
                 <a:latin typeface="Trebuchet MS"/>
                 <a:cs typeface="Trebuchet MS"/>
               </a:rPr>
               <a:t>i</a:t>
             </a:r>
             <a:r>
-              <a:rPr lang="en-US" dirty="0">
+              <a:rPr lang="es-ES_tradnl" dirty="0">
                 <a:latin typeface="Trebuchet MS"/>
                 <a:cs typeface="Trebuchet MS"/>
               </a:rPr>
-              <a:t> = </a:t>
-            </a:r>
-            <a:r>
-              <a:rPr lang="en-US" dirty="0" err="1">
-                <a:latin typeface="Trebuchet MS"/>
-                <a:cs typeface="Trebuchet MS"/>
-              </a:rPr>
-              <a:t>Σ</a:t>
-            </a:r>
-            <a:r>
-              <a:rPr lang="en-US" dirty="0">
-                <a:latin typeface="Trebuchet MS"/>
-                <a:cs typeface="Trebuchet MS"/>
-              </a:rPr>
-              <a:t>  and </a:t>
-            </a:r>
-            <a:r>
-              <a:rPr lang="en-US" i="1" dirty="0">
-                <a:latin typeface="LM Roman 10 Regular"/>
-                <a:cs typeface="LM Roman 10 Regular"/>
-              </a:rPr>
-              <a:t>p(</a:t>
-            </a:r>
-            <a:r>
-              <a:rPr lang="en-US" i="1" dirty="0" err="1">
-                <a:latin typeface="LM Roman 10 Regular"/>
-                <a:cs typeface="LM Roman 10 Regular"/>
-              </a:rPr>
-              <a:t>w</a:t>
-            </a:r>
-            <a:r>
-              <a:rPr lang="en-US" i="1" baseline="-25000" dirty="0" err="1">
-                <a:latin typeface="LM Roman 10 Regular"/>
-                <a:cs typeface="LM Roman 10 Regular"/>
-              </a:rPr>
-              <a:t>i</a:t>
-            </a:r>
-            <a:r>
-              <a:rPr lang="en-US" i="1" dirty="0">
-                <a:latin typeface="LM Roman 10 Regular"/>
-                <a:cs typeface="LM Roman 10 Regular"/>
-              </a:rPr>
-              <a:t>) = p</a:t>
-            </a:r>
-            <a:r>
-              <a:rPr lang="en-US" dirty="0">
-                <a:latin typeface="Trebuchet MS"/>
-                <a:cs typeface="Trebuchet MS"/>
-              </a:rPr>
-              <a:t>.</a:t>
+              <a:t> son distintas.</a:t>
             </a:r>
           </a:p>
         </p:txBody>
@@ -5899,41 +5769,6 @@
         <p:spPr>
           <a:xfrm flipV="1">
             <a:off x="3348417" y="2860593"/>
-            <a:ext cx="1436868" cy="859455"/>
-          </a:xfrm>
-          <a:prstGeom prst="line">
-            <a:avLst/>
-          </a:prstGeom>
-          <a:ln w="38100" cmpd="sng">
-            <a:solidFill>
-              <a:srgbClr val="FF0000"/>
-            </a:solidFill>
-          </a:ln>
-        </p:spPr>
-        <p:style>
-          <a:lnRef idx="2">
-            <a:schemeClr val="accent1"/>
-          </a:lnRef>
-          <a:fillRef idx="0">
-            <a:schemeClr val="accent1"/>
-          </a:fillRef>
-          <a:effectRef idx="1">
-            <a:schemeClr val="accent1"/>
-          </a:effectRef>
-          <a:fontRef idx="minor">
-            <a:schemeClr val="tx1"/>
-          </a:fontRef>
-        </p:style>
-      </p:cxnSp>
-      <p:cxnSp>
-        <p:nvCxnSpPr>
-          <p:cNvPr id="23" name="Straight Connector 22"/>
-          <p:cNvCxnSpPr/>
-          <p:nvPr/>
-        </p:nvCxnSpPr>
-        <p:spPr>
-          <a:xfrm flipV="1">
-            <a:off x="6618308" y="2153538"/>
             <a:ext cx="1436868" cy="859455"/>
           </a:xfrm>
           <a:prstGeom prst="line">
@@ -6193,6 +6028,1457 @@
 </file>
 
 <file path=ppt/slides/slide12.xml><?xml version="1.0" encoding="utf-8"?>
+<p:sld xmlns:a="http://schemas.openxmlformats.org/drawingml/2006/main" xmlns:r="http://schemas.openxmlformats.org/officeDocument/2006/relationships" xmlns:p="http://schemas.openxmlformats.org/presentationml/2006/main">
+  <p:cSld>
+    <p:spTree>
+      <p:nvGrpSpPr>
+        <p:cNvPr id="1" name=""/>
+        <p:cNvGrpSpPr/>
+        <p:nvPr/>
+      </p:nvGrpSpPr>
+      <p:grpSpPr>
+        <a:xfrm>
+          <a:off x="0" y="0"/>
+          <a:ext cx="0" cy="0"/>
+          <a:chOff x="0" y="0"/>
+          <a:chExt cx="0" cy="0"/>
+        </a:xfrm>
+      </p:grpSpPr>
+      <p:sp>
+        <p:nvSpPr>
+          <p:cNvPr id="7" name="TextBox 6">
+            <a:extLst>
+              <a:ext uri="{FF2B5EF4-FFF2-40B4-BE49-F238E27FC236}">
+                <a16:creationId xmlns:a16="http://schemas.microsoft.com/office/drawing/2014/main" id="{024E1C10-73BD-FB44-B57E-7BF0017B39AE}"/>
+              </a:ext>
+            </a:extLst>
+          </p:cNvPr>
+          <p:cNvSpPr txBox="1"/>
+          <p:nvPr/>
+        </p:nvSpPr>
+        <p:spPr>
+          <a:xfrm>
+            <a:off x="1587062" y="1575894"/>
+            <a:ext cx="1168910" cy="369332"/>
+          </a:xfrm>
+          <a:prstGeom prst="rect">
+            <a:avLst/>
+          </a:prstGeom>
+          <a:noFill/>
+        </p:spPr>
+        <p:txBody>
+          <a:bodyPr wrap="none" rtlCol="0">
+            <a:spAutoFit/>
+          </a:bodyPr>
+          <a:lstStyle/>
+          <a:p>
+            <a:r>
+              <a:rPr lang="en-US" dirty="0">
+                <a:latin typeface="Trebuchet MS" panose="020B0703020202090204" pitchFamily="34" charset="0"/>
+              </a:rPr>
+              <a:t>TRAINING</a:t>
+            </a:r>
+          </a:p>
+        </p:txBody>
+      </p:sp>
+      <p:sp>
+        <p:nvSpPr>
+          <p:cNvPr id="8" name="TextBox 7">
+            <a:extLst>
+              <a:ext uri="{FF2B5EF4-FFF2-40B4-BE49-F238E27FC236}">
+                <a16:creationId xmlns:a16="http://schemas.microsoft.com/office/drawing/2014/main" id="{53D37474-A788-3140-8F24-DFB62D279098}"/>
+              </a:ext>
+            </a:extLst>
+          </p:cNvPr>
+          <p:cNvSpPr txBox="1"/>
+          <p:nvPr/>
+        </p:nvSpPr>
+        <p:spPr>
+          <a:xfrm>
+            <a:off x="6469118" y="1575894"/>
+            <a:ext cx="1055097" cy="369332"/>
+          </a:xfrm>
+          <a:prstGeom prst="rect">
+            <a:avLst/>
+          </a:prstGeom>
+          <a:noFill/>
+        </p:spPr>
+        <p:txBody>
+          <a:bodyPr wrap="none" rtlCol="0">
+            <a:spAutoFit/>
+          </a:bodyPr>
+          <a:lstStyle/>
+          <a:p>
+            <a:r>
+              <a:rPr lang="en-US" dirty="0">
+                <a:latin typeface="Trebuchet MS" panose="020B0703020202090204" pitchFamily="34" charset="0"/>
+              </a:rPr>
+              <a:t>TESTING</a:t>
+            </a:r>
+          </a:p>
+        </p:txBody>
+      </p:sp>
+      <p:sp>
+        <p:nvSpPr>
+          <p:cNvPr id="9" name="TextBox 8">
+            <a:extLst>
+              <a:ext uri="{FF2B5EF4-FFF2-40B4-BE49-F238E27FC236}">
+                <a16:creationId xmlns:a16="http://schemas.microsoft.com/office/drawing/2014/main" id="{A13B80FF-E6F6-AB4A-8355-39A01E2E1450}"/>
+              </a:ext>
+            </a:extLst>
+          </p:cNvPr>
+          <p:cNvSpPr txBox="1"/>
+          <p:nvPr/>
+        </p:nvSpPr>
+        <p:spPr>
+          <a:xfrm>
+            <a:off x="457200" y="544811"/>
+            <a:ext cx="1500732" cy="523220"/>
+          </a:xfrm>
+          <a:prstGeom prst="rect">
+            <a:avLst/>
+          </a:prstGeom>
+          <a:noFill/>
+        </p:spPr>
+        <p:txBody>
+          <a:bodyPr wrap="none" rtlCol="0">
+            <a:spAutoFit/>
+          </a:bodyPr>
+          <a:lstStyle/>
+          <a:p>
+            <a:r>
+              <a:rPr lang="es-ES_tradnl" sz="2800" dirty="0">
+                <a:latin typeface="Trebuchet MS" panose="020B0703020202090204" pitchFamily="34" charset="0"/>
+              </a:rPr>
+              <a:t>Ejemplo</a:t>
+            </a:r>
+          </a:p>
+        </p:txBody>
+      </p:sp>
+      <p:sp>
+        <p:nvSpPr>
+          <p:cNvPr id="11" name="Rectangle 10">
+            <a:extLst>
+              <a:ext uri="{FF2B5EF4-FFF2-40B4-BE49-F238E27FC236}">
+                <a16:creationId xmlns:a16="http://schemas.microsoft.com/office/drawing/2014/main" id="{ABA6BABD-B4A5-8642-A54E-DEA9A83127CC}"/>
+              </a:ext>
+            </a:extLst>
+          </p:cNvPr>
+          <p:cNvSpPr/>
+          <p:nvPr/>
+        </p:nvSpPr>
+        <p:spPr>
+          <a:xfrm>
+            <a:off x="1860238" y="1206562"/>
+            <a:ext cx="696024" cy="369332"/>
+          </a:xfrm>
+          <a:prstGeom prst="rect">
+            <a:avLst/>
+          </a:prstGeom>
+        </p:spPr>
+        <p:txBody>
+          <a:bodyPr wrap="none">
+            <a:spAutoFit/>
+          </a:bodyPr>
+          <a:lstStyle/>
+          <a:p>
+            <a:r>
+              <a:rPr lang="es-ES_tradnl" dirty="0">
+                <a:latin typeface="Trebuchet MS" panose="020B0703020202090204" pitchFamily="34" charset="0"/>
+              </a:rPr>
+              <a:t>(</a:t>
+            </a:r>
+            <a:r>
+              <a:rPr lang="es-ES_tradnl" dirty="0" err="1">
+                <a:latin typeface="Trebuchet MS" panose="020B0703020202090204" pitchFamily="34" charset="0"/>
+              </a:rPr>
+              <a:t>X,d</a:t>
+            </a:r>
+            <a:r>
+              <a:rPr lang="es-ES_tradnl" dirty="0">
+                <a:latin typeface="Trebuchet MS" panose="020B0703020202090204" pitchFamily="34" charset="0"/>
+              </a:rPr>
+              <a:t>)</a:t>
+            </a:r>
+            <a:endParaRPr lang="en-US" dirty="0"/>
+          </a:p>
+        </p:txBody>
+      </p:sp>
+      <p:sp>
+        <p:nvSpPr>
+          <p:cNvPr id="12" name="Rectangle 11">
+            <a:extLst>
+              <a:ext uri="{FF2B5EF4-FFF2-40B4-BE49-F238E27FC236}">
+                <a16:creationId xmlns:a16="http://schemas.microsoft.com/office/drawing/2014/main" id="{07074503-D2D2-1449-AB47-2471CBE58787}"/>
+              </a:ext>
+            </a:extLst>
+          </p:cNvPr>
+          <p:cNvSpPr/>
+          <p:nvPr/>
+        </p:nvSpPr>
+        <p:spPr>
+          <a:xfrm>
+            <a:off x="6587739" y="1206562"/>
+            <a:ext cx="817853" cy="369332"/>
+          </a:xfrm>
+          <a:prstGeom prst="rect">
+            <a:avLst/>
+          </a:prstGeom>
+        </p:spPr>
+        <p:txBody>
+          <a:bodyPr wrap="none">
+            <a:spAutoFit/>
+          </a:bodyPr>
+          <a:lstStyle/>
+          <a:p>
+            <a:r>
+              <a:rPr lang="es-ES_tradnl" dirty="0">
+                <a:latin typeface="Trebuchet MS" panose="020B0703020202090204" pitchFamily="34" charset="0"/>
+              </a:rPr>
+              <a:t>(</a:t>
+            </a:r>
+            <a:r>
+              <a:rPr lang="es-ES_tradnl" dirty="0" err="1">
+                <a:latin typeface="Trebuchet MS" panose="020B0703020202090204" pitchFamily="34" charset="0"/>
+              </a:rPr>
+              <a:t>X</a:t>
+            </a:r>
+            <a:r>
+              <a:rPr lang="es-ES_tradnl" baseline="-25000" dirty="0" err="1">
+                <a:latin typeface="Trebuchet MS" panose="020B0703020202090204" pitchFamily="34" charset="0"/>
+              </a:rPr>
+              <a:t>t</a:t>
+            </a:r>
+            <a:r>
+              <a:rPr lang="es-ES_tradnl" dirty="0" err="1">
+                <a:latin typeface="Trebuchet MS" panose="020B0703020202090204" pitchFamily="34" charset="0"/>
+              </a:rPr>
+              <a:t>,d</a:t>
+            </a:r>
+            <a:r>
+              <a:rPr lang="es-ES_tradnl" baseline="-25000" dirty="0" err="1">
+                <a:latin typeface="Trebuchet MS" panose="020B0703020202090204" pitchFamily="34" charset="0"/>
+              </a:rPr>
+              <a:t>t</a:t>
+            </a:r>
+            <a:r>
+              <a:rPr lang="es-ES_tradnl" dirty="0">
+                <a:latin typeface="Trebuchet MS" panose="020B0703020202090204" pitchFamily="34" charset="0"/>
+              </a:rPr>
+              <a:t>)</a:t>
+            </a:r>
+            <a:endParaRPr lang="en-US" dirty="0"/>
+          </a:p>
+        </p:txBody>
+      </p:sp>
+      <p:pic>
+        <p:nvPicPr>
+          <p:cNvPr id="10" name="Picture 9">
+            <a:extLst>
+              <a:ext uri="{FF2B5EF4-FFF2-40B4-BE49-F238E27FC236}">
+                <a16:creationId xmlns:a16="http://schemas.microsoft.com/office/drawing/2014/main" id="{5D1DFB88-4EA2-8E40-BAF4-05FB484D61F1}"/>
+              </a:ext>
+            </a:extLst>
+          </p:cNvPr>
+          <p:cNvPicPr>
+            <a:picLocks noChangeAspect="1"/>
+          </p:cNvPicPr>
+          <p:nvPr/>
+        </p:nvPicPr>
+        <p:blipFill>
+          <a:blip r:embed="rId2"/>
+          <a:srcRect/>
+          <a:stretch/>
+        </p:blipFill>
+        <p:spPr>
+          <a:xfrm>
+            <a:off x="-374873" y="2070100"/>
+            <a:ext cx="10257644" cy="3707999"/>
+          </a:xfrm>
+          <a:prstGeom prst="rect">
+            <a:avLst/>
+          </a:prstGeom>
+        </p:spPr>
+      </p:pic>
+      <p:sp>
+        <p:nvSpPr>
+          <p:cNvPr id="13" name="TextBox 12">
+            <a:extLst>
+              <a:ext uri="{FF2B5EF4-FFF2-40B4-BE49-F238E27FC236}">
+                <a16:creationId xmlns:a16="http://schemas.microsoft.com/office/drawing/2014/main" id="{5FE6ED63-F1BE-AF4A-AA45-2EDDE37B8BB8}"/>
+              </a:ext>
+            </a:extLst>
+          </p:cNvPr>
+          <p:cNvSpPr txBox="1"/>
+          <p:nvPr/>
+        </p:nvSpPr>
+        <p:spPr>
+          <a:xfrm>
+            <a:off x="3681379" y="683342"/>
+            <a:ext cx="2145139" cy="523220"/>
+          </a:xfrm>
+          <a:prstGeom prst="rect">
+            <a:avLst/>
+          </a:prstGeom>
+          <a:noFill/>
+        </p:spPr>
+        <p:txBody>
+          <a:bodyPr wrap="none" rtlCol="0">
+            <a:spAutoFit/>
+          </a:bodyPr>
+          <a:lstStyle/>
+          <a:p>
+            <a:r>
+              <a:rPr lang="es-ES_tradnl" sz="2800" dirty="0" err="1">
+                <a:latin typeface="Trebuchet MS" panose="020B0703020202090204" pitchFamily="34" charset="0"/>
+              </a:rPr>
+              <a:t>Mahalanobis</a:t>
+            </a:r>
+            <a:endParaRPr lang="es-ES_tradnl" sz="2800" dirty="0">
+              <a:latin typeface="Trebuchet MS" panose="020B0703020202090204" pitchFamily="34" charset="0"/>
+            </a:endParaRPr>
+          </a:p>
+        </p:txBody>
+      </p:sp>
+    </p:spTree>
+    <p:extLst>
+      <p:ext uri="{BB962C8B-B14F-4D97-AF65-F5344CB8AC3E}">
+        <p14:creationId xmlns:p14="http://schemas.microsoft.com/office/powerpoint/2010/main" val="2415994444"/>
+      </p:ext>
+    </p:extLst>
+  </p:cSld>
+  <p:clrMapOvr>
+    <a:masterClrMapping/>
+  </p:clrMapOvr>
+</p:sld>
+</file>
+
+<file path=ppt/slides/slide13.xml><?xml version="1.0" encoding="utf-8"?>
+<p:sld xmlns:a="http://schemas.openxmlformats.org/drawingml/2006/main" xmlns:r="http://schemas.openxmlformats.org/officeDocument/2006/relationships" xmlns:p="http://schemas.openxmlformats.org/presentationml/2006/main">
+  <p:cSld>
+    <p:spTree>
+      <p:nvGrpSpPr>
+        <p:cNvPr id="1" name=""/>
+        <p:cNvGrpSpPr/>
+        <p:nvPr/>
+      </p:nvGrpSpPr>
+      <p:grpSpPr>
+        <a:xfrm>
+          <a:off x="0" y="0"/>
+          <a:ext cx="0" cy="0"/>
+          <a:chOff x="0" y="0"/>
+          <a:chExt cx="0" cy="0"/>
+        </a:xfrm>
+      </p:grpSpPr>
+      <p:grpSp>
+        <p:nvGrpSpPr>
+          <p:cNvPr id="11" name="Group 10"/>
+          <p:cNvGrpSpPr/>
+          <p:nvPr/>
+        </p:nvGrpSpPr>
+        <p:grpSpPr>
+          <a:xfrm>
+            <a:off x="910868" y="1633646"/>
+            <a:ext cx="7594876" cy="1993842"/>
+            <a:chOff x="936527" y="4494202"/>
+            <a:chExt cx="7594876" cy="1993842"/>
+          </a:xfrm>
+        </p:grpSpPr>
+        <p:pic>
+          <p:nvPicPr>
+            <p:cNvPr id="6" name="Picture 5" descr="Screen Shot 2014-10-29 at 9.02.33 AM.png"/>
+            <p:cNvPicPr>
+              <a:picLocks noChangeAspect="1"/>
+            </p:cNvPicPr>
+            <p:nvPr/>
+          </p:nvPicPr>
+          <p:blipFill>
+            <a:blip r:embed="rId2">
+              <a:extLst>
+                <a:ext uri="{28A0092B-C50C-407E-A947-70E740481C1C}">
+                  <a14:useLocalDpi xmlns:a14="http://schemas.microsoft.com/office/drawing/2010/main" val="0"/>
+                </a:ext>
+              </a:extLst>
+            </a:blip>
+            <a:stretch>
+              <a:fillRect/>
+            </a:stretch>
+          </p:blipFill>
+          <p:spPr>
+            <a:xfrm>
+              <a:off x="1411210" y="4494202"/>
+              <a:ext cx="6940588" cy="1993842"/>
+            </a:xfrm>
+            <a:prstGeom prst="rect">
+              <a:avLst/>
+            </a:prstGeom>
+          </p:spPr>
+        </p:pic>
+        <p:sp>
+          <p:nvSpPr>
+            <p:cNvPr id="21" name="Rectangle 20"/>
+            <p:cNvSpPr/>
+            <p:nvPr/>
+          </p:nvSpPr>
+          <p:spPr>
+            <a:xfrm>
+              <a:off x="6503018" y="4617802"/>
+              <a:ext cx="2028385" cy="487631"/>
+            </a:xfrm>
+            <a:prstGeom prst="rect">
+              <a:avLst/>
+            </a:prstGeom>
+            <a:solidFill>
+              <a:schemeClr val="bg1"/>
+            </a:solidFill>
+            <a:ln>
+              <a:solidFill>
+                <a:schemeClr val="bg1"/>
+              </a:solidFill>
+            </a:ln>
+            <a:effectLst/>
+          </p:spPr>
+          <p:style>
+            <a:lnRef idx="1">
+              <a:schemeClr val="accent1"/>
+            </a:lnRef>
+            <a:fillRef idx="3">
+              <a:schemeClr val="accent1"/>
+            </a:fillRef>
+            <a:effectRef idx="2">
+              <a:schemeClr val="accent1"/>
+            </a:effectRef>
+            <a:fontRef idx="minor">
+              <a:schemeClr val="lt1"/>
+            </a:fontRef>
+          </p:style>
+          <p:txBody>
+            <a:bodyPr rtlCol="0" anchor="ctr"/>
+            <a:lstStyle/>
+            <a:p>
+              <a:pPr algn="ctr"/>
+              <a:endParaRPr lang="en-US"/>
+            </a:p>
+          </p:txBody>
+        </p:sp>
+        <p:sp>
+          <p:nvSpPr>
+            <p:cNvPr id="25" name="Rectangle 24"/>
+            <p:cNvSpPr/>
+            <p:nvPr/>
+          </p:nvSpPr>
+          <p:spPr>
+            <a:xfrm>
+              <a:off x="6488639" y="5822070"/>
+              <a:ext cx="2028385" cy="487631"/>
+            </a:xfrm>
+            <a:prstGeom prst="rect">
+              <a:avLst/>
+            </a:prstGeom>
+            <a:solidFill>
+              <a:schemeClr val="bg1"/>
+            </a:solidFill>
+            <a:ln>
+              <a:solidFill>
+                <a:schemeClr val="bg1"/>
+              </a:solidFill>
+            </a:ln>
+            <a:effectLst/>
+          </p:spPr>
+          <p:style>
+            <a:lnRef idx="1">
+              <a:schemeClr val="accent1"/>
+            </a:lnRef>
+            <a:fillRef idx="3">
+              <a:schemeClr val="accent1"/>
+            </a:fillRef>
+            <a:effectRef idx="2">
+              <a:schemeClr val="accent1"/>
+            </a:effectRef>
+            <a:fontRef idx="minor">
+              <a:schemeClr val="lt1"/>
+            </a:fontRef>
+          </p:style>
+          <p:txBody>
+            <a:bodyPr rtlCol="0" anchor="ctr"/>
+            <a:lstStyle/>
+            <a:p>
+              <a:pPr algn="ctr"/>
+              <a:endParaRPr lang="en-US"/>
+            </a:p>
+          </p:txBody>
+        </p:sp>
+        <p:sp>
+          <p:nvSpPr>
+            <p:cNvPr id="26" name="Rectangle 25"/>
+            <p:cNvSpPr/>
+            <p:nvPr/>
+          </p:nvSpPr>
+          <p:spPr>
+            <a:xfrm>
+              <a:off x="1023409" y="4616270"/>
+              <a:ext cx="2028385" cy="487631"/>
+            </a:xfrm>
+            <a:prstGeom prst="rect">
+              <a:avLst/>
+            </a:prstGeom>
+            <a:solidFill>
+              <a:schemeClr val="bg1"/>
+            </a:solidFill>
+            <a:ln>
+              <a:solidFill>
+                <a:schemeClr val="bg1"/>
+              </a:solidFill>
+            </a:ln>
+            <a:effectLst/>
+          </p:spPr>
+          <p:style>
+            <a:lnRef idx="1">
+              <a:schemeClr val="accent1"/>
+            </a:lnRef>
+            <a:fillRef idx="3">
+              <a:schemeClr val="accent1"/>
+            </a:fillRef>
+            <a:effectRef idx="2">
+              <a:schemeClr val="accent1"/>
+            </a:effectRef>
+            <a:fontRef idx="minor">
+              <a:schemeClr val="lt1"/>
+            </a:fontRef>
+          </p:style>
+          <p:txBody>
+            <a:bodyPr rtlCol="0" anchor="ctr"/>
+            <a:lstStyle/>
+            <a:p>
+              <a:pPr algn="ctr"/>
+              <a:endParaRPr lang="en-US"/>
+            </a:p>
+          </p:txBody>
+        </p:sp>
+        <p:pic>
+          <p:nvPicPr>
+            <p:cNvPr id="7" name="Picture 6" descr="Screen Shot 2014-10-29 at 9.35.32 AM.png"/>
+            <p:cNvPicPr>
+              <a:picLocks noChangeAspect="1"/>
+            </p:cNvPicPr>
+            <p:nvPr/>
+          </p:nvPicPr>
+          <p:blipFill>
+            <a:blip r:embed="rId3">
+              <a:extLst>
+                <a:ext uri="{28A0092B-C50C-407E-A947-70E740481C1C}">
+                  <a14:useLocalDpi xmlns:a14="http://schemas.microsoft.com/office/drawing/2010/main" val="0"/>
+                </a:ext>
+              </a:extLst>
+            </a:blip>
+            <a:stretch>
+              <a:fillRect/>
+            </a:stretch>
+          </p:blipFill>
+          <p:spPr>
+            <a:xfrm>
+              <a:off x="936527" y="4573338"/>
+              <a:ext cx="1397000" cy="533400"/>
+            </a:xfrm>
+            <a:prstGeom prst="rect">
+              <a:avLst/>
+            </a:prstGeom>
+          </p:spPr>
+        </p:pic>
+        <p:pic>
+          <p:nvPicPr>
+            <p:cNvPr id="9" name="Picture 8" descr="Screen Shot 2014-10-29 at 9.35.57 AM.png"/>
+            <p:cNvPicPr>
+              <a:picLocks noChangeAspect="1"/>
+            </p:cNvPicPr>
+            <p:nvPr/>
+          </p:nvPicPr>
+          <p:blipFill>
+            <a:blip r:embed="rId4">
+              <a:extLst>
+                <a:ext uri="{28A0092B-C50C-407E-A947-70E740481C1C}">
+                  <a14:useLocalDpi xmlns:a14="http://schemas.microsoft.com/office/drawing/2010/main" val="0"/>
+                </a:ext>
+              </a:extLst>
+            </a:blip>
+            <a:stretch>
+              <a:fillRect/>
+            </a:stretch>
+          </p:blipFill>
+          <p:spPr>
+            <a:xfrm>
+              <a:off x="2370426" y="4611565"/>
+              <a:ext cx="800100" cy="482600"/>
+            </a:xfrm>
+            <a:prstGeom prst="rect">
+              <a:avLst/>
+            </a:prstGeom>
+          </p:spPr>
+        </p:pic>
+      </p:grpSp>
+      <p:sp>
+        <p:nvSpPr>
+          <p:cNvPr id="3" name="TextBox 2"/>
+          <p:cNvSpPr txBox="1"/>
+          <p:nvPr/>
+        </p:nvSpPr>
+        <p:spPr>
+          <a:xfrm>
+            <a:off x="1072384" y="4092031"/>
+            <a:ext cx="6933308" cy="923330"/>
+          </a:xfrm>
+          <a:prstGeom prst="rect">
+            <a:avLst/>
+          </a:prstGeom>
+          <a:noFill/>
+        </p:spPr>
+        <p:txBody>
+          <a:bodyPr wrap="none" rtlCol="0">
+            <a:spAutoFit/>
+          </a:bodyPr>
+          <a:lstStyle/>
+          <a:p>
+            <a:r>
+              <a:rPr lang="es-ES_tradnl" dirty="0">
+                <a:latin typeface="Trebuchet MS"/>
+                <a:cs typeface="Trebuchet MS"/>
+              </a:rPr>
+              <a:t>En el Clasificador </a:t>
+            </a:r>
+            <a:r>
+              <a:rPr lang="es-ES_tradnl" dirty="0" err="1">
+                <a:latin typeface="Trebuchet MS"/>
+                <a:cs typeface="Trebuchet MS"/>
+              </a:rPr>
+              <a:t>Mahalanobis</a:t>
+            </a:r>
+            <a:r>
+              <a:rPr lang="es-ES_tradnl" dirty="0">
+                <a:latin typeface="Trebuchet MS"/>
+                <a:cs typeface="Trebuchet MS"/>
+              </a:rPr>
+              <a:t> se asume </a:t>
+            </a:r>
+            <a:r>
+              <a:rPr lang="es-ES_tradnl" i="1" dirty="0">
+                <a:latin typeface="LM Roman 10 Regular"/>
+                <a:cs typeface="LM Roman 10 Regular"/>
+              </a:rPr>
+              <a:t>p(</a:t>
+            </a:r>
+            <a:r>
+              <a:rPr lang="es-ES_tradnl" i="1" dirty="0" err="1">
+                <a:latin typeface="LM Roman 10 Regular"/>
+                <a:cs typeface="LM Roman 10 Regular"/>
+              </a:rPr>
+              <a:t>w</a:t>
+            </a:r>
+            <a:r>
+              <a:rPr lang="es-ES_tradnl" i="1" baseline="-25000" dirty="0" err="1">
+                <a:latin typeface="LM Roman 10 Regular"/>
+                <a:cs typeface="LM Roman 10 Regular"/>
+              </a:rPr>
+              <a:t>i</a:t>
+            </a:r>
+            <a:r>
+              <a:rPr lang="es-ES_tradnl" i="1" dirty="0">
+                <a:latin typeface="LM Roman 10 Regular"/>
+                <a:cs typeface="LM Roman 10 Regular"/>
+              </a:rPr>
+              <a:t>) = p</a:t>
+            </a:r>
+            <a:r>
+              <a:rPr lang="es-ES_tradnl" dirty="0">
+                <a:latin typeface="Trebuchet MS"/>
+                <a:cs typeface="Trebuchet MS"/>
+              </a:rPr>
+              <a:t>.</a:t>
+            </a:r>
+          </a:p>
+          <a:p>
+            <a:endParaRPr lang="es-ES_tradnl" dirty="0">
+              <a:latin typeface="Trebuchet MS"/>
+              <a:cs typeface="Trebuchet MS"/>
+            </a:endParaRPr>
+          </a:p>
+          <a:p>
+            <a:r>
+              <a:rPr lang="es-ES_tradnl" dirty="0">
+                <a:latin typeface="Trebuchet MS"/>
+                <a:cs typeface="Trebuchet MS"/>
+              </a:rPr>
+              <a:t>Hay una variante de </a:t>
+            </a:r>
+            <a:r>
+              <a:rPr lang="es-ES_tradnl" dirty="0" err="1">
+                <a:latin typeface="Trebuchet MS"/>
+                <a:cs typeface="Trebuchet MS"/>
+              </a:rPr>
+              <a:t>Mahalanobis</a:t>
+            </a:r>
+            <a:r>
+              <a:rPr lang="es-ES_tradnl" dirty="0">
+                <a:latin typeface="Trebuchet MS"/>
+                <a:cs typeface="Trebuchet MS"/>
+              </a:rPr>
+              <a:t> en la que se supone que </a:t>
+            </a:r>
+            <a:r>
+              <a:rPr lang="es-ES_tradnl" dirty="0" err="1">
+                <a:latin typeface="Trebuchet MS"/>
+                <a:cs typeface="Trebuchet MS"/>
+              </a:rPr>
+              <a:t>Σ</a:t>
+            </a:r>
+            <a:r>
+              <a:rPr lang="es-ES_tradnl" baseline="-25000" dirty="0" err="1">
+                <a:latin typeface="Trebuchet MS"/>
+                <a:cs typeface="Trebuchet MS"/>
+              </a:rPr>
+              <a:t>i</a:t>
+            </a:r>
+            <a:r>
+              <a:rPr lang="es-ES_tradnl" dirty="0">
+                <a:latin typeface="Trebuchet MS"/>
+                <a:cs typeface="Trebuchet MS"/>
+              </a:rPr>
+              <a:t> = </a:t>
+            </a:r>
+            <a:r>
+              <a:rPr lang="es-ES_tradnl" dirty="0" err="1">
+                <a:latin typeface="Trebuchet MS"/>
+                <a:cs typeface="Trebuchet MS"/>
+              </a:rPr>
+              <a:t>Σ</a:t>
+            </a:r>
+            <a:r>
+              <a:rPr lang="es-ES_tradnl" dirty="0">
+                <a:latin typeface="Trebuchet MS"/>
+                <a:cs typeface="Trebuchet MS"/>
+              </a:rPr>
+              <a:t>.</a:t>
+            </a:r>
+          </a:p>
+        </p:txBody>
+      </p:sp>
+      <p:cxnSp>
+        <p:nvCxnSpPr>
+          <p:cNvPr id="8" name="Straight Connector 7"/>
+          <p:cNvCxnSpPr/>
+          <p:nvPr/>
+        </p:nvCxnSpPr>
+        <p:spPr>
+          <a:xfrm flipV="1">
+            <a:off x="3348417" y="2860593"/>
+            <a:ext cx="1436868" cy="859455"/>
+          </a:xfrm>
+          <a:prstGeom prst="line">
+            <a:avLst/>
+          </a:prstGeom>
+          <a:ln w="38100" cmpd="sng">
+            <a:solidFill>
+              <a:srgbClr val="FF0000"/>
+            </a:solidFill>
+          </a:ln>
+        </p:spPr>
+        <p:style>
+          <a:lnRef idx="2">
+            <a:schemeClr val="accent1"/>
+          </a:lnRef>
+          <a:fillRef idx="0">
+            <a:schemeClr val="accent1"/>
+          </a:fillRef>
+          <a:effectRef idx="1">
+            <a:schemeClr val="accent1"/>
+          </a:effectRef>
+          <a:fontRef idx="minor">
+            <a:schemeClr val="tx1"/>
+          </a:fontRef>
+        </p:style>
+      </p:cxnSp>
+      <p:cxnSp>
+        <p:nvCxnSpPr>
+          <p:cNvPr id="23" name="Straight Connector 22"/>
+          <p:cNvCxnSpPr/>
+          <p:nvPr/>
+        </p:nvCxnSpPr>
+        <p:spPr>
+          <a:xfrm flipV="1">
+            <a:off x="6618308" y="2153538"/>
+            <a:ext cx="1436868" cy="859455"/>
+          </a:xfrm>
+          <a:prstGeom prst="line">
+            <a:avLst/>
+          </a:prstGeom>
+          <a:ln w="38100" cmpd="sng">
+            <a:solidFill>
+              <a:srgbClr val="FF0000"/>
+            </a:solidFill>
+            <a:prstDash val="dash"/>
+          </a:ln>
+        </p:spPr>
+        <p:style>
+          <a:lnRef idx="2">
+            <a:schemeClr val="accent1"/>
+          </a:lnRef>
+          <a:fillRef idx="0">
+            <a:schemeClr val="accent1"/>
+          </a:fillRef>
+          <a:effectRef idx="1">
+            <a:schemeClr val="accent1"/>
+          </a:effectRef>
+          <a:fontRef idx="minor">
+            <a:schemeClr val="tx1"/>
+          </a:fontRef>
+        </p:style>
+      </p:cxnSp>
+      <p:cxnSp>
+        <p:nvCxnSpPr>
+          <p:cNvPr id="18" name="Straight Connector 17"/>
+          <p:cNvCxnSpPr/>
+          <p:nvPr/>
+        </p:nvCxnSpPr>
+        <p:spPr>
+          <a:xfrm flipV="1">
+            <a:off x="5179890" y="2754907"/>
+            <a:ext cx="1436868" cy="859455"/>
+          </a:xfrm>
+          <a:prstGeom prst="line">
+            <a:avLst/>
+          </a:prstGeom>
+          <a:ln w="38100" cmpd="sng">
+            <a:solidFill>
+              <a:srgbClr val="FF0000"/>
+            </a:solidFill>
+          </a:ln>
+        </p:spPr>
+        <p:style>
+          <a:lnRef idx="2">
+            <a:schemeClr val="accent1"/>
+          </a:lnRef>
+          <a:fillRef idx="0">
+            <a:schemeClr val="accent1"/>
+          </a:fillRef>
+          <a:effectRef idx="1">
+            <a:schemeClr val="accent1"/>
+          </a:effectRef>
+          <a:fontRef idx="minor">
+            <a:schemeClr val="tx1"/>
+          </a:fontRef>
+        </p:style>
+      </p:cxnSp>
+      <p:grpSp>
+        <p:nvGrpSpPr>
+          <p:cNvPr id="19" name="Group 18"/>
+          <p:cNvGrpSpPr/>
+          <p:nvPr/>
+        </p:nvGrpSpPr>
+        <p:grpSpPr>
+          <a:xfrm>
+            <a:off x="1411196" y="854445"/>
+            <a:ext cx="5736804" cy="504511"/>
+            <a:chOff x="1667780" y="2419437"/>
+            <a:chExt cx="5736804" cy="504511"/>
+          </a:xfrm>
+        </p:grpSpPr>
+        <p:pic>
+          <p:nvPicPr>
+            <p:cNvPr id="20" name="Picture 19" descr="Screen Shot 2014-10-29 at 9.27.29 AM.png"/>
+            <p:cNvPicPr>
+              <a:picLocks noChangeAspect="1"/>
+            </p:cNvPicPr>
+            <p:nvPr/>
+          </p:nvPicPr>
+          <p:blipFill>
+            <a:blip r:embed="rId5">
+              <a:extLst>
+                <a:ext uri="{28A0092B-C50C-407E-A947-70E740481C1C}">
+                  <a14:useLocalDpi xmlns:a14="http://schemas.microsoft.com/office/drawing/2010/main" val="0"/>
+                </a:ext>
+              </a:extLst>
+            </a:blip>
+            <a:stretch>
+              <a:fillRect/>
+            </a:stretch>
+          </p:blipFill>
+          <p:spPr>
+            <a:xfrm>
+              <a:off x="3893391" y="2419437"/>
+              <a:ext cx="3511193" cy="503999"/>
+            </a:xfrm>
+            <a:prstGeom prst="rect">
+              <a:avLst/>
+            </a:prstGeom>
+          </p:spPr>
+        </p:pic>
+        <p:pic>
+          <p:nvPicPr>
+            <p:cNvPr id="22" name="Picture 21" descr="Screen Shot 2014-10-29 at 9.27.21 AM.png"/>
+            <p:cNvPicPr>
+              <a:picLocks noChangeAspect="1"/>
+            </p:cNvPicPr>
+            <p:nvPr/>
+          </p:nvPicPr>
+          <p:blipFill>
+            <a:blip r:embed="rId6">
+              <a:extLst>
+                <a:ext uri="{28A0092B-C50C-407E-A947-70E740481C1C}">
+                  <a14:useLocalDpi xmlns:a14="http://schemas.microsoft.com/office/drawing/2010/main" val="0"/>
+                </a:ext>
+              </a:extLst>
+            </a:blip>
+            <a:stretch>
+              <a:fillRect/>
+            </a:stretch>
+          </p:blipFill>
+          <p:spPr>
+            <a:xfrm>
+              <a:off x="2006247" y="2419949"/>
+              <a:ext cx="1504472" cy="503999"/>
+            </a:xfrm>
+            <a:prstGeom prst="rect">
+              <a:avLst/>
+            </a:prstGeom>
+          </p:spPr>
+        </p:pic>
+        <p:sp>
+          <p:nvSpPr>
+            <p:cNvPr id="24" name="TextBox 23"/>
+            <p:cNvSpPr txBox="1"/>
+            <p:nvPr/>
+          </p:nvSpPr>
+          <p:spPr>
+            <a:xfrm>
+              <a:off x="3475152" y="2471885"/>
+              <a:ext cx="1935145" cy="369332"/>
+            </a:xfrm>
+            <a:prstGeom prst="rect">
+              <a:avLst/>
+            </a:prstGeom>
+            <a:noFill/>
+          </p:spPr>
+          <p:txBody>
+            <a:bodyPr wrap="none" rtlCol="0">
+              <a:spAutoFit/>
+            </a:bodyPr>
+            <a:lstStyle/>
+            <a:p>
+              <a:r>
+                <a:rPr lang="en-US" dirty="0">
+                  <a:solidFill>
+                    <a:srgbClr val="0000FF"/>
+                  </a:solidFill>
+                  <a:latin typeface="LM Roman 10 Regular"/>
+                  <a:cs typeface="LM Roman 10 Regular"/>
+                </a:rPr>
+                <a:t>log{                         }</a:t>
+              </a:r>
+            </a:p>
+          </p:txBody>
+        </p:sp>
+        <p:sp>
+          <p:nvSpPr>
+            <p:cNvPr id="27" name="TextBox 26"/>
+            <p:cNvSpPr txBox="1"/>
+            <p:nvPr/>
+          </p:nvSpPr>
+          <p:spPr>
+            <a:xfrm>
+              <a:off x="1667780" y="2460591"/>
+              <a:ext cx="1776448" cy="369332"/>
+            </a:xfrm>
+            <a:prstGeom prst="rect">
+              <a:avLst/>
+            </a:prstGeom>
+            <a:noFill/>
+          </p:spPr>
+          <p:txBody>
+            <a:bodyPr wrap="none" rtlCol="0">
+              <a:spAutoFit/>
+            </a:bodyPr>
+            <a:lstStyle/>
+            <a:p>
+              <a:r>
+                <a:rPr lang="en-US" dirty="0">
+                  <a:solidFill>
+                    <a:srgbClr val="0000FF"/>
+                  </a:solidFill>
+                  <a:latin typeface="LM Roman 10 Regular"/>
+                  <a:cs typeface="LM Roman 10 Regular"/>
+                </a:rPr>
+                <a:t>log{                      }</a:t>
+              </a:r>
+            </a:p>
+          </p:txBody>
+        </p:sp>
+      </p:grpSp>
+      <p:sp>
+        <p:nvSpPr>
+          <p:cNvPr id="28" name="TextBox 27"/>
+          <p:cNvSpPr txBox="1"/>
+          <p:nvPr/>
+        </p:nvSpPr>
+        <p:spPr>
+          <a:xfrm>
+            <a:off x="149982" y="204430"/>
+            <a:ext cx="3514104" cy="584775"/>
+          </a:xfrm>
+          <a:prstGeom prst="rect">
+            <a:avLst/>
+          </a:prstGeom>
+          <a:solidFill>
+            <a:schemeClr val="bg1">
+              <a:lumMod val="75000"/>
+            </a:schemeClr>
+          </a:solidFill>
+          <a:ln>
+            <a:solidFill>
+              <a:schemeClr val="tx1"/>
+            </a:solidFill>
+          </a:ln>
+        </p:spPr>
+        <p:txBody>
+          <a:bodyPr wrap="none" rtlCol="0">
+            <a:spAutoFit/>
+          </a:bodyPr>
+          <a:lstStyle/>
+          <a:p>
+            <a:r>
+              <a:rPr lang="en-US" sz="3200" dirty="0"/>
+              <a:t>MAHALANOBIS-0</a:t>
+            </a:r>
+          </a:p>
+        </p:txBody>
+      </p:sp>
+    </p:spTree>
+    <p:extLst>
+      <p:ext uri="{BB962C8B-B14F-4D97-AF65-F5344CB8AC3E}">
+        <p14:creationId xmlns:p14="http://schemas.microsoft.com/office/powerpoint/2010/main" val="657286554"/>
+      </p:ext>
+    </p:extLst>
+  </p:cSld>
+  <p:clrMapOvr>
+    <a:masterClrMapping/>
+  </p:clrMapOvr>
+</p:sld>
+</file>
+
+<file path=ppt/slides/slide14.xml><?xml version="1.0" encoding="utf-8"?>
+<p:sld xmlns:a="http://schemas.openxmlformats.org/drawingml/2006/main" xmlns:r="http://schemas.openxmlformats.org/officeDocument/2006/relationships" xmlns:p="http://schemas.openxmlformats.org/presentationml/2006/main">
+  <p:cSld>
+    <p:spTree>
+      <p:nvGrpSpPr>
+        <p:cNvPr id="1" name=""/>
+        <p:cNvGrpSpPr/>
+        <p:nvPr/>
+      </p:nvGrpSpPr>
+      <p:grpSpPr>
+        <a:xfrm>
+          <a:off x="0" y="0"/>
+          <a:ext cx="0" cy="0"/>
+          <a:chOff x="0" y="0"/>
+          <a:chExt cx="0" cy="0"/>
+        </a:xfrm>
+      </p:grpSpPr>
+      <p:sp>
+        <p:nvSpPr>
+          <p:cNvPr id="7" name="TextBox 6">
+            <a:extLst>
+              <a:ext uri="{FF2B5EF4-FFF2-40B4-BE49-F238E27FC236}">
+                <a16:creationId xmlns:a16="http://schemas.microsoft.com/office/drawing/2014/main" id="{024E1C10-73BD-FB44-B57E-7BF0017B39AE}"/>
+              </a:ext>
+            </a:extLst>
+          </p:cNvPr>
+          <p:cNvSpPr txBox="1"/>
+          <p:nvPr/>
+        </p:nvSpPr>
+        <p:spPr>
+          <a:xfrm>
+            <a:off x="1587062" y="1575894"/>
+            <a:ext cx="1168910" cy="369332"/>
+          </a:xfrm>
+          <a:prstGeom prst="rect">
+            <a:avLst/>
+          </a:prstGeom>
+          <a:noFill/>
+        </p:spPr>
+        <p:txBody>
+          <a:bodyPr wrap="none" rtlCol="0">
+            <a:spAutoFit/>
+          </a:bodyPr>
+          <a:lstStyle/>
+          <a:p>
+            <a:r>
+              <a:rPr lang="en-US" dirty="0">
+                <a:latin typeface="Trebuchet MS" panose="020B0703020202090204" pitchFamily="34" charset="0"/>
+              </a:rPr>
+              <a:t>TRAINING</a:t>
+            </a:r>
+          </a:p>
+        </p:txBody>
+      </p:sp>
+      <p:sp>
+        <p:nvSpPr>
+          <p:cNvPr id="8" name="TextBox 7">
+            <a:extLst>
+              <a:ext uri="{FF2B5EF4-FFF2-40B4-BE49-F238E27FC236}">
+                <a16:creationId xmlns:a16="http://schemas.microsoft.com/office/drawing/2014/main" id="{53D37474-A788-3140-8F24-DFB62D279098}"/>
+              </a:ext>
+            </a:extLst>
+          </p:cNvPr>
+          <p:cNvSpPr txBox="1"/>
+          <p:nvPr/>
+        </p:nvSpPr>
+        <p:spPr>
+          <a:xfrm>
+            <a:off x="6469118" y="1575894"/>
+            <a:ext cx="1055097" cy="369332"/>
+          </a:xfrm>
+          <a:prstGeom prst="rect">
+            <a:avLst/>
+          </a:prstGeom>
+          <a:noFill/>
+        </p:spPr>
+        <p:txBody>
+          <a:bodyPr wrap="none" rtlCol="0">
+            <a:spAutoFit/>
+          </a:bodyPr>
+          <a:lstStyle/>
+          <a:p>
+            <a:r>
+              <a:rPr lang="en-US" dirty="0">
+                <a:latin typeface="Trebuchet MS" panose="020B0703020202090204" pitchFamily="34" charset="0"/>
+              </a:rPr>
+              <a:t>TESTING</a:t>
+            </a:r>
+          </a:p>
+        </p:txBody>
+      </p:sp>
+      <p:sp>
+        <p:nvSpPr>
+          <p:cNvPr id="9" name="TextBox 8">
+            <a:extLst>
+              <a:ext uri="{FF2B5EF4-FFF2-40B4-BE49-F238E27FC236}">
+                <a16:creationId xmlns:a16="http://schemas.microsoft.com/office/drawing/2014/main" id="{A13B80FF-E6F6-AB4A-8355-39A01E2E1450}"/>
+              </a:ext>
+            </a:extLst>
+          </p:cNvPr>
+          <p:cNvSpPr txBox="1"/>
+          <p:nvPr/>
+        </p:nvSpPr>
+        <p:spPr>
+          <a:xfrm>
+            <a:off x="457200" y="544811"/>
+            <a:ext cx="1500732" cy="523220"/>
+          </a:xfrm>
+          <a:prstGeom prst="rect">
+            <a:avLst/>
+          </a:prstGeom>
+          <a:noFill/>
+        </p:spPr>
+        <p:txBody>
+          <a:bodyPr wrap="none" rtlCol="0">
+            <a:spAutoFit/>
+          </a:bodyPr>
+          <a:lstStyle/>
+          <a:p>
+            <a:r>
+              <a:rPr lang="es-ES_tradnl" sz="2800" dirty="0">
+                <a:latin typeface="Trebuchet MS" panose="020B0703020202090204" pitchFamily="34" charset="0"/>
+              </a:rPr>
+              <a:t>Ejemplo</a:t>
+            </a:r>
+          </a:p>
+        </p:txBody>
+      </p:sp>
+      <p:sp>
+        <p:nvSpPr>
+          <p:cNvPr id="11" name="Rectangle 10">
+            <a:extLst>
+              <a:ext uri="{FF2B5EF4-FFF2-40B4-BE49-F238E27FC236}">
+                <a16:creationId xmlns:a16="http://schemas.microsoft.com/office/drawing/2014/main" id="{ABA6BABD-B4A5-8642-A54E-DEA9A83127CC}"/>
+              </a:ext>
+            </a:extLst>
+          </p:cNvPr>
+          <p:cNvSpPr/>
+          <p:nvPr/>
+        </p:nvSpPr>
+        <p:spPr>
+          <a:xfrm>
+            <a:off x="1860238" y="1206562"/>
+            <a:ext cx="696024" cy="369332"/>
+          </a:xfrm>
+          <a:prstGeom prst="rect">
+            <a:avLst/>
+          </a:prstGeom>
+        </p:spPr>
+        <p:txBody>
+          <a:bodyPr wrap="none">
+            <a:spAutoFit/>
+          </a:bodyPr>
+          <a:lstStyle/>
+          <a:p>
+            <a:r>
+              <a:rPr lang="es-ES_tradnl" dirty="0">
+                <a:latin typeface="Trebuchet MS" panose="020B0703020202090204" pitchFamily="34" charset="0"/>
+              </a:rPr>
+              <a:t>(</a:t>
+            </a:r>
+            <a:r>
+              <a:rPr lang="es-ES_tradnl" dirty="0" err="1">
+                <a:latin typeface="Trebuchet MS" panose="020B0703020202090204" pitchFamily="34" charset="0"/>
+              </a:rPr>
+              <a:t>X,d</a:t>
+            </a:r>
+            <a:r>
+              <a:rPr lang="es-ES_tradnl" dirty="0">
+                <a:latin typeface="Trebuchet MS" panose="020B0703020202090204" pitchFamily="34" charset="0"/>
+              </a:rPr>
+              <a:t>)</a:t>
+            </a:r>
+            <a:endParaRPr lang="en-US" dirty="0"/>
+          </a:p>
+        </p:txBody>
+      </p:sp>
+      <p:sp>
+        <p:nvSpPr>
+          <p:cNvPr id="12" name="Rectangle 11">
+            <a:extLst>
+              <a:ext uri="{FF2B5EF4-FFF2-40B4-BE49-F238E27FC236}">
+                <a16:creationId xmlns:a16="http://schemas.microsoft.com/office/drawing/2014/main" id="{07074503-D2D2-1449-AB47-2471CBE58787}"/>
+              </a:ext>
+            </a:extLst>
+          </p:cNvPr>
+          <p:cNvSpPr/>
+          <p:nvPr/>
+        </p:nvSpPr>
+        <p:spPr>
+          <a:xfrm>
+            <a:off x="6587739" y="1206562"/>
+            <a:ext cx="817853" cy="369332"/>
+          </a:xfrm>
+          <a:prstGeom prst="rect">
+            <a:avLst/>
+          </a:prstGeom>
+        </p:spPr>
+        <p:txBody>
+          <a:bodyPr wrap="none">
+            <a:spAutoFit/>
+          </a:bodyPr>
+          <a:lstStyle/>
+          <a:p>
+            <a:r>
+              <a:rPr lang="es-ES_tradnl" dirty="0">
+                <a:latin typeface="Trebuchet MS" panose="020B0703020202090204" pitchFamily="34" charset="0"/>
+              </a:rPr>
+              <a:t>(</a:t>
+            </a:r>
+            <a:r>
+              <a:rPr lang="es-ES_tradnl" dirty="0" err="1">
+                <a:latin typeface="Trebuchet MS" panose="020B0703020202090204" pitchFamily="34" charset="0"/>
+              </a:rPr>
+              <a:t>X</a:t>
+            </a:r>
+            <a:r>
+              <a:rPr lang="es-ES_tradnl" baseline="-25000" dirty="0" err="1">
+                <a:latin typeface="Trebuchet MS" panose="020B0703020202090204" pitchFamily="34" charset="0"/>
+              </a:rPr>
+              <a:t>t</a:t>
+            </a:r>
+            <a:r>
+              <a:rPr lang="es-ES_tradnl" dirty="0" err="1">
+                <a:latin typeface="Trebuchet MS" panose="020B0703020202090204" pitchFamily="34" charset="0"/>
+              </a:rPr>
+              <a:t>,d</a:t>
+            </a:r>
+            <a:r>
+              <a:rPr lang="es-ES_tradnl" baseline="-25000" dirty="0" err="1">
+                <a:latin typeface="Trebuchet MS" panose="020B0703020202090204" pitchFamily="34" charset="0"/>
+              </a:rPr>
+              <a:t>t</a:t>
+            </a:r>
+            <a:r>
+              <a:rPr lang="es-ES_tradnl" dirty="0">
+                <a:latin typeface="Trebuchet MS" panose="020B0703020202090204" pitchFamily="34" charset="0"/>
+              </a:rPr>
+              <a:t>)</a:t>
+            </a:r>
+            <a:endParaRPr lang="en-US" dirty="0"/>
+          </a:p>
+        </p:txBody>
+      </p:sp>
+      <p:sp>
+        <p:nvSpPr>
+          <p:cNvPr id="13" name="TextBox 12">
+            <a:extLst>
+              <a:ext uri="{FF2B5EF4-FFF2-40B4-BE49-F238E27FC236}">
+                <a16:creationId xmlns:a16="http://schemas.microsoft.com/office/drawing/2014/main" id="{5FE6ED63-F1BE-AF4A-AA45-2EDDE37B8BB8}"/>
+              </a:ext>
+            </a:extLst>
+          </p:cNvPr>
+          <p:cNvSpPr txBox="1"/>
+          <p:nvPr/>
+        </p:nvSpPr>
+        <p:spPr>
+          <a:xfrm>
+            <a:off x="3681379" y="683342"/>
+            <a:ext cx="2464136" cy="523220"/>
+          </a:xfrm>
+          <a:prstGeom prst="rect">
+            <a:avLst/>
+          </a:prstGeom>
+          <a:noFill/>
+        </p:spPr>
+        <p:txBody>
+          <a:bodyPr wrap="none" rtlCol="0">
+            <a:spAutoFit/>
+          </a:bodyPr>
+          <a:lstStyle/>
+          <a:p>
+            <a:r>
+              <a:rPr lang="es-ES_tradnl" sz="2800" dirty="0">
+                <a:latin typeface="Trebuchet MS" panose="020B0703020202090204" pitchFamily="34" charset="0"/>
+              </a:rPr>
+              <a:t>Mahalanobis-0</a:t>
+            </a:r>
+          </a:p>
+        </p:txBody>
+      </p:sp>
+      <p:pic>
+        <p:nvPicPr>
+          <p:cNvPr id="14" name="Picture 4">
+            <a:extLst>
+              <a:ext uri="{FF2B5EF4-FFF2-40B4-BE49-F238E27FC236}">
+                <a16:creationId xmlns:a16="http://schemas.microsoft.com/office/drawing/2014/main" id="{0E0EC841-A946-1948-BCFE-5EFE98316356}"/>
+              </a:ext>
+            </a:extLst>
+          </p:cNvPr>
+          <p:cNvPicPr>
+            <a:picLocks noChangeAspect="1" noChangeArrowheads="1"/>
+          </p:cNvPicPr>
+          <p:nvPr/>
+        </p:nvPicPr>
+        <p:blipFill>
+          <a:blip r:embed="rId2">
+            <a:alphaModFix/>
+            <a:extLst>
+              <a:ext uri="{28A0092B-C50C-407E-A947-70E740481C1C}">
+                <a14:useLocalDpi xmlns:a14="http://schemas.microsoft.com/office/drawing/2010/main" val="0"/>
+              </a:ext>
+            </a:extLst>
+          </a:blip>
+          <a:srcRect/>
+          <a:stretch>
+            <a:fillRect/>
+          </a:stretch>
+        </p:blipFill>
+        <p:spPr bwMode="auto">
+          <a:xfrm>
+            <a:off x="-73573" y="2031207"/>
+            <a:ext cx="9301655" cy="3812545"/>
+          </a:xfrm>
+          <a:prstGeom prst="rect">
+            <a:avLst/>
+          </a:prstGeom>
+          <a:noFill/>
+          <a:extLst>
+            <a:ext uri="{909E8E84-426E-40DD-AFC4-6F175D3DCCD1}">
+              <a14:hiddenFill xmlns:a14="http://schemas.microsoft.com/office/drawing/2010/main">
+                <a:solidFill>
+                  <a:srgbClr val="FFFFFF"/>
+                </a:solidFill>
+              </a14:hiddenFill>
+            </a:ext>
+          </a:extLst>
+        </p:spPr>
+      </p:pic>
+      <p:sp>
+        <p:nvSpPr>
+          <p:cNvPr id="2" name="Rectangle 1">
+            <a:extLst>
+              <a:ext uri="{FF2B5EF4-FFF2-40B4-BE49-F238E27FC236}">
+                <a16:creationId xmlns:a16="http://schemas.microsoft.com/office/drawing/2014/main" id="{C2B3CA8B-BDD7-6D43-8384-9AB47053DAAA}"/>
+              </a:ext>
+            </a:extLst>
+          </p:cNvPr>
+          <p:cNvSpPr/>
+          <p:nvPr/>
+        </p:nvSpPr>
+        <p:spPr>
+          <a:xfrm>
+            <a:off x="6217447" y="683342"/>
+            <a:ext cx="1306768" cy="523220"/>
+          </a:xfrm>
+          <a:prstGeom prst="rect">
+            <a:avLst/>
+          </a:prstGeom>
+        </p:spPr>
+        <p:txBody>
+          <a:bodyPr wrap="none">
+            <a:spAutoFit/>
+          </a:bodyPr>
+          <a:lstStyle/>
+          <a:p>
+            <a:r>
+              <a:rPr lang="es-ES_tradnl" sz="2800" dirty="0">
+                <a:latin typeface="Trebuchet MS"/>
+                <a:cs typeface="Trebuchet MS"/>
+              </a:rPr>
+              <a:t>(</a:t>
+            </a:r>
+            <a:r>
+              <a:rPr lang="es-ES_tradnl" sz="2800" dirty="0" err="1">
+                <a:latin typeface="Trebuchet MS"/>
+                <a:cs typeface="Trebuchet MS"/>
+              </a:rPr>
+              <a:t>Σ</a:t>
+            </a:r>
+            <a:r>
+              <a:rPr lang="es-ES_tradnl" sz="2800" baseline="-25000" dirty="0" err="1">
+                <a:latin typeface="Trebuchet MS"/>
+                <a:cs typeface="Trebuchet MS"/>
+              </a:rPr>
+              <a:t>i</a:t>
+            </a:r>
+            <a:r>
+              <a:rPr lang="es-ES_tradnl" sz="2800" dirty="0">
+                <a:latin typeface="Trebuchet MS"/>
+                <a:cs typeface="Trebuchet MS"/>
+              </a:rPr>
+              <a:t> = </a:t>
+            </a:r>
+            <a:r>
+              <a:rPr lang="es-ES_tradnl" sz="2800" dirty="0" err="1">
+                <a:latin typeface="Trebuchet MS"/>
+                <a:cs typeface="Trebuchet MS"/>
+              </a:rPr>
+              <a:t>Σ</a:t>
+            </a:r>
+            <a:r>
+              <a:rPr lang="es-ES_tradnl" sz="2800" dirty="0">
+                <a:latin typeface="Trebuchet MS"/>
+                <a:cs typeface="Trebuchet MS"/>
+              </a:rPr>
+              <a:t>)</a:t>
+            </a:r>
+            <a:endParaRPr lang="en-US" sz="2800" dirty="0"/>
+          </a:p>
+        </p:txBody>
+      </p:sp>
+    </p:spTree>
+    <p:extLst>
+      <p:ext uri="{BB962C8B-B14F-4D97-AF65-F5344CB8AC3E}">
+        <p14:creationId xmlns:p14="http://schemas.microsoft.com/office/powerpoint/2010/main" val="815923462"/>
+      </p:ext>
+    </p:extLst>
+  </p:cSld>
+  <p:clrMapOvr>
+    <a:masterClrMapping/>
+  </p:clrMapOvr>
+</p:sld>
+</file>
+
+<file path=ppt/slides/slide15.xml><?xml version="1.0" encoding="utf-8"?>
 <p:sld xmlns:a="http://schemas.openxmlformats.org/drawingml/2006/main" xmlns:r="http://schemas.openxmlformats.org/officeDocument/2006/relationships" xmlns:p="http://schemas.openxmlformats.org/presentationml/2006/main">
   <p:cSld>
     <p:spTree>
@@ -6643,8 +7929,8 @@
         </p:nvSpPr>
         <p:spPr>
           <a:xfrm>
-            <a:off x="641463" y="4092031"/>
-            <a:ext cx="7532831" cy="646331"/>
+            <a:off x="893710" y="4092031"/>
+            <a:ext cx="7407862" cy="923330"/>
           </a:xfrm>
           <a:prstGeom prst="rect">
             <a:avLst/>
@@ -6658,76 +7944,55 @@
           <a:lstStyle/>
           <a:p>
             <a:r>
-              <a:rPr lang="en-US" dirty="0">
+              <a:rPr lang="es-ES_tradnl">
                 <a:latin typeface="Trebuchet MS"/>
                 <a:cs typeface="Trebuchet MS"/>
               </a:rPr>
-              <a:t>In QDA (Quadratic Discriminant Analysis) it is assumed that </a:t>
-            </a:r>
-            <a:r>
-              <a:rPr lang="en-US" dirty="0" err="1">
+              <a:t>En QDA (Análisis Discriminante Cuadrático) se supone que Σ</a:t>
+            </a:r>
+            <a:r>
+              <a:rPr lang="es-ES_tradnl" baseline="-25000">
                 <a:latin typeface="Trebuchet MS"/>
                 <a:cs typeface="Trebuchet MS"/>
               </a:rPr>
-              <a:t>Σ</a:t>
-            </a:r>
-            <a:r>
-              <a:rPr lang="en-US" baseline="-25000" dirty="0" err="1">
+              <a:t>i</a:t>
+            </a:r>
+            <a:r>
+              <a:rPr lang="es-ES_tradnl">
                 <a:latin typeface="Trebuchet MS"/>
                 <a:cs typeface="Trebuchet MS"/>
               </a:rPr>
+              <a:t> y </a:t>
+            </a:r>
+            <a:r>
+              <a:rPr lang="es-ES_tradnl" i="1">
+                <a:latin typeface="LM Roman 10 Regular"/>
+                <a:cs typeface="LM Roman 10 Regular"/>
+              </a:rPr>
+              <a:t>p(w</a:t>
+            </a:r>
+            <a:r>
+              <a:rPr lang="es-ES_tradnl" i="1" baseline="-25000">
+                <a:latin typeface="LM Roman 10 Regular"/>
+                <a:cs typeface="LM Roman 10 Regular"/>
+              </a:rPr>
               <a:t>i</a:t>
             </a:r>
             <a:r>
-              <a:rPr lang="en-US" dirty="0">
+              <a:rPr lang="es-ES_tradnl" i="1">
+                <a:latin typeface="LM Roman 10 Regular"/>
+                <a:cs typeface="LM Roman 10 Regular"/>
+              </a:rPr>
+              <a:t>) </a:t>
+            </a:r>
+            <a:r>
+              <a:rPr lang="es-ES_tradnl">
                 <a:latin typeface="Trebuchet MS"/>
                 <a:cs typeface="Trebuchet MS"/>
               </a:rPr>
-              <a:t> and </a:t>
-            </a:r>
-            <a:r>
-              <a:rPr lang="en-US" i="1" dirty="0">
-                <a:latin typeface="LM Roman 10 Regular"/>
-                <a:cs typeface="LM Roman 10 Regular"/>
-              </a:rPr>
-              <a:t>p(</a:t>
-            </a:r>
-            <a:r>
-              <a:rPr lang="en-US" i="1" dirty="0" err="1">
-                <a:latin typeface="LM Roman 10 Regular"/>
-                <a:cs typeface="LM Roman 10 Regular"/>
-              </a:rPr>
-              <a:t>w</a:t>
-            </a:r>
-            <a:r>
-              <a:rPr lang="en-US" i="1" baseline="-25000" dirty="0" err="1">
-                <a:latin typeface="LM Roman 10 Regular"/>
-                <a:cs typeface="LM Roman 10 Regular"/>
-              </a:rPr>
-              <a:t>i</a:t>
-            </a:r>
-            <a:r>
-              <a:rPr lang="en-US" i="1" dirty="0">
-                <a:latin typeface="LM Roman 10 Regular"/>
-                <a:cs typeface="LM Roman 10 Regular"/>
-              </a:rPr>
-              <a:t>)</a:t>
-            </a:r>
-          </a:p>
-          <a:p>
-            <a:r>
-              <a:rPr lang="en-US">
-                <a:latin typeface="Trebuchet MS"/>
-                <a:cs typeface="Trebuchet MS"/>
-              </a:rPr>
-              <a:t>are </a:t>
-            </a:r>
-            <a:r>
-              <a:rPr lang="en-US" dirty="0">
-                <a:latin typeface="Trebuchet MS"/>
-                <a:cs typeface="Trebuchet MS"/>
-              </a:rPr>
-              <a:t>different.</a:t>
+              <a:t>
+son diferentes.
+</a:t>
             </a:r>
           </a:p>
         </p:txBody>
@@ -6783,7 +8048,330 @@
 </p:sld>
 </file>
 
-<file path=ppt/slides/slide13.xml><?xml version="1.0" encoding="utf-8"?>
+<file path=ppt/slides/slide16.xml><?xml version="1.0" encoding="utf-8"?>
+<p:sld xmlns:a="http://schemas.openxmlformats.org/drawingml/2006/main" xmlns:r="http://schemas.openxmlformats.org/officeDocument/2006/relationships" xmlns:p="http://schemas.openxmlformats.org/presentationml/2006/main">
+  <p:cSld>
+    <p:spTree>
+      <p:nvGrpSpPr>
+        <p:cNvPr id="1" name=""/>
+        <p:cNvGrpSpPr/>
+        <p:nvPr/>
+      </p:nvGrpSpPr>
+      <p:grpSpPr>
+        <a:xfrm>
+          <a:off x="0" y="0"/>
+          <a:ext cx="0" cy="0"/>
+          <a:chOff x="0" y="0"/>
+          <a:chExt cx="0" cy="0"/>
+        </a:xfrm>
+      </p:grpSpPr>
+      <p:sp>
+        <p:nvSpPr>
+          <p:cNvPr id="7" name="TextBox 6">
+            <a:extLst>
+              <a:ext uri="{FF2B5EF4-FFF2-40B4-BE49-F238E27FC236}">
+                <a16:creationId xmlns:a16="http://schemas.microsoft.com/office/drawing/2014/main" id="{024E1C10-73BD-FB44-B57E-7BF0017B39AE}"/>
+              </a:ext>
+            </a:extLst>
+          </p:cNvPr>
+          <p:cNvSpPr txBox="1"/>
+          <p:nvPr/>
+        </p:nvSpPr>
+        <p:spPr>
+          <a:xfrm>
+            <a:off x="1587062" y="1575894"/>
+            <a:ext cx="1168910" cy="369332"/>
+          </a:xfrm>
+          <a:prstGeom prst="rect">
+            <a:avLst/>
+          </a:prstGeom>
+          <a:noFill/>
+        </p:spPr>
+        <p:txBody>
+          <a:bodyPr wrap="none" rtlCol="0">
+            <a:spAutoFit/>
+          </a:bodyPr>
+          <a:lstStyle/>
+          <a:p>
+            <a:r>
+              <a:rPr lang="en-US" dirty="0">
+                <a:latin typeface="Trebuchet MS" panose="020B0703020202090204" pitchFamily="34" charset="0"/>
+              </a:rPr>
+              <a:t>TRAINING</a:t>
+            </a:r>
+          </a:p>
+        </p:txBody>
+      </p:sp>
+      <p:sp>
+        <p:nvSpPr>
+          <p:cNvPr id="8" name="TextBox 7">
+            <a:extLst>
+              <a:ext uri="{FF2B5EF4-FFF2-40B4-BE49-F238E27FC236}">
+                <a16:creationId xmlns:a16="http://schemas.microsoft.com/office/drawing/2014/main" id="{53D37474-A788-3140-8F24-DFB62D279098}"/>
+              </a:ext>
+            </a:extLst>
+          </p:cNvPr>
+          <p:cNvSpPr txBox="1"/>
+          <p:nvPr/>
+        </p:nvSpPr>
+        <p:spPr>
+          <a:xfrm>
+            <a:off x="6469118" y="1575894"/>
+            <a:ext cx="1055097" cy="369332"/>
+          </a:xfrm>
+          <a:prstGeom prst="rect">
+            <a:avLst/>
+          </a:prstGeom>
+          <a:noFill/>
+        </p:spPr>
+        <p:txBody>
+          <a:bodyPr wrap="none" rtlCol="0">
+            <a:spAutoFit/>
+          </a:bodyPr>
+          <a:lstStyle/>
+          <a:p>
+            <a:r>
+              <a:rPr lang="en-US" dirty="0">
+                <a:latin typeface="Trebuchet MS" panose="020B0703020202090204" pitchFamily="34" charset="0"/>
+              </a:rPr>
+              <a:t>TESTING</a:t>
+            </a:r>
+          </a:p>
+        </p:txBody>
+      </p:sp>
+      <p:sp>
+        <p:nvSpPr>
+          <p:cNvPr id="9" name="TextBox 8">
+            <a:extLst>
+              <a:ext uri="{FF2B5EF4-FFF2-40B4-BE49-F238E27FC236}">
+                <a16:creationId xmlns:a16="http://schemas.microsoft.com/office/drawing/2014/main" id="{A13B80FF-E6F6-AB4A-8355-39A01E2E1450}"/>
+              </a:ext>
+            </a:extLst>
+          </p:cNvPr>
+          <p:cNvSpPr txBox="1"/>
+          <p:nvPr/>
+        </p:nvSpPr>
+        <p:spPr>
+          <a:xfrm>
+            <a:off x="457200" y="544811"/>
+            <a:ext cx="1500732" cy="523220"/>
+          </a:xfrm>
+          <a:prstGeom prst="rect">
+            <a:avLst/>
+          </a:prstGeom>
+          <a:noFill/>
+        </p:spPr>
+        <p:txBody>
+          <a:bodyPr wrap="none" rtlCol="0">
+            <a:spAutoFit/>
+          </a:bodyPr>
+          <a:lstStyle/>
+          <a:p>
+            <a:r>
+              <a:rPr lang="es-ES_tradnl" sz="2800">
+                <a:latin typeface="Trebuchet MS" panose="020B0703020202090204" pitchFamily="34" charset="0"/>
+              </a:rPr>
+              <a:t>Ejemplo</a:t>
+            </a:r>
+          </a:p>
+        </p:txBody>
+      </p:sp>
+      <p:sp>
+        <p:nvSpPr>
+          <p:cNvPr id="11" name="Rectangle 10">
+            <a:extLst>
+              <a:ext uri="{FF2B5EF4-FFF2-40B4-BE49-F238E27FC236}">
+                <a16:creationId xmlns:a16="http://schemas.microsoft.com/office/drawing/2014/main" id="{ABA6BABD-B4A5-8642-A54E-DEA9A83127CC}"/>
+              </a:ext>
+            </a:extLst>
+          </p:cNvPr>
+          <p:cNvSpPr/>
+          <p:nvPr/>
+        </p:nvSpPr>
+        <p:spPr>
+          <a:xfrm>
+            <a:off x="1860238" y="1206562"/>
+            <a:ext cx="696024" cy="369332"/>
+          </a:xfrm>
+          <a:prstGeom prst="rect">
+            <a:avLst/>
+          </a:prstGeom>
+        </p:spPr>
+        <p:txBody>
+          <a:bodyPr wrap="none">
+            <a:spAutoFit/>
+          </a:bodyPr>
+          <a:lstStyle/>
+          <a:p>
+            <a:r>
+              <a:rPr lang="es-ES_tradnl" dirty="0">
+                <a:latin typeface="Trebuchet MS" panose="020B0703020202090204" pitchFamily="34" charset="0"/>
+              </a:rPr>
+              <a:t>(</a:t>
+            </a:r>
+            <a:r>
+              <a:rPr lang="es-ES_tradnl" dirty="0" err="1">
+                <a:latin typeface="Trebuchet MS" panose="020B0703020202090204" pitchFamily="34" charset="0"/>
+              </a:rPr>
+              <a:t>X,d</a:t>
+            </a:r>
+            <a:r>
+              <a:rPr lang="es-ES_tradnl" dirty="0">
+                <a:latin typeface="Trebuchet MS" panose="020B0703020202090204" pitchFamily="34" charset="0"/>
+              </a:rPr>
+              <a:t>)</a:t>
+            </a:r>
+            <a:endParaRPr lang="en-US" dirty="0"/>
+          </a:p>
+        </p:txBody>
+      </p:sp>
+      <p:sp>
+        <p:nvSpPr>
+          <p:cNvPr id="12" name="Rectangle 11">
+            <a:extLst>
+              <a:ext uri="{FF2B5EF4-FFF2-40B4-BE49-F238E27FC236}">
+                <a16:creationId xmlns:a16="http://schemas.microsoft.com/office/drawing/2014/main" id="{07074503-D2D2-1449-AB47-2471CBE58787}"/>
+              </a:ext>
+            </a:extLst>
+          </p:cNvPr>
+          <p:cNvSpPr/>
+          <p:nvPr/>
+        </p:nvSpPr>
+        <p:spPr>
+          <a:xfrm>
+            <a:off x="6587739" y="1206562"/>
+            <a:ext cx="817853" cy="369332"/>
+          </a:xfrm>
+          <a:prstGeom prst="rect">
+            <a:avLst/>
+          </a:prstGeom>
+        </p:spPr>
+        <p:txBody>
+          <a:bodyPr wrap="none">
+            <a:spAutoFit/>
+          </a:bodyPr>
+          <a:lstStyle/>
+          <a:p>
+            <a:r>
+              <a:rPr lang="es-ES_tradnl" dirty="0">
+                <a:latin typeface="Trebuchet MS" panose="020B0703020202090204" pitchFamily="34" charset="0"/>
+              </a:rPr>
+              <a:t>(</a:t>
+            </a:r>
+            <a:r>
+              <a:rPr lang="es-ES_tradnl" dirty="0" err="1">
+                <a:latin typeface="Trebuchet MS" panose="020B0703020202090204" pitchFamily="34" charset="0"/>
+              </a:rPr>
+              <a:t>X</a:t>
+            </a:r>
+            <a:r>
+              <a:rPr lang="es-ES_tradnl" baseline="-25000" dirty="0" err="1">
+                <a:latin typeface="Trebuchet MS" panose="020B0703020202090204" pitchFamily="34" charset="0"/>
+              </a:rPr>
+              <a:t>t</a:t>
+            </a:r>
+            <a:r>
+              <a:rPr lang="es-ES_tradnl" dirty="0" err="1">
+                <a:latin typeface="Trebuchet MS" panose="020B0703020202090204" pitchFamily="34" charset="0"/>
+              </a:rPr>
+              <a:t>,d</a:t>
+            </a:r>
+            <a:r>
+              <a:rPr lang="es-ES_tradnl" baseline="-25000" dirty="0" err="1">
+                <a:latin typeface="Trebuchet MS" panose="020B0703020202090204" pitchFamily="34" charset="0"/>
+              </a:rPr>
+              <a:t>t</a:t>
+            </a:r>
+            <a:r>
+              <a:rPr lang="es-ES_tradnl" dirty="0">
+                <a:latin typeface="Trebuchet MS" panose="020B0703020202090204" pitchFamily="34" charset="0"/>
+              </a:rPr>
+              <a:t>)</a:t>
+            </a:r>
+            <a:endParaRPr lang="en-US" dirty="0"/>
+          </a:p>
+        </p:txBody>
+      </p:sp>
+      <p:pic>
+        <p:nvPicPr>
+          <p:cNvPr id="10" name="Picture 9">
+            <a:extLst>
+              <a:ext uri="{FF2B5EF4-FFF2-40B4-BE49-F238E27FC236}">
+                <a16:creationId xmlns:a16="http://schemas.microsoft.com/office/drawing/2014/main" id="{5D1DFB88-4EA2-8E40-BAF4-05FB484D61F1}"/>
+              </a:ext>
+            </a:extLst>
+          </p:cNvPr>
+          <p:cNvPicPr>
+            <a:picLocks noChangeAspect="1"/>
+          </p:cNvPicPr>
+          <p:nvPr/>
+        </p:nvPicPr>
+        <p:blipFill>
+          <a:blip r:embed="rId2"/>
+          <a:srcRect/>
+          <a:stretch/>
+        </p:blipFill>
+        <p:spPr>
+          <a:xfrm>
+            <a:off x="-374873" y="2070100"/>
+            <a:ext cx="10257644" cy="3708000"/>
+          </a:xfrm>
+          <a:prstGeom prst="rect">
+            <a:avLst/>
+          </a:prstGeom>
+        </p:spPr>
+      </p:pic>
+      <p:sp>
+        <p:nvSpPr>
+          <p:cNvPr id="13" name="TextBox 12">
+            <a:extLst>
+              <a:ext uri="{FF2B5EF4-FFF2-40B4-BE49-F238E27FC236}">
+                <a16:creationId xmlns:a16="http://schemas.microsoft.com/office/drawing/2014/main" id="{723B8BB2-E0B8-7345-B022-1B88A29EA15D}"/>
+              </a:ext>
+            </a:extLst>
+          </p:cNvPr>
+          <p:cNvSpPr txBox="1"/>
+          <p:nvPr/>
+        </p:nvSpPr>
+        <p:spPr>
+          <a:xfrm>
+            <a:off x="4143037" y="683342"/>
+            <a:ext cx="857927" cy="523220"/>
+          </a:xfrm>
+          <a:prstGeom prst="rect">
+            <a:avLst/>
+          </a:prstGeom>
+          <a:noFill/>
+        </p:spPr>
+        <p:txBody>
+          <a:bodyPr wrap="none" rtlCol="0">
+            <a:spAutoFit/>
+          </a:bodyPr>
+          <a:lstStyle/>
+          <a:p>
+            <a:r>
+              <a:rPr lang="es-ES_tradnl" sz="2800" dirty="0">
+                <a:latin typeface="Trebuchet MS" panose="020B0703020202090204" pitchFamily="34" charset="0"/>
+              </a:rPr>
+              <a:t>QDA</a:t>
+            </a:r>
+          </a:p>
+        </p:txBody>
+      </p:sp>
+    </p:spTree>
+    <p:extLst>
+      <p:ext uri="{BB962C8B-B14F-4D97-AF65-F5344CB8AC3E}">
+        <p14:creationId xmlns:p14="http://schemas.microsoft.com/office/powerpoint/2010/main" val="4015699518"/>
+      </p:ext>
+    </p:extLst>
+  </p:cSld>
+  <p:clrMapOvr>
+    <a:masterClrMapping/>
+  </p:clrMapOvr>
+</p:sld>
+</file>
+
+<file path=ppt/slides/slide17.xml><?xml version="1.0" encoding="utf-8"?>
 <p:sld xmlns:a="http://schemas.openxmlformats.org/drawingml/2006/main" xmlns:r="http://schemas.openxmlformats.org/officeDocument/2006/relationships" xmlns:p="http://schemas.openxmlformats.org/presentationml/2006/main">
   <p:cSld>
     <p:spTree>
@@ -7305,6 +8893,7 @@
             <a:solidFill>
               <a:srgbClr val="FF0000"/>
             </a:solidFill>
+            <a:prstDash val="dash"/>
           </a:ln>
         </p:spPr>
         <p:style>
@@ -7823,7 +9412,7 @@
         <p:spPr>
           <a:xfrm>
             <a:off x="1338385" y="2061308"/>
-            <a:ext cx="4759123" cy="430887"/>
+            <a:ext cx="5777544" cy="430887"/>
           </a:xfrm>
           <a:prstGeom prst="rect">
             <a:avLst/>
@@ -7837,14 +9426,14 @@
           <a:lstStyle/>
           <a:p>
             <a:r>
-              <a:rPr lang="en-US" dirty="0">
+              <a:rPr lang="es-ES_tradnl">
                 <a:latin typeface="Trebuchet MS"/>
                 <a:cs typeface="Trebuchet MS"/>
               </a:rPr>
-              <a:t>Bayes’ Classifier: </a:t>
-            </a:r>
-            <a:r>
-              <a:rPr lang="en-US" sz="2200" b="1" i="1" dirty="0">
+              <a:t>Clasificador de Bayes: </a:t>
+            </a:r>
+            <a:r>
+              <a:rPr lang="es-ES_tradnl" sz="2200" b="1" i="1">
                 <a:latin typeface="Times" charset="0"/>
                 <a:ea typeface="Times" charset="0"/>
                 <a:cs typeface="Times" charset="0"/>
@@ -7852,14 +9441,14 @@
               <a:t>x</a:t>
             </a:r>
             <a:r>
-              <a:rPr lang="en-US" dirty="0">
+              <a:rPr lang="es-ES_tradnl">
                 <a:latin typeface="Trebuchet MS"/>
                 <a:cs typeface="Trebuchet MS"/>
               </a:rPr>
-              <a:t> is classified as class  </a:t>
-            </a:r>
-            <a:r>
-              <a:rPr lang="en-US" sz="2200" i="1" dirty="0">
+              <a:t> es clasificado como clase </a:t>
+            </a:r>
+            <a:r>
+              <a:rPr lang="es-ES_tradnl" sz="2200" i="1">
                 <a:latin typeface="Times" charset="0"/>
                 <a:ea typeface="Times" charset="0"/>
                 <a:cs typeface="Times" charset="0"/>
@@ -7867,11 +9456,11 @@
               <a:t>j</a:t>
             </a:r>
             <a:r>
-              <a:rPr lang="en-US" dirty="0">
+              <a:rPr lang="es-ES_tradnl">
                 <a:latin typeface="Trebuchet MS"/>
                 <a:cs typeface="Trebuchet MS"/>
               </a:rPr>
-              <a:t>  if</a:t>
+              <a:t>  si</a:t>
             </a:r>
           </a:p>
         </p:txBody>
@@ -7959,7 +9548,7 @@
           <p:spPr>
             <a:xfrm>
               <a:off x="1334481" y="3796286"/>
-              <a:ext cx="1983761" cy="369332"/>
+              <a:ext cx="3193503" cy="369332"/>
             </a:xfrm>
             <a:prstGeom prst="rect">
               <a:avLst/>
@@ -7973,11 +9562,11 @@
             <a:lstStyle/>
             <a:p>
               <a:r>
-                <a:rPr lang="en-US" dirty="0">
+                <a:rPr lang="es-ES_tradnl">
                   <a:latin typeface="Trebuchet MS"/>
                   <a:cs typeface="Trebuchet MS"/>
                 </a:rPr>
-                <a:t>Using Bayes’ Rule</a:t>
+                <a:t>Usando el teorema de Bayes:</a:t>
               </a:r>
             </a:p>
           </p:txBody>
@@ -8261,8 +9850,8 @@
         </p:nvSpPr>
         <p:spPr>
           <a:xfrm>
-            <a:off x="1838723" y="2754003"/>
-            <a:ext cx="5429692" cy="1200329"/>
+            <a:off x="1338385" y="908566"/>
+            <a:ext cx="3330142" cy="369332"/>
           </a:xfrm>
           <a:prstGeom prst="rect">
             <a:avLst/>
@@ -8275,103 +9864,12 @@
           </a:bodyPr>
           <a:lstStyle/>
           <a:p>
-            <a:pPr algn="ctr"/>
-            <a:r>
-              <a:rPr lang="en-US" dirty="0">
+            <a:r>
+              <a:rPr lang="es-ES_tradnl" dirty="0">
                 <a:latin typeface="Trebuchet MS"/>
                 <a:cs typeface="Trebuchet MS"/>
               </a:rPr>
-              <a:t>How to estimate the probability density functions?</a:t>
-            </a:r>
-          </a:p>
-          <a:p>
-            <a:pPr algn="ctr"/>
-            <a:endParaRPr lang="en-US" dirty="0">
-              <a:latin typeface="Trebuchet MS"/>
-              <a:cs typeface="Trebuchet MS"/>
-            </a:endParaRPr>
-          </a:p>
-          <a:p>
-            <a:pPr algn="ctr"/>
-            <a:endParaRPr lang="en-US" dirty="0">
-              <a:latin typeface="Trebuchet MS"/>
-              <a:cs typeface="Trebuchet MS"/>
-            </a:endParaRPr>
-          </a:p>
-          <a:p>
-            <a:pPr algn="ctr"/>
-            <a:r>
-              <a:rPr lang="pt-BR" dirty="0">
-                <a:latin typeface="Trebuchet MS"/>
-                <a:cs typeface="Trebuchet MS"/>
-              </a:rPr>
-              <a:t>PAT04_EstimationPDF.m</a:t>
-            </a:r>
-            <a:endParaRPr lang="en-US" dirty="0">
-              <a:latin typeface="Trebuchet MS"/>
-              <a:cs typeface="Trebuchet MS"/>
-            </a:endParaRPr>
-          </a:p>
-        </p:txBody>
-      </p:sp>
-    </p:spTree>
-    <p:extLst>
-      <p:ext uri="{BB962C8B-B14F-4D97-AF65-F5344CB8AC3E}">
-        <p14:creationId xmlns:p14="http://schemas.microsoft.com/office/powerpoint/2010/main" val="624539473"/>
-      </p:ext>
-    </p:extLst>
-  </p:cSld>
-  <p:clrMapOvr>
-    <a:masterClrMapping/>
-  </p:clrMapOvr>
-</p:sld>
-</file>
-
-<file path=ppt/slides/slide6.xml><?xml version="1.0" encoding="utf-8"?>
-<p:sld xmlns:a="http://schemas.openxmlformats.org/drawingml/2006/main" xmlns:r="http://schemas.openxmlformats.org/officeDocument/2006/relationships" xmlns:p="http://schemas.openxmlformats.org/presentationml/2006/main">
-  <p:cSld>
-    <p:spTree>
-      <p:nvGrpSpPr>
-        <p:cNvPr id="1" name=""/>
-        <p:cNvGrpSpPr/>
-        <p:nvPr/>
-      </p:nvGrpSpPr>
-      <p:grpSpPr>
-        <a:xfrm>
-          <a:off x="0" y="0"/>
-          <a:ext cx="0" cy="0"/>
-          <a:chOff x="0" y="0"/>
-          <a:chExt cx="0" cy="0"/>
-        </a:xfrm>
-      </p:grpSpPr>
-      <p:sp>
-        <p:nvSpPr>
-          <p:cNvPr id="4" name="TextBox 3"/>
-          <p:cNvSpPr txBox="1"/>
-          <p:nvPr/>
-        </p:nvSpPr>
-        <p:spPr>
-          <a:xfrm>
-            <a:off x="1338385" y="908566"/>
-            <a:ext cx="2865501" cy="369332"/>
-          </a:xfrm>
-          <a:prstGeom prst="rect">
-            <a:avLst/>
-          </a:prstGeom>
-          <a:noFill/>
-        </p:spPr>
-        <p:txBody>
-          <a:bodyPr wrap="none" rtlCol="0">
-            <a:spAutoFit/>
-          </a:bodyPr>
-          <a:lstStyle/>
-          <a:p>
-            <a:r>
-              <a:rPr lang="en-US" dirty="0">
-                <a:latin typeface="Trebuchet MS"/>
-                <a:cs typeface="Trebuchet MS"/>
-              </a:rPr>
-              <a:t>For Gaussian Distributions</a:t>
+              <a:t>Para distribuciones Gaussianas</a:t>
             </a:r>
           </a:p>
         </p:txBody>
@@ -8503,7 +10001,7 @@
             <a:lstStyle/>
             <a:p>
               <a:r>
-                <a:rPr lang="en-US" sz="3200" b="1" dirty="0">
+                <a:rPr lang="es-ES_tradnl" sz="3200" b="1">
                   <a:latin typeface="Trebuchet MS"/>
                   <a:cs typeface="Trebuchet MS"/>
                 </a:rPr>
@@ -8630,7 +10128,7 @@
             <a:lstStyle/>
             <a:p>
               <a:pPr algn="ctr"/>
-              <a:endParaRPr lang="en-US"/>
+              <a:endParaRPr lang="es-ES_tradnl"/>
             </a:p>
           </p:txBody>
         </p:sp>
@@ -8657,7 +10155,7 @@
             <a:lstStyle/>
             <a:p>
               <a:r>
-                <a:rPr lang="en-US" sz="3200" b="1" dirty="0">
+                <a:rPr lang="es-ES_tradnl" sz="3200" b="1">
                   <a:latin typeface="Trebuchet MS"/>
                   <a:cs typeface="Trebuchet MS"/>
                 </a:rPr>
@@ -8676,9 +10174,9 @@
         <p:grpSpPr>
           <a:xfrm>
             <a:off x="332146" y="3620031"/>
-            <a:ext cx="3049425" cy="2864564"/>
+            <a:ext cx="2862651" cy="2864564"/>
             <a:chOff x="332146" y="3838107"/>
-            <a:chExt cx="3049425" cy="2864564"/>
+            <a:chExt cx="2862651" cy="2864564"/>
           </a:xfrm>
         </p:grpSpPr>
         <p:pic>
@@ -8750,7 +10248,7 @@
           <p:spPr>
             <a:xfrm>
               <a:off x="435708" y="3838107"/>
-              <a:ext cx="2945863" cy="369332"/>
+              <a:ext cx="2759089" cy="646331"/>
             </a:xfrm>
             <a:prstGeom prst="rect">
               <a:avLst/>
@@ -8764,25 +10262,12 @@
             <a:lstStyle/>
             <a:p>
               <a:r>
-                <a:rPr lang="en-US" dirty="0">
+                <a:rPr lang="es-ES_tradnl">
                   <a:latin typeface="Trebuchet MS"/>
                   <a:cs typeface="Trebuchet MS"/>
                 </a:rPr>
-                <a:t>Examples of </a:t>
-              </a:r>
-              <a:r>
-                <a:rPr lang="en-US" dirty="0" err="1">
-                  <a:latin typeface="Trebuchet MS"/>
-                  <a:cs typeface="Trebuchet MS"/>
-                </a:rPr>
-                <a:t>Σ</a:t>
-              </a:r>
-              <a:r>
-                <a:rPr lang="en-US" dirty="0">
-                  <a:latin typeface="Trebuchet MS"/>
-                  <a:cs typeface="Trebuchet MS"/>
-                </a:rPr>
-                <a:t> and μ in 2D:</a:t>
+                <a:t>Ejemplos de Σ y μ en 2D:
+</a:t>
               </a:r>
             </a:p>
           </p:txBody>
@@ -8810,7 +10295,7 @@
             <a:lstStyle/>
             <a:p>
               <a:r>
-                <a:rPr lang="en-US" sz="3200" b="1" dirty="0">
+                <a:rPr lang="es-ES_tradnl" sz="3200" b="1">
                   <a:latin typeface="Trebuchet MS"/>
                   <a:cs typeface="Trebuchet MS"/>
                 </a:rPr>
@@ -8828,10 +10313,10 @@
         </p:nvGrpSpPr>
         <p:grpSpPr>
           <a:xfrm>
-            <a:off x="733870" y="2653025"/>
-            <a:ext cx="6608625" cy="1054178"/>
-            <a:chOff x="733870" y="2653025"/>
-            <a:chExt cx="6608625" cy="1054178"/>
+            <a:off x="397550" y="2653025"/>
+            <a:ext cx="6944945" cy="1054178"/>
+            <a:chOff x="397550" y="2653025"/>
+            <a:chExt cx="6944945" cy="1054178"/>
           </a:xfrm>
         </p:grpSpPr>
         <p:pic>
@@ -8872,8 +10357,8 @@
           </p:nvSpPr>
           <p:spPr>
             <a:xfrm>
-              <a:off x="733870" y="2882496"/>
-              <a:ext cx="3466814" cy="369332"/>
+              <a:off x="397550" y="2914026"/>
+              <a:ext cx="3857146" cy="646331"/>
             </a:xfrm>
             <a:prstGeom prst="rect">
               <a:avLst/>
@@ -8887,11 +10372,12 @@
             <a:lstStyle/>
             <a:p>
               <a:r>
-                <a:rPr lang="en-US" dirty="0">
+                <a:rPr lang="es-ES_tradnl">
                   <a:latin typeface="Trebuchet MS"/>
                   <a:cs typeface="Trebuchet MS"/>
                 </a:rPr>
-                <a:t>Estimator of Covariance Matrix:</a:t>
+                <a:t>Estimador de Matriz de Covarianza:
+</a:t>
               </a:r>
             </a:p>
           </p:txBody>
@@ -8940,7 +10426,7 @@
           <a:lstStyle/>
           <a:p>
             <a:pPr algn="ctr"/>
-            <a:endParaRPr lang="en-US"/>
+            <a:endParaRPr lang="es-ES_tradnl"/>
           </a:p>
         </p:txBody>
       </p:sp>
@@ -9167,7 +10653,7 @@
 </p:sld>
 </file>
 
-<file path=ppt/slides/slide7.xml><?xml version="1.0" encoding="utf-8"?>
+<file path=ppt/slides/slide6.xml><?xml version="1.0" encoding="utf-8"?>
 <p:sld xmlns:a="http://schemas.openxmlformats.org/drawingml/2006/main" xmlns:r="http://schemas.openxmlformats.org/officeDocument/2006/relationships" xmlns:p="http://schemas.openxmlformats.org/presentationml/2006/main">
   <p:cSld>
     <p:spTree>
@@ -9193,7 +10679,7 @@
         <p:spPr>
           <a:xfrm>
             <a:off x="1261410" y="547630"/>
-            <a:ext cx="1864613" cy="369332"/>
+            <a:ext cx="2375971" cy="646331"/>
           </a:xfrm>
           <a:prstGeom prst="rect">
             <a:avLst/>
@@ -9207,11 +10693,12 @@
           <a:lstStyle/>
           <a:p>
             <a:r>
-              <a:rPr lang="en-US" dirty="0">
+              <a:rPr lang="es-ES_tradnl">
                 <a:latin typeface="Trebuchet MS"/>
                 <a:cs typeface="Trebuchet MS"/>
               </a:rPr>
-              <a:t>Bayes’ Classifier</a:t>
+              <a:t>Clasificador de Bayes
+</a:t>
             </a:r>
           </a:p>
         </p:txBody>
@@ -9575,7 +11062,7 @@
           <p:spPr>
             <a:xfrm>
               <a:off x="1131568" y="3214255"/>
-              <a:ext cx="2950259" cy="369332"/>
+              <a:ext cx="3415102" cy="369332"/>
             </a:xfrm>
             <a:prstGeom prst="rect">
               <a:avLst/>
@@ -9589,11 +11076,11 @@
             <a:lstStyle/>
             <a:p>
               <a:r>
-                <a:rPr lang="en-US" dirty="0">
+                <a:rPr lang="es-ES_tradnl">
                   <a:latin typeface="Trebuchet MS"/>
                   <a:cs typeface="Trebuchet MS"/>
                 </a:rPr>
-                <a:t>For Gaussian Distributions:</a:t>
+                <a:t>Para distribuciones Gaussianas:</a:t>
               </a:r>
             </a:p>
           </p:txBody>
@@ -9744,6 +11231,408 @@
           </p:txBody>
         </p:sp>
       </p:grpSp>
+      <p:grpSp>
+        <p:nvGrpSpPr>
+          <p:cNvPr id="5" name="Group 4">
+            <a:extLst>
+              <a:ext uri="{FF2B5EF4-FFF2-40B4-BE49-F238E27FC236}">
+                <a16:creationId xmlns:a16="http://schemas.microsoft.com/office/drawing/2014/main" id="{4A71A856-281C-D74A-B990-CAC93A51F991}"/>
+              </a:ext>
+            </a:extLst>
+          </p:cNvPr>
+          <p:cNvGrpSpPr/>
+          <p:nvPr/>
+        </p:nvGrpSpPr>
+        <p:grpSpPr>
+          <a:xfrm>
+            <a:off x="3637381" y="4277710"/>
+            <a:ext cx="3530674" cy="1497063"/>
+            <a:chOff x="3637381" y="4277710"/>
+            <a:chExt cx="3530674" cy="1497063"/>
+          </a:xfrm>
+        </p:grpSpPr>
+        <p:cxnSp>
+          <p:nvCxnSpPr>
+            <p:cNvPr id="3" name="Straight Connector 2">
+              <a:extLst>
+                <a:ext uri="{FF2B5EF4-FFF2-40B4-BE49-F238E27FC236}">
+                  <a16:creationId xmlns:a16="http://schemas.microsoft.com/office/drawing/2014/main" id="{542DF816-7E57-0A4B-A4E0-3A3A0A4F27DA}"/>
+                </a:ext>
+              </a:extLst>
+            </p:cNvPr>
+            <p:cNvCxnSpPr/>
+            <p:nvPr/>
+          </p:nvCxnSpPr>
+          <p:spPr>
+            <a:xfrm>
+              <a:off x="4813738" y="4277710"/>
+              <a:ext cx="2354317" cy="0"/>
+            </a:xfrm>
+            <a:prstGeom prst="line">
+              <a:avLst/>
+            </a:prstGeom>
+          </p:spPr>
+          <p:style>
+            <a:lnRef idx="2">
+              <a:schemeClr val="accent1"/>
+            </a:lnRef>
+            <a:fillRef idx="0">
+              <a:schemeClr val="accent1"/>
+            </a:fillRef>
+            <a:effectRef idx="1">
+              <a:schemeClr val="accent1"/>
+            </a:effectRef>
+            <a:fontRef idx="minor">
+              <a:schemeClr val="tx1"/>
+            </a:fontRef>
+          </p:style>
+        </p:cxnSp>
+        <p:cxnSp>
+          <p:nvCxnSpPr>
+            <p:cNvPr id="32" name="Straight Connector 31">
+              <a:extLst>
+                <a:ext uri="{FF2B5EF4-FFF2-40B4-BE49-F238E27FC236}">
+                  <a16:creationId xmlns:a16="http://schemas.microsoft.com/office/drawing/2014/main" id="{169D3776-2B03-7D4F-8AC3-5E01782A5E8E}"/>
+                </a:ext>
+              </a:extLst>
+            </p:cNvPr>
+            <p:cNvCxnSpPr>
+              <a:cxnSpLocks/>
+            </p:cNvCxnSpPr>
+            <p:nvPr/>
+          </p:nvCxnSpPr>
+          <p:spPr>
+            <a:xfrm>
+              <a:off x="3637381" y="5774773"/>
+              <a:ext cx="2865637" cy="0"/>
+            </a:xfrm>
+            <a:prstGeom prst="line">
+              <a:avLst/>
+            </a:prstGeom>
+          </p:spPr>
+          <p:style>
+            <a:lnRef idx="2">
+              <a:schemeClr val="accent1"/>
+            </a:lnRef>
+            <a:fillRef idx="0">
+              <a:schemeClr val="accent1"/>
+            </a:fillRef>
+            <a:effectRef idx="1">
+              <a:schemeClr val="accent1"/>
+            </a:effectRef>
+            <a:fontRef idx="minor">
+              <a:schemeClr val="tx1"/>
+            </a:fontRef>
+          </p:style>
+        </p:cxnSp>
+      </p:grpSp>
+      <p:grpSp>
+        <p:nvGrpSpPr>
+          <p:cNvPr id="33" name="Group 32">
+            <a:extLst>
+              <a:ext uri="{FF2B5EF4-FFF2-40B4-BE49-F238E27FC236}">
+                <a16:creationId xmlns:a16="http://schemas.microsoft.com/office/drawing/2014/main" id="{C39CA661-9F82-F044-8CF3-9CE9BF5573AB}"/>
+              </a:ext>
+            </a:extLst>
+          </p:cNvPr>
+          <p:cNvGrpSpPr/>
+          <p:nvPr/>
+        </p:nvGrpSpPr>
+        <p:grpSpPr>
+          <a:xfrm>
+            <a:off x="3528488" y="4269829"/>
+            <a:ext cx="4596009" cy="1497063"/>
+            <a:chOff x="2165140" y="4277710"/>
+            <a:chExt cx="4596009" cy="1497063"/>
+          </a:xfrm>
+        </p:grpSpPr>
+        <p:cxnSp>
+          <p:nvCxnSpPr>
+            <p:cNvPr id="34" name="Straight Connector 33">
+              <a:extLst>
+                <a:ext uri="{FF2B5EF4-FFF2-40B4-BE49-F238E27FC236}">
+                  <a16:creationId xmlns:a16="http://schemas.microsoft.com/office/drawing/2014/main" id="{A30995E6-719E-4246-A447-E74C3E0A65CE}"/>
+                </a:ext>
+              </a:extLst>
+            </p:cNvPr>
+            <p:cNvCxnSpPr/>
+            <p:nvPr/>
+          </p:nvCxnSpPr>
+          <p:spPr>
+            <a:xfrm>
+              <a:off x="2165140" y="4277710"/>
+              <a:ext cx="684000" cy="0"/>
+            </a:xfrm>
+            <a:prstGeom prst="line">
+              <a:avLst/>
+            </a:prstGeom>
+            <a:ln>
+              <a:solidFill>
+                <a:srgbClr val="FFC000"/>
+              </a:solidFill>
+            </a:ln>
+          </p:spPr>
+          <p:style>
+            <a:lnRef idx="2">
+              <a:schemeClr val="accent1"/>
+            </a:lnRef>
+            <a:fillRef idx="0">
+              <a:schemeClr val="accent1"/>
+            </a:fillRef>
+            <a:effectRef idx="1">
+              <a:schemeClr val="accent1"/>
+            </a:effectRef>
+            <a:fontRef idx="minor">
+              <a:schemeClr val="tx1"/>
+            </a:fontRef>
+          </p:style>
+        </p:cxnSp>
+        <p:cxnSp>
+          <p:nvCxnSpPr>
+            <p:cNvPr id="35" name="Straight Connector 34">
+              <a:extLst>
+                <a:ext uri="{FF2B5EF4-FFF2-40B4-BE49-F238E27FC236}">
+                  <a16:creationId xmlns:a16="http://schemas.microsoft.com/office/drawing/2014/main" id="{8228B6E2-DE7B-3D43-8D36-38048BB7FB0F}"/>
+                </a:ext>
+              </a:extLst>
+            </p:cNvPr>
+            <p:cNvCxnSpPr>
+              <a:cxnSpLocks/>
+            </p:cNvCxnSpPr>
+            <p:nvPr/>
+          </p:nvCxnSpPr>
+          <p:spPr>
+            <a:xfrm>
+              <a:off x="5310721" y="5774773"/>
+              <a:ext cx="1450428" cy="0"/>
+            </a:xfrm>
+            <a:prstGeom prst="line">
+              <a:avLst/>
+            </a:prstGeom>
+            <a:ln>
+              <a:solidFill>
+                <a:srgbClr val="FFC000"/>
+              </a:solidFill>
+            </a:ln>
+          </p:spPr>
+          <p:style>
+            <a:lnRef idx="2">
+              <a:schemeClr val="accent1"/>
+            </a:lnRef>
+            <a:fillRef idx="0">
+              <a:schemeClr val="accent1"/>
+            </a:fillRef>
+            <a:effectRef idx="1">
+              <a:schemeClr val="accent1"/>
+            </a:effectRef>
+            <a:fontRef idx="minor">
+              <a:schemeClr val="tx1"/>
+            </a:fontRef>
+          </p:style>
+        </p:cxnSp>
+      </p:grpSp>
+      <p:grpSp>
+        <p:nvGrpSpPr>
+          <p:cNvPr id="36" name="Group 35">
+            <a:extLst>
+              <a:ext uri="{FF2B5EF4-FFF2-40B4-BE49-F238E27FC236}">
+                <a16:creationId xmlns:a16="http://schemas.microsoft.com/office/drawing/2014/main" id="{65E59C0F-DAAA-8642-A5B4-40A11E6C9B49}"/>
+              </a:ext>
+            </a:extLst>
+          </p:cNvPr>
+          <p:cNvGrpSpPr/>
+          <p:nvPr/>
+        </p:nvGrpSpPr>
+        <p:grpSpPr>
+          <a:xfrm>
+            <a:off x="2608279" y="4274135"/>
+            <a:ext cx="2273225" cy="2138194"/>
+            <a:chOff x="4487924" y="3636579"/>
+            <a:chExt cx="2273225" cy="2138194"/>
+          </a:xfrm>
+        </p:grpSpPr>
+        <p:cxnSp>
+          <p:nvCxnSpPr>
+            <p:cNvPr id="37" name="Straight Connector 36">
+              <a:extLst>
+                <a:ext uri="{FF2B5EF4-FFF2-40B4-BE49-F238E27FC236}">
+                  <a16:creationId xmlns:a16="http://schemas.microsoft.com/office/drawing/2014/main" id="{0695E1F2-29A3-1842-A5A5-45D7F1EEF75D}"/>
+                </a:ext>
+              </a:extLst>
+            </p:cNvPr>
+            <p:cNvCxnSpPr/>
+            <p:nvPr/>
+          </p:nvCxnSpPr>
+          <p:spPr>
+            <a:xfrm>
+              <a:off x="4487924" y="3636579"/>
+              <a:ext cx="684000" cy="0"/>
+            </a:xfrm>
+            <a:prstGeom prst="line">
+              <a:avLst/>
+            </a:prstGeom>
+            <a:ln/>
+          </p:spPr>
+          <p:style>
+            <a:lnRef idx="2">
+              <a:schemeClr val="accent2"/>
+            </a:lnRef>
+            <a:fillRef idx="0">
+              <a:schemeClr val="accent2"/>
+            </a:fillRef>
+            <a:effectRef idx="1">
+              <a:schemeClr val="accent2"/>
+            </a:effectRef>
+            <a:fontRef idx="minor">
+              <a:schemeClr val="tx1"/>
+            </a:fontRef>
+          </p:style>
+        </p:cxnSp>
+        <p:cxnSp>
+          <p:nvCxnSpPr>
+            <p:cNvPr id="38" name="Straight Connector 37">
+              <a:extLst>
+                <a:ext uri="{FF2B5EF4-FFF2-40B4-BE49-F238E27FC236}">
+                  <a16:creationId xmlns:a16="http://schemas.microsoft.com/office/drawing/2014/main" id="{C06F6899-4F2D-1346-8F5F-A1BC2EBEA7D6}"/>
+                </a:ext>
+              </a:extLst>
+            </p:cNvPr>
+            <p:cNvCxnSpPr>
+              <a:cxnSpLocks/>
+            </p:cNvCxnSpPr>
+            <p:nvPr/>
+          </p:nvCxnSpPr>
+          <p:spPr>
+            <a:xfrm>
+              <a:off x="5310721" y="5774773"/>
+              <a:ext cx="1450428" cy="0"/>
+            </a:xfrm>
+            <a:prstGeom prst="line">
+              <a:avLst/>
+            </a:prstGeom>
+            <a:ln/>
+          </p:spPr>
+          <p:style>
+            <a:lnRef idx="2">
+              <a:schemeClr val="accent2"/>
+            </a:lnRef>
+            <a:fillRef idx="0">
+              <a:schemeClr val="accent2"/>
+            </a:fillRef>
+            <a:effectRef idx="1">
+              <a:schemeClr val="accent2"/>
+            </a:effectRef>
+            <a:fontRef idx="minor">
+              <a:schemeClr val="tx1"/>
+            </a:fontRef>
+          </p:style>
+        </p:cxnSp>
+      </p:grpSp>
+      <p:grpSp>
+        <p:nvGrpSpPr>
+          <p:cNvPr id="39" name="Group 38">
+            <a:extLst>
+              <a:ext uri="{FF2B5EF4-FFF2-40B4-BE49-F238E27FC236}">
+                <a16:creationId xmlns:a16="http://schemas.microsoft.com/office/drawing/2014/main" id="{DA57B9E4-4E06-B543-90E2-ACE70785CC5B}"/>
+              </a:ext>
+            </a:extLst>
+          </p:cNvPr>
+          <p:cNvGrpSpPr/>
+          <p:nvPr/>
+        </p:nvGrpSpPr>
+        <p:grpSpPr>
+          <a:xfrm>
+            <a:off x="5151652" y="5086720"/>
+            <a:ext cx="1450428" cy="1318389"/>
+            <a:chOff x="5310721" y="4456384"/>
+            <a:chExt cx="1450428" cy="1318389"/>
+          </a:xfrm>
+        </p:grpSpPr>
+        <p:cxnSp>
+          <p:nvCxnSpPr>
+            <p:cNvPr id="40" name="Straight Connector 39">
+              <a:extLst>
+                <a:ext uri="{FF2B5EF4-FFF2-40B4-BE49-F238E27FC236}">
+                  <a16:creationId xmlns:a16="http://schemas.microsoft.com/office/drawing/2014/main" id="{43D8A739-0B63-D945-BF31-65F4128E2872}"/>
+                </a:ext>
+              </a:extLst>
+            </p:cNvPr>
+            <p:cNvCxnSpPr/>
+            <p:nvPr/>
+          </p:nvCxnSpPr>
+          <p:spPr>
+            <a:xfrm>
+              <a:off x="5433849" y="4456384"/>
+              <a:ext cx="1116000" cy="0"/>
+            </a:xfrm>
+            <a:prstGeom prst="line">
+              <a:avLst/>
+            </a:prstGeom>
+            <a:ln>
+              <a:solidFill>
+                <a:srgbClr val="00B050"/>
+              </a:solidFill>
+            </a:ln>
+          </p:spPr>
+          <p:style>
+            <a:lnRef idx="2">
+              <a:schemeClr val="accent1"/>
+            </a:lnRef>
+            <a:fillRef idx="0">
+              <a:schemeClr val="accent1"/>
+            </a:fillRef>
+            <a:effectRef idx="1">
+              <a:schemeClr val="accent1"/>
+            </a:effectRef>
+            <a:fontRef idx="minor">
+              <a:schemeClr val="tx1"/>
+            </a:fontRef>
+          </p:style>
+        </p:cxnSp>
+        <p:cxnSp>
+          <p:nvCxnSpPr>
+            <p:cNvPr id="41" name="Straight Connector 40">
+              <a:extLst>
+                <a:ext uri="{FF2B5EF4-FFF2-40B4-BE49-F238E27FC236}">
+                  <a16:creationId xmlns:a16="http://schemas.microsoft.com/office/drawing/2014/main" id="{76EE8203-DC9B-A847-BF9B-06C332F1549D}"/>
+                </a:ext>
+              </a:extLst>
+            </p:cNvPr>
+            <p:cNvCxnSpPr>
+              <a:cxnSpLocks/>
+            </p:cNvCxnSpPr>
+            <p:nvPr/>
+          </p:nvCxnSpPr>
+          <p:spPr>
+            <a:xfrm>
+              <a:off x="5310721" y="5774773"/>
+              <a:ext cx="1450428" cy="0"/>
+            </a:xfrm>
+            <a:prstGeom prst="line">
+              <a:avLst/>
+            </a:prstGeom>
+            <a:ln>
+              <a:solidFill>
+                <a:srgbClr val="00B050"/>
+              </a:solidFill>
+            </a:ln>
+          </p:spPr>
+          <p:style>
+            <a:lnRef idx="2">
+              <a:schemeClr val="accent1"/>
+            </a:lnRef>
+            <a:fillRef idx="0">
+              <a:schemeClr val="accent1"/>
+            </a:fillRef>
+            <a:effectRef idx="1">
+              <a:schemeClr val="accent1"/>
+            </a:effectRef>
+            <a:fontRef idx="minor">
+              <a:schemeClr val="tx1"/>
+            </a:fontRef>
+          </p:style>
+        </p:cxnSp>
+      </p:grpSp>
     </p:spTree>
     <p:extLst>
       <p:ext uri="{BB962C8B-B14F-4D97-AF65-F5344CB8AC3E}">
@@ -9788,7 +11677,7 @@
                                           </p:stCondLst>
                                         </p:cTn>
                                         <p:tgtEl>
-                                          <p:spTgt spid="29"/>
+                                          <p:spTgt spid="16"/>
                                         </p:tgtEl>
                                         <p:attrNameLst>
                                           <p:attrName>style.visibility</p:attrName>
@@ -9833,7 +11722,277 @@
                                           </p:stCondLst>
                                         </p:cTn>
                                         <p:tgtEl>
+                                          <p:spTgt spid="20"/>
+                                        </p:tgtEl>
+                                        <p:attrNameLst>
+                                          <p:attrName>style.visibility</p:attrName>
+                                        </p:attrNameLst>
+                                      </p:cBhvr>
+                                      <p:to>
+                                        <p:strVal val="visible"/>
+                                      </p:to>
+                                    </p:set>
+                                  </p:childTnLst>
+                                </p:cTn>
+                              </p:par>
+                            </p:childTnLst>
+                          </p:cTn>
+                        </p:par>
+                      </p:childTnLst>
+                    </p:cTn>
+                  </p:par>
+                  <p:par>
+                    <p:cTn id="11" fill="hold">
+                      <p:stCondLst>
+                        <p:cond delay="indefinite"/>
+                      </p:stCondLst>
+                      <p:childTnLst>
+                        <p:par>
+                          <p:cTn id="12" fill="hold">
+                            <p:stCondLst>
+                              <p:cond delay="0"/>
+                            </p:stCondLst>
+                            <p:childTnLst>
+                              <p:par>
+                                <p:cTn id="13" presetID="1" presetClass="entr" presetSubtype="0" fill="hold" nodeType="clickEffect">
+                                  <p:stCondLst>
+                                    <p:cond delay="0"/>
+                                  </p:stCondLst>
+                                  <p:childTnLst>
+                                    <p:set>
+                                      <p:cBhvr>
+                                        <p:cTn id="14" dur="1" fill="hold">
+                                          <p:stCondLst>
+                                            <p:cond delay="0"/>
+                                          </p:stCondLst>
+                                        </p:cTn>
+                                        <p:tgtEl>
+                                          <p:spTgt spid="29"/>
+                                        </p:tgtEl>
+                                        <p:attrNameLst>
+                                          <p:attrName>style.visibility</p:attrName>
+                                        </p:attrNameLst>
+                                      </p:cBhvr>
+                                      <p:to>
+                                        <p:strVal val="visible"/>
+                                      </p:to>
+                                    </p:set>
+                                  </p:childTnLst>
+                                </p:cTn>
+                              </p:par>
+                            </p:childTnLst>
+                          </p:cTn>
+                        </p:par>
+                      </p:childTnLst>
+                    </p:cTn>
+                  </p:par>
+                  <p:par>
+                    <p:cTn id="15" fill="hold">
+                      <p:stCondLst>
+                        <p:cond delay="indefinite"/>
+                      </p:stCondLst>
+                      <p:childTnLst>
+                        <p:par>
+                          <p:cTn id="16" fill="hold">
+                            <p:stCondLst>
+                              <p:cond delay="0"/>
+                            </p:stCondLst>
+                            <p:childTnLst>
+                              <p:par>
+                                <p:cTn id="17" presetID="1" presetClass="entr" presetSubtype="0" fill="hold" nodeType="clickEffect">
+                                  <p:stCondLst>
+                                    <p:cond delay="0"/>
+                                  </p:stCondLst>
+                                  <p:childTnLst>
+                                    <p:set>
+                                      <p:cBhvr>
+                                        <p:cTn id="18" dur="1" fill="hold">
+                                          <p:stCondLst>
+                                            <p:cond delay="0"/>
+                                          </p:stCondLst>
+                                        </p:cTn>
+                                        <p:tgtEl>
                                           <p:spTgt spid="11"/>
+                                        </p:tgtEl>
+                                        <p:attrNameLst>
+                                          <p:attrName>style.visibility</p:attrName>
+                                        </p:attrNameLst>
+                                      </p:cBhvr>
+                                      <p:to>
+                                        <p:strVal val="visible"/>
+                                      </p:to>
+                                    </p:set>
+                                  </p:childTnLst>
+                                </p:cTn>
+                              </p:par>
+                            </p:childTnLst>
+                          </p:cTn>
+                        </p:par>
+                      </p:childTnLst>
+                    </p:cTn>
+                  </p:par>
+                  <p:par>
+                    <p:cTn id="19" fill="hold">
+                      <p:stCondLst>
+                        <p:cond delay="indefinite"/>
+                      </p:stCondLst>
+                      <p:childTnLst>
+                        <p:par>
+                          <p:cTn id="20" fill="hold">
+                            <p:stCondLst>
+                              <p:cond delay="0"/>
+                            </p:stCondLst>
+                            <p:childTnLst>
+                              <p:par>
+                                <p:cTn id="21" presetID="1" presetClass="entr" presetSubtype="0" fill="hold" nodeType="clickEffect">
+                                  <p:stCondLst>
+                                    <p:cond delay="0"/>
+                                  </p:stCondLst>
+                                  <p:childTnLst>
+                                    <p:set>
+                                      <p:cBhvr>
+                                        <p:cTn id="22" dur="1" fill="hold">
+                                          <p:stCondLst>
+                                            <p:cond delay="0"/>
+                                          </p:stCondLst>
+                                        </p:cTn>
+                                        <p:tgtEl>
+                                          <p:spTgt spid="5"/>
+                                        </p:tgtEl>
+                                        <p:attrNameLst>
+                                          <p:attrName>style.visibility</p:attrName>
+                                        </p:attrNameLst>
+                                      </p:cBhvr>
+                                      <p:to>
+                                        <p:strVal val="visible"/>
+                                      </p:to>
+                                    </p:set>
+                                  </p:childTnLst>
+                                </p:cTn>
+                              </p:par>
+                            </p:childTnLst>
+                          </p:cTn>
+                        </p:par>
+                      </p:childTnLst>
+                    </p:cTn>
+                  </p:par>
+                  <p:par>
+                    <p:cTn id="23" fill="hold">
+                      <p:stCondLst>
+                        <p:cond delay="indefinite"/>
+                      </p:stCondLst>
+                      <p:childTnLst>
+                        <p:par>
+                          <p:cTn id="24" fill="hold">
+                            <p:stCondLst>
+                              <p:cond delay="0"/>
+                            </p:stCondLst>
+                            <p:childTnLst>
+                              <p:par>
+                                <p:cTn id="25" presetID="1" presetClass="entr" presetSubtype="0" fill="hold" nodeType="clickEffect">
+                                  <p:stCondLst>
+                                    <p:cond delay="0"/>
+                                  </p:stCondLst>
+                                  <p:childTnLst>
+                                    <p:set>
+                                      <p:cBhvr>
+                                        <p:cTn id="26" dur="1" fill="hold">
+                                          <p:stCondLst>
+                                            <p:cond delay="0"/>
+                                          </p:stCondLst>
+                                        </p:cTn>
+                                        <p:tgtEl>
+                                          <p:spTgt spid="33"/>
+                                        </p:tgtEl>
+                                        <p:attrNameLst>
+                                          <p:attrName>style.visibility</p:attrName>
+                                        </p:attrNameLst>
+                                      </p:cBhvr>
+                                      <p:to>
+                                        <p:strVal val="visible"/>
+                                      </p:to>
+                                    </p:set>
+                                  </p:childTnLst>
+                                </p:cTn>
+                              </p:par>
+                            </p:childTnLst>
+                          </p:cTn>
+                        </p:par>
+                      </p:childTnLst>
+                    </p:cTn>
+                  </p:par>
+                  <p:par>
+                    <p:cTn id="27" fill="hold">
+                      <p:stCondLst>
+                        <p:cond delay="indefinite"/>
+                      </p:stCondLst>
+                      <p:childTnLst>
+                        <p:par>
+                          <p:cTn id="28" fill="hold">
+                            <p:stCondLst>
+                              <p:cond delay="0"/>
+                            </p:stCondLst>
+                            <p:childTnLst>
+                              <p:par>
+                                <p:cTn id="29" presetID="1" presetClass="entr" presetSubtype="0" fill="hold" nodeType="clickEffect">
+                                  <p:stCondLst>
+                                    <p:cond delay="0"/>
+                                  </p:stCondLst>
+                                  <p:childTnLst>
+                                    <p:set>
+                                      <p:cBhvr>
+                                        <p:cTn id="30" dur="1" fill="hold">
+                                          <p:stCondLst>
+                                            <p:cond delay="0"/>
+                                          </p:stCondLst>
+                                        </p:cTn>
+                                        <p:tgtEl>
+                                          <p:spTgt spid="36"/>
+                                        </p:tgtEl>
+                                        <p:attrNameLst>
+                                          <p:attrName>style.visibility</p:attrName>
+                                        </p:attrNameLst>
+                                      </p:cBhvr>
+                                      <p:to>
+                                        <p:strVal val="visible"/>
+                                      </p:to>
+                                    </p:set>
+                                  </p:childTnLst>
+                                </p:cTn>
+                              </p:par>
+                            </p:childTnLst>
+                          </p:cTn>
+                        </p:par>
+                      </p:childTnLst>
+                    </p:cTn>
+                  </p:par>
+                  <p:par>
+                    <p:cTn id="31" fill="hold">
+                      <p:stCondLst>
+                        <p:cond delay="indefinite"/>
+                      </p:stCondLst>
+                      <p:childTnLst>
+                        <p:par>
+                          <p:cTn id="32" fill="hold">
+                            <p:stCondLst>
+                              <p:cond delay="0"/>
+                            </p:stCondLst>
+                            <p:childTnLst>
+                              <p:par>
+                                <p:cTn id="33" presetID="1" presetClass="entr" presetSubtype="0" fill="hold" nodeType="clickEffect">
+                                  <p:stCondLst>
+                                    <p:cond delay="0"/>
+                                  </p:stCondLst>
+                                  <p:childTnLst>
+                                    <p:set>
+                                      <p:cBhvr>
+                                        <p:cTn id="34" dur="1" fill="hold">
+                                          <p:stCondLst>
+                                            <p:cond delay="0"/>
+                                          </p:stCondLst>
+                                        </p:cTn>
+                                        <p:tgtEl>
+                                          <p:spTgt spid="39"/>
                                         </p:tgtEl>
                                         <p:attrNameLst>
                                           <p:attrName>style.visibility</p:attrName>
@@ -9877,7 +12036,7 @@
 </p:sld>
 </file>
 
-<file path=ppt/slides/slide8.xml><?xml version="1.0" encoding="utf-8"?>
+<file path=ppt/slides/slide7.xml><?xml version="1.0" encoding="utf-8"?>
 <p:sld xmlns:a="http://schemas.openxmlformats.org/drawingml/2006/main" xmlns:r="http://schemas.openxmlformats.org/officeDocument/2006/relationships" xmlns:p="http://schemas.openxmlformats.org/presentationml/2006/main">
   <p:cSld>
     <p:spTree>
@@ -10149,7 +12308,7 @@
         <p:spPr>
           <a:xfrm>
             <a:off x="1182376" y="4133475"/>
-            <a:ext cx="6526851" cy="369332"/>
+            <a:ext cx="6838732" cy="369332"/>
           </a:xfrm>
           <a:prstGeom prst="rect">
             <a:avLst/>
@@ -10163,23 +12322,12 @@
           <a:lstStyle/>
           <a:p>
             <a:r>
-              <a:rPr lang="en-US" dirty="0">
+              <a:rPr lang="es-ES_tradnl" dirty="0">
                 <a:latin typeface="Trebuchet MS"/>
                 <a:cs typeface="Trebuchet MS"/>
               </a:rPr>
-              <a:t>This term is constant, it can be removed from </a:t>
-            </a:r>
-            <a:r>
-              <a:rPr lang="en-US">
-                <a:latin typeface="Trebuchet MS"/>
-                <a:cs typeface="Trebuchet MS"/>
-              </a:rPr>
-              <a:t>the inequality.</a:t>
-            </a:r>
-            <a:endParaRPr lang="en-US" dirty="0">
-              <a:latin typeface="Trebuchet MS"/>
-              <a:cs typeface="Trebuchet MS"/>
-            </a:endParaRPr>
+              <a:t>Este término es constante, se puede eliminar de la desigualdad.</a:t>
+            </a:r>
           </a:p>
         </p:txBody>
       </p:sp>
@@ -10420,33 +12568,15 @@
                                   </p:childTnLst>
                                 </p:cTn>
                               </p:par>
-                            </p:childTnLst>
-                          </p:cTn>
-                        </p:par>
-                      </p:childTnLst>
-                    </p:cTn>
-                  </p:par>
-                  <p:par>
-                    <p:cTn id="7" fill="hold">
-                      <p:stCondLst>
-                        <p:cond delay="indefinite"/>
-                      </p:stCondLst>
-                      <p:childTnLst>
-                        <p:par>
-                          <p:cTn id="8" fill="hold">
-                            <p:stCondLst>
-                              <p:cond delay="0"/>
-                            </p:stCondLst>
-                            <p:childTnLst>
                               <p:par>
-                                <p:cTn id="9" presetID="1" presetClass="entr" presetSubtype="0" fill="hold" grpId="0" nodeType="clickEffect">
+                                <p:cTn id="7" presetID="1" presetClass="entr" presetSubtype="0" fill="hold" grpId="0" nodeType="withEffect">
                                   <p:stCondLst>
                                     <p:cond delay="0"/>
                                   </p:stCondLst>
                                   <p:childTnLst>
                                     <p:set>
                                       <p:cBhvr>
-                                        <p:cTn id="10" dur="1" fill="hold">
+                                        <p:cTn id="8" dur="1" fill="hold">
                                           <p:stCondLst>
                                             <p:cond delay="0"/>
                                           </p:stCondLst>
@@ -10496,6 +12626,293 @@
       <p:bldP spid="3" grpId="0"/>
     </p:bldLst>
   </p:timing>
+</p:sld>
+</file>
+
+<file path=ppt/slides/slide8.xml><?xml version="1.0" encoding="utf-8"?>
+<p:sld xmlns:a="http://schemas.openxmlformats.org/drawingml/2006/main" xmlns:r="http://schemas.openxmlformats.org/officeDocument/2006/relationships" xmlns:p="http://schemas.openxmlformats.org/presentationml/2006/main">
+  <p:cSld>
+    <p:spTree>
+      <p:nvGrpSpPr>
+        <p:cNvPr id="1" name=""/>
+        <p:cNvGrpSpPr/>
+        <p:nvPr/>
+      </p:nvGrpSpPr>
+      <p:grpSpPr>
+        <a:xfrm>
+          <a:off x="0" y="0"/>
+          <a:ext cx="0" cy="0"/>
+          <a:chOff x="0" y="0"/>
+          <a:chExt cx="0" cy="0"/>
+        </a:xfrm>
+      </p:grpSpPr>
+      <p:sp>
+        <p:nvSpPr>
+          <p:cNvPr id="7" name="TextBox 6">
+            <a:extLst>
+              <a:ext uri="{FF2B5EF4-FFF2-40B4-BE49-F238E27FC236}">
+                <a16:creationId xmlns:a16="http://schemas.microsoft.com/office/drawing/2014/main" id="{024E1C10-73BD-FB44-B57E-7BF0017B39AE}"/>
+              </a:ext>
+            </a:extLst>
+          </p:cNvPr>
+          <p:cNvSpPr txBox="1"/>
+          <p:nvPr/>
+        </p:nvSpPr>
+        <p:spPr>
+          <a:xfrm>
+            <a:off x="1587062" y="1575894"/>
+            <a:ext cx="1168910" cy="369332"/>
+          </a:xfrm>
+          <a:prstGeom prst="rect">
+            <a:avLst/>
+          </a:prstGeom>
+          <a:noFill/>
+        </p:spPr>
+        <p:txBody>
+          <a:bodyPr wrap="none" rtlCol="0">
+            <a:spAutoFit/>
+          </a:bodyPr>
+          <a:lstStyle/>
+          <a:p>
+            <a:r>
+              <a:rPr lang="en-US" dirty="0">
+                <a:latin typeface="Trebuchet MS" panose="020B0703020202090204" pitchFamily="34" charset="0"/>
+              </a:rPr>
+              <a:t>TRAINING</a:t>
+            </a:r>
+          </a:p>
+        </p:txBody>
+      </p:sp>
+      <p:sp>
+        <p:nvSpPr>
+          <p:cNvPr id="8" name="TextBox 7">
+            <a:extLst>
+              <a:ext uri="{FF2B5EF4-FFF2-40B4-BE49-F238E27FC236}">
+                <a16:creationId xmlns:a16="http://schemas.microsoft.com/office/drawing/2014/main" id="{53D37474-A788-3140-8F24-DFB62D279098}"/>
+              </a:ext>
+            </a:extLst>
+          </p:cNvPr>
+          <p:cNvSpPr txBox="1"/>
+          <p:nvPr/>
+        </p:nvSpPr>
+        <p:spPr>
+          <a:xfrm>
+            <a:off x="6469118" y="1575894"/>
+            <a:ext cx="1055097" cy="369332"/>
+          </a:xfrm>
+          <a:prstGeom prst="rect">
+            <a:avLst/>
+          </a:prstGeom>
+          <a:noFill/>
+        </p:spPr>
+        <p:txBody>
+          <a:bodyPr wrap="none" rtlCol="0">
+            <a:spAutoFit/>
+          </a:bodyPr>
+          <a:lstStyle/>
+          <a:p>
+            <a:r>
+              <a:rPr lang="en-US" dirty="0">
+                <a:latin typeface="Trebuchet MS" panose="020B0703020202090204" pitchFamily="34" charset="0"/>
+              </a:rPr>
+              <a:t>TESTING</a:t>
+            </a:r>
+          </a:p>
+        </p:txBody>
+      </p:sp>
+      <p:sp>
+        <p:nvSpPr>
+          <p:cNvPr id="9" name="TextBox 8">
+            <a:extLst>
+              <a:ext uri="{FF2B5EF4-FFF2-40B4-BE49-F238E27FC236}">
+                <a16:creationId xmlns:a16="http://schemas.microsoft.com/office/drawing/2014/main" id="{A13B80FF-E6F6-AB4A-8355-39A01E2E1450}"/>
+              </a:ext>
+            </a:extLst>
+          </p:cNvPr>
+          <p:cNvSpPr txBox="1"/>
+          <p:nvPr/>
+        </p:nvSpPr>
+        <p:spPr>
+          <a:xfrm>
+            <a:off x="457200" y="544811"/>
+            <a:ext cx="1500732" cy="523220"/>
+          </a:xfrm>
+          <a:prstGeom prst="rect">
+            <a:avLst/>
+          </a:prstGeom>
+          <a:noFill/>
+        </p:spPr>
+        <p:txBody>
+          <a:bodyPr wrap="none" rtlCol="0">
+            <a:spAutoFit/>
+          </a:bodyPr>
+          <a:lstStyle/>
+          <a:p>
+            <a:r>
+              <a:rPr lang="es-ES_tradnl" sz="2800">
+                <a:latin typeface="Trebuchet MS" panose="020B0703020202090204" pitchFamily="34" charset="0"/>
+              </a:rPr>
+              <a:t>Ejemplo</a:t>
+            </a:r>
+          </a:p>
+        </p:txBody>
+      </p:sp>
+      <p:pic>
+        <p:nvPicPr>
+          <p:cNvPr id="4" name="Picture 3">
+            <a:extLst>
+              <a:ext uri="{FF2B5EF4-FFF2-40B4-BE49-F238E27FC236}">
+                <a16:creationId xmlns:a16="http://schemas.microsoft.com/office/drawing/2014/main" id="{B80F5D12-06CB-5C47-9CFA-1CE11691700F}"/>
+              </a:ext>
+            </a:extLst>
+          </p:cNvPr>
+          <p:cNvPicPr>
+            <a:picLocks noChangeAspect="1"/>
+          </p:cNvPicPr>
+          <p:nvPr/>
+        </p:nvPicPr>
+        <p:blipFill>
+          <a:blip r:embed="rId2"/>
+          <a:stretch>
+            <a:fillRect/>
+          </a:stretch>
+        </p:blipFill>
+        <p:spPr>
+          <a:xfrm>
+            <a:off x="0" y="2047121"/>
+            <a:ext cx="9144000" cy="3751729"/>
+          </a:xfrm>
+          <a:prstGeom prst="rect">
+            <a:avLst/>
+          </a:prstGeom>
+        </p:spPr>
+      </p:pic>
+      <p:sp>
+        <p:nvSpPr>
+          <p:cNvPr id="11" name="Rectangle 10">
+            <a:extLst>
+              <a:ext uri="{FF2B5EF4-FFF2-40B4-BE49-F238E27FC236}">
+                <a16:creationId xmlns:a16="http://schemas.microsoft.com/office/drawing/2014/main" id="{ABA6BABD-B4A5-8642-A54E-DEA9A83127CC}"/>
+              </a:ext>
+            </a:extLst>
+          </p:cNvPr>
+          <p:cNvSpPr/>
+          <p:nvPr/>
+        </p:nvSpPr>
+        <p:spPr>
+          <a:xfrm>
+            <a:off x="1860238" y="1206562"/>
+            <a:ext cx="696024" cy="369332"/>
+          </a:xfrm>
+          <a:prstGeom prst="rect">
+            <a:avLst/>
+          </a:prstGeom>
+        </p:spPr>
+        <p:txBody>
+          <a:bodyPr wrap="none">
+            <a:spAutoFit/>
+          </a:bodyPr>
+          <a:lstStyle/>
+          <a:p>
+            <a:r>
+              <a:rPr lang="es-ES_tradnl" dirty="0">
+                <a:latin typeface="Trebuchet MS" panose="020B0703020202090204" pitchFamily="34" charset="0"/>
+              </a:rPr>
+              <a:t>(</a:t>
+            </a:r>
+            <a:r>
+              <a:rPr lang="es-ES_tradnl" dirty="0" err="1">
+                <a:latin typeface="Trebuchet MS" panose="020B0703020202090204" pitchFamily="34" charset="0"/>
+              </a:rPr>
+              <a:t>X,d</a:t>
+            </a:r>
+            <a:r>
+              <a:rPr lang="es-ES_tradnl" dirty="0">
+                <a:latin typeface="Trebuchet MS" panose="020B0703020202090204" pitchFamily="34" charset="0"/>
+              </a:rPr>
+              <a:t>)</a:t>
+            </a:r>
+            <a:endParaRPr lang="en-US" dirty="0"/>
+          </a:p>
+        </p:txBody>
+      </p:sp>
+      <p:sp>
+        <p:nvSpPr>
+          <p:cNvPr id="12" name="Rectangle 11">
+            <a:extLst>
+              <a:ext uri="{FF2B5EF4-FFF2-40B4-BE49-F238E27FC236}">
+                <a16:creationId xmlns:a16="http://schemas.microsoft.com/office/drawing/2014/main" id="{07074503-D2D2-1449-AB47-2471CBE58787}"/>
+              </a:ext>
+            </a:extLst>
+          </p:cNvPr>
+          <p:cNvSpPr/>
+          <p:nvPr/>
+        </p:nvSpPr>
+        <p:spPr>
+          <a:xfrm>
+            <a:off x="6587739" y="1206562"/>
+            <a:ext cx="817853" cy="369332"/>
+          </a:xfrm>
+          <a:prstGeom prst="rect">
+            <a:avLst/>
+          </a:prstGeom>
+        </p:spPr>
+        <p:txBody>
+          <a:bodyPr wrap="none">
+            <a:spAutoFit/>
+          </a:bodyPr>
+          <a:lstStyle/>
+          <a:p>
+            <a:r>
+              <a:rPr lang="es-ES_tradnl" dirty="0">
+                <a:latin typeface="Trebuchet MS" panose="020B0703020202090204" pitchFamily="34" charset="0"/>
+              </a:rPr>
+              <a:t>(</a:t>
+            </a:r>
+            <a:r>
+              <a:rPr lang="es-ES_tradnl" dirty="0" err="1">
+                <a:latin typeface="Trebuchet MS" panose="020B0703020202090204" pitchFamily="34" charset="0"/>
+              </a:rPr>
+              <a:t>X</a:t>
+            </a:r>
+            <a:r>
+              <a:rPr lang="es-ES_tradnl" baseline="-25000" dirty="0" err="1">
+                <a:latin typeface="Trebuchet MS" panose="020B0703020202090204" pitchFamily="34" charset="0"/>
+              </a:rPr>
+              <a:t>t</a:t>
+            </a:r>
+            <a:r>
+              <a:rPr lang="es-ES_tradnl" dirty="0" err="1">
+                <a:latin typeface="Trebuchet MS" panose="020B0703020202090204" pitchFamily="34" charset="0"/>
+              </a:rPr>
+              <a:t>,d</a:t>
+            </a:r>
+            <a:r>
+              <a:rPr lang="es-ES_tradnl" baseline="-25000" dirty="0" err="1">
+                <a:latin typeface="Trebuchet MS" panose="020B0703020202090204" pitchFamily="34" charset="0"/>
+              </a:rPr>
+              <a:t>t</a:t>
+            </a:r>
+            <a:r>
+              <a:rPr lang="es-ES_tradnl" dirty="0">
+                <a:latin typeface="Trebuchet MS" panose="020B0703020202090204" pitchFamily="34" charset="0"/>
+              </a:rPr>
+              <a:t>)</a:t>
+            </a:r>
+            <a:endParaRPr lang="en-US" dirty="0"/>
+          </a:p>
+        </p:txBody>
+      </p:sp>
+    </p:spTree>
+    <p:extLst>
+      <p:ext uri="{BB962C8B-B14F-4D97-AF65-F5344CB8AC3E}">
+        <p14:creationId xmlns:p14="http://schemas.microsoft.com/office/powerpoint/2010/main" val="3234831169"/>
+      </p:ext>
+    </p:extLst>
+  </p:cSld>
+  <p:clrMapOvr>
+    <a:masterClrMapping/>
+  </p:clrMapOvr>
 </p:sld>
 </file>
 
@@ -10770,8 +13187,8 @@
         </p:nvSpPr>
         <p:spPr>
           <a:xfrm>
-            <a:off x="641463" y="4092031"/>
-            <a:ext cx="8145942" cy="369332"/>
+            <a:off x="630953" y="4092031"/>
+            <a:ext cx="7996163" cy="646331"/>
           </a:xfrm>
           <a:prstGeom prst="rect">
             <a:avLst/>
@@ -10785,46 +13202,26 @@
           <a:lstStyle/>
           <a:p>
             <a:r>
-              <a:rPr lang="en-US" dirty="0">
+              <a:rPr lang="es-ES_tradnl">
                 <a:latin typeface="Trebuchet MS"/>
                 <a:cs typeface="Trebuchet MS"/>
               </a:rPr>
-              <a:t>In LDA (Linear Discriminant Analysis) it is assumed that </a:t>
-            </a:r>
-            <a:r>
-              <a:rPr lang="en-US" dirty="0" err="1">
+              <a:t>En LDA (Análisis Discriminante Lineal) se supone que Σ</a:t>
+            </a:r>
+            <a:r>
+              <a:rPr lang="es-ES_tradnl" baseline="-25000">
                 <a:latin typeface="Trebuchet MS"/>
                 <a:cs typeface="Trebuchet MS"/>
               </a:rPr>
-              <a:t>Σ</a:t>
-            </a:r>
-            <a:r>
-              <a:rPr lang="en-US" baseline="-25000" dirty="0" err="1">
+              <a:t>i</a:t>
+            </a:r>
+            <a:r>
+              <a:rPr lang="es-ES_tradnl">
                 <a:latin typeface="Trebuchet MS"/>
                 <a:cs typeface="Trebuchet MS"/>
               </a:rPr>
-              <a:t>i</a:t>
-            </a:r>
-            <a:r>
-              <a:rPr lang="en-US" dirty="0">
-                <a:latin typeface="Trebuchet MS"/>
-                <a:cs typeface="Trebuchet MS"/>
-              </a:rPr>
-              <a:t> = </a:t>
-            </a:r>
-            <a:r>
-              <a:rPr lang="en-US" dirty="0" err="1">
-                <a:latin typeface="Trebuchet MS"/>
-                <a:cs typeface="Trebuchet MS"/>
-              </a:rPr>
-              <a:t>Σ</a:t>
-            </a:r>
-            <a:r>
-              <a:rPr lang="en-US" dirty="0">
-                <a:latin typeface="Trebuchet MS"/>
-                <a:cs typeface="Trebuchet MS"/>
-              </a:rPr>
-              <a:t> (it is constant).</a:t>
+              <a:t> = Σ  (es constante) .
+</a:t>
             </a:r>
           </a:p>
         </p:txBody>
@@ -10907,8 +13304,8 @@
         </p:nvSpPr>
         <p:spPr>
           <a:xfrm>
-            <a:off x="678401" y="4898643"/>
-            <a:ext cx="8173736" cy="646331"/>
+            <a:off x="646871" y="4898643"/>
+            <a:ext cx="8173736" cy="923330"/>
           </a:xfrm>
           <a:prstGeom prst="rect">
             <a:avLst/>
@@ -10922,67 +13319,61 @@
           <a:lstStyle/>
           <a:p>
             <a:r>
-              <a:rPr lang="en-US" dirty="0" err="1">
+              <a:rPr lang="es-ES_tradnl" dirty="0" err="1">
                 <a:latin typeface="Trebuchet MS"/>
                 <a:cs typeface="Trebuchet MS"/>
               </a:rPr>
               <a:t>Σ</a:t>
             </a:r>
             <a:r>
-              <a:rPr lang="en-US" baseline="-25000" dirty="0">
+              <a:rPr lang="es-ES_tradnl" dirty="0">
                 <a:latin typeface="Trebuchet MS"/>
                 <a:cs typeface="Trebuchet MS"/>
               </a:rPr>
-              <a:t> </a:t>
-            </a:r>
-            <a:r>
-              <a:rPr lang="en-US" dirty="0">
+              <a:t> se calcula a partir de datos de entrenamiento. Una buena estimación es el promedio de las matrices de covarianza individuales: </a:t>
+            </a:r>
+            <a:r>
+              <a:rPr lang="es-ES_tradnl" dirty="0" err="1">
                 <a:latin typeface="Trebuchet MS"/>
                 <a:cs typeface="Trebuchet MS"/>
               </a:rPr>
-              <a:t>is computed from training data. A good estimation is the average of the individual covariance matrices: </a:t>
-            </a:r>
-            <a:r>
-              <a:rPr lang="en-US" dirty="0" err="1">
+              <a:t>Σ</a:t>
+            </a:r>
+            <a:r>
+              <a:rPr lang="es-ES_tradnl" dirty="0">
                 <a:latin typeface="Trebuchet MS"/>
                 <a:cs typeface="Trebuchet MS"/>
               </a:rPr>
-              <a:t>Σ</a:t>
-            </a:r>
-            <a:r>
-              <a:rPr lang="en-US" dirty="0">
+              <a:t> = (Σ</a:t>
+            </a:r>
+            <a:r>
+              <a:rPr lang="es-ES_tradnl" baseline="-25000" dirty="0">
                 <a:latin typeface="Trebuchet MS"/>
                 <a:cs typeface="Trebuchet MS"/>
               </a:rPr>
-              <a:t> = (Σ</a:t>
-            </a:r>
-            <a:r>
-              <a:rPr lang="en-US" baseline="-25000" dirty="0">
+              <a:t>1</a:t>
+            </a:r>
+            <a:r>
+              <a:rPr lang="es-ES_tradnl" dirty="0">
                 <a:latin typeface="Trebuchet MS"/>
                 <a:cs typeface="Trebuchet MS"/>
               </a:rPr>
-              <a:t>1</a:t>
-            </a:r>
-            <a:r>
-              <a:rPr lang="en-US" dirty="0">
+              <a:t>+Σ</a:t>
+            </a:r>
+            <a:r>
+              <a:rPr lang="es-ES_tradnl" baseline="-25000" dirty="0">
                 <a:latin typeface="Trebuchet MS"/>
                 <a:cs typeface="Trebuchet MS"/>
               </a:rPr>
-              <a:t>+Σ</a:t>
-            </a:r>
-            <a:r>
-              <a:rPr lang="en-US" baseline="-25000" dirty="0">
+              <a:t>2</a:t>
+            </a:r>
+            <a:r>
+              <a:rPr lang="es-ES_tradnl" dirty="0">
                 <a:latin typeface="Trebuchet MS"/>
                 <a:cs typeface="Trebuchet MS"/>
               </a:rPr>
-              <a:t>2</a:t>
-            </a:r>
-            <a:r>
-              <a:rPr lang="en-US" dirty="0">
-                <a:latin typeface="Trebuchet MS"/>
-                <a:cs typeface="Trebuchet MS"/>
-              </a:rPr>
-              <a:t>)/2</a:t>
+              <a:t>)/2 
+</a:t>
             </a:r>
           </a:p>
         </p:txBody>

--- a/clases/Cap04_Clasificacion/presentations/PAT04_LDA.pptx
+++ b/clases/Cap04_Clasificacion/presentations/PAT04_LDA.pptx
@@ -5645,7 +5645,7 @@
         <p:spPr>
           <a:xfrm>
             <a:off x="1072384" y="4092031"/>
-            <a:ext cx="5447325" cy="923330"/>
+            <a:ext cx="5264583" cy="646331"/>
           </a:xfrm>
           <a:prstGeom prst="rect">
             <a:avLst/>
@@ -5714,27 +5714,14 @@
               </a:rPr>
               <a:t> </a:t>
             </a:r>
+          </a:p>
+          <a:p>
             <a:r>
               <a:rPr lang="es-ES_tradnl" dirty="0">
                 <a:latin typeface="Trebuchet MS"/>
                 <a:cs typeface="LM Roman 10 Regular"/>
               </a:rPr>
-              <a:t>y </a:t>
-            </a:r>
-          </a:p>
-          <a:p>
-            <a:endParaRPr lang="es-ES_tradnl" dirty="0">
-              <a:latin typeface="Trebuchet MS"/>
-              <a:cs typeface="LM Roman 10 Regular"/>
-            </a:endParaRPr>
-          </a:p>
-          <a:p>
-            <a:r>
-              <a:rPr lang="es-ES_tradnl" dirty="0">
-                <a:latin typeface="Trebuchet MS"/>
-                <a:cs typeface="LM Roman 10 Regular"/>
-              </a:rPr>
-              <a:t>las matrices </a:t>
+              <a:t>y las matrices </a:t>
             </a:r>
             <a:r>
               <a:rPr lang="es-ES_tradnl" dirty="0" err="1">
